--- a/Docs/Presentacion.pptx
+++ b/Docs/Presentacion.pptx
@@ -2,10 +2,17 @@
 <file path=ppt/presentation.xml><?xml version="1.0" encoding="utf-8"?>
 <p:presentation xmlns:a="http://schemas.openxmlformats.org/drawingml/2006/main" xmlns:r="http://schemas.openxmlformats.org/officeDocument/2006/relationships" xmlns:p="http://schemas.openxmlformats.org/presentationml/2006/main" saveSubsetFonts="1">
   <p:sldMasterIdLst>
-    <p:sldMasterId id="2147483648" r:id="rId1"/>
+    <p:sldMasterId id="2147483748" r:id="rId1"/>
   </p:sldMasterIdLst>
   <p:sldIdLst>
     <p:sldId id="256" r:id="rId2"/>
+    <p:sldId id="258" r:id="rId3"/>
+    <p:sldId id="259" r:id="rId4"/>
+    <p:sldId id="260" r:id="rId5"/>
+    <p:sldId id="263" r:id="rId6"/>
+    <p:sldId id="264" r:id="rId7"/>
+    <p:sldId id="261" r:id="rId8"/>
+    <p:sldId id="262" r:id="rId9"/>
   </p:sldIdLst>
   <p:sldSz cx="12192000" cy="6858000"/>
   <p:notesSz cx="6858000" cy="9144000"/>
@@ -104,12 +111,17 @@
       </a:defRPr>
     </a:lvl9pPr>
   </p:defaultTextStyle>
+  <p:extLst>
+    <p:ext uri="{EFAFB233-063F-42B5-8137-9DF3F51BA10A}">
+      <p15:sldGuideLst xmlns:p15="http://schemas.microsoft.com/office/powerpoint/2012/main"/>
+    </p:ext>
+  </p:extLst>
 </p:presentation>
 </file>
 
 <file path=ppt/slideLayouts/slideLayout1.xml><?xml version="1.0" encoding="utf-8"?>
 <p:sldLayout xmlns:a="http://schemas.openxmlformats.org/drawingml/2006/main" xmlns:r="http://schemas.openxmlformats.org/officeDocument/2006/relationships" xmlns:p="http://schemas.openxmlformats.org/presentationml/2006/main" type="title" preserve="1">
-  <p:cSld name="Diapositiva de título">
+  <p:cSld name="Title Slide">
     <p:spTree>
       <p:nvGrpSpPr>
         <p:cNvPr id="1" name=""/>
@@ -126,10 +138,10 @@
       </p:grpSpPr>
       <p:sp>
         <p:nvSpPr>
-          <p:cNvPr id="2" name="Título 1">
+          <p:cNvPr id="2" name="Title 1">
             <a:extLst>
               <a:ext uri="{FF2B5EF4-FFF2-40B4-BE49-F238E27FC236}">
-                <a16:creationId xmlns:a16="http://schemas.microsoft.com/office/drawing/2014/main" id="{9E487985-EE21-4D60-9C12-F880A4D954ED}"/>
+                <a16:creationId xmlns:a16="http://schemas.microsoft.com/office/drawing/2014/main" id="{B17C81A0-FB7A-4357-8B37-1EC930D1E098}"/>
               </a:ext>
             </a:extLst>
           </p:cNvPr>
@@ -142,8 +154,8 @@
         </p:nvSpPr>
         <p:spPr>
           <a:xfrm>
-            <a:off x="1524000" y="1122363"/>
-            <a:ext cx="9144000" cy="2387600"/>
+            <a:off x="762000" y="1523999"/>
+            <a:ext cx="10668000" cy="1985963"/>
           </a:xfrm>
         </p:spPr>
         <p:txBody>
@@ -155,18 +167,19 @@
           </a:lstStyle>
           <a:p>
             <a:r>
-              <a:rPr lang="es-ES"/>
-              <a:t>Haga clic para modificar el estilo de título del patrón</a:t>
+              <a:rPr lang="en-US"/>
+              <a:t>Click to edit Master title style</a:t>
             </a:r>
+            <a:endParaRPr lang="en-US" dirty="0"/>
           </a:p>
         </p:txBody>
       </p:sp>
       <p:sp>
         <p:nvSpPr>
-          <p:cNvPr id="3" name="Subtítulo 2">
+          <p:cNvPr id="3" name="Subtitle 2">
             <a:extLst>
               <a:ext uri="{FF2B5EF4-FFF2-40B4-BE49-F238E27FC236}">
-                <a16:creationId xmlns:a16="http://schemas.microsoft.com/office/drawing/2014/main" id="{5C4E6E6C-7C85-49D3-974C-0D7D791ED3ED}"/>
+                <a16:creationId xmlns:a16="http://schemas.microsoft.com/office/drawing/2014/main" id="{7D3C075C-7238-4F43-87E7-63A35BE6900C}"/>
               </a:ext>
             </a:extLst>
           </p:cNvPr>
@@ -179,8 +192,8 @@
         </p:nvSpPr>
         <p:spPr>
           <a:xfrm>
-            <a:off x="1524000" y="3602038"/>
-            <a:ext cx="9144000" cy="1655762"/>
+            <a:off x="762000" y="3809999"/>
+            <a:ext cx="10667998" cy="1985963"/>
           </a:xfrm>
         </p:spPr>
         <p:txBody>
@@ -225,18 +238,19 @@
           </a:lstStyle>
           <a:p>
             <a:r>
-              <a:rPr lang="es-ES"/>
-              <a:t>Haga clic para modificar el estilo de subtítulo del patrón</a:t>
+              <a:rPr lang="en-US"/>
+              <a:t>Click to edit Master subtitle style</a:t>
             </a:r>
+            <a:endParaRPr lang="en-US" dirty="0"/>
           </a:p>
         </p:txBody>
       </p:sp>
       <p:sp>
         <p:nvSpPr>
-          <p:cNvPr id="4" name="Marcador de fecha 3">
+          <p:cNvPr id="4" name="Date Placeholder 3">
             <a:extLst>
               <a:ext uri="{FF2B5EF4-FFF2-40B4-BE49-F238E27FC236}">
-                <a16:creationId xmlns:a16="http://schemas.microsoft.com/office/drawing/2014/main" id="{2A835C69-ECE4-4713-ADAB-EF19C15BE8CB}"/>
+                <a16:creationId xmlns:a16="http://schemas.microsoft.com/office/drawing/2014/main" id="{0AB67EEB-ABA8-4DA9-803B-0C6CD8A1284C}"/>
               </a:ext>
             </a:extLst>
           </p:cNvPr>
@@ -249,23 +263,23 @@
         </p:nvSpPr>
         <p:spPr/>
         <p:txBody>
-          <a:bodyPr/>
+          <a:bodyPr anchor="b" anchorCtr="0"/>
           <a:lstStyle/>
           <a:p>
-            <a:fld id="{3A88AB2D-6D37-4B95-8893-F043CC567266}" type="datetimeFigureOut">
-              <a:rPr lang="es-ES" smtClean="0"/>
-              <a:t>22/10/2020</a:t>
+            <a:fld id="{F4D57BDD-E64A-4D27-8978-82FFCA18A12C}" type="datetimeFigureOut">
+              <a:rPr lang="en-US" smtClean="0"/>
+              <a:t>10/23/2020</a:t>
             </a:fld>
-            <a:endParaRPr lang="es-ES"/>
+            <a:endParaRPr lang="en-US"/>
           </a:p>
         </p:txBody>
       </p:sp>
       <p:sp>
         <p:nvSpPr>
-          <p:cNvPr id="5" name="Marcador de pie de página 4">
+          <p:cNvPr id="5" name="Footer Placeholder 4">
             <a:extLst>
               <a:ext uri="{FF2B5EF4-FFF2-40B4-BE49-F238E27FC236}">
-                <a16:creationId xmlns:a16="http://schemas.microsoft.com/office/drawing/2014/main" id="{6182666B-AA05-44CE-84C2-6ADBE6825AFB}"/>
+                <a16:creationId xmlns:a16="http://schemas.microsoft.com/office/drawing/2014/main" id="{0FCFD314-1E75-41B9-A585-4F4A32A347AD}"/>
               </a:ext>
             </a:extLst>
           </p:cNvPr>
@@ -281,16 +295,16 @@
           <a:bodyPr/>
           <a:lstStyle/>
           <a:p>
-            <a:endParaRPr lang="es-ES"/>
+            <a:endParaRPr lang="en-US"/>
           </a:p>
         </p:txBody>
       </p:sp>
       <p:sp>
         <p:nvSpPr>
-          <p:cNvPr id="6" name="Marcador de número de diapositiva 5">
+          <p:cNvPr id="6" name="Slide Number Placeholder 5">
             <a:extLst>
               <a:ext uri="{FF2B5EF4-FFF2-40B4-BE49-F238E27FC236}">
-                <a16:creationId xmlns:a16="http://schemas.microsoft.com/office/drawing/2014/main" id="{F0600893-1E00-46BC-86F1-AF3A9BF202E8}"/>
+                <a16:creationId xmlns:a16="http://schemas.microsoft.com/office/drawing/2014/main" id="{0A0CC8E8-C649-4A81-BF53-F078B2A98453}"/>
               </a:ext>
             </a:extLst>
           </p:cNvPr>
@@ -306,18 +320,18 @@
           <a:bodyPr/>
           <a:lstStyle/>
           <a:p>
-            <a:fld id="{BE905BA4-064D-4516-8A73-B883F231C664}" type="slidenum">
-              <a:rPr lang="es-ES" smtClean="0"/>
+            <a:fld id="{D643A852-0206-46AC-B0EB-645612933129}" type="slidenum">
+              <a:rPr lang="en-US" smtClean="0"/>
               <a:t>‹Nº›</a:t>
             </a:fld>
-            <a:endParaRPr lang="es-ES"/>
+            <a:endParaRPr lang="en-US" dirty="0"/>
           </a:p>
         </p:txBody>
       </p:sp>
     </p:spTree>
     <p:extLst>
       <p:ext uri="{BB962C8B-B14F-4D97-AF65-F5344CB8AC3E}">
-        <p14:creationId xmlns:p14="http://schemas.microsoft.com/office/powerpoint/2010/main" val="542398977"/>
+        <p14:creationId xmlns:p14="http://schemas.microsoft.com/office/powerpoint/2010/main" val="1797927914"/>
       </p:ext>
     </p:extLst>
   </p:cSld>
@@ -329,7 +343,7 @@
 
 <file path=ppt/slideLayouts/slideLayout10.xml><?xml version="1.0" encoding="utf-8"?>
 <p:sldLayout xmlns:a="http://schemas.openxmlformats.org/drawingml/2006/main" xmlns:r="http://schemas.openxmlformats.org/officeDocument/2006/relationships" xmlns:p="http://schemas.openxmlformats.org/presentationml/2006/main" type="vertTx" preserve="1">
-  <p:cSld name="Título y texto vertical">
+  <p:cSld name="Title and Vertical Text">
     <p:spTree>
       <p:nvGrpSpPr>
         <p:cNvPr id="1" name=""/>
@@ -346,10 +360,10 @@
       </p:grpSpPr>
       <p:sp>
         <p:nvSpPr>
-          <p:cNvPr id="2" name="Título 1">
+          <p:cNvPr id="2" name="Title 1">
             <a:extLst>
               <a:ext uri="{FF2B5EF4-FFF2-40B4-BE49-F238E27FC236}">
-                <a16:creationId xmlns:a16="http://schemas.microsoft.com/office/drawing/2014/main" id="{FC87F090-3370-4AA9-A406-C4F37B2B284B}"/>
+                <a16:creationId xmlns:a16="http://schemas.microsoft.com/office/drawing/2014/main" id="{662CE73F-2F7C-4941-9B13-ACB43A4983EC}"/>
               </a:ext>
             </a:extLst>
           </p:cNvPr>
@@ -360,24 +374,30 @@
             <p:ph type="title"/>
           </p:nvPr>
         </p:nvSpPr>
-        <p:spPr/>
+        <p:spPr>
+          <a:xfrm>
+            <a:off x="762000" y="1524000"/>
+            <a:ext cx="9144000" cy="1523999"/>
+          </a:xfrm>
+        </p:spPr>
         <p:txBody>
           <a:bodyPr/>
           <a:lstStyle/>
           <a:p>
             <a:r>
-              <a:rPr lang="es-ES"/>
-              <a:t>Haga clic para modificar el estilo de título del patrón</a:t>
+              <a:rPr lang="en-US"/>
+              <a:t>Click to edit Master title style</a:t>
             </a:r>
+            <a:endParaRPr lang="en-US" dirty="0"/>
           </a:p>
         </p:txBody>
       </p:sp>
       <p:sp>
         <p:nvSpPr>
-          <p:cNvPr id="3" name="Marcador de texto vertical 2">
+          <p:cNvPr id="3" name="Vertical Text Placeholder 2">
             <a:extLst>
               <a:ext uri="{FF2B5EF4-FFF2-40B4-BE49-F238E27FC236}">
-                <a16:creationId xmlns:a16="http://schemas.microsoft.com/office/drawing/2014/main" id="{1804A09D-CA26-489C-98E5-8B52326E84BD}"/>
+                <a16:creationId xmlns:a16="http://schemas.microsoft.com/office/drawing/2014/main" id="{38BC107E-F2BE-4057-B06B-1E50FD12B561}"/>
               </a:ext>
             </a:extLst>
           </p:cNvPr>
@@ -388,53 +408,58 @@
             <p:ph type="body" orient="vert" idx="1"/>
           </p:nvPr>
         </p:nvSpPr>
-        <p:spPr/>
+        <p:spPr>
+          <a:xfrm>
+            <a:off x="762000" y="3048000"/>
+            <a:ext cx="10668000" cy="3048000"/>
+          </a:xfrm>
+        </p:spPr>
         <p:txBody>
           <a:bodyPr vert="eaVert"/>
           <a:lstStyle/>
           <a:p>
             <a:pPr lvl="0"/>
             <a:r>
-              <a:rPr lang="es-ES"/>
-              <a:t>Haga clic para modificar los estilos de texto del patrón</a:t>
+              <a:rPr lang="en-US"/>
+              <a:t>Click to edit Master text styles</a:t>
             </a:r>
           </a:p>
           <a:p>
             <a:pPr lvl="1"/>
             <a:r>
-              <a:rPr lang="es-ES"/>
-              <a:t>Segundo nivel</a:t>
+              <a:rPr lang="en-US"/>
+              <a:t>Second level</a:t>
             </a:r>
           </a:p>
           <a:p>
             <a:pPr lvl="2"/>
             <a:r>
-              <a:rPr lang="es-ES"/>
-              <a:t>Tercer nivel</a:t>
+              <a:rPr lang="en-US"/>
+              <a:t>Third level</a:t>
             </a:r>
           </a:p>
           <a:p>
             <a:pPr lvl="3"/>
             <a:r>
-              <a:rPr lang="es-ES"/>
-              <a:t>Cuarto nivel</a:t>
+              <a:rPr lang="en-US"/>
+              <a:t>Fourth level</a:t>
             </a:r>
           </a:p>
           <a:p>
             <a:pPr lvl="4"/>
             <a:r>
-              <a:rPr lang="es-ES"/>
-              <a:t>Quinto nivel</a:t>
+              <a:rPr lang="en-US"/>
+              <a:t>Fifth level</a:t>
             </a:r>
           </a:p>
         </p:txBody>
       </p:sp>
       <p:sp>
         <p:nvSpPr>
-          <p:cNvPr id="4" name="Marcador de fecha 3">
+          <p:cNvPr id="4" name="Date Placeholder 3">
             <a:extLst>
               <a:ext uri="{FF2B5EF4-FFF2-40B4-BE49-F238E27FC236}">
-                <a16:creationId xmlns:a16="http://schemas.microsoft.com/office/drawing/2014/main" id="{86ECF3C2-8389-4925-8279-9BB22F83124F}"/>
+                <a16:creationId xmlns:a16="http://schemas.microsoft.com/office/drawing/2014/main" id="{23B9D7D8-1932-4215-A6E0-C16DA0DDB8B8}"/>
               </a:ext>
             </a:extLst>
           </p:cNvPr>
@@ -450,20 +475,20 @@
           <a:bodyPr/>
           <a:lstStyle/>
           <a:p>
-            <a:fld id="{3A88AB2D-6D37-4B95-8893-F043CC567266}" type="datetimeFigureOut">
-              <a:rPr lang="es-ES" smtClean="0"/>
-              <a:t>22/10/2020</a:t>
+            <a:fld id="{F4D57BDD-E64A-4D27-8978-82FFCA18A12C}" type="datetimeFigureOut">
+              <a:rPr lang="en-US" smtClean="0"/>
+              <a:t>10/23/2020</a:t>
             </a:fld>
-            <a:endParaRPr lang="es-ES"/>
+            <a:endParaRPr lang="en-US"/>
           </a:p>
         </p:txBody>
       </p:sp>
       <p:sp>
         <p:nvSpPr>
-          <p:cNvPr id="5" name="Marcador de pie de página 4">
+          <p:cNvPr id="5" name="Footer Placeholder 4">
             <a:extLst>
               <a:ext uri="{FF2B5EF4-FFF2-40B4-BE49-F238E27FC236}">
-                <a16:creationId xmlns:a16="http://schemas.microsoft.com/office/drawing/2014/main" id="{816EC284-6B25-494F-B3F8-8780A5F6C66C}"/>
+                <a16:creationId xmlns:a16="http://schemas.microsoft.com/office/drawing/2014/main" id="{4378B662-65E3-47B2-AD95-B041B57F3B96}"/>
               </a:ext>
             </a:extLst>
           </p:cNvPr>
@@ -479,16 +504,16 @@
           <a:bodyPr/>
           <a:lstStyle/>
           <a:p>
-            <a:endParaRPr lang="es-ES"/>
+            <a:endParaRPr lang="en-US"/>
           </a:p>
         </p:txBody>
       </p:sp>
       <p:sp>
         <p:nvSpPr>
-          <p:cNvPr id="6" name="Marcador de número de diapositiva 5">
+          <p:cNvPr id="6" name="Slide Number Placeholder 5">
             <a:extLst>
               <a:ext uri="{FF2B5EF4-FFF2-40B4-BE49-F238E27FC236}">
-                <a16:creationId xmlns:a16="http://schemas.microsoft.com/office/drawing/2014/main" id="{DBB413B5-EC54-492B-B0EC-282335431809}"/>
+                <a16:creationId xmlns:a16="http://schemas.microsoft.com/office/drawing/2014/main" id="{B393DBC5-88B5-4F2A-A0E3-752CB421737A}"/>
               </a:ext>
             </a:extLst>
           </p:cNvPr>
@@ -504,18 +529,18 @@
           <a:bodyPr/>
           <a:lstStyle/>
           <a:p>
-            <a:fld id="{BE905BA4-064D-4516-8A73-B883F231C664}" type="slidenum">
-              <a:rPr lang="es-ES" smtClean="0"/>
+            <a:fld id="{D643A852-0206-46AC-B0EB-645612933129}" type="slidenum">
+              <a:rPr lang="en-US" smtClean="0"/>
               <a:t>‹Nº›</a:t>
             </a:fld>
-            <a:endParaRPr lang="es-ES"/>
+            <a:endParaRPr lang="en-US"/>
           </a:p>
         </p:txBody>
       </p:sp>
     </p:spTree>
     <p:extLst>
       <p:ext uri="{BB962C8B-B14F-4D97-AF65-F5344CB8AC3E}">
-        <p14:creationId xmlns:p14="http://schemas.microsoft.com/office/powerpoint/2010/main" val="1440687761"/>
+        <p14:creationId xmlns:p14="http://schemas.microsoft.com/office/powerpoint/2010/main" val="1745297922"/>
       </p:ext>
     </p:extLst>
   </p:cSld>
@@ -527,7 +552,7 @@
 
 <file path=ppt/slideLayouts/slideLayout11.xml><?xml version="1.0" encoding="utf-8"?>
 <p:sldLayout xmlns:a="http://schemas.openxmlformats.org/drawingml/2006/main" xmlns:r="http://schemas.openxmlformats.org/officeDocument/2006/relationships" xmlns:p="http://schemas.openxmlformats.org/presentationml/2006/main" type="vertTitleAndTx" preserve="1">
-  <p:cSld name="Título vertical y texto">
+  <p:cSld name="Vertical Title and Text">
     <p:spTree>
       <p:nvGrpSpPr>
         <p:cNvPr id="1" name=""/>
@@ -544,10 +569,10 @@
       </p:grpSpPr>
       <p:sp>
         <p:nvSpPr>
-          <p:cNvPr id="2" name="Título vertical 1">
+          <p:cNvPr id="2" name="Vertical Title 1">
             <a:extLst>
               <a:ext uri="{FF2B5EF4-FFF2-40B4-BE49-F238E27FC236}">
-                <a16:creationId xmlns:a16="http://schemas.microsoft.com/office/drawing/2014/main" id="{0E594C76-9487-4D4B-B39F-55AF9189A282}"/>
+                <a16:creationId xmlns:a16="http://schemas.microsoft.com/office/drawing/2014/main" id="{9B6599DF-5B13-4800-ADD7-3A2A2F1C4889}"/>
               </a:ext>
             </a:extLst>
           </p:cNvPr>
@@ -560,8 +585,8 @@
         </p:nvSpPr>
         <p:spPr>
           <a:xfrm>
-            <a:off x="8724900" y="365125"/>
-            <a:ext cx="2628900" cy="5811838"/>
+            <a:off x="8724900" y="1523999"/>
+            <a:ext cx="2705100" cy="4572001"/>
           </a:xfrm>
         </p:spPr>
         <p:txBody>
@@ -569,18 +594,18 @@
           <a:lstStyle/>
           <a:p>
             <a:r>
-              <a:rPr lang="es-ES"/>
-              <a:t>Haga clic para modificar el estilo de título del patrón</a:t>
+              <a:rPr lang="en-US"/>
+              <a:t>Click to edit Master title style</a:t>
             </a:r>
           </a:p>
         </p:txBody>
       </p:sp>
       <p:sp>
         <p:nvSpPr>
-          <p:cNvPr id="3" name="Marcador de texto vertical 2">
+          <p:cNvPr id="3" name="Vertical Text Placeholder 2">
             <a:extLst>
               <a:ext uri="{FF2B5EF4-FFF2-40B4-BE49-F238E27FC236}">
-                <a16:creationId xmlns:a16="http://schemas.microsoft.com/office/drawing/2014/main" id="{0695C8A4-99A2-46F5-9120-2A1A7F60CFDD}"/>
+                <a16:creationId xmlns:a16="http://schemas.microsoft.com/office/drawing/2014/main" id="{CB191E12-22D9-4DA9-A336-EA6A8B9B55B8}"/>
               </a:ext>
             </a:extLst>
           </p:cNvPr>
@@ -593,8 +618,8 @@
         </p:nvSpPr>
         <p:spPr>
           <a:xfrm>
-            <a:off x="838200" y="365125"/>
-            <a:ext cx="7734300" cy="5811838"/>
+            <a:off x="762000" y="1524000"/>
+            <a:ext cx="7620000" cy="4572000"/>
           </a:xfrm>
         </p:spPr>
         <p:txBody>
@@ -603,46 +628,46 @@
           <a:p>
             <a:pPr lvl="0"/>
             <a:r>
-              <a:rPr lang="es-ES"/>
-              <a:t>Haga clic para modificar los estilos de texto del patrón</a:t>
+              <a:rPr lang="en-US"/>
+              <a:t>Click to edit Master text styles</a:t>
             </a:r>
           </a:p>
           <a:p>
             <a:pPr lvl="1"/>
             <a:r>
-              <a:rPr lang="es-ES"/>
-              <a:t>Segundo nivel</a:t>
+              <a:rPr lang="en-US"/>
+              <a:t>Second level</a:t>
             </a:r>
           </a:p>
           <a:p>
             <a:pPr lvl="2"/>
             <a:r>
-              <a:rPr lang="es-ES"/>
-              <a:t>Tercer nivel</a:t>
+              <a:rPr lang="en-US"/>
+              <a:t>Third level</a:t>
             </a:r>
           </a:p>
           <a:p>
             <a:pPr lvl="3"/>
             <a:r>
-              <a:rPr lang="es-ES"/>
-              <a:t>Cuarto nivel</a:t>
+              <a:rPr lang="en-US"/>
+              <a:t>Fourth level</a:t>
             </a:r>
           </a:p>
           <a:p>
             <a:pPr lvl="4"/>
             <a:r>
-              <a:rPr lang="es-ES"/>
-              <a:t>Quinto nivel</a:t>
+              <a:rPr lang="en-US"/>
+              <a:t>Fifth level</a:t>
             </a:r>
           </a:p>
         </p:txBody>
       </p:sp>
       <p:sp>
         <p:nvSpPr>
-          <p:cNvPr id="4" name="Marcador de fecha 3">
+          <p:cNvPr id="4" name="Date Placeholder 3">
             <a:extLst>
               <a:ext uri="{FF2B5EF4-FFF2-40B4-BE49-F238E27FC236}">
-                <a16:creationId xmlns:a16="http://schemas.microsoft.com/office/drawing/2014/main" id="{B2ACCA29-C822-4FC9-AC85-609C34B2AEAF}"/>
+                <a16:creationId xmlns:a16="http://schemas.microsoft.com/office/drawing/2014/main" id="{F122A1D5-B7EF-43A4-81EF-B5A7EA35616B}"/>
               </a:ext>
             </a:extLst>
           </p:cNvPr>
@@ -658,20 +683,20 @@
           <a:bodyPr/>
           <a:lstStyle/>
           <a:p>
-            <a:fld id="{3A88AB2D-6D37-4B95-8893-F043CC567266}" type="datetimeFigureOut">
-              <a:rPr lang="es-ES" smtClean="0"/>
-              <a:t>22/10/2020</a:t>
+            <a:fld id="{F4D57BDD-E64A-4D27-8978-82FFCA18A12C}" type="datetimeFigureOut">
+              <a:rPr lang="en-US" smtClean="0"/>
+              <a:t>10/23/2020</a:t>
             </a:fld>
-            <a:endParaRPr lang="es-ES"/>
+            <a:endParaRPr lang="en-US"/>
           </a:p>
         </p:txBody>
       </p:sp>
       <p:sp>
         <p:nvSpPr>
-          <p:cNvPr id="5" name="Marcador de pie de página 4">
+          <p:cNvPr id="5" name="Footer Placeholder 4">
             <a:extLst>
               <a:ext uri="{FF2B5EF4-FFF2-40B4-BE49-F238E27FC236}">
-                <a16:creationId xmlns:a16="http://schemas.microsoft.com/office/drawing/2014/main" id="{54D73139-10B8-4C06-9279-7B2E7BB39831}"/>
+                <a16:creationId xmlns:a16="http://schemas.microsoft.com/office/drawing/2014/main" id="{66809DFB-4410-42BF-B886-C984E3A53FE6}"/>
               </a:ext>
             </a:extLst>
           </p:cNvPr>
@@ -687,16 +712,16 @@
           <a:bodyPr/>
           <a:lstStyle/>
           <a:p>
-            <a:endParaRPr lang="es-ES"/>
+            <a:endParaRPr lang="en-US"/>
           </a:p>
         </p:txBody>
       </p:sp>
       <p:sp>
         <p:nvSpPr>
-          <p:cNvPr id="6" name="Marcador de número de diapositiva 5">
+          <p:cNvPr id="6" name="Slide Number Placeholder 5">
             <a:extLst>
               <a:ext uri="{FF2B5EF4-FFF2-40B4-BE49-F238E27FC236}">
-                <a16:creationId xmlns:a16="http://schemas.microsoft.com/office/drawing/2014/main" id="{13AB375E-7B2C-4705-BEC7-F48221697E69}"/>
+                <a16:creationId xmlns:a16="http://schemas.microsoft.com/office/drawing/2014/main" id="{556487E8-E9A0-429E-88E5-34B1BE86BD23}"/>
               </a:ext>
             </a:extLst>
           </p:cNvPr>
@@ -712,18 +737,18 @@
           <a:bodyPr/>
           <a:lstStyle/>
           <a:p>
-            <a:fld id="{BE905BA4-064D-4516-8A73-B883F231C664}" type="slidenum">
-              <a:rPr lang="es-ES" smtClean="0"/>
+            <a:fld id="{D643A852-0206-46AC-B0EB-645612933129}" type="slidenum">
+              <a:rPr lang="en-US" smtClean="0"/>
               <a:t>‹Nº›</a:t>
             </a:fld>
-            <a:endParaRPr lang="es-ES"/>
+            <a:endParaRPr lang="en-US"/>
           </a:p>
         </p:txBody>
       </p:sp>
     </p:spTree>
     <p:extLst>
       <p:ext uri="{BB962C8B-B14F-4D97-AF65-F5344CB8AC3E}">
-        <p14:creationId xmlns:p14="http://schemas.microsoft.com/office/powerpoint/2010/main" val="2355900880"/>
+        <p14:creationId xmlns:p14="http://schemas.microsoft.com/office/powerpoint/2010/main" val="792437903"/>
       </p:ext>
     </p:extLst>
   </p:cSld>
@@ -735,7 +760,7 @@
 
 <file path=ppt/slideLayouts/slideLayout2.xml><?xml version="1.0" encoding="utf-8"?>
 <p:sldLayout xmlns:a="http://schemas.openxmlformats.org/drawingml/2006/main" xmlns:r="http://schemas.openxmlformats.org/officeDocument/2006/relationships" xmlns:p="http://schemas.openxmlformats.org/presentationml/2006/main" type="obj" preserve="1">
-  <p:cSld name="Título y objetos">
+  <p:cSld name="Title and Content">
     <p:spTree>
       <p:nvGrpSpPr>
         <p:cNvPr id="1" name=""/>
@@ -752,10 +777,10 @@
       </p:grpSpPr>
       <p:sp>
         <p:nvSpPr>
-          <p:cNvPr id="2" name="Título 1">
+          <p:cNvPr id="2" name="Title 1">
             <a:extLst>
               <a:ext uri="{FF2B5EF4-FFF2-40B4-BE49-F238E27FC236}">
-                <a16:creationId xmlns:a16="http://schemas.microsoft.com/office/drawing/2014/main" id="{818AE2C7-C58C-45AF-98F5-5799F20E9D99}"/>
+                <a16:creationId xmlns:a16="http://schemas.microsoft.com/office/drawing/2014/main" id="{2A56A6A6-C260-4F8B-99DF-249C907BE516}"/>
               </a:ext>
             </a:extLst>
           </p:cNvPr>
@@ -772,18 +797,18 @@
           <a:lstStyle/>
           <a:p>
             <a:r>
-              <a:rPr lang="es-ES"/>
-              <a:t>Haga clic para modificar el estilo de título del patrón</a:t>
+              <a:rPr lang="en-US"/>
+              <a:t>Click to edit Master title style</a:t>
             </a:r>
           </a:p>
         </p:txBody>
       </p:sp>
       <p:sp>
         <p:nvSpPr>
-          <p:cNvPr id="3" name="Marcador de contenido 2">
+          <p:cNvPr id="3" name="Content Placeholder 2">
             <a:extLst>
               <a:ext uri="{FF2B5EF4-FFF2-40B4-BE49-F238E27FC236}">
-                <a16:creationId xmlns:a16="http://schemas.microsoft.com/office/drawing/2014/main" id="{F7941221-7536-4136-B665-DC0047E35DCD}"/>
+                <a16:creationId xmlns:a16="http://schemas.microsoft.com/office/drawing/2014/main" id="{C536F8CB-5C97-4437-A672-4E43D0E5AE83}"/>
               </a:ext>
             </a:extLst>
           </p:cNvPr>
@@ -801,46 +826,46 @@
           <a:p>
             <a:pPr lvl="0"/>
             <a:r>
-              <a:rPr lang="es-ES"/>
-              <a:t>Haga clic para modificar los estilos de texto del patrón</a:t>
+              <a:rPr lang="en-US"/>
+              <a:t>Click to edit Master text styles</a:t>
             </a:r>
           </a:p>
           <a:p>
             <a:pPr lvl="1"/>
             <a:r>
-              <a:rPr lang="es-ES"/>
-              <a:t>Segundo nivel</a:t>
+              <a:rPr lang="en-US"/>
+              <a:t>Second level</a:t>
             </a:r>
           </a:p>
           <a:p>
             <a:pPr lvl="2"/>
             <a:r>
-              <a:rPr lang="es-ES"/>
-              <a:t>Tercer nivel</a:t>
+              <a:rPr lang="en-US"/>
+              <a:t>Third level</a:t>
             </a:r>
           </a:p>
           <a:p>
             <a:pPr lvl="3"/>
             <a:r>
-              <a:rPr lang="es-ES"/>
-              <a:t>Cuarto nivel</a:t>
+              <a:rPr lang="en-US"/>
+              <a:t>Fourth level</a:t>
             </a:r>
           </a:p>
           <a:p>
             <a:pPr lvl="4"/>
             <a:r>
-              <a:rPr lang="es-ES"/>
-              <a:t>Quinto nivel</a:t>
+              <a:rPr lang="en-US"/>
+              <a:t>Fifth level</a:t>
             </a:r>
           </a:p>
         </p:txBody>
       </p:sp>
       <p:sp>
         <p:nvSpPr>
-          <p:cNvPr id="4" name="Marcador de fecha 3">
+          <p:cNvPr id="4" name="Date Placeholder 3">
             <a:extLst>
               <a:ext uri="{FF2B5EF4-FFF2-40B4-BE49-F238E27FC236}">
-                <a16:creationId xmlns:a16="http://schemas.microsoft.com/office/drawing/2014/main" id="{0346C0FA-1FA6-4E11-BEE7-90A9710F3378}"/>
+                <a16:creationId xmlns:a16="http://schemas.microsoft.com/office/drawing/2014/main" id="{3A90C990-05C1-4ECD-A899-722057AEA630}"/>
               </a:ext>
             </a:extLst>
           </p:cNvPr>
@@ -856,20 +881,20 @@
           <a:bodyPr/>
           <a:lstStyle/>
           <a:p>
-            <a:fld id="{3A88AB2D-6D37-4B95-8893-F043CC567266}" type="datetimeFigureOut">
-              <a:rPr lang="es-ES" smtClean="0"/>
-              <a:t>22/10/2020</a:t>
+            <a:fld id="{F4D57BDD-E64A-4D27-8978-82FFCA18A12C}" type="datetimeFigureOut">
+              <a:rPr lang="en-US" smtClean="0"/>
+              <a:t>10/23/2020</a:t>
             </a:fld>
-            <a:endParaRPr lang="es-ES"/>
+            <a:endParaRPr lang="en-US"/>
           </a:p>
         </p:txBody>
       </p:sp>
       <p:sp>
         <p:nvSpPr>
-          <p:cNvPr id="5" name="Marcador de pie de página 4">
+          <p:cNvPr id="5" name="Footer Placeholder 4">
             <a:extLst>
               <a:ext uri="{FF2B5EF4-FFF2-40B4-BE49-F238E27FC236}">
-                <a16:creationId xmlns:a16="http://schemas.microsoft.com/office/drawing/2014/main" id="{B59101AB-97CB-4D66-A7EE-A04E0483E3CF}"/>
+                <a16:creationId xmlns:a16="http://schemas.microsoft.com/office/drawing/2014/main" id="{C5E9811C-37A0-4DD1-8607-EFD4226E5D60}"/>
               </a:ext>
             </a:extLst>
           </p:cNvPr>
@@ -885,16 +910,16 @@
           <a:bodyPr/>
           <a:lstStyle/>
           <a:p>
-            <a:endParaRPr lang="es-ES"/>
+            <a:endParaRPr lang="en-US"/>
           </a:p>
         </p:txBody>
       </p:sp>
       <p:sp>
         <p:nvSpPr>
-          <p:cNvPr id="6" name="Marcador de número de diapositiva 5">
+          <p:cNvPr id="6" name="Slide Number Placeholder 5">
             <a:extLst>
               <a:ext uri="{FF2B5EF4-FFF2-40B4-BE49-F238E27FC236}">
-                <a16:creationId xmlns:a16="http://schemas.microsoft.com/office/drawing/2014/main" id="{C614C2F1-7E58-458F-B3A5-2CC5935187CF}"/>
+                <a16:creationId xmlns:a16="http://schemas.microsoft.com/office/drawing/2014/main" id="{14CAB506-9570-4D3E-804F-A184A73DBCE6}"/>
               </a:ext>
             </a:extLst>
           </p:cNvPr>
@@ -910,18 +935,18 @@
           <a:bodyPr/>
           <a:lstStyle/>
           <a:p>
-            <a:fld id="{BE905BA4-064D-4516-8A73-B883F231C664}" type="slidenum">
-              <a:rPr lang="es-ES" smtClean="0"/>
+            <a:fld id="{D643A852-0206-46AC-B0EB-645612933129}" type="slidenum">
+              <a:rPr lang="en-US" smtClean="0"/>
               <a:t>‹Nº›</a:t>
             </a:fld>
-            <a:endParaRPr lang="es-ES"/>
+            <a:endParaRPr lang="en-US"/>
           </a:p>
         </p:txBody>
       </p:sp>
     </p:spTree>
     <p:extLst>
       <p:ext uri="{BB962C8B-B14F-4D97-AF65-F5344CB8AC3E}">
-        <p14:creationId xmlns:p14="http://schemas.microsoft.com/office/powerpoint/2010/main" val="492417009"/>
+        <p14:creationId xmlns:p14="http://schemas.microsoft.com/office/powerpoint/2010/main" val="2041664494"/>
       </p:ext>
     </p:extLst>
   </p:cSld>
@@ -933,7 +958,7 @@
 
 <file path=ppt/slideLayouts/slideLayout3.xml><?xml version="1.0" encoding="utf-8"?>
 <p:sldLayout xmlns:a="http://schemas.openxmlformats.org/drawingml/2006/main" xmlns:r="http://schemas.openxmlformats.org/officeDocument/2006/relationships" xmlns:p="http://schemas.openxmlformats.org/presentationml/2006/main" type="secHead" preserve="1">
-  <p:cSld name="Encabezado de sección">
+  <p:cSld name="Section Header">
     <p:spTree>
       <p:nvGrpSpPr>
         <p:cNvPr id="1" name=""/>
@@ -950,10 +975,10 @@
       </p:grpSpPr>
       <p:sp>
         <p:nvSpPr>
-          <p:cNvPr id="2" name="Título 1">
+          <p:cNvPr id="2" name="Title 1">
             <a:extLst>
               <a:ext uri="{FF2B5EF4-FFF2-40B4-BE49-F238E27FC236}">
-                <a16:creationId xmlns:a16="http://schemas.microsoft.com/office/drawing/2014/main" id="{E3B3268C-C4EA-4A7F-9EE1-9EB5639E9424}"/>
+                <a16:creationId xmlns:a16="http://schemas.microsoft.com/office/drawing/2014/main" id="{54B569B8-DEA4-4F12-9078-ECD731F2AC92}"/>
               </a:ext>
             </a:extLst>
           </p:cNvPr>
@@ -966,8 +991,8 @@
         </p:nvSpPr>
         <p:spPr>
           <a:xfrm>
-            <a:off x="831850" y="1709738"/>
-            <a:ext cx="10515600" cy="2852737"/>
+            <a:off x="762000" y="1530351"/>
+            <a:ext cx="10668000" cy="2279650"/>
           </a:xfrm>
         </p:spPr>
         <p:txBody>
@@ -979,18 +1004,19 @@
           </a:lstStyle>
           <a:p>
             <a:r>
-              <a:rPr lang="es-ES"/>
-              <a:t>Haga clic para modificar el estilo de título del patrón</a:t>
+              <a:rPr lang="en-US"/>
+              <a:t>Click to edit Master title style</a:t>
             </a:r>
+            <a:endParaRPr lang="en-US" dirty="0"/>
           </a:p>
         </p:txBody>
       </p:sp>
       <p:sp>
         <p:nvSpPr>
-          <p:cNvPr id="3" name="Marcador de texto 2">
+          <p:cNvPr id="3" name="Text Placeholder 2">
             <a:extLst>
               <a:ext uri="{FF2B5EF4-FFF2-40B4-BE49-F238E27FC236}">
-                <a16:creationId xmlns:a16="http://schemas.microsoft.com/office/drawing/2014/main" id="{93B9F896-9979-4518-A772-384BCBF18DFD}"/>
+                <a16:creationId xmlns:a16="http://schemas.microsoft.com/office/drawing/2014/main" id="{FA0D1F3B-E79C-4822-999D-205B0E76C66F}"/>
               </a:ext>
             </a:extLst>
           </p:cNvPr>
@@ -1003,8 +1029,8 @@
         </p:nvSpPr>
         <p:spPr>
           <a:xfrm>
-            <a:off x="831850" y="4589463"/>
-            <a:ext cx="10515600" cy="1500187"/>
+            <a:off x="762000" y="4589464"/>
+            <a:ext cx="10668000" cy="1183184"/>
           </a:xfrm>
         </p:spPr>
         <p:txBody>
@@ -1104,18 +1130,18 @@
           <a:p>
             <a:pPr lvl="0"/>
             <a:r>
-              <a:rPr lang="es-ES"/>
-              <a:t>Haga clic para modificar los estilos de texto del patrón</a:t>
+              <a:rPr lang="en-US"/>
+              <a:t>Click to edit Master text styles</a:t>
             </a:r>
           </a:p>
         </p:txBody>
       </p:sp>
       <p:sp>
         <p:nvSpPr>
-          <p:cNvPr id="4" name="Marcador de fecha 3">
+          <p:cNvPr id="4" name="Date Placeholder 3">
             <a:extLst>
               <a:ext uri="{FF2B5EF4-FFF2-40B4-BE49-F238E27FC236}">
-                <a16:creationId xmlns:a16="http://schemas.microsoft.com/office/drawing/2014/main" id="{D2D6ED80-6159-44DD-A773-18A015CAE442}"/>
+                <a16:creationId xmlns:a16="http://schemas.microsoft.com/office/drawing/2014/main" id="{FA145166-621E-4C71-A40F-64E514536729}"/>
               </a:ext>
             </a:extLst>
           </p:cNvPr>
@@ -1131,20 +1157,20 @@
           <a:bodyPr/>
           <a:lstStyle/>
           <a:p>
-            <a:fld id="{3A88AB2D-6D37-4B95-8893-F043CC567266}" type="datetimeFigureOut">
-              <a:rPr lang="es-ES" smtClean="0"/>
-              <a:t>22/10/2020</a:t>
+            <a:fld id="{F4D57BDD-E64A-4D27-8978-82FFCA18A12C}" type="datetimeFigureOut">
+              <a:rPr lang="en-US" smtClean="0"/>
+              <a:t>10/23/2020</a:t>
             </a:fld>
-            <a:endParaRPr lang="es-ES"/>
+            <a:endParaRPr lang="en-US"/>
           </a:p>
         </p:txBody>
       </p:sp>
       <p:sp>
         <p:nvSpPr>
-          <p:cNvPr id="5" name="Marcador de pie de página 4">
+          <p:cNvPr id="5" name="Footer Placeholder 4">
             <a:extLst>
               <a:ext uri="{FF2B5EF4-FFF2-40B4-BE49-F238E27FC236}">
-                <a16:creationId xmlns:a16="http://schemas.microsoft.com/office/drawing/2014/main" id="{34ADF569-78DF-4B0F-BE38-0C8085E17E71}"/>
+                <a16:creationId xmlns:a16="http://schemas.microsoft.com/office/drawing/2014/main" id="{44B8A175-E39F-477F-997B-99FF8677A542}"/>
               </a:ext>
             </a:extLst>
           </p:cNvPr>
@@ -1160,16 +1186,16 @@
           <a:bodyPr/>
           <a:lstStyle/>
           <a:p>
-            <a:endParaRPr lang="es-ES"/>
+            <a:endParaRPr lang="en-US"/>
           </a:p>
         </p:txBody>
       </p:sp>
       <p:sp>
         <p:nvSpPr>
-          <p:cNvPr id="6" name="Marcador de número de diapositiva 5">
+          <p:cNvPr id="6" name="Slide Number Placeholder 5">
             <a:extLst>
               <a:ext uri="{FF2B5EF4-FFF2-40B4-BE49-F238E27FC236}">
-                <a16:creationId xmlns:a16="http://schemas.microsoft.com/office/drawing/2014/main" id="{DD77D398-949D-4064-93CE-F7F203FF6596}"/>
+                <a16:creationId xmlns:a16="http://schemas.microsoft.com/office/drawing/2014/main" id="{6469115F-5456-4FA3-8484-B1806E7C48C7}"/>
               </a:ext>
             </a:extLst>
           </p:cNvPr>
@@ -1185,18 +1211,18 @@
           <a:bodyPr/>
           <a:lstStyle/>
           <a:p>
-            <a:fld id="{BE905BA4-064D-4516-8A73-B883F231C664}" type="slidenum">
-              <a:rPr lang="es-ES" smtClean="0"/>
+            <a:fld id="{D643A852-0206-46AC-B0EB-645612933129}" type="slidenum">
+              <a:rPr lang="en-US" smtClean="0"/>
               <a:t>‹Nº›</a:t>
             </a:fld>
-            <a:endParaRPr lang="es-ES"/>
+            <a:endParaRPr lang="en-US"/>
           </a:p>
         </p:txBody>
       </p:sp>
     </p:spTree>
     <p:extLst>
       <p:ext uri="{BB962C8B-B14F-4D97-AF65-F5344CB8AC3E}">
-        <p14:creationId xmlns:p14="http://schemas.microsoft.com/office/powerpoint/2010/main" val="4208631195"/>
+        <p14:creationId xmlns:p14="http://schemas.microsoft.com/office/powerpoint/2010/main" val="2835961639"/>
       </p:ext>
     </p:extLst>
   </p:cSld>
@@ -1208,7 +1234,7 @@
 
 <file path=ppt/slideLayouts/slideLayout4.xml><?xml version="1.0" encoding="utf-8"?>
 <p:sldLayout xmlns:a="http://schemas.openxmlformats.org/drawingml/2006/main" xmlns:r="http://schemas.openxmlformats.org/officeDocument/2006/relationships" xmlns:p="http://schemas.openxmlformats.org/presentationml/2006/main" type="twoObj" preserve="1">
-  <p:cSld name="Dos objetos">
+  <p:cSld name="Two Content">
     <p:spTree>
       <p:nvGrpSpPr>
         <p:cNvPr id="1" name=""/>
@@ -1225,10 +1251,10 @@
       </p:grpSpPr>
       <p:sp>
         <p:nvSpPr>
-          <p:cNvPr id="2" name="Título 1">
+          <p:cNvPr id="2" name="Title 1">
             <a:extLst>
               <a:ext uri="{FF2B5EF4-FFF2-40B4-BE49-F238E27FC236}">
-                <a16:creationId xmlns:a16="http://schemas.microsoft.com/office/drawing/2014/main" id="{F8F6E824-CFA1-4D15-B838-11EA8B26BB7D}"/>
+                <a16:creationId xmlns:a16="http://schemas.microsoft.com/office/drawing/2014/main" id="{2B88BC5C-CCF0-4BA5-B102-213AC6FD5A48}"/>
               </a:ext>
             </a:extLst>
           </p:cNvPr>
@@ -1239,24 +1265,30 @@
             <p:ph type="title"/>
           </p:nvPr>
         </p:nvSpPr>
-        <p:spPr/>
+        <p:spPr>
+          <a:xfrm>
+            <a:off x="762000" y="1524000"/>
+            <a:ext cx="9144000" cy="1263649"/>
+          </a:xfrm>
+        </p:spPr>
         <p:txBody>
           <a:bodyPr/>
           <a:lstStyle/>
           <a:p>
             <a:r>
-              <a:rPr lang="es-ES"/>
-              <a:t>Haga clic para modificar el estilo de título del patrón</a:t>
+              <a:rPr lang="en-US"/>
+              <a:t>Click to edit Master title style</a:t>
             </a:r>
+            <a:endParaRPr lang="en-US" dirty="0"/>
           </a:p>
         </p:txBody>
       </p:sp>
       <p:sp>
         <p:nvSpPr>
-          <p:cNvPr id="3" name="Marcador de contenido 2">
+          <p:cNvPr id="3" name="Content Placeholder 2">
             <a:extLst>
               <a:ext uri="{FF2B5EF4-FFF2-40B4-BE49-F238E27FC236}">
-                <a16:creationId xmlns:a16="http://schemas.microsoft.com/office/drawing/2014/main" id="{633F14CD-49A9-47CF-B6FE-F3C613DFD0EE}"/>
+                <a16:creationId xmlns:a16="http://schemas.microsoft.com/office/drawing/2014/main" id="{B2237E63-3B4F-4C2F-A87C-9533227EB684}"/>
               </a:ext>
             </a:extLst>
           </p:cNvPr>
@@ -1269,8 +1301,8 @@
         </p:nvSpPr>
         <p:spPr>
           <a:xfrm>
-            <a:off x="838200" y="1825625"/>
-            <a:ext cx="5181600" cy="4351338"/>
+            <a:off x="762000" y="3048000"/>
+            <a:ext cx="4572000" cy="3048000"/>
           </a:xfrm>
         </p:spPr>
         <p:txBody>
@@ -1279,46 +1311,47 @@
           <a:p>
             <a:pPr lvl="0"/>
             <a:r>
-              <a:rPr lang="es-ES"/>
-              <a:t>Haga clic para modificar los estilos de texto del patrón</a:t>
+              <a:rPr lang="en-US"/>
+              <a:t>Click to edit Master text styles</a:t>
             </a:r>
           </a:p>
           <a:p>
             <a:pPr lvl="1"/>
             <a:r>
-              <a:rPr lang="es-ES"/>
-              <a:t>Segundo nivel</a:t>
+              <a:rPr lang="en-US"/>
+              <a:t>Second level</a:t>
             </a:r>
           </a:p>
           <a:p>
             <a:pPr lvl="2"/>
             <a:r>
-              <a:rPr lang="es-ES"/>
-              <a:t>Tercer nivel</a:t>
+              <a:rPr lang="en-US"/>
+              <a:t>Third level</a:t>
             </a:r>
           </a:p>
           <a:p>
             <a:pPr lvl="3"/>
             <a:r>
-              <a:rPr lang="es-ES"/>
-              <a:t>Cuarto nivel</a:t>
+              <a:rPr lang="en-US"/>
+              <a:t>Fourth level</a:t>
             </a:r>
           </a:p>
           <a:p>
             <a:pPr lvl="4"/>
             <a:r>
-              <a:rPr lang="es-ES"/>
-              <a:t>Quinto nivel</a:t>
+              <a:rPr lang="en-US"/>
+              <a:t>Fifth level</a:t>
             </a:r>
+            <a:endParaRPr lang="en-US" dirty="0"/>
           </a:p>
         </p:txBody>
       </p:sp>
       <p:sp>
         <p:nvSpPr>
-          <p:cNvPr id="4" name="Marcador de contenido 3">
+          <p:cNvPr id="4" name="Content Placeholder 3">
             <a:extLst>
               <a:ext uri="{FF2B5EF4-FFF2-40B4-BE49-F238E27FC236}">
-                <a16:creationId xmlns:a16="http://schemas.microsoft.com/office/drawing/2014/main" id="{620C57E9-DACC-4BAE-AEB4-D696FC10986A}"/>
+                <a16:creationId xmlns:a16="http://schemas.microsoft.com/office/drawing/2014/main" id="{E78ACE3E-2FED-4289-B138-3EC2826909F5}"/>
               </a:ext>
             </a:extLst>
           </p:cNvPr>
@@ -1331,8 +1364,8 @@
         </p:nvSpPr>
         <p:spPr>
           <a:xfrm>
-            <a:off x="6172200" y="1825625"/>
-            <a:ext cx="5181600" cy="4351338"/>
+            <a:off x="6858000" y="3048000"/>
+            <a:ext cx="4572000" cy="3048000"/>
           </a:xfrm>
         </p:spPr>
         <p:txBody>
@@ -1341,46 +1374,46 @@
           <a:p>
             <a:pPr lvl="0"/>
             <a:r>
-              <a:rPr lang="es-ES"/>
-              <a:t>Haga clic para modificar los estilos de texto del patrón</a:t>
+              <a:rPr lang="en-US"/>
+              <a:t>Click to edit Master text styles</a:t>
             </a:r>
           </a:p>
           <a:p>
             <a:pPr lvl="1"/>
             <a:r>
-              <a:rPr lang="es-ES"/>
-              <a:t>Segundo nivel</a:t>
+              <a:rPr lang="en-US"/>
+              <a:t>Second level</a:t>
             </a:r>
           </a:p>
           <a:p>
             <a:pPr lvl="2"/>
             <a:r>
-              <a:rPr lang="es-ES"/>
-              <a:t>Tercer nivel</a:t>
+              <a:rPr lang="en-US"/>
+              <a:t>Third level</a:t>
             </a:r>
           </a:p>
           <a:p>
             <a:pPr lvl="3"/>
             <a:r>
-              <a:rPr lang="es-ES"/>
-              <a:t>Cuarto nivel</a:t>
+              <a:rPr lang="en-US"/>
+              <a:t>Fourth level</a:t>
             </a:r>
           </a:p>
           <a:p>
             <a:pPr lvl="4"/>
             <a:r>
-              <a:rPr lang="es-ES"/>
-              <a:t>Quinto nivel</a:t>
+              <a:rPr lang="en-US"/>
+              <a:t>Fifth level</a:t>
             </a:r>
           </a:p>
         </p:txBody>
       </p:sp>
       <p:sp>
         <p:nvSpPr>
-          <p:cNvPr id="5" name="Marcador de fecha 4">
+          <p:cNvPr id="5" name="Date Placeholder 4">
             <a:extLst>
               <a:ext uri="{FF2B5EF4-FFF2-40B4-BE49-F238E27FC236}">
-                <a16:creationId xmlns:a16="http://schemas.microsoft.com/office/drawing/2014/main" id="{80C4AEDC-736C-4903-BC02-283156CC5147}"/>
+                <a16:creationId xmlns:a16="http://schemas.microsoft.com/office/drawing/2014/main" id="{5555DB51-20DA-4BEF-90BA-DDD37DC080CF}"/>
               </a:ext>
             </a:extLst>
           </p:cNvPr>
@@ -1396,20 +1429,20 @@
           <a:bodyPr/>
           <a:lstStyle/>
           <a:p>
-            <a:fld id="{3A88AB2D-6D37-4B95-8893-F043CC567266}" type="datetimeFigureOut">
-              <a:rPr lang="es-ES" smtClean="0"/>
-              <a:t>22/10/2020</a:t>
+            <a:fld id="{F4D57BDD-E64A-4D27-8978-82FFCA18A12C}" type="datetimeFigureOut">
+              <a:rPr lang="en-US" smtClean="0"/>
+              <a:t>10/23/2020</a:t>
             </a:fld>
-            <a:endParaRPr lang="es-ES"/>
+            <a:endParaRPr lang="en-US"/>
           </a:p>
         </p:txBody>
       </p:sp>
       <p:sp>
         <p:nvSpPr>
-          <p:cNvPr id="6" name="Marcador de pie de página 5">
+          <p:cNvPr id="6" name="Footer Placeholder 5">
             <a:extLst>
               <a:ext uri="{FF2B5EF4-FFF2-40B4-BE49-F238E27FC236}">
-                <a16:creationId xmlns:a16="http://schemas.microsoft.com/office/drawing/2014/main" id="{670BA4AB-24E1-42DE-A8CC-6A1FDA172639}"/>
+                <a16:creationId xmlns:a16="http://schemas.microsoft.com/office/drawing/2014/main" id="{506D22E1-F0DB-4CB7-B2E3-D578EEAA6E57}"/>
               </a:ext>
             </a:extLst>
           </p:cNvPr>
@@ -1425,16 +1458,16 @@
           <a:bodyPr/>
           <a:lstStyle/>
           <a:p>
-            <a:endParaRPr lang="es-ES"/>
+            <a:endParaRPr lang="en-US" dirty="0"/>
           </a:p>
         </p:txBody>
       </p:sp>
       <p:sp>
         <p:nvSpPr>
-          <p:cNvPr id="7" name="Marcador de número de diapositiva 6">
+          <p:cNvPr id="7" name="Slide Number Placeholder 6">
             <a:extLst>
               <a:ext uri="{FF2B5EF4-FFF2-40B4-BE49-F238E27FC236}">
-                <a16:creationId xmlns:a16="http://schemas.microsoft.com/office/drawing/2014/main" id="{2F49126D-B060-4721-81A5-1D6EFC920B97}"/>
+                <a16:creationId xmlns:a16="http://schemas.microsoft.com/office/drawing/2014/main" id="{CC29146B-54D6-4291-8EA2-6430024824AE}"/>
               </a:ext>
             </a:extLst>
           </p:cNvPr>
@@ -1450,18 +1483,18 @@
           <a:bodyPr/>
           <a:lstStyle/>
           <a:p>
-            <a:fld id="{BE905BA4-064D-4516-8A73-B883F231C664}" type="slidenum">
-              <a:rPr lang="es-ES" smtClean="0"/>
+            <a:fld id="{D643A852-0206-46AC-B0EB-645612933129}" type="slidenum">
+              <a:rPr lang="en-US" smtClean="0"/>
               <a:t>‹Nº›</a:t>
             </a:fld>
-            <a:endParaRPr lang="es-ES"/>
+            <a:endParaRPr lang="en-US"/>
           </a:p>
         </p:txBody>
       </p:sp>
     </p:spTree>
     <p:extLst>
       <p:ext uri="{BB962C8B-B14F-4D97-AF65-F5344CB8AC3E}">
-        <p14:creationId xmlns:p14="http://schemas.microsoft.com/office/powerpoint/2010/main" val="2682103169"/>
+        <p14:creationId xmlns:p14="http://schemas.microsoft.com/office/powerpoint/2010/main" val="51644541"/>
       </p:ext>
     </p:extLst>
   </p:cSld>
@@ -1473,7 +1506,7 @@
 
 <file path=ppt/slideLayouts/slideLayout5.xml><?xml version="1.0" encoding="utf-8"?>
 <p:sldLayout xmlns:a="http://schemas.openxmlformats.org/drawingml/2006/main" xmlns:r="http://schemas.openxmlformats.org/officeDocument/2006/relationships" xmlns:p="http://schemas.openxmlformats.org/presentationml/2006/main" type="twoTxTwoObj" preserve="1">
-  <p:cSld name="Comparación">
+  <p:cSld name="Comparison">
     <p:spTree>
       <p:nvGrpSpPr>
         <p:cNvPr id="1" name=""/>
@@ -1490,10 +1523,10 @@
       </p:grpSpPr>
       <p:sp>
         <p:nvSpPr>
-          <p:cNvPr id="2" name="Título 1">
+          <p:cNvPr id="2" name="Title 1">
             <a:extLst>
               <a:ext uri="{FF2B5EF4-FFF2-40B4-BE49-F238E27FC236}">
-                <a16:creationId xmlns:a16="http://schemas.microsoft.com/office/drawing/2014/main" id="{95F6B280-E269-4BB7-8679-5F748A2238B5}"/>
+                <a16:creationId xmlns:a16="http://schemas.microsoft.com/office/drawing/2014/main" id="{7E5B4AE7-507A-4E14-96E2-5412FF8EA283}"/>
               </a:ext>
             </a:extLst>
           </p:cNvPr>
@@ -1506,8 +1539,8 @@
         </p:nvSpPr>
         <p:spPr>
           <a:xfrm>
-            <a:off x="839788" y="365125"/>
-            <a:ext cx="10515600" cy="1325563"/>
+            <a:off x="762000" y="1527048"/>
+            <a:ext cx="10668000" cy="758952"/>
           </a:xfrm>
         </p:spPr>
         <p:txBody>
@@ -1515,18 +1548,19 @@
           <a:lstStyle/>
           <a:p>
             <a:r>
-              <a:rPr lang="es-ES"/>
-              <a:t>Haga clic para modificar el estilo de título del patrón</a:t>
+              <a:rPr lang="en-US"/>
+              <a:t>Click to edit Master title style</a:t>
             </a:r>
+            <a:endParaRPr lang="en-US" dirty="0"/>
           </a:p>
         </p:txBody>
       </p:sp>
       <p:sp>
         <p:nvSpPr>
-          <p:cNvPr id="3" name="Marcador de texto 2">
+          <p:cNvPr id="3" name="Text Placeholder 2">
             <a:extLst>
               <a:ext uri="{FF2B5EF4-FFF2-40B4-BE49-F238E27FC236}">
-                <a16:creationId xmlns:a16="http://schemas.microsoft.com/office/drawing/2014/main" id="{A46C286B-87FF-46C3-AB93-ED06A5C2561E}"/>
+                <a16:creationId xmlns:a16="http://schemas.microsoft.com/office/drawing/2014/main" id="{7EDEEE83-2945-4C22-9597-57F1F1262841}"/>
               </a:ext>
             </a:extLst>
           </p:cNvPr>
@@ -1539,8 +1573,8 @@
         </p:nvSpPr>
         <p:spPr>
           <a:xfrm>
-            <a:off x="839788" y="1681163"/>
-            <a:ext cx="5157787" cy="823912"/>
+            <a:off x="762000" y="2285999"/>
+            <a:ext cx="4572001" cy="761999"/>
           </a:xfrm>
         </p:spPr>
         <p:txBody>
@@ -1586,18 +1620,18 @@
           <a:p>
             <a:pPr lvl="0"/>
             <a:r>
-              <a:rPr lang="es-ES"/>
-              <a:t>Haga clic para modificar los estilos de texto del patrón</a:t>
+              <a:rPr lang="en-US"/>
+              <a:t>Click to edit Master text styles</a:t>
             </a:r>
           </a:p>
         </p:txBody>
       </p:sp>
       <p:sp>
         <p:nvSpPr>
-          <p:cNvPr id="4" name="Marcador de contenido 3">
+          <p:cNvPr id="4" name="Content Placeholder 3">
             <a:extLst>
               <a:ext uri="{FF2B5EF4-FFF2-40B4-BE49-F238E27FC236}">
-                <a16:creationId xmlns:a16="http://schemas.microsoft.com/office/drawing/2014/main" id="{6CD903AE-6CD2-4720-93CE-7B0132D61D93}"/>
+                <a16:creationId xmlns:a16="http://schemas.microsoft.com/office/drawing/2014/main" id="{8CC2494D-AD1D-4CB7-A17C-B69079113D71}"/>
               </a:ext>
             </a:extLst>
           </p:cNvPr>
@@ -1610,8 +1644,8 @@
         </p:nvSpPr>
         <p:spPr>
           <a:xfrm>
-            <a:off x="839788" y="2505075"/>
-            <a:ext cx="5157787" cy="3684588"/>
+            <a:off x="762001" y="3059113"/>
+            <a:ext cx="4572000" cy="3036887"/>
           </a:xfrm>
         </p:spPr>
         <p:txBody>
@@ -1620,46 +1654,47 @@
           <a:p>
             <a:pPr lvl="0"/>
             <a:r>
-              <a:rPr lang="es-ES"/>
-              <a:t>Haga clic para modificar los estilos de texto del patrón</a:t>
+              <a:rPr lang="en-US"/>
+              <a:t>Click to edit Master text styles</a:t>
             </a:r>
           </a:p>
           <a:p>
             <a:pPr lvl="1"/>
             <a:r>
-              <a:rPr lang="es-ES"/>
-              <a:t>Segundo nivel</a:t>
+              <a:rPr lang="en-US"/>
+              <a:t>Second level</a:t>
             </a:r>
           </a:p>
           <a:p>
             <a:pPr lvl="2"/>
             <a:r>
-              <a:rPr lang="es-ES"/>
-              <a:t>Tercer nivel</a:t>
+              <a:rPr lang="en-US"/>
+              <a:t>Third level</a:t>
             </a:r>
           </a:p>
           <a:p>
             <a:pPr lvl="3"/>
             <a:r>
-              <a:rPr lang="es-ES"/>
-              <a:t>Cuarto nivel</a:t>
+              <a:rPr lang="en-US"/>
+              <a:t>Fourth level</a:t>
             </a:r>
           </a:p>
           <a:p>
             <a:pPr lvl="4"/>
             <a:r>
-              <a:rPr lang="es-ES"/>
-              <a:t>Quinto nivel</a:t>
+              <a:rPr lang="en-US"/>
+              <a:t>Fifth level</a:t>
             </a:r>
+            <a:endParaRPr lang="en-US" dirty="0"/>
           </a:p>
         </p:txBody>
       </p:sp>
       <p:sp>
         <p:nvSpPr>
-          <p:cNvPr id="5" name="Marcador de texto 4">
+          <p:cNvPr id="5" name="Text Placeholder 4">
             <a:extLst>
               <a:ext uri="{FF2B5EF4-FFF2-40B4-BE49-F238E27FC236}">
-                <a16:creationId xmlns:a16="http://schemas.microsoft.com/office/drawing/2014/main" id="{C7DB16F0-07FD-4E81-B523-C5BE428BA537}"/>
+                <a16:creationId xmlns:a16="http://schemas.microsoft.com/office/drawing/2014/main" id="{B23E4950-830D-4EE3-9F51-DD730255E0CD}"/>
               </a:ext>
             </a:extLst>
           </p:cNvPr>
@@ -1672,8 +1707,8 @@
         </p:nvSpPr>
         <p:spPr>
           <a:xfrm>
-            <a:off x="6172200" y="1681163"/>
-            <a:ext cx="5183188" cy="823912"/>
+            <a:off x="6857998" y="2286000"/>
+            <a:ext cx="4572001" cy="761999"/>
           </a:xfrm>
         </p:spPr>
         <p:txBody>
@@ -1719,18 +1754,18 @@
           <a:p>
             <a:pPr lvl="0"/>
             <a:r>
-              <a:rPr lang="es-ES"/>
-              <a:t>Haga clic para modificar los estilos de texto del patrón</a:t>
+              <a:rPr lang="en-US"/>
+              <a:t>Click to edit Master text styles</a:t>
             </a:r>
           </a:p>
         </p:txBody>
       </p:sp>
       <p:sp>
         <p:nvSpPr>
-          <p:cNvPr id="6" name="Marcador de contenido 5">
+          <p:cNvPr id="6" name="Content Placeholder 5">
             <a:extLst>
               <a:ext uri="{FF2B5EF4-FFF2-40B4-BE49-F238E27FC236}">
-                <a16:creationId xmlns:a16="http://schemas.microsoft.com/office/drawing/2014/main" id="{DB555C77-003D-42FB-9369-489BB4467F32}"/>
+                <a16:creationId xmlns:a16="http://schemas.microsoft.com/office/drawing/2014/main" id="{36F244AA-BDAA-4FDD-B742-449DF905730C}"/>
               </a:ext>
             </a:extLst>
           </p:cNvPr>
@@ -1743,8 +1778,8 @@
         </p:nvSpPr>
         <p:spPr>
           <a:xfrm>
-            <a:off x="6172200" y="2505075"/>
-            <a:ext cx="5183188" cy="3684588"/>
+            <a:off x="6858000" y="3059113"/>
+            <a:ext cx="4571998" cy="3036887"/>
           </a:xfrm>
         </p:spPr>
         <p:txBody>
@@ -1753,46 +1788,46 @@
           <a:p>
             <a:pPr lvl="0"/>
             <a:r>
-              <a:rPr lang="es-ES"/>
-              <a:t>Haga clic para modificar los estilos de texto del patrón</a:t>
+              <a:rPr lang="en-US"/>
+              <a:t>Click to edit Master text styles</a:t>
             </a:r>
           </a:p>
           <a:p>
             <a:pPr lvl="1"/>
             <a:r>
-              <a:rPr lang="es-ES"/>
-              <a:t>Segundo nivel</a:t>
+              <a:rPr lang="en-US"/>
+              <a:t>Second level</a:t>
             </a:r>
           </a:p>
           <a:p>
             <a:pPr lvl="2"/>
             <a:r>
-              <a:rPr lang="es-ES"/>
-              <a:t>Tercer nivel</a:t>
+              <a:rPr lang="en-US"/>
+              <a:t>Third level</a:t>
             </a:r>
           </a:p>
           <a:p>
             <a:pPr lvl="3"/>
             <a:r>
-              <a:rPr lang="es-ES"/>
-              <a:t>Cuarto nivel</a:t>
+              <a:rPr lang="en-US"/>
+              <a:t>Fourth level</a:t>
             </a:r>
           </a:p>
           <a:p>
             <a:pPr lvl="4"/>
             <a:r>
-              <a:rPr lang="es-ES"/>
-              <a:t>Quinto nivel</a:t>
+              <a:rPr lang="en-US"/>
+              <a:t>Fifth level</a:t>
             </a:r>
           </a:p>
         </p:txBody>
       </p:sp>
       <p:sp>
         <p:nvSpPr>
-          <p:cNvPr id="7" name="Marcador de fecha 6">
+          <p:cNvPr id="7" name="Date Placeholder 6">
             <a:extLst>
               <a:ext uri="{FF2B5EF4-FFF2-40B4-BE49-F238E27FC236}">
-                <a16:creationId xmlns:a16="http://schemas.microsoft.com/office/drawing/2014/main" id="{06653A80-1E3C-4F05-AC2B-7B45570A51B3}"/>
+                <a16:creationId xmlns:a16="http://schemas.microsoft.com/office/drawing/2014/main" id="{56B78494-ECE0-41D2-97E2-CFAC0434A8B8}"/>
               </a:ext>
             </a:extLst>
           </p:cNvPr>
@@ -1808,20 +1843,20 @@
           <a:bodyPr/>
           <a:lstStyle/>
           <a:p>
-            <a:fld id="{3A88AB2D-6D37-4B95-8893-F043CC567266}" type="datetimeFigureOut">
-              <a:rPr lang="es-ES" smtClean="0"/>
-              <a:t>22/10/2020</a:t>
+            <a:fld id="{F4D57BDD-E64A-4D27-8978-82FFCA18A12C}" type="datetimeFigureOut">
+              <a:rPr lang="en-US" smtClean="0"/>
+              <a:t>10/23/2020</a:t>
             </a:fld>
-            <a:endParaRPr lang="es-ES"/>
+            <a:endParaRPr lang="en-US"/>
           </a:p>
         </p:txBody>
       </p:sp>
       <p:sp>
         <p:nvSpPr>
-          <p:cNvPr id="8" name="Marcador de pie de página 7">
+          <p:cNvPr id="8" name="Footer Placeholder 7">
             <a:extLst>
               <a:ext uri="{FF2B5EF4-FFF2-40B4-BE49-F238E27FC236}">
-                <a16:creationId xmlns:a16="http://schemas.microsoft.com/office/drawing/2014/main" id="{41A22063-FCCD-45E0-AB1E-29F014DB56CB}"/>
+                <a16:creationId xmlns:a16="http://schemas.microsoft.com/office/drawing/2014/main" id="{185E4C20-6CC5-4259-B554-B19F1A7AA059}"/>
               </a:ext>
             </a:extLst>
           </p:cNvPr>
@@ -1837,16 +1872,16 @@
           <a:bodyPr/>
           <a:lstStyle/>
           <a:p>
-            <a:endParaRPr lang="es-ES"/>
+            <a:endParaRPr lang="en-US"/>
           </a:p>
         </p:txBody>
       </p:sp>
       <p:sp>
         <p:nvSpPr>
-          <p:cNvPr id="9" name="Marcador de número de diapositiva 8">
+          <p:cNvPr id="9" name="Slide Number Placeholder 8">
             <a:extLst>
               <a:ext uri="{FF2B5EF4-FFF2-40B4-BE49-F238E27FC236}">
-                <a16:creationId xmlns:a16="http://schemas.microsoft.com/office/drawing/2014/main" id="{E0B27C6E-C398-4AC4-9D90-6FF3A4D32C5C}"/>
+                <a16:creationId xmlns:a16="http://schemas.microsoft.com/office/drawing/2014/main" id="{CB09AB13-CCCC-4074-9B66-CE0B37902E3F}"/>
               </a:ext>
             </a:extLst>
           </p:cNvPr>
@@ -1862,18 +1897,18 @@
           <a:bodyPr/>
           <a:lstStyle/>
           <a:p>
-            <a:fld id="{BE905BA4-064D-4516-8A73-B883F231C664}" type="slidenum">
-              <a:rPr lang="es-ES" smtClean="0"/>
+            <a:fld id="{D643A852-0206-46AC-B0EB-645612933129}" type="slidenum">
+              <a:rPr lang="en-US" smtClean="0"/>
               <a:t>‹Nº›</a:t>
             </a:fld>
-            <a:endParaRPr lang="es-ES"/>
+            <a:endParaRPr lang="en-US"/>
           </a:p>
         </p:txBody>
       </p:sp>
     </p:spTree>
     <p:extLst>
       <p:ext uri="{BB962C8B-B14F-4D97-AF65-F5344CB8AC3E}">
-        <p14:creationId xmlns:p14="http://schemas.microsoft.com/office/powerpoint/2010/main" val="1630638129"/>
+        <p14:creationId xmlns:p14="http://schemas.microsoft.com/office/powerpoint/2010/main" val="3914102128"/>
       </p:ext>
     </p:extLst>
   </p:cSld>
@@ -1885,7 +1920,7 @@
 
 <file path=ppt/slideLayouts/slideLayout6.xml><?xml version="1.0" encoding="utf-8"?>
 <p:sldLayout xmlns:a="http://schemas.openxmlformats.org/drawingml/2006/main" xmlns:r="http://schemas.openxmlformats.org/officeDocument/2006/relationships" xmlns:p="http://schemas.openxmlformats.org/presentationml/2006/main" type="titleOnly" preserve="1">
-  <p:cSld name="Solo el título">
+  <p:cSld name="Title Only">
     <p:spTree>
       <p:nvGrpSpPr>
         <p:cNvPr id="1" name=""/>
@@ -1902,10 +1937,10 @@
       </p:grpSpPr>
       <p:sp>
         <p:nvSpPr>
-          <p:cNvPr id="2" name="Título 1">
+          <p:cNvPr id="2" name="Title 1">
             <a:extLst>
               <a:ext uri="{FF2B5EF4-FFF2-40B4-BE49-F238E27FC236}">
-                <a16:creationId xmlns:a16="http://schemas.microsoft.com/office/drawing/2014/main" id="{453A7A68-53EE-4676-B4D6-9A6923E6190D}"/>
+                <a16:creationId xmlns:a16="http://schemas.microsoft.com/office/drawing/2014/main" id="{57EFB5FF-4FD1-4CE4-BBC5-E6402FE06F0C}"/>
               </a:ext>
             </a:extLst>
           </p:cNvPr>
@@ -1916,24 +1951,30 @@
             <p:ph type="title"/>
           </p:nvPr>
         </p:nvSpPr>
-        <p:spPr/>
+        <p:spPr>
+          <a:xfrm>
+            <a:off x="762000" y="1524000"/>
+            <a:ext cx="9144000" cy="3810000"/>
+          </a:xfrm>
+        </p:spPr>
         <p:txBody>
           <a:bodyPr/>
           <a:lstStyle/>
           <a:p>
             <a:r>
-              <a:rPr lang="es-ES"/>
-              <a:t>Haga clic para modificar el estilo de título del patrón</a:t>
+              <a:rPr lang="en-US"/>
+              <a:t>Click to edit Master title style</a:t>
             </a:r>
+            <a:endParaRPr lang="en-US" dirty="0"/>
           </a:p>
         </p:txBody>
       </p:sp>
       <p:sp>
         <p:nvSpPr>
-          <p:cNvPr id="3" name="Marcador de fecha 2">
+          <p:cNvPr id="3" name="Date Placeholder 2">
             <a:extLst>
               <a:ext uri="{FF2B5EF4-FFF2-40B4-BE49-F238E27FC236}">
-                <a16:creationId xmlns:a16="http://schemas.microsoft.com/office/drawing/2014/main" id="{F3EF3D4A-6693-4C05-9D31-C29C9E2F8F06}"/>
+                <a16:creationId xmlns:a16="http://schemas.microsoft.com/office/drawing/2014/main" id="{F9E71AAD-C5B9-485B-84DD-60DAFD5F18BC}"/>
               </a:ext>
             </a:extLst>
           </p:cNvPr>
@@ -1949,20 +1990,20 @@
           <a:bodyPr/>
           <a:lstStyle/>
           <a:p>
-            <a:fld id="{3A88AB2D-6D37-4B95-8893-F043CC567266}" type="datetimeFigureOut">
-              <a:rPr lang="es-ES" smtClean="0"/>
-              <a:t>22/10/2020</a:t>
+            <a:fld id="{F4D57BDD-E64A-4D27-8978-82FFCA18A12C}" type="datetimeFigureOut">
+              <a:rPr lang="en-US" smtClean="0"/>
+              <a:t>10/23/2020</a:t>
             </a:fld>
-            <a:endParaRPr lang="es-ES"/>
+            <a:endParaRPr lang="en-US"/>
           </a:p>
         </p:txBody>
       </p:sp>
       <p:sp>
         <p:nvSpPr>
-          <p:cNvPr id="4" name="Marcador de pie de página 3">
+          <p:cNvPr id="4" name="Footer Placeholder 3">
             <a:extLst>
               <a:ext uri="{FF2B5EF4-FFF2-40B4-BE49-F238E27FC236}">
-                <a16:creationId xmlns:a16="http://schemas.microsoft.com/office/drawing/2014/main" id="{12F351CC-E04D-4A22-81D9-3808BAC1E658}"/>
+                <a16:creationId xmlns:a16="http://schemas.microsoft.com/office/drawing/2014/main" id="{9B7CACFF-0406-4EE2-9E8F-F594B952C265}"/>
               </a:ext>
             </a:extLst>
           </p:cNvPr>
@@ -1978,16 +2019,16 @@
           <a:bodyPr/>
           <a:lstStyle/>
           <a:p>
-            <a:endParaRPr lang="es-ES"/>
+            <a:endParaRPr lang="en-US"/>
           </a:p>
         </p:txBody>
       </p:sp>
       <p:sp>
         <p:nvSpPr>
-          <p:cNvPr id="5" name="Marcador de número de diapositiva 4">
+          <p:cNvPr id="5" name="Slide Number Placeholder 4">
             <a:extLst>
               <a:ext uri="{FF2B5EF4-FFF2-40B4-BE49-F238E27FC236}">
-                <a16:creationId xmlns:a16="http://schemas.microsoft.com/office/drawing/2014/main" id="{C6D0FFA5-4248-4C9B-9961-49B21377C447}"/>
+                <a16:creationId xmlns:a16="http://schemas.microsoft.com/office/drawing/2014/main" id="{B552A47E-1990-4B6B-BCCB-75B6F213A8ED}"/>
               </a:ext>
             </a:extLst>
           </p:cNvPr>
@@ -2003,18 +2044,18 @@
           <a:bodyPr/>
           <a:lstStyle/>
           <a:p>
-            <a:fld id="{BE905BA4-064D-4516-8A73-B883F231C664}" type="slidenum">
-              <a:rPr lang="es-ES" smtClean="0"/>
+            <a:fld id="{D643A852-0206-46AC-B0EB-645612933129}" type="slidenum">
+              <a:rPr lang="en-US" smtClean="0"/>
               <a:t>‹Nº›</a:t>
             </a:fld>
-            <a:endParaRPr lang="es-ES"/>
+            <a:endParaRPr lang="en-US"/>
           </a:p>
         </p:txBody>
       </p:sp>
     </p:spTree>
     <p:extLst>
       <p:ext uri="{BB962C8B-B14F-4D97-AF65-F5344CB8AC3E}">
-        <p14:creationId xmlns:p14="http://schemas.microsoft.com/office/powerpoint/2010/main" val="1378881440"/>
+        <p14:creationId xmlns:p14="http://schemas.microsoft.com/office/powerpoint/2010/main" val="3650931768"/>
       </p:ext>
     </p:extLst>
   </p:cSld>
@@ -2026,7 +2067,7 @@
 
 <file path=ppt/slideLayouts/slideLayout7.xml><?xml version="1.0" encoding="utf-8"?>
 <p:sldLayout xmlns:a="http://schemas.openxmlformats.org/drawingml/2006/main" xmlns:r="http://schemas.openxmlformats.org/officeDocument/2006/relationships" xmlns:p="http://schemas.openxmlformats.org/presentationml/2006/main" type="blank" preserve="1">
-  <p:cSld name="En blanco">
+  <p:cSld name="Blank">
     <p:spTree>
       <p:nvGrpSpPr>
         <p:cNvPr id="1" name=""/>
@@ -2043,10 +2084,10 @@
       </p:grpSpPr>
       <p:sp>
         <p:nvSpPr>
-          <p:cNvPr id="2" name="Marcador de fecha 1">
+          <p:cNvPr id="2" name="Date Placeholder 1">
             <a:extLst>
               <a:ext uri="{FF2B5EF4-FFF2-40B4-BE49-F238E27FC236}">
-                <a16:creationId xmlns:a16="http://schemas.microsoft.com/office/drawing/2014/main" id="{1CA449E1-48FE-41E0-B92E-167CE598E63A}"/>
+                <a16:creationId xmlns:a16="http://schemas.microsoft.com/office/drawing/2014/main" id="{AEC8FE4C-64F1-4C88-9D30-17F8131ED627}"/>
               </a:ext>
             </a:extLst>
           </p:cNvPr>
@@ -2062,20 +2103,20 @@
           <a:bodyPr/>
           <a:lstStyle/>
           <a:p>
-            <a:fld id="{3A88AB2D-6D37-4B95-8893-F043CC567266}" type="datetimeFigureOut">
-              <a:rPr lang="es-ES" smtClean="0"/>
-              <a:t>22/10/2020</a:t>
+            <a:fld id="{F4D57BDD-E64A-4D27-8978-82FFCA18A12C}" type="datetimeFigureOut">
+              <a:rPr lang="en-US" smtClean="0"/>
+              <a:t>10/23/2020</a:t>
             </a:fld>
-            <a:endParaRPr lang="es-ES"/>
+            <a:endParaRPr lang="en-US"/>
           </a:p>
         </p:txBody>
       </p:sp>
       <p:sp>
         <p:nvSpPr>
-          <p:cNvPr id="3" name="Marcador de pie de página 2">
+          <p:cNvPr id="3" name="Footer Placeholder 2">
             <a:extLst>
               <a:ext uri="{FF2B5EF4-FFF2-40B4-BE49-F238E27FC236}">
-                <a16:creationId xmlns:a16="http://schemas.microsoft.com/office/drawing/2014/main" id="{5A29312D-026D-4C26-9F38-3528D36DC8CA}"/>
+                <a16:creationId xmlns:a16="http://schemas.microsoft.com/office/drawing/2014/main" id="{D25D8FB3-6FA4-40A7-BDBF-76CD0F22FEAB}"/>
               </a:ext>
             </a:extLst>
           </p:cNvPr>
@@ -2091,16 +2132,16 @@
           <a:bodyPr/>
           <a:lstStyle/>
           <a:p>
-            <a:endParaRPr lang="es-ES"/>
+            <a:endParaRPr lang="en-US"/>
           </a:p>
         </p:txBody>
       </p:sp>
       <p:sp>
         <p:nvSpPr>
-          <p:cNvPr id="4" name="Marcador de número de diapositiva 3">
+          <p:cNvPr id="4" name="Slide Number Placeholder 3">
             <a:extLst>
               <a:ext uri="{FF2B5EF4-FFF2-40B4-BE49-F238E27FC236}">
-                <a16:creationId xmlns:a16="http://schemas.microsoft.com/office/drawing/2014/main" id="{F5D8FC59-F31A-4656-B560-947FD5A19269}"/>
+                <a16:creationId xmlns:a16="http://schemas.microsoft.com/office/drawing/2014/main" id="{66649F41-A021-4490-BB80-C89DF0293708}"/>
               </a:ext>
             </a:extLst>
           </p:cNvPr>
@@ -2116,18 +2157,18 @@
           <a:bodyPr/>
           <a:lstStyle/>
           <a:p>
-            <a:fld id="{BE905BA4-064D-4516-8A73-B883F231C664}" type="slidenum">
-              <a:rPr lang="es-ES" smtClean="0"/>
+            <a:fld id="{D643A852-0206-46AC-B0EB-645612933129}" type="slidenum">
+              <a:rPr lang="en-US" smtClean="0"/>
               <a:t>‹Nº›</a:t>
             </a:fld>
-            <a:endParaRPr lang="es-ES"/>
+            <a:endParaRPr lang="en-US"/>
           </a:p>
         </p:txBody>
       </p:sp>
     </p:spTree>
     <p:extLst>
       <p:ext uri="{BB962C8B-B14F-4D97-AF65-F5344CB8AC3E}">
-        <p14:creationId xmlns:p14="http://schemas.microsoft.com/office/powerpoint/2010/main" val="4006269707"/>
+        <p14:creationId xmlns:p14="http://schemas.microsoft.com/office/powerpoint/2010/main" val="15545669"/>
       </p:ext>
     </p:extLst>
   </p:cSld>
@@ -2139,7 +2180,7 @@
 
 <file path=ppt/slideLayouts/slideLayout8.xml><?xml version="1.0" encoding="utf-8"?>
 <p:sldLayout xmlns:a="http://schemas.openxmlformats.org/drawingml/2006/main" xmlns:r="http://schemas.openxmlformats.org/officeDocument/2006/relationships" xmlns:p="http://schemas.openxmlformats.org/presentationml/2006/main" type="objTx" preserve="1">
-  <p:cSld name="Contenido con título">
+  <p:cSld name="Content with Caption">
     <p:spTree>
       <p:nvGrpSpPr>
         <p:cNvPr id="1" name=""/>
@@ -2156,10 +2197,10 @@
       </p:grpSpPr>
       <p:sp>
         <p:nvSpPr>
-          <p:cNvPr id="2" name="Título 1">
+          <p:cNvPr id="2" name="Title 1">
             <a:extLst>
               <a:ext uri="{FF2B5EF4-FFF2-40B4-BE49-F238E27FC236}">
-                <a16:creationId xmlns:a16="http://schemas.microsoft.com/office/drawing/2014/main" id="{6B4CDDA7-F4B4-4733-8358-C75867AB000B}"/>
+                <a16:creationId xmlns:a16="http://schemas.microsoft.com/office/drawing/2014/main" id="{057CEF60-874B-45DE-BF65-CF0D08577588}"/>
               </a:ext>
             </a:extLst>
           </p:cNvPr>
@@ -2172,12 +2213,12 @@
         </p:nvSpPr>
         <p:spPr>
           <a:xfrm>
-            <a:off x="839788" y="457200"/>
-            <a:ext cx="3932237" cy="1600200"/>
+            <a:off x="762000" y="1524000"/>
+            <a:ext cx="3821113" cy="1524000"/>
           </a:xfrm>
         </p:spPr>
         <p:txBody>
-          <a:bodyPr anchor="b"/>
+          <a:bodyPr anchor="t" anchorCtr="0"/>
           <a:lstStyle>
             <a:lvl1pPr>
               <a:defRPr sz="3200"/>
@@ -2185,18 +2226,19 @@
           </a:lstStyle>
           <a:p>
             <a:r>
-              <a:rPr lang="es-ES"/>
-              <a:t>Haga clic para modificar el estilo de título del patrón</a:t>
+              <a:rPr lang="en-US"/>
+              <a:t>Click to edit Master title style</a:t>
             </a:r>
+            <a:endParaRPr lang="en-US" dirty="0"/>
           </a:p>
         </p:txBody>
       </p:sp>
       <p:sp>
         <p:nvSpPr>
-          <p:cNvPr id="3" name="Marcador de contenido 2">
+          <p:cNvPr id="3" name="Content Placeholder 2">
             <a:extLst>
               <a:ext uri="{FF2B5EF4-FFF2-40B4-BE49-F238E27FC236}">
-                <a16:creationId xmlns:a16="http://schemas.microsoft.com/office/drawing/2014/main" id="{D4188152-8219-419F-A941-31B1D0915F57}"/>
+                <a16:creationId xmlns:a16="http://schemas.microsoft.com/office/drawing/2014/main" id="{1CD757B0-722D-425F-8BD4-9CD9093BCBF5}"/>
               </a:ext>
             </a:extLst>
           </p:cNvPr>
@@ -2209,8 +2251,8 @@
         </p:nvSpPr>
         <p:spPr>
           <a:xfrm>
-            <a:off x="5183188" y="987425"/>
-            <a:ext cx="6172200" cy="4873625"/>
+            <a:off x="5334000" y="1524000"/>
+            <a:ext cx="6096000" cy="3810000"/>
           </a:xfrm>
         </p:spPr>
         <p:txBody>
@@ -2247,46 +2289,46 @@
           <a:p>
             <a:pPr lvl="0"/>
             <a:r>
-              <a:rPr lang="es-ES"/>
-              <a:t>Haga clic para modificar los estilos de texto del patrón</a:t>
+              <a:rPr lang="en-US"/>
+              <a:t>Click to edit Master text styles</a:t>
             </a:r>
           </a:p>
           <a:p>
             <a:pPr lvl="1"/>
             <a:r>
-              <a:rPr lang="es-ES"/>
-              <a:t>Segundo nivel</a:t>
+              <a:rPr lang="en-US"/>
+              <a:t>Second level</a:t>
             </a:r>
           </a:p>
           <a:p>
             <a:pPr lvl="2"/>
             <a:r>
-              <a:rPr lang="es-ES"/>
-              <a:t>Tercer nivel</a:t>
+              <a:rPr lang="en-US"/>
+              <a:t>Third level</a:t>
             </a:r>
           </a:p>
           <a:p>
             <a:pPr lvl="3"/>
             <a:r>
-              <a:rPr lang="es-ES"/>
-              <a:t>Cuarto nivel</a:t>
+              <a:rPr lang="en-US"/>
+              <a:t>Fourth level</a:t>
             </a:r>
           </a:p>
           <a:p>
             <a:pPr lvl="4"/>
             <a:r>
-              <a:rPr lang="es-ES"/>
-              <a:t>Quinto nivel</a:t>
+              <a:rPr lang="en-US"/>
+              <a:t>Fifth level</a:t>
             </a:r>
           </a:p>
         </p:txBody>
       </p:sp>
       <p:sp>
         <p:nvSpPr>
-          <p:cNvPr id="4" name="Marcador de texto 3">
+          <p:cNvPr id="4" name="Text Placeholder 3">
             <a:extLst>
               <a:ext uri="{FF2B5EF4-FFF2-40B4-BE49-F238E27FC236}">
-                <a16:creationId xmlns:a16="http://schemas.microsoft.com/office/drawing/2014/main" id="{8659B3B7-508A-4508-809F-0394D6DADAA4}"/>
+                <a16:creationId xmlns:a16="http://schemas.microsoft.com/office/drawing/2014/main" id="{4EDB0F60-AADF-41C3-8BFC-B405E0A3F9AC}"/>
               </a:ext>
             </a:extLst>
           </p:cNvPr>
@@ -2299,8 +2341,8 @@
         </p:nvSpPr>
         <p:spPr>
           <a:xfrm>
-            <a:off x="839788" y="2057400"/>
-            <a:ext cx="3932237" cy="3811588"/>
+            <a:off x="762000" y="3048000"/>
+            <a:ext cx="3821113" cy="3048000"/>
           </a:xfrm>
         </p:spPr>
         <p:txBody>
@@ -2346,18 +2388,18 @@
           <a:p>
             <a:pPr lvl="0"/>
             <a:r>
-              <a:rPr lang="es-ES"/>
-              <a:t>Haga clic para modificar los estilos de texto del patrón</a:t>
+              <a:rPr lang="en-US"/>
+              <a:t>Click to edit Master text styles</a:t>
             </a:r>
           </a:p>
         </p:txBody>
       </p:sp>
       <p:sp>
         <p:nvSpPr>
-          <p:cNvPr id="5" name="Marcador de fecha 4">
+          <p:cNvPr id="5" name="Date Placeholder 4">
             <a:extLst>
               <a:ext uri="{FF2B5EF4-FFF2-40B4-BE49-F238E27FC236}">
-                <a16:creationId xmlns:a16="http://schemas.microsoft.com/office/drawing/2014/main" id="{FAAE9584-5193-46EB-AF95-692212E477C5}"/>
+                <a16:creationId xmlns:a16="http://schemas.microsoft.com/office/drawing/2014/main" id="{CFAB1E11-97B6-42FD-9F45-6EDC3B83FABD}"/>
               </a:ext>
             </a:extLst>
           </p:cNvPr>
@@ -2373,20 +2415,20 @@
           <a:bodyPr/>
           <a:lstStyle/>
           <a:p>
-            <a:fld id="{3A88AB2D-6D37-4B95-8893-F043CC567266}" type="datetimeFigureOut">
-              <a:rPr lang="es-ES" smtClean="0"/>
-              <a:t>22/10/2020</a:t>
+            <a:fld id="{F4D57BDD-E64A-4D27-8978-82FFCA18A12C}" type="datetimeFigureOut">
+              <a:rPr lang="en-US" smtClean="0"/>
+              <a:t>10/23/2020</a:t>
             </a:fld>
-            <a:endParaRPr lang="es-ES"/>
+            <a:endParaRPr lang="en-US"/>
           </a:p>
         </p:txBody>
       </p:sp>
       <p:sp>
         <p:nvSpPr>
-          <p:cNvPr id="6" name="Marcador de pie de página 5">
+          <p:cNvPr id="6" name="Footer Placeholder 5">
             <a:extLst>
               <a:ext uri="{FF2B5EF4-FFF2-40B4-BE49-F238E27FC236}">
-                <a16:creationId xmlns:a16="http://schemas.microsoft.com/office/drawing/2014/main" id="{07C6C213-87C9-4271-AA4E-143413144818}"/>
+                <a16:creationId xmlns:a16="http://schemas.microsoft.com/office/drawing/2014/main" id="{E14D7DA9-F910-4337-99A2-91F4EA3612EC}"/>
               </a:ext>
             </a:extLst>
           </p:cNvPr>
@@ -2402,16 +2444,16 @@
           <a:bodyPr/>
           <a:lstStyle/>
           <a:p>
-            <a:endParaRPr lang="es-ES"/>
+            <a:endParaRPr lang="en-US"/>
           </a:p>
         </p:txBody>
       </p:sp>
       <p:sp>
         <p:nvSpPr>
-          <p:cNvPr id="7" name="Marcador de número de diapositiva 6">
+          <p:cNvPr id="7" name="Slide Number Placeholder 6">
             <a:extLst>
               <a:ext uri="{FF2B5EF4-FFF2-40B4-BE49-F238E27FC236}">
-                <a16:creationId xmlns:a16="http://schemas.microsoft.com/office/drawing/2014/main" id="{683AF02F-29D8-4341-9F10-310389C9136B}"/>
+                <a16:creationId xmlns:a16="http://schemas.microsoft.com/office/drawing/2014/main" id="{AB93A2F2-339E-4406-9A90-534A38C5A069}"/>
               </a:ext>
             </a:extLst>
           </p:cNvPr>
@@ -2427,18 +2469,18 @@
           <a:bodyPr/>
           <a:lstStyle/>
           <a:p>
-            <a:fld id="{BE905BA4-064D-4516-8A73-B883F231C664}" type="slidenum">
-              <a:rPr lang="es-ES" smtClean="0"/>
+            <a:fld id="{D643A852-0206-46AC-B0EB-645612933129}" type="slidenum">
+              <a:rPr lang="en-US" smtClean="0"/>
               <a:t>‹Nº›</a:t>
             </a:fld>
-            <a:endParaRPr lang="es-ES"/>
+            <a:endParaRPr lang="en-US"/>
           </a:p>
         </p:txBody>
       </p:sp>
     </p:spTree>
     <p:extLst>
       <p:ext uri="{BB962C8B-B14F-4D97-AF65-F5344CB8AC3E}">
-        <p14:creationId xmlns:p14="http://schemas.microsoft.com/office/powerpoint/2010/main" val="2041173896"/>
+        <p14:creationId xmlns:p14="http://schemas.microsoft.com/office/powerpoint/2010/main" val="1371280506"/>
       </p:ext>
     </p:extLst>
   </p:cSld>
@@ -2450,7 +2492,7 @@
 
 <file path=ppt/slideLayouts/slideLayout9.xml><?xml version="1.0" encoding="utf-8"?>
 <p:sldLayout xmlns:a="http://schemas.openxmlformats.org/drawingml/2006/main" xmlns:r="http://schemas.openxmlformats.org/officeDocument/2006/relationships" xmlns:p="http://schemas.openxmlformats.org/presentationml/2006/main" type="picTx" preserve="1">
-  <p:cSld name="Imagen con título">
+  <p:cSld name="Picture with Caption">
     <p:spTree>
       <p:nvGrpSpPr>
         <p:cNvPr id="1" name=""/>
@@ -2467,10 +2509,10 @@
       </p:grpSpPr>
       <p:sp>
         <p:nvSpPr>
-          <p:cNvPr id="2" name="Título 1">
+          <p:cNvPr id="2" name="Title 1">
             <a:extLst>
               <a:ext uri="{FF2B5EF4-FFF2-40B4-BE49-F238E27FC236}">
-                <a16:creationId xmlns:a16="http://schemas.microsoft.com/office/drawing/2014/main" id="{F586C41E-57C4-4F8E-B33F-9622A5DE6C3E}"/>
+                <a16:creationId xmlns:a16="http://schemas.microsoft.com/office/drawing/2014/main" id="{59971599-6E07-4A55-9B93-4CA5EFE3FD76}"/>
               </a:ext>
             </a:extLst>
           </p:cNvPr>
@@ -2483,8 +2525,8 @@
         </p:nvSpPr>
         <p:spPr>
           <a:xfrm>
-            <a:off x="839788" y="457200"/>
-            <a:ext cx="3932237" cy="1600200"/>
+            <a:off x="762001" y="1524000"/>
+            <a:ext cx="3810000" cy="1524000"/>
           </a:xfrm>
         </p:spPr>
         <p:txBody>
@@ -2496,18 +2538,18 @@
           </a:lstStyle>
           <a:p>
             <a:r>
-              <a:rPr lang="es-ES"/>
-              <a:t>Haga clic para modificar el estilo de título del patrón</a:t>
+              <a:rPr lang="en-US"/>
+              <a:t>Click to edit Master title style</a:t>
             </a:r>
           </a:p>
         </p:txBody>
       </p:sp>
       <p:sp>
         <p:nvSpPr>
-          <p:cNvPr id="3" name="Marcador de posición de imagen 2">
+          <p:cNvPr id="3" name="Picture Placeholder 2">
             <a:extLst>
               <a:ext uri="{FF2B5EF4-FFF2-40B4-BE49-F238E27FC236}">
-                <a16:creationId xmlns:a16="http://schemas.microsoft.com/office/drawing/2014/main" id="{7A9DAEDB-EE6F-4D0C-B2C1-F883B4026500}"/>
+                <a16:creationId xmlns:a16="http://schemas.microsoft.com/office/drawing/2014/main" id="{292C2D26-DACA-4941-955E-18F7E236758C}"/>
               </a:ext>
             </a:extLst>
           </p:cNvPr>
@@ -2520,8 +2562,8 @@
         </p:nvSpPr>
         <p:spPr>
           <a:xfrm>
-            <a:off x="5183188" y="987425"/>
-            <a:ext cx="6172200" cy="4873625"/>
+            <a:off x="5333999" y="1524000"/>
+            <a:ext cx="6095999" cy="3810000"/>
           </a:xfrm>
         </p:spPr>
         <p:txBody>
@@ -2565,16 +2607,19 @@
             </a:lvl9pPr>
           </a:lstStyle>
           <a:p>
-            <a:endParaRPr lang="es-ES"/>
+            <a:r>
+              <a:rPr lang="en-US"/>
+              <a:t>Click icon to add picture</a:t>
+            </a:r>
           </a:p>
         </p:txBody>
       </p:sp>
       <p:sp>
         <p:nvSpPr>
-          <p:cNvPr id="4" name="Marcador de texto 3">
+          <p:cNvPr id="4" name="Text Placeholder 3">
             <a:extLst>
               <a:ext uri="{FF2B5EF4-FFF2-40B4-BE49-F238E27FC236}">
-                <a16:creationId xmlns:a16="http://schemas.microsoft.com/office/drawing/2014/main" id="{E5557110-222D-485C-B087-09A93BDD5CC2}"/>
+                <a16:creationId xmlns:a16="http://schemas.microsoft.com/office/drawing/2014/main" id="{27EDB26D-C5B0-41D6-A75F-F89A87BE243A}"/>
               </a:ext>
             </a:extLst>
           </p:cNvPr>
@@ -2587,8 +2632,8 @@
         </p:nvSpPr>
         <p:spPr>
           <a:xfrm>
-            <a:off x="839788" y="2057400"/>
-            <a:ext cx="3932237" cy="3811588"/>
+            <a:off x="762001" y="3048000"/>
+            <a:ext cx="3810000" cy="3048000"/>
           </a:xfrm>
         </p:spPr>
         <p:txBody>
@@ -2634,18 +2679,18 @@
           <a:p>
             <a:pPr lvl="0"/>
             <a:r>
-              <a:rPr lang="es-ES"/>
-              <a:t>Haga clic para modificar los estilos de texto del patrón</a:t>
+              <a:rPr lang="en-US"/>
+              <a:t>Click to edit Master text styles</a:t>
             </a:r>
           </a:p>
         </p:txBody>
       </p:sp>
       <p:sp>
         <p:nvSpPr>
-          <p:cNvPr id="5" name="Marcador de fecha 4">
+          <p:cNvPr id="5" name="Date Placeholder 4">
             <a:extLst>
               <a:ext uri="{FF2B5EF4-FFF2-40B4-BE49-F238E27FC236}">
-                <a16:creationId xmlns:a16="http://schemas.microsoft.com/office/drawing/2014/main" id="{BC647C82-50DD-4769-8954-2DF679AF17D8}"/>
+                <a16:creationId xmlns:a16="http://schemas.microsoft.com/office/drawing/2014/main" id="{779304B6-48DF-41FA-A089-8C83BBA63673}"/>
               </a:ext>
             </a:extLst>
           </p:cNvPr>
@@ -2661,20 +2706,20 @@
           <a:bodyPr/>
           <a:lstStyle/>
           <a:p>
-            <a:fld id="{3A88AB2D-6D37-4B95-8893-F043CC567266}" type="datetimeFigureOut">
-              <a:rPr lang="es-ES" smtClean="0"/>
-              <a:t>22/10/2020</a:t>
+            <a:fld id="{F4D57BDD-E64A-4D27-8978-82FFCA18A12C}" type="datetimeFigureOut">
+              <a:rPr lang="en-US" smtClean="0"/>
+              <a:t>10/23/2020</a:t>
             </a:fld>
-            <a:endParaRPr lang="es-ES"/>
+            <a:endParaRPr lang="en-US"/>
           </a:p>
         </p:txBody>
       </p:sp>
       <p:sp>
         <p:nvSpPr>
-          <p:cNvPr id="6" name="Marcador de pie de página 5">
+          <p:cNvPr id="6" name="Footer Placeholder 5">
             <a:extLst>
               <a:ext uri="{FF2B5EF4-FFF2-40B4-BE49-F238E27FC236}">
-                <a16:creationId xmlns:a16="http://schemas.microsoft.com/office/drawing/2014/main" id="{9BC5DEC5-46CA-461E-826A-B908584DEF4B}"/>
+                <a16:creationId xmlns:a16="http://schemas.microsoft.com/office/drawing/2014/main" id="{14DFB82F-A17A-4BC7-A522-CD934BC35C9E}"/>
               </a:ext>
             </a:extLst>
           </p:cNvPr>
@@ -2690,16 +2735,16 @@
           <a:bodyPr/>
           <a:lstStyle/>
           <a:p>
-            <a:endParaRPr lang="es-ES"/>
+            <a:endParaRPr lang="en-US"/>
           </a:p>
         </p:txBody>
       </p:sp>
       <p:sp>
         <p:nvSpPr>
-          <p:cNvPr id="7" name="Marcador de número de diapositiva 6">
+          <p:cNvPr id="7" name="Slide Number Placeholder 6">
             <a:extLst>
               <a:ext uri="{FF2B5EF4-FFF2-40B4-BE49-F238E27FC236}">
-                <a16:creationId xmlns:a16="http://schemas.microsoft.com/office/drawing/2014/main" id="{9543EE15-4B95-440C-B413-AE249222A38E}"/>
+                <a16:creationId xmlns:a16="http://schemas.microsoft.com/office/drawing/2014/main" id="{75CC530C-8824-4BE3-884E-2AFF30B572BC}"/>
               </a:ext>
             </a:extLst>
           </p:cNvPr>
@@ -2715,18 +2760,18 @@
           <a:bodyPr/>
           <a:lstStyle/>
           <a:p>
-            <a:fld id="{BE905BA4-064D-4516-8A73-B883F231C664}" type="slidenum">
-              <a:rPr lang="es-ES" smtClean="0"/>
+            <a:fld id="{D643A852-0206-46AC-B0EB-645612933129}" type="slidenum">
+              <a:rPr lang="en-US" smtClean="0"/>
               <a:t>‹Nº›</a:t>
             </a:fld>
-            <a:endParaRPr lang="es-ES"/>
+            <a:endParaRPr lang="en-US"/>
           </a:p>
         </p:txBody>
       </p:sp>
     </p:spTree>
     <p:extLst>
       <p:ext uri="{BB962C8B-B14F-4D97-AF65-F5344CB8AC3E}">
-        <p14:creationId xmlns:p14="http://schemas.microsoft.com/office/powerpoint/2010/main" val="2138984712"/>
+        <p14:creationId xmlns:p14="http://schemas.microsoft.com/office/powerpoint/2010/main" val="313092360"/>
       </p:ext>
     </p:extLst>
   </p:cSld>
@@ -2760,10 +2805,10 @@
       </p:grpSpPr>
       <p:sp>
         <p:nvSpPr>
-          <p:cNvPr id="2" name="Marcador de título 1">
+          <p:cNvPr id="2" name="Title Placeholder 1">
             <a:extLst>
               <a:ext uri="{FF2B5EF4-FFF2-40B4-BE49-F238E27FC236}">
-                <a16:creationId xmlns:a16="http://schemas.microsoft.com/office/drawing/2014/main" id="{4A929219-15B7-4398-AF26-EE2FCA0437E2}"/>
+                <a16:creationId xmlns:a16="http://schemas.microsoft.com/office/drawing/2014/main" id="{481B49B9-8C94-4604-AEEE-CB5051962D27}"/>
               </a:ext>
             </a:extLst>
           </p:cNvPr>
@@ -2776,32 +2821,33 @@
         </p:nvSpPr>
         <p:spPr>
           <a:xfrm>
-            <a:off x="838200" y="365125"/>
-            <a:ext cx="10515600" cy="1325563"/>
+            <a:off x="762000" y="1524000"/>
+            <a:ext cx="9144000" cy="1263649"/>
           </a:xfrm>
           <a:prstGeom prst="rect">
             <a:avLst/>
           </a:prstGeom>
         </p:spPr>
         <p:txBody>
-          <a:bodyPr vert="horz" lIns="91440" tIns="45720" rIns="91440" bIns="45720" rtlCol="0" anchor="ctr">
+          <a:bodyPr vert="horz" lIns="91440" tIns="45720" rIns="91440" bIns="45720" rtlCol="0" anchor="t" anchorCtr="0">
             <a:normAutofit/>
           </a:bodyPr>
           <a:lstStyle/>
           <a:p>
             <a:r>
-              <a:rPr lang="es-ES"/>
-              <a:t>Haga clic para modificar el estilo de título del patrón</a:t>
+              <a:rPr lang="en-US"/>
+              <a:t>Click to edit Master title style</a:t>
             </a:r>
+            <a:endParaRPr lang="en-US" dirty="0"/>
           </a:p>
         </p:txBody>
       </p:sp>
       <p:sp>
         <p:nvSpPr>
-          <p:cNvPr id="3" name="Marcador de texto 2">
+          <p:cNvPr id="3" name="Text Placeholder 2">
             <a:extLst>
               <a:ext uri="{FF2B5EF4-FFF2-40B4-BE49-F238E27FC236}">
-                <a16:creationId xmlns:a16="http://schemas.microsoft.com/office/drawing/2014/main" id="{AE70FFDC-373E-41D0-8EF0-F39D0DC8642B}"/>
+                <a16:creationId xmlns:a16="http://schemas.microsoft.com/office/drawing/2014/main" id="{79C3204E-CAF5-48A1-928F-757507EC48C4}"/>
               </a:ext>
             </a:extLst>
           </p:cNvPr>
@@ -2814,8 +2860,8 @@
         </p:nvSpPr>
         <p:spPr>
           <a:xfrm>
-            <a:off x="838200" y="1825625"/>
-            <a:ext cx="10515600" cy="4351338"/>
+            <a:off x="762000" y="3047999"/>
+            <a:ext cx="10668000" cy="3048001"/>
           </a:xfrm>
           <a:prstGeom prst="rect">
             <a:avLst/>
@@ -2829,46 +2875,47 @@
           <a:p>
             <a:pPr lvl="0"/>
             <a:r>
-              <a:rPr lang="es-ES"/>
-              <a:t>Haga clic para modificar los estilos de texto del patrón</a:t>
+              <a:rPr lang="en-US"/>
+              <a:t>Click to edit Master text styles</a:t>
             </a:r>
           </a:p>
           <a:p>
             <a:pPr lvl="1"/>
             <a:r>
-              <a:rPr lang="es-ES"/>
-              <a:t>Segundo nivel</a:t>
+              <a:rPr lang="en-US"/>
+              <a:t>Second level</a:t>
             </a:r>
           </a:p>
           <a:p>
             <a:pPr lvl="2"/>
             <a:r>
-              <a:rPr lang="es-ES"/>
-              <a:t>Tercer nivel</a:t>
+              <a:rPr lang="en-US"/>
+              <a:t>Third level</a:t>
             </a:r>
           </a:p>
           <a:p>
             <a:pPr lvl="3"/>
             <a:r>
-              <a:rPr lang="es-ES"/>
-              <a:t>Cuarto nivel</a:t>
+              <a:rPr lang="en-US"/>
+              <a:t>Fourth level</a:t>
             </a:r>
           </a:p>
           <a:p>
             <a:pPr lvl="4"/>
             <a:r>
-              <a:rPr lang="es-ES"/>
-              <a:t>Quinto nivel</a:t>
+              <a:rPr lang="en-US"/>
+              <a:t>Fifth level</a:t>
             </a:r>
+            <a:endParaRPr lang="en-US" dirty="0"/>
           </a:p>
         </p:txBody>
       </p:sp>
       <p:sp>
         <p:nvSpPr>
-          <p:cNvPr id="4" name="Marcador de fecha 3">
+          <p:cNvPr id="4" name="Date Placeholder 3">
             <a:extLst>
               <a:ext uri="{FF2B5EF4-FFF2-40B4-BE49-F238E27FC236}">
-                <a16:creationId xmlns:a16="http://schemas.microsoft.com/office/drawing/2014/main" id="{2B9358C6-155F-4DF8-BCC8-2ED55325CAA1}"/>
+                <a16:creationId xmlns:a16="http://schemas.microsoft.com/office/drawing/2014/main" id="{09540D12-4B42-4790-8677-C9250F3CDDCF}"/>
               </a:ext>
             </a:extLst>
           </p:cNvPr>
@@ -2881,41 +2928,40 @@
         </p:nvSpPr>
         <p:spPr>
           <a:xfrm>
-            <a:off x="838200" y="6356350"/>
-            <a:ext cx="2743200" cy="365125"/>
+            <a:off x="762000" y="401594"/>
+            <a:ext cx="3048000" cy="365125"/>
           </a:xfrm>
           <a:prstGeom prst="rect">
             <a:avLst/>
           </a:prstGeom>
         </p:spPr>
         <p:txBody>
-          <a:bodyPr vert="horz" lIns="91440" tIns="45720" rIns="91440" bIns="45720" rtlCol="0" anchor="ctr"/>
+          <a:bodyPr vert="horz" lIns="91440" tIns="45720" rIns="91440" bIns="45720" rtlCol="0" anchor="b" anchorCtr="0"/>
           <a:lstStyle>
             <a:lvl1pPr algn="l">
-              <a:defRPr sz="1200">
+              <a:defRPr sz="1000">
                 <a:solidFill>
-                  <a:schemeClr val="tx1">
-                    <a:tint val="75000"/>
-                  </a:schemeClr>
+                  <a:schemeClr val="tx1"/>
                 </a:solidFill>
               </a:defRPr>
             </a:lvl1pPr>
           </a:lstStyle>
           <a:p>
-            <a:fld id="{3A88AB2D-6D37-4B95-8893-F043CC567266}" type="datetimeFigureOut">
-              <a:rPr lang="es-ES" smtClean="0"/>
-              <a:t>22/10/2020</a:t>
+            <a:fld id="{F4D57BDD-E64A-4D27-8978-82FFCA18A12C}" type="datetimeFigureOut">
+              <a:rPr lang="en-US" smtClean="0"/>
+              <a:pPr/>
+              <a:t>10/23/2020</a:t>
             </a:fld>
-            <a:endParaRPr lang="es-ES"/>
+            <a:endParaRPr lang="en-US" dirty="0"/>
           </a:p>
         </p:txBody>
       </p:sp>
       <p:sp>
         <p:nvSpPr>
-          <p:cNvPr id="5" name="Marcador de pie de página 4">
+          <p:cNvPr id="5" name="Footer Placeholder 4">
             <a:extLst>
               <a:ext uri="{FF2B5EF4-FFF2-40B4-BE49-F238E27FC236}">
-                <a16:creationId xmlns:a16="http://schemas.microsoft.com/office/drawing/2014/main" id="{D0E351E5-0B52-4F02-955F-12C7D4D8CA27}"/>
+                <a16:creationId xmlns:a16="http://schemas.microsoft.com/office/drawing/2014/main" id="{022B17CD-6C27-4CD1-B20D-EA4B8E54F4FD}"/>
               </a:ext>
             </a:extLst>
           </p:cNvPr>
@@ -2928,37 +2974,35 @@
         </p:nvSpPr>
         <p:spPr>
           <a:xfrm>
-            <a:off x="4038600" y="6356350"/>
-            <a:ext cx="4114800" cy="365125"/>
+            <a:off x="6858000" y="6096000"/>
+            <a:ext cx="4572000" cy="365125"/>
           </a:xfrm>
           <a:prstGeom prst="rect">
             <a:avLst/>
           </a:prstGeom>
         </p:spPr>
         <p:txBody>
-          <a:bodyPr vert="horz" lIns="91440" tIns="45720" rIns="91440" bIns="45720" rtlCol="0" anchor="ctr"/>
+          <a:bodyPr vert="horz" lIns="91440" tIns="45720" rIns="91440" bIns="45720" rtlCol="0" anchor="t" anchorCtr="0"/>
           <a:lstStyle>
-            <a:lvl1pPr algn="ctr">
-              <a:defRPr sz="1200">
+            <a:lvl1pPr algn="r">
+              <a:defRPr sz="900">
                 <a:solidFill>
-                  <a:schemeClr val="tx1">
-                    <a:tint val="75000"/>
-                  </a:schemeClr>
+                  <a:schemeClr val="tx1"/>
                 </a:solidFill>
               </a:defRPr>
             </a:lvl1pPr>
           </a:lstStyle>
           <a:p>
-            <a:endParaRPr lang="es-ES"/>
+            <a:endParaRPr lang="en-US" dirty="0"/>
           </a:p>
         </p:txBody>
       </p:sp>
       <p:sp>
         <p:nvSpPr>
-          <p:cNvPr id="6" name="Marcador de número de diapositiva 5">
+          <p:cNvPr id="6" name="Slide Number Placeholder 5">
             <a:extLst>
               <a:ext uri="{FF2B5EF4-FFF2-40B4-BE49-F238E27FC236}">
-                <a16:creationId xmlns:a16="http://schemas.microsoft.com/office/drawing/2014/main" id="{8EAA687E-2377-4287-BF5B-DF06F7931D5B}"/>
+                <a16:creationId xmlns:a16="http://schemas.microsoft.com/office/drawing/2014/main" id="{C03A934F-C817-4C99-A2CF-C763A3F20627}"/>
               </a:ext>
             </a:extLst>
           </p:cNvPr>
@@ -2971,55 +3015,55 @@
         </p:nvSpPr>
         <p:spPr>
           <a:xfrm>
-            <a:off x="8610600" y="6356350"/>
-            <a:ext cx="2743200" cy="365125"/>
+            <a:off x="9144000" y="401594"/>
+            <a:ext cx="2286000" cy="762000"/>
           </a:xfrm>
           <a:prstGeom prst="rect">
             <a:avLst/>
           </a:prstGeom>
         </p:spPr>
         <p:txBody>
-          <a:bodyPr vert="horz" lIns="91440" tIns="45720" rIns="91440" bIns="45720" rtlCol="0" anchor="ctr"/>
+          <a:bodyPr vert="horz" lIns="91440" tIns="45720" rIns="91440" bIns="45720" rtlCol="0" anchor="t" anchorCtr="0"/>
           <a:lstStyle>
             <a:lvl1pPr algn="r">
-              <a:defRPr sz="1200">
+              <a:defRPr sz="4000">
                 <a:solidFill>
-                  <a:schemeClr val="tx1">
-                    <a:tint val="75000"/>
-                  </a:schemeClr>
+                  <a:schemeClr val="tx1"/>
                 </a:solidFill>
+                <a:latin typeface="+mj-lt"/>
               </a:defRPr>
             </a:lvl1pPr>
           </a:lstStyle>
           <a:p>
-            <a:fld id="{BE905BA4-064D-4516-8A73-B883F231C664}" type="slidenum">
-              <a:rPr lang="es-ES" smtClean="0"/>
+            <a:fld id="{D643A852-0206-46AC-B0EB-645612933129}" type="slidenum">
+              <a:rPr lang="en-US" smtClean="0"/>
+              <a:pPr/>
               <a:t>‹Nº›</a:t>
             </a:fld>
-            <a:endParaRPr lang="es-ES"/>
+            <a:endParaRPr lang="en-US" dirty="0"/>
           </a:p>
         </p:txBody>
       </p:sp>
     </p:spTree>
     <p:extLst>
       <p:ext uri="{BB962C8B-B14F-4D97-AF65-F5344CB8AC3E}">
-        <p14:creationId xmlns:p14="http://schemas.microsoft.com/office/powerpoint/2010/main" val="2571498421"/>
+        <p14:creationId xmlns:p14="http://schemas.microsoft.com/office/powerpoint/2010/main" val="3861284128"/>
       </p:ext>
     </p:extLst>
   </p:cSld>
-  <p:clrMap bg1="lt1" tx1="dk1" bg2="lt2" tx2="dk2" accent1="accent1" accent2="accent2" accent3="accent3" accent4="accent4" accent5="accent5" accent6="accent6" hlink="hlink" folHlink="folHlink"/>
+  <p:clrMap bg1="dk1" tx1="lt1" bg2="dk2" tx2="lt2" accent1="accent1" accent2="accent2" accent3="accent3" accent4="accent4" accent5="accent5" accent6="accent6" hlink="hlink" folHlink="folHlink"/>
   <p:sldLayoutIdLst>
-    <p:sldLayoutId id="2147483649" r:id="rId1"/>
-    <p:sldLayoutId id="2147483650" r:id="rId2"/>
-    <p:sldLayoutId id="2147483651" r:id="rId3"/>
-    <p:sldLayoutId id="2147483652" r:id="rId4"/>
-    <p:sldLayoutId id="2147483653" r:id="rId5"/>
-    <p:sldLayoutId id="2147483654" r:id="rId6"/>
-    <p:sldLayoutId id="2147483655" r:id="rId7"/>
-    <p:sldLayoutId id="2147483656" r:id="rId8"/>
-    <p:sldLayoutId id="2147483657" r:id="rId9"/>
-    <p:sldLayoutId id="2147483658" r:id="rId10"/>
-    <p:sldLayoutId id="2147483659" r:id="rId11"/>
+    <p:sldLayoutId id="2147483737" r:id="rId1"/>
+    <p:sldLayoutId id="2147483738" r:id="rId2"/>
+    <p:sldLayoutId id="2147483739" r:id="rId3"/>
+    <p:sldLayoutId id="2147483740" r:id="rId4"/>
+    <p:sldLayoutId id="2147483741" r:id="rId5"/>
+    <p:sldLayoutId id="2147483742" r:id="rId6"/>
+    <p:sldLayoutId id="2147483743" r:id="rId7"/>
+    <p:sldLayoutId id="2147483744" r:id="rId8"/>
+    <p:sldLayoutId id="2147483745" r:id="rId9"/>
+    <p:sldLayoutId id="2147483746" r:id="rId10"/>
+    <p:sldLayoutId id="2147483747" r:id="rId11"/>
   </p:sldLayoutIdLst>
   <p:txStyles>
     <p:titleStyle>
@@ -3207,7 +3251,7 @@
     </p:bodyStyle>
     <p:otherStyle>
       <a:defPPr>
-        <a:defRPr lang="es-ES"/>
+        <a:defRPr lang="en-US"/>
       </a:defPPr>
       <a:lvl1pPr marL="0" algn="l" defTabSz="914400" rtl="0" eaLnBrk="1" latinLnBrk="0" hangingPunct="1">
         <a:defRPr sz="1800" kern="1200">
@@ -3307,6 +3351,6390 @@
 <file path=ppt/slides/slide1.xml><?xml version="1.0" encoding="utf-8"?>
 <p:sld xmlns:a="http://schemas.openxmlformats.org/drawingml/2006/main" xmlns:r="http://schemas.openxmlformats.org/officeDocument/2006/relationships" xmlns:p="http://schemas.openxmlformats.org/presentationml/2006/main">
   <p:cSld>
+    <p:bg>
+      <p:bgPr>
+        <a:solidFill>
+          <a:schemeClr val="bg1"/>
+        </a:solidFill>
+        <a:effectLst/>
+      </p:bgPr>
+    </p:bg>
+    <p:spTree>
+      <p:nvGrpSpPr>
+        <p:cNvPr id="1" name=""/>
+        <p:cNvGrpSpPr/>
+        <p:nvPr/>
+      </p:nvGrpSpPr>
+      <p:grpSpPr>
+        <a:xfrm>
+          <a:off x="0" y="0"/>
+          <a:ext cx="0" cy="0"/>
+          <a:chOff x="0" y="0"/>
+          <a:chExt cx="0" cy="0"/>
+        </a:xfrm>
+      </p:grpSpPr>
+      <p:sp useBgFill="1">
+        <p:nvSpPr>
+          <p:cNvPr id="9" name="Rectangle 8">
+            <a:extLst>
+              <a:ext uri="{FF2B5EF4-FFF2-40B4-BE49-F238E27FC236}">
+                <a16:creationId xmlns:a16="http://schemas.microsoft.com/office/drawing/2014/main" id="{9B37791B-B040-4694-BFDC-8DD132D86E8E}"/>
+              </a:ext>
+              <a:ext uri="{C183D7F6-B498-43B3-948B-1728B52AA6E4}">
+                <adec:decorative xmlns:adec="http://schemas.microsoft.com/office/drawing/2017/decorative" val="1"/>
+              </a:ext>
+            </a:extLst>
+          </p:cNvPr>
+          <p:cNvSpPr>
+            <a:spLocks noGrp="1" noRot="1" noChangeAspect="1" noMove="1" noResize="1" noEditPoints="1" noAdjustHandles="1" noChangeArrowheads="1" noChangeShapeType="1" noTextEdit="1"/>
+          </p:cNvSpPr>
+          <p:nvPr>
+            <p:extLst>
+              <p:ext uri="{386F3935-93C4-4BCD-93E2-E3B085C9AB24}">
+                <p16:designElem xmlns:p16="http://schemas.microsoft.com/office/powerpoint/2015/main" val="1"/>
+              </p:ext>
+            </p:extLst>
+          </p:nvPr>
+        </p:nvSpPr>
+        <p:spPr>
+          <a:xfrm>
+            <a:off x="0" y="0"/>
+            <a:ext cx="12192000" cy="6858000"/>
+          </a:xfrm>
+          <a:prstGeom prst="rect">
+            <a:avLst/>
+          </a:prstGeom>
+          <a:ln w="12700" cap="flat" cmpd="sng" algn="ctr">
+            <a:noFill/>
+            <a:prstDash val="solid"/>
+            <a:miter lim="800000"/>
+          </a:ln>
+          <a:effectLst/>
+        </p:spPr>
+        <p:style>
+          <a:lnRef idx="2">
+            <a:schemeClr val="accent1">
+              <a:shade val="50000"/>
+            </a:schemeClr>
+          </a:lnRef>
+          <a:fillRef idx="1">
+            <a:schemeClr val="accent1"/>
+          </a:fillRef>
+          <a:effectRef idx="0">
+            <a:schemeClr val="accent1"/>
+          </a:effectRef>
+          <a:fontRef idx="minor">
+            <a:schemeClr val="lt1"/>
+          </a:fontRef>
+        </p:style>
+        <p:txBody>
+          <a:bodyPr rtlCol="0" anchor="ctr"/>
+          <a:lstStyle/>
+          <a:p>
+            <a:pPr algn="ctr"/>
+            <a:endParaRPr lang="en-US"/>
+          </a:p>
+        </p:txBody>
+      </p:sp>
+      <p:sp>
+        <p:nvSpPr>
+          <p:cNvPr id="2" name="Título 1">
+            <a:extLst>
+              <a:ext uri="{FF2B5EF4-FFF2-40B4-BE49-F238E27FC236}">
+                <a16:creationId xmlns:a16="http://schemas.microsoft.com/office/drawing/2014/main" id="{224F9496-54B9-481E-AD65-39E867C4935F}"/>
+              </a:ext>
+            </a:extLst>
+          </p:cNvPr>
+          <p:cNvSpPr>
+            <a:spLocks noGrp="1"/>
+          </p:cNvSpPr>
+          <p:nvPr>
+            <p:ph type="ctrTitle"/>
+          </p:nvPr>
+        </p:nvSpPr>
+        <p:spPr>
+          <a:xfrm>
+            <a:off x="5395500" y="1674019"/>
+            <a:ext cx="6096000" cy="1985963"/>
+          </a:xfrm>
+        </p:spPr>
+        <p:txBody>
+          <a:bodyPr>
+            <a:noAutofit/>
+          </a:bodyPr>
+          <a:lstStyle/>
+          <a:p>
+            <a:pPr algn="r"/>
+            <a:r>
+              <a:rPr lang="es-ES" sz="4400" dirty="0">
+                <a:latin typeface="Agency FB" panose="020B0503020202020204" pitchFamily="34" charset="0"/>
+              </a:rPr>
+              <a:t>Análisis de la eficacia del </a:t>
+            </a:r>
+            <a:r>
+              <a:rPr lang="es-ES" sz="4400" dirty="0" err="1">
+                <a:latin typeface="Agency FB" panose="020B0503020202020204" pitchFamily="34" charset="0"/>
+              </a:rPr>
+              <a:t>tuning</a:t>
+            </a:r>
+            <a:r>
+              <a:rPr lang="es-ES" sz="4400" dirty="0">
+                <a:latin typeface="Agency FB" panose="020B0503020202020204" pitchFamily="34" charset="0"/>
+              </a:rPr>
+              <a:t> local en un modelo de clasificación basado en reglas difusas de asociación (FARC-HD)</a:t>
+            </a:r>
+          </a:p>
+        </p:txBody>
+      </p:sp>
+      <p:sp>
+        <p:nvSpPr>
+          <p:cNvPr id="3" name="Subtítulo 2">
+            <a:extLst>
+              <a:ext uri="{FF2B5EF4-FFF2-40B4-BE49-F238E27FC236}">
+                <a16:creationId xmlns:a16="http://schemas.microsoft.com/office/drawing/2014/main" id="{9AFC3A4B-F103-4C09-87C7-00137D1D96B0}"/>
+              </a:ext>
+            </a:extLst>
+          </p:cNvPr>
+          <p:cNvSpPr>
+            <a:spLocks noGrp="1"/>
+          </p:cNvSpPr>
+          <p:nvPr>
+            <p:ph type="subTitle" idx="1"/>
+          </p:nvPr>
+        </p:nvSpPr>
+        <p:spPr>
+          <a:xfrm>
+            <a:off x="5338762" y="5334001"/>
+            <a:ext cx="6096000" cy="905910"/>
+          </a:xfrm>
+        </p:spPr>
+        <p:txBody>
+          <a:bodyPr>
+            <a:normAutofit/>
+          </a:bodyPr>
+          <a:lstStyle/>
+          <a:p>
+            <a:pPr algn="r"/>
+            <a:r>
+              <a:rPr lang="es-ES" dirty="0"/>
+              <a:t>Oier Etxeberria Urrestarazu</a:t>
+            </a:r>
+          </a:p>
+        </p:txBody>
+      </p:sp>
+      <p:pic>
+        <p:nvPicPr>
+          <p:cNvPr id="4" name="Picture 3">
+            <a:extLst>
+              <a:ext uri="{FF2B5EF4-FFF2-40B4-BE49-F238E27FC236}">
+                <a16:creationId xmlns:a16="http://schemas.microsoft.com/office/drawing/2014/main" id="{C466EB98-5888-468A-8987-0EBB4CB7AEB1}"/>
+              </a:ext>
+            </a:extLst>
+          </p:cNvPr>
+          <p:cNvPicPr>
+            <a:picLocks noChangeAspect="1"/>
+          </p:cNvPicPr>
+          <p:nvPr/>
+        </p:nvPicPr>
+        <p:blipFill rotWithShape="1">
+          <a:blip r:embed="rId2"/>
+          <a:srcRect l="44430" r="18070"/>
+          <a:stretch/>
+        </p:blipFill>
+        <p:spPr>
+          <a:xfrm>
+            <a:off x="-2" y="-1"/>
+            <a:ext cx="4572002" cy="6858002"/>
+          </a:xfrm>
+          <a:custGeom>
+            <a:avLst/>
+            <a:gdLst/>
+            <a:ahLst/>
+            <a:cxnLst/>
+            <a:rect l="l" t="t" r="r" b="b"/>
+            <a:pathLst>
+              <a:path w="4572002" h="6858002">
+                <a:moveTo>
+                  <a:pt x="4295315" y="6438981"/>
+                </a:moveTo>
+                <a:lnTo>
+                  <a:pt x="4275384" y="6463840"/>
+                </a:lnTo>
+                <a:lnTo>
+                  <a:pt x="4275382" y="6463849"/>
+                </a:lnTo>
+                <a:lnTo>
+                  <a:pt x="4261586" y="6513012"/>
+                </a:lnTo>
+                <a:lnTo>
+                  <a:pt x="4242781" y="6546194"/>
+                </a:lnTo>
+                <a:lnTo>
+                  <a:pt x="4242781" y="6546195"/>
+                </a:lnTo>
+                <a:lnTo>
+                  <a:pt x="4259119" y="6521804"/>
+                </a:lnTo>
+                <a:lnTo>
+                  <a:pt x="4261586" y="6513012"/>
+                </a:lnTo>
+                <a:lnTo>
+                  <a:pt x="4264397" y="6508052"/>
+                </a:lnTo>
+                <a:lnTo>
+                  <a:pt x="4275382" y="6463849"/>
+                </a:lnTo>
+                <a:lnTo>
+                  <a:pt x="4275384" y="6463841"/>
+                </a:lnTo>
+                <a:cubicBezTo>
+                  <a:pt x="4278336" y="6451650"/>
+                  <a:pt x="4285813" y="6444077"/>
+                  <a:pt x="4295315" y="6438981"/>
+                </a:cubicBezTo>
+                <a:close/>
+                <a:moveTo>
+                  <a:pt x="4211111" y="2836172"/>
+                </a:moveTo>
+                <a:lnTo>
+                  <a:pt x="4202420" y="2848793"/>
+                </a:lnTo>
+                <a:cubicBezTo>
+                  <a:pt x="4192420" y="2881226"/>
+                  <a:pt x="4178988" y="2913982"/>
+                  <a:pt x="4177881" y="2947862"/>
+                </a:cubicBezTo>
+                <a:lnTo>
+                  <a:pt x="4177881" y="2947863"/>
+                </a:lnTo>
+                <a:lnTo>
+                  <a:pt x="4177881" y="2947863"/>
+                </a:lnTo>
+                <a:cubicBezTo>
+                  <a:pt x="4177512" y="2959157"/>
+                  <a:pt x="4178512" y="2970576"/>
+                  <a:pt x="4181465" y="2982149"/>
+                </a:cubicBezTo>
+                <a:lnTo>
+                  <a:pt x="4193158" y="3077402"/>
+                </a:lnTo>
+                <a:lnTo>
+                  <a:pt x="4180703" y="3172654"/>
+                </a:lnTo>
+                <a:cubicBezTo>
+                  <a:pt x="4154794" y="3276480"/>
+                  <a:pt x="4127362" y="3380305"/>
+                  <a:pt x="4133076" y="3489467"/>
+                </a:cubicBezTo>
+                <a:cubicBezTo>
+                  <a:pt x="4134028" y="3507563"/>
+                  <a:pt x="4122407" y="3529090"/>
+                  <a:pt x="4110977" y="3544713"/>
+                </a:cubicBezTo>
+                <a:cubicBezTo>
+                  <a:pt x="4100119" y="3559668"/>
+                  <a:pt x="4094260" y="3566812"/>
+                  <a:pt x="4093355" y="3574408"/>
+                </a:cubicBezTo>
+                <a:lnTo>
+                  <a:pt x="4093355" y="3574408"/>
+                </a:lnTo>
+                <a:lnTo>
+                  <a:pt x="4093355" y="3574409"/>
+                </a:lnTo>
+                <a:cubicBezTo>
+                  <a:pt x="4092450" y="3582005"/>
+                  <a:pt x="4096499" y="3590054"/>
+                  <a:pt x="4105453" y="3606818"/>
+                </a:cubicBezTo>
+                <a:cubicBezTo>
+                  <a:pt x="4109835" y="3614820"/>
+                  <a:pt x="4112501" y="3624726"/>
+                  <a:pt x="4118979" y="3630633"/>
+                </a:cubicBezTo>
+                <a:cubicBezTo>
+                  <a:pt x="4127218" y="3638158"/>
+                  <a:pt x="4132898" y="3646123"/>
+                  <a:pt x="4136708" y="3654416"/>
+                </a:cubicBezTo>
+                <a:lnTo>
+                  <a:pt x="4143220" y="3680164"/>
+                </a:lnTo>
+                <a:lnTo>
+                  <a:pt x="4139172" y="3734837"/>
+                </a:lnTo>
+                <a:lnTo>
+                  <a:pt x="4139172" y="3734838"/>
+                </a:lnTo>
+                <a:lnTo>
+                  <a:pt x="4139172" y="3734838"/>
+                </a:lnTo>
+                <a:cubicBezTo>
+                  <a:pt x="4138220" y="3741316"/>
+                  <a:pt x="4136886" y="3749126"/>
+                  <a:pt x="4139554" y="3754653"/>
+                </a:cubicBezTo>
+                <a:lnTo>
+                  <a:pt x="4145911" y="3789776"/>
+                </a:lnTo>
+                <a:lnTo>
+                  <a:pt x="4130980" y="3822472"/>
+                </a:lnTo>
+                <a:cubicBezTo>
+                  <a:pt x="4123932" y="3831902"/>
+                  <a:pt x="4118312" y="3842046"/>
+                  <a:pt x="4116645" y="3852619"/>
+                </a:cubicBezTo>
+                <a:lnTo>
+                  <a:pt x="4116645" y="3852620"/>
+                </a:lnTo>
+                <a:lnTo>
+                  <a:pt x="4116645" y="3852620"/>
+                </a:lnTo>
+                <a:cubicBezTo>
+                  <a:pt x="4114978" y="3863193"/>
+                  <a:pt x="4117265" y="3874195"/>
+                  <a:pt x="4126028" y="3885339"/>
+                </a:cubicBezTo>
+                <a:cubicBezTo>
+                  <a:pt x="4135744" y="3897722"/>
+                  <a:pt x="4143150" y="3910319"/>
+                  <a:pt x="4148409" y="3923125"/>
+                </a:cubicBezTo>
+                <a:lnTo>
+                  <a:pt x="4157913" y="3962160"/>
+                </a:lnTo>
+                <a:lnTo>
+                  <a:pt x="4155523" y="4002410"/>
+                </a:lnTo>
+                <a:cubicBezTo>
+                  <a:pt x="4152853" y="4016025"/>
+                  <a:pt x="4148364" y="4029837"/>
+                  <a:pt x="4142220" y="4043839"/>
+                </a:cubicBezTo>
+                <a:cubicBezTo>
+                  <a:pt x="4133457" y="4063842"/>
+                  <a:pt x="4128075" y="4083702"/>
+                  <a:pt x="4127099" y="4103825"/>
+                </a:cubicBezTo>
+                <a:lnTo>
+                  <a:pt x="4127099" y="4103826"/>
+                </a:lnTo>
+                <a:lnTo>
+                  <a:pt x="4127099" y="4103826"/>
+                </a:lnTo>
+                <a:cubicBezTo>
+                  <a:pt x="4126122" y="4123948"/>
+                  <a:pt x="4129552" y="4144333"/>
+                  <a:pt x="4138410" y="4165384"/>
+                </a:cubicBezTo>
+                <a:lnTo>
+                  <a:pt x="4142315" y="4192388"/>
+                </a:lnTo>
+                <a:lnTo>
+                  <a:pt x="4142220" y="4221391"/>
+                </a:lnTo>
+                <a:lnTo>
+                  <a:pt x="4142220" y="4221391"/>
+                </a:lnTo>
+                <a:lnTo>
+                  <a:pt x="4142220" y="4221392"/>
+                </a:lnTo>
+                <a:cubicBezTo>
+                  <a:pt x="4142982" y="4232061"/>
+                  <a:pt x="4143172" y="4243873"/>
+                  <a:pt x="4147936" y="4253015"/>
+                </a:cubicBezTo>
+                <a:cubicBezTo>
+                  <a:pt x="4160129" y="4277402"/>
+                  <a:pt x="4175749" y="4300071"/>
+                  <a:pt x="4187752" y="4324646"/>
+                </a:cubicBezTo>
+                <a:lnTo>
+                  <a:pt x="4196706" y="4363891"/>
+                </a:lnTo>
+                <a:lnTo>
+                  <a:pt x="4195944" y="4482004"/>
+                </a:lnTo>
+                <a:cubicBezTo>
+                  <a:pt x="4193276" y="4546776"/>
+                  <a:pt x="4192704" y="4612500"/>
+                  <a:pt x="4135934" y="4659174"/>
+                </a:cubicBezTo>
+                <a:cubicBezTo>
+                  <a:pt x="4131362" y="4662986"/>
+                  <a:pt x="4128694" y="4671176"/>
+                  <a:pt x="4127932" y="4677655"/>
+                </a:cubicBezTo>
+                <a:cubicBezTo>
+                  <a:pt x="4124313" y="4707564"/>
+                  <a:pt x="4123931" y="4738235"/>
+                  <a:pt x="4118025" y="4767764"/>
+                </a:cubicBezTo>
+                <a:cubicBezTo>
+                  <a:pt x="4115644" y="4779575"/>
+                  <a:pt x="4114835" y="4790387"/>
+                  <a:pt x="4116716" y="4800483"/>
+                </a:cubicBezTo>
+                <a:lnTo>
+                  <a:pt x="4116716" y="4800483"/>
+                </a:lnTo>
+                <a:lnTo>
+                  <a:pt x="4116716" y="4800484"/>
+                </a:lnTo>
+                <a:cubicBezTo>
+                  <a:pt x="4118597" y="4810581"/>
+                  <a:pt x="4123170" y="4819964"/>
+                  <a:pt x="4131552" y="4828917"/>
+                </a:cubicBezTo>
+                <a:cubicBezTo>
+                  <a:pt x="4142601" y="4840633"/>
+                  <a:pt x="4151364" y="4853636"/>
+                  <a:pt x="4156484" y="4867614"/>
+                </a:cubicBezTo>
+                <a:lnTo>
+                  <a:pt x="4161262" y="4889275"/>
+                </a:lnTo>
+                <a:lnTo>
+                  <a:pt x="4159557" y="4912168"/>
+                </a:lnTo>
+                <a:cubicBezTo>
+                  <a:pt x="4157842" y="4919978"/>
+                  <a:pt x="4157485" y="4927122"/>
+                  <a:pt x="4158155" y="4933804"/>
+                </a:cubicBezTo>
+                <a:lnTo>
+                  <a:pt x="4158155" y="4933805"/>
+                </a:lnTo>
+                <a:lnTo>
+                  <a:pt x="4158155" y="4933805"/>
+                </a:lnTo>
+                <a:cubicBezTo>
+                  <a:pt x="4160163" y="4953853"/>
+                  <a:pt x="4171415" y="4969749"/>
+                  <a:pt x="4182989" y="4987038"/>
+                </a:cubicBezTo>
+                <a:cubicBezTo>
+                  <a:pt x="4194228" y="5003802"/>
+                  <a:pt x="4208326" y="5022853"/>
+                  <a:pt x="4209468" y="5041522"/>
+                </a:cubicBezTo>
+                <a:cubicBezTo>
+                  <a:pt x="4210706" y="5062669"/>
+                  <a:pt x="4221137" y="5082339"/>
+                  <a:pt x="4228472" y="5102461"/>
+                </a:cubicBezTo>
+                <a:lnTo>
+                  <a:pt x="4235616" y="5133225"/>
+                </a:lnTo>
+                <a:lnTo>
+                  <a:pt x="4228901" y="5166113"/>
+                </a:lnTo>
+                <a:lnTo>
+                  <a:pt x="4228901" y="5166114"/>
+                </a:lnTo>
+                <a:lnTo>
+                  <a:pt x="4228901" y="5166114"/>
+                </a:lnTo>
+                <a:cubicBezTo>
+                  <a:pt x="4228139" y="5167638"/>
+                  <a:pt x="4228711" y="5169781"/>
+                  <a:pt x="4229592" y="5172091"/>
+                </a:cubicBezTo>
+                <a:lnTo>
+                  <a:pt x="4232139" y="5179068"/>
+                </a:lnTo>
+                <a:lnTo>
+                  <a:pt x="4231973" y="5229433"/>
+                </a:lnTo>
+                <a:cubicBezTo>
+                  <a:pt x="4228139" y="5245268"/>
+                  <a:pt x="4220423" y="5259937"/>
+                  <a:pt x="4208516" y="5272796"/>
+                </a:cubicBezTo>
+                <a:cubicBezTo>
+                  <a:pt x="4185226" y="5298086"/>
+                  <a:pt x="4177689" y="5325412"/>
+                  <a:pt x="4179637" y="5355014"/>
+                </a:cubicBezTo>
+                <a:lnTo>
+                  <a:pt x="4179637" y="5355014"/>
+                </a:lnTo>
+                <a:lnTo>
+                  <a:pt x="4179637" y="5355015"/>
+                </a:lnTo>
+                <a:cubicBezTo>
+                  <a:pt x="4180286" y="5364883"/>
+                  <a:pt x="4181989" y="5375003"/>
+                  <a:pt x="4184513" y="5385385"/>
+                </a:cubicBezTo>
+                <a:cubicBezTo>
+                  <a:pt x="4187752" y="5398722"/>
+                  <a:pt x="4190038" y="5412058"/>
+                  <a:pt x="4192704" y="5425583"/>
+                </a:cubicBezTo>
+                <a:cubicBezTo>
+                  <a:pt x="4196514" y="5443871"/>
+                  <a:pt x="4200516" y="5462352"/>
+                  <a:pt x="4204326" y="5480638"/>
+                </a:cubicBezTo>
+                <a:lnTo>
+                  <a:pt x="4208850" y="5507668"/>
+                </a:lnTo>
+                <a:lnTo>
+                  <a:pt x="4206630" y="5520422"/>
+                </a:lnTo>
+                <a:cubicBezTo>
+                  <a:pt x="4204993" y="5524467"/>
+                  <a:pt x="4202326" y="5528265"/>
+                  <a:pt x="4198230" y="5531693"/>
+                </a:cubicBezTo>
+                <a:cubicBezTo>
+                  <a:pt x="4191181" y="5537600"/>
+                  <a:pt x="4187989" y="5542649"/>
+                  <a:pt x="4188085" y="5547578"/>
+                </a:cubicBezTo>
+                <a:lnTo>
+                  <a:pt x="4188085" y="5547578"/>
+                </a:lnTo>
+                <a:lnTo>
+                  <a:pt x="4188085" y="5547579"/>
+                </a:lnTo>
+                <a:cubicBezTo>
+                  <a:pt x="4188180" y="5552508"/>
+                  <a:pt x="4191562" y="5557318"/>
+                  <a:pt x="4197658" y="5562747"/>
+                </a:cubicBezTo>
+                <a:cubicBezTo>
+                  <a:pt x="4240331" y="5600468"/>
+                  <a:pt x="4267002" y="5646190"/>
+                  <a:pt x="4268906" y="5704484"/>
+                </a:cubicBezTo>
+                <a:cubicBezTo>
+                  <a:pt x="4269288" y="5716486"/>
+                  <a:pt x="4271954" y="5728679"/>
+                  <a:pt x="4274812" y="5740489"/>
+                </a:cubicBezTo>
+                <a:cubicBezTo>
+                  <a:pt x="4276527" y="5747729"/>
+                  <a:pt x="4278433" y="5756494"/>
+                  <a:pt x="4283577" y="5760874"/>
+                </a:cubicBezTo>
+                <a:cubicBezTo>
+                  <a:pt x="4322820" y="5794975"/>
+                  <a:pt x="4350063" y="5837458"/>
+                  <a:pt x="4371972" y="5883752"/>
+                </a:cubicBezTo>
+                <a:cubicBezTo>
+                  <a:pt x="4375877" y="5892038"/>
+                  <a:pt x="4379782" y="5900611"/>
+                  <a:pt x="4382997" y="5909351"/>
+                </a:cubicBezTo>
+                <a:lnTo>
+                  <a:pt x="4389878" y="5935950"/>
+                </a:lnTo>
+                <a:lnTo>
+                  <a:pt x="4389712" y="5964477"/>
+                </a:lnTo>
+                <a:cubicBezTo>
+                  <a:pt x="4388783" y="5974097"/>
+                  <a:pt x="4387306" y="5983766"/>
+                  <a:pt x="4386258" y="5993291"/>
+                </a:cubicBezTo>
+                <a:cubicBezTo>
+                  <a:pt x="4385116" y="6004531"/>
+                  <a:pt x="4385306" y="6017485"/>
+                  <a:pt x="4379782" y="6026440"/>
+                </a:cubicBezTo>
+                <a:cubicBezTo>
+                  <a:pt x="4362445" y="6054825"/>
+                  <a:pt x="4343777" y="6082258"/>
+                  <a:pt x="4323582" y="6108738"/>
+                </a:cubicBezTo>
+                <a:cubicBezTo>
+                  <a:pt x="4314914" y="6120074"/>
+                  <a:pt x="4309961" y="6126884"/>
+                  <a:pt x="4309890" y="6133314"/>
+                </a:cubicBezTo>
+                <a:lnTo>
+                  <a:pt x="4309890" y="6133315"/>
+                </a:lnTo>
+                <a:lnTo>
+                  <a:pt x="4309890" y="6133315"/>
+                </a:lnTo>
+                <a:cubicBezTo>
+                  <a:pt x="4309818" y="6139745"/>
+                  <a:pt x="4314629" y="6145793"/>
+                  <a:pt x="4325488" y="6155603"/>
+                </a:cubicBezTo>
+                <a:cubicBezTo>
+                  <a:pt x="4347777" y="6175798"/>
+                  <a:pt x="4359397" y="6200945"/>
+                  <a:pt x="4364159" y="6228757"/>
+                </a:cubicBezTo>
+                <a:lnTo>
+                  <a:pt x="4381496" y="6361540"/>
+                </a:lnTo>
+                <a:lnTo>
+                  <a:pt x="4381289" y="6365204"/>
+                </a:lnTo>
+                <a:lnTo>
+                  <a:pt x="4380007" y="6387910"/>
+                </a:lnTo>
+                <a:lnTo>
+                  <a:pt x="4378243" y="6391549"/>
+                </a:lnTo>
+                <a:lnTo>
+                  <a:pt x="4370589" y="6407332"/>
+                </a:lnTo>
+                <a:lnTo>
+                  <a:pt x="4370589" y="6407333"/>
+                </a:lnTo>
+                <a:lnTo>
+                  <a:pt x="4378243" y="6391549"/>
+                </a:lnTo>
+                <a:lnTo>
+                  <a:pt x="4380008" y="6387910"/>
+                </a:lnTo>
+                <a:lnTo>
+                  <a:pt x="4381289" y="6365204"/>
+                </a:lnTo>
+                <a:lnTo>
+                  <a:pt x="4381496" y="6361540"/>
+                </a:lnTo>
+                <a:lnTo>
+                  <a:pt x="4381496" y="6361540"/>
+                </a:lnTo>
+                <a:lnTo>
+                  <a:pt x="4381496" y="6361539"/>
+                </a:lnTo>
+                <a:cubicBezTo>
+                  <a:pt x="4377876" y="6317151"/>
+                  <a:pt x="4371590" y="6272764"/>
+                  <a:pt x="4364159" y="6228756"/>
+                </a:cubicBezTo>
+                <a:cubicBezTo>
+                  <a:pt x="4359397" y="6200944"/>
+                  <a:pt x="4347777" y="6175797"/>
+                  <a:pt x="4325488" y="6155602"/>
+                </a:cubicBezTo>
+                <a:cubicBezTo>
+                  <a:pt x="4320059" y="6150697"/>
+                  <a:pt x="4316141" y="6146732"/>
+                  <a:pt x="4313590" y="6143190"/>
+                </a:cubicBezTo>
+                <a:lnTo>
+                  <a:pt x="4309890" y="6133315"/>
+                </a:lnTo>
+                <a:lnTo>
+                  <a:pt x="4323582" y="6108739"/>
+                </a:lnTo>
+                <a:cubicBezTo>
+                  <a:pt x="4343777" y="6082259"/>
+                  <a:pt x="4362445" y="6054826"/>
+                  <a:pt x="4379782" y="6026441"/>
+                </a:cubicBezTo>
+                <a:cubicBezTo>
+                  <a:pt x="4385306" y="6017486"/>
+                  <a:pt x="4385116" y="6004532"/>
+                  <a:pt x="4386258" y="5993292"/>
+                </a:cubicBezTo>
+                <a:cubicBezTo>
+                  <a:pt x="4388354" y="5974241"/>
+                  <a:pt x="4392164" y="5954618"/>
+                  <a:pt x="4389878" y="5935950"/>
+                </a:cubicBezTo>
+                <a:lnTo>
+                  <a:pt x="4389878" y="5935950"/>
+                </a:lnTo>
+                <a:lnTo>
+                  <a:pt x="4389878" y="5935949"/>
+                </a:lnTo>
+                <a:cubicBezTo>
+                  <a:pt x="4387592" y="5918042"/>
+                  <a:pt x="4379782" y="5900323"/>
+                  <a:pt x="4371972" y="5883751"/>
+                </a:cubicBezTo>
+                <a:cubicBezTo>
+                  <a:pt x="4350063" y="5837457"/>
+                  <a:pt x="4322820" y="5794974"/>
+                  <a:pt x="4283577" y="5760873"/>
+                </a:cubicBezTo>
+                <a:cubicBezTo>
+                  <a:pt x="4278433" y="5756493"/>
+                  <a:pt x="4276527" y="5747728"/>
+                  <a:pt x="4274812" y="5740488"/>
+                </a:cubicBezTo>
+                <a:cubicBezTo>
+                  <a:pt x="4271954" y="5728678"/>
+                  <a:pt x="4269288" y="5716485"/>
+                  <a:pt x="4268906" y="5704483"/>
+                </a:cubicBezTo>
+                <a:cubicBezTo>
+                  <a:pt x="4267002" y="5646189"/>
+                  <a:pt x="4240331" y="5600467"/>
+                  <a:pt x="4197658" y="5562746"/>
+                </a:cubicBezTo>
+                <a:lnTo>
+                  <a:pt x="4188085" y="5547578"/>
+                </a:lnTo>
+                <a:lnTo>
+                  <a:pt x="4198230" y="5531694"/>
+                </a:lnTo>
+                <a:cubicBezTo>
+                  <a:pt x="4206421" y="5524837"/>
+                  <a:pt x="4208898" y="5516503"/>
+                  <a:pt x="4208850" y="5507668"/>
+                </a:cubicBezTo>
+                <a:lnTo>
+                  <a:pt x="4208850" y="5507668"/>
+                </a:lnTo>
+                <a:lnTo>
+                  <a:pt x="4208850" y="5507667"/>
+                </a:lnTo>
+                <a:cubicBezTo>
+                  <a:pt x="4208803" y="5498832"/>
+                  <a:pt x="4206231" y="5489497"/>
+                  <a:pt x="4204326" y="5480637"/>
+                </a:cubicBezTo>
+                <a:cubicBezTo>
+                  <a:pt x="4200516" y="5462351"/>
+                  <a:pt x="4196514" y="5443870"/>
+                  <a:pt x="4192704" y="5425582"/>
+                </a:cubicBezTo>
+                <a:cubicBezTo>
+                  <a:pt x="4190038" y="5412057"/>
+                  <a:pt x="4187752" y="5398721"/>
+                  <a:pt x="4184513" y="5385384"/>
+                </a:cubicBezTo>
+                <a:lnTo>
+                  <a:pt x="4179637" y="5355014"/>
+                </a:lnTo>
+                <a:lnTo>
+                  <a:pt x="4181083" y="5326163"/>
+                </a:lnTo>
+                <a:cubicBezTo>
+                  <a:pt x="4184464" y="5307422"/>
+                  <a:pt x="4192990" y="5289657"/>
+                  <a:pt x="4208516" y="5272797"/>
+                </a:cubicBezTo>
+                <a:cubicBezTo>
+                  <a:pt x="4232329" y="5247079"/>
+                  <a:pt x="4239379" y="5214122"/>
+                  <a:pt x="4232139" y="5179068"/>
+                </a:cubicBezTo>
+                <a:lnTo>
+                  <a:pt x="4232139" y="5179068"/>
+                </a:lnTo>
+                <a:lnTo>
+                  <a:pt x="4232139" y="5179067"/>
+                </a:lnTo>
+                <a:cubicBezTo>
+                  <a:pt x="4231663" y="5176876"/>
+                  <a:pt x="4230473" y="5174400"/>
+                  <a:pt x="4229592" y="5172090"/>
+                </a:cubicBezTo>
+                <a:lnTo>
+                  <a:pt x="4228901" y="5166114"/>
+                </a:lnTo>
+                <a:lnTo>
+                  <a:pt x="4235616" y="5133225"/>
+                </a:lnTo>
+                <a:lnTo>
+                  <a:pt x="4235616" y="5133225"/>
+                </a:lnTo>
+                <a:lnTo>
+                  <a:pt x="4235616" y="5133224"/>
+                </a:lnTo>
+                <a:cubicBezTo>
+                  <a:pt x="4233865" y="5101639"/>
+                  <a:pt x="4211325" y="5073241"/>
+                  <a:pt x="4209468" y="5041521"/>
+                </a:cubicBezTo>
+                <a:cubicBezTo>
+                  <a:pt x="4208326" y="5022852"/>
+                  <a:pt x="4194228" y="5003801"/>
+                  <a:pt x="4182989" y="4987037"/>
+                </a:cubicBezTo>
+                <a:cubicBezTo>
+                  <a:pt x="4175273" y="4975511"/>
+                  <a:pt x="4167700" y="4964604"/>
+                  <a:pt x="4162914" y="4952673"/>
+                </a:cubicBezTo>
+                <a:lnTo>
+                  <a:pt x="4158155" y="4933805"/>
+                </a:lnTo>
+                <a:lnTo>
+                  <a:pt x="4159557" y="4912169"/>
+                </a:lnTo>
+                <a:cubicBezTo>
+                  <a:pt x="4161319" y="4904358"/>
+                  <a:pt x="4161831" y="4896714"/>
+                  <a:pt x="4161262" y="4889276"/>
+                </a:cubicBezTo>
+                <a:lnTo>
+                  <a:pt x="4161262" y="4889275"/>
+                </a:lnTo>
+                <a:lnTo>
+                  <a:pt x="4161262" y="4889275"/>
+                </a:lnTo>
+                <a:cubicBezTo>
+                  <a:pt x="4159556" y="4866958"/>
+                  <a:pt x="4148126" y="4846490"/>
+                  <a:pt x="4131552" y="4828916"/>
+                </a:cubicBezTo>
+                <a:lnTo>
+                  <a:pt x="4116716" y="4800483"/>
+                </a:lnTo>
+                <a:lnTo>
+                  <a:pt x="4118025" y="4767765"/>
+                </a:lnTo>
+                <a:cubicBezTo>
+                  <a:pt x="4123931" y="4738236"/>
+                  <a:pt x="4124313" y="4707565"/>
+                  <a:pt x="4127932" y="4677656"/>
+                </a:cubicBezTo>
+                <a:cubicBezTo>
+                  <a:pt x="4128694" y="4671177"/>
+                  <a:pt x="4131362" y="4662987"/>
+                  <a:pt x="4135934" y="4659175"/>
+                </a:cubicBezTo>
+                <a:cubicBezTo>
+                  <a:pt x="4192704" y="4612501"/>
+                  <a:pt x="4193276" y="4546777"/>
+                  <a:pt x="4195944" y="4482005"/>
+                </a:cubicBezTo>
+                <a:cubicBezTo>
+                  <a:pt x="4197658" y="4442762"/>
+                  <a:pt x="4197658" y="4403326"/>
+                  <a:pt x="4196706" y="4363891"/>
+                </a:cubicBezTo>
+                <a:lnTo>
+                  <a:pt x="4196706" y="4363891"/>
+                </a:lnTo>
+                <a:lnTo>
+                  <a:pt x="4196706" y="4363890"/>
+                </a:lnTo>
+                <a:cubicBezTo>
+                  <a:pt x="4196514" y="4350554"/>
+                  <a:pt x="4193466" y="4336457"/>
+                  <a:pt x="4187752" y="4324645"/>
+                </a:cubicBezTo>
+                <a:cubicBezTo>
+                  <a:pt x="4175749" y="4300070"/>
+                  <a:pt x="4160129" y="4277401"/>
+                  <a:pt x="4147936" y="4253014"/>
+                </a:cubicBezTo>
+                <a:lnTo>
+                  <a:pt x="4142220" y="4221391"/>
+                </a:lnTo>
+                <a:lnTo>
+                  <a:pt x="4142315" y="4192388"/>
+                </a:lnTo>
+                <a:lnTo>
+                  <a:pt x="4142315" y="4192388"/>
+                </a:lnTo>
+                <a:lnTo>
+                  <a:pt x="4142315" y="4192387"/>
+                </a:lnTo>
+                <a:cubicBezTo>
+                  <a:pt x="4142411" y="4182767"/>
+                  <a:pt x="4141839" y="4173480"/>
+                  <a:pt x="4138410" y="4165383"/>
+                </a:cubicBezTo>
+                <a:cubicBezTo>
+                  <a:pt x="4133981" y="4154857"/>
+                  <a:pt x="4130909" y="4144498"/>
+                  <a:pt x="4129066" y="4134256"/>
+                </a:cubicBezTo>
+                <a:lnTo>
+                  <a:pt x="4127099" y="4103826"/>
+                </a:lnTo>
+                <a:lnTo>
+                  <a:pt x="4142220" y="4043840"/>
+                </a:lnTo>
+                <a:cubicBezTo>
+                  <a:pt x="4154508" y="4015835"/>
+                  <a:pt x="4160175" y="3988593"/>
+                  <a:pt x="4157913" y="3962160"/>
+                </a:cubicBezTo>
+                <a:lnTo>
+                  <a:pt x="4157913" y="3962160"/>
+                </a:lnTo>
+                <a:lnTo>
+                  <a:pt x="4157913" y="3962159"/>
+                </a:lnTo>
+                <a:cubicBezTo>
+                  <a:pt x="4155651" y="3935727"/>
+                  <a:pt x="4145460" y="3910104"/>
+                  <a:pt x="4126028" y="3885338"/>
+                </a:cubicBezTo>
+                <a:cubicBezTo>
+                  <a:pt x="4121646" y="3879766"/>
+                  <a:pt x="4118884" y="3874229"/>
+                  <a:pt x="4117425" y="3868764"/>
+                </a:cubicBezTo>
+                <a:lnTo>
+                  <a:pt x="4116645" y="3852620"/>
+                </a:lnTo>
+                <a:lnTo>
+                  <a:pt x="4130980" y="3822473"/>
+                </a:lnTo>
+                <a:cubicBezTo>
+                  <a:pt x="4139172" y="3811614"/>
+                  <a:pt x="4144316" y="3800897"/>
+                  <a:pt x="4145911" y="3789777"/>
+                </a:cubicBezTo>
+                <a:lnTo>
+                  <a:pt x="4145911" y="3789776"/>
+                </a:lnTo>
+                <a:lnTo>
+                  <a:pt x="4145911" y="3789776"/>
+                </a:lnTo>
+                <a:cubicBezTo>
+                  <a:pt x="4147507" y="3778655"/>
+                  <a:pt x="4145554" y="3767130"/>
+                  <a:pt x="4139554" y="3754652"/>
+                </a:cubicBezTo>
+                <a:lnTo>
+                  <a:pt x="4139172" y="3734838"/>
+                </a:lnTo>
+                <a:lnTo>
+                  <a:pt x="4143220" y="3680164"/>
+                </a:lnTo>
+                <a:lnTo>
+                  <a:pt x="4143220" y="3680164"/>
+                </a:lnTo>
+                <a:lnTo>
+                  <a:pt x="4143220" y="3680163"/>
+                </a:lnTo>
+                <a:cubicBezTo>
+                  <a:pt x="4141696" y="3662494"/>
+                  <a:pt x="4135458" y="3645682"/>
+                  <a:pt x="4118979" y="3630632"/>
+                </a:cubicBezTo>
+                <a:cubicBezTo>
+                  <a:pt x="4112501" y="3624725"/>
+                  <a:pt x="4109835" y="3614819"/>
+                  <a:pt x="4105453" y="3606817"/>
+                </a:cubicBezTo>
+                <a:cubicBezTo>
+                  <a:pt x="4100976" y="3598435"/>
+                  <a:pt x="4097725" y="3592232"/>
+                  <a:pt x="4095707" y="3587174"/>
+                </a:cubicBezTo>
+                <a:lnTo>
+                  <a:pt x="4093355" y="3574408"/>
+                </a:lnTo>
+                <a:lnTo>
+                  <a:pt x="4098434" y="3562321"/>
+                </a:lnTo>
+                <a:cubicBezTo>
+                  <a:pt x="4101369" y="3557716"/>
+                  <a:pt x="4105548" y="3552191"/>
+                  <a:pt x="4110977" y="3544714"/>
+                </a:cubicBezTo>
+                <a:cubicBezTo>
+                  <a:pt x="4122407" y="3529091"/>
+                  <a:pt x="4134028" y="3507564"/>
+                  <a:pt x="4133076" y="3489468"/>
+                </a:cubicBezTo>
+                <a:cubicBezTo>
+                  <a:pt x="4127362" y="3380306"/>
+                  <a:pt x="4154794" y="3276481"/>
+                  <a:pt x="4180703" y="3172655"/>
+                </a:cubicBezTo>
+                <a:cubicBezTo>
+                  <a:pt x="4188705" y="3140650"/>
+                  <a:pt x="4192943" y="3109026"/>
+                  <a:pt x="4193158" y="3077402"/>
+                </a:cubicBezTo>
+                <a:lnTo>
+                  <a:pt x="4193158" y="3077402"/>
+                </a:lnTo>
+                <a:lnTo>
+                  <a:pt x="4193158" y="3077401"/>
+                </a:lnTo>
+                <a:cubicBezTo>
+                  <a:pt x="4193372" y="3045777"/>
+                  <a:pt x="4189562" y="3014153"/>
+                  <a:pt x="4181465" y="2982148"/>
+                </a:cubicBezTo>
+                <a:lnTo>
+                  <a:pt x="4177881" y="2947863"/>
+                </a:lnTo>
+                <a:lnTo>
+                  <a:pt x="4182513" y="2914328"/>
+                </a:lnTo>
+                <a:cubicBezTo>
+                  <a:pt x="4187561" y="2892181"/>
+                  <a:pt x="4195753" y="2870416"/>
+                  <a:pt x="4202420" y="2848794"/>
+                </a:cubicBezTo>
+                <a:cubicBezTo>
+                  <a:pt x="4203753" y="2844317"/>
+                  <a:pt x="4207039" y="2839983"/>
+                  <a:pt x="4211111" y="2836173"/>
+                </a:cubicBezTo>
+                <a:close/>
+                <a:moveTo>
+                  <a:pt x="3726625" y="1508458"/>
+                </a:moveTo>
+                <a:lnTo>
+                  <a:pt x="3698531" y="1596214"/>
+                </a:lnTo>
+                <a:cubicBezTo>
+                  <a:pt x="3696054" y="1604979"/>
+                  <a:pt x="3697579" y="1615837"/>
+                  <a:pt x="3700436" y="1624981"/>
+                </a:cubicBezTo>
+                <a:cubicBezTo>
+                  <a:pt x="3710152" y="1656224"/>
+                  <a:pt x="3734537" y="1676037"/>
+                  <a:pt x="3757017" y="1697754"/>
+                </a:cubicBezTo>
+                <a:cubicBezTo>
+                  <a:pt x="3766924" y="1707280"/>
+                  <a:pt x="3773972" y="1720424"/>
+                  <a:pt x="3779686" y="1733189"/>
+                </a:cubicBezTo>
+                <a:cubicBezTo>
+                  <a:pt x="3794357" y="1766336"/>
+                  <a:pt x="3807501" y="1800247"/>
+                  <a:pt x="3821407" y="1833776"/>
+                </a:cubicBezTo>
+                <a:cubicBezTo>
+                  <a:pt x="3822741" y="1837014"/>
+                  <a:pt x="3826170" y="1839680"/>
+                  <a:pt x="3829028" y="1842159"/>
+                </a:cubicBezTo>
+                <a:cubicBezTo>
+                  <a:pt x="3859129" y="1866923"/>
+                  <a:pt x="3889418" y="1891498"/>
+                  <a:pt x="3919519" y="1916455"/>
+                </a:cubicBezTo>
+                <a:cubicBezTo>
+                  <a:pt x="3925233" y="1921217"/>
+                  <a:pt x="3929425" y="1928077"/>
+                  <a:pt x="3934949" y="1933220"/>
+                </a:cubicBezTo>
+                <a:cubicBezTo>
+                  <a:pt x="3942569" y="1940460"/>
+                  <a:pt x="3949810" y="1949604"/>
+                  <a:pt x="3958954" y="1953414"/>
+                </a:cubicBezTo>
+                <a:cubicBezTo>
+                  <a:pt x="3987719" y="1965225"/>
+                  <a:pt x="4000103" y="1987895"/>
+                  <a:pt x="4005437" y="2016470"/>
+                </a:cubicBezTo>
+                <a:cubicBezTo>
+                  <a:pt x="4010390" y="2042571"/>
+                  <a:pt x="4014582" y="2068670"/>
+                  <a:pt x="4020296" y="2094579"/>
+                </a:cubicBezTo>
+                <a:cubicBezTo>
+                  <a:pt x="4027154" y="2126202"/>
+                  <a:pt x="4034584" y="2157637"/>
+                  <a:pt x="4042967" y="2188880"/>
+                </a:cubicBezTo>
+                <a:cubicBezTo>
+                  <a:pt x="4046587" y="2202405"/>
+                  <a:pt x="4050777" y="2216693"/>
+                  <a:pt x="4058207" y="2228315"/>
+                </a:cubicBezTo>
+                <a:cubicBezTo>
+                  <a:pt x="4078782" y="2260891"/>
+                  <a:pt x="4092688" y="2295754"/>
+                  <a:pt x="4087164" y="2334045"/>
+                </a:cubicBezTo>
+                <a:cubicBezTo>
+                  <a:pt x="4082782" y="2364716"/>
+                  <a:pt x="4094022" y="2390435"/>
+                  <a:pt x="4111549" y="2409486"/>
+                </a:cubicBezTo>
+                <a:cubicBezTo>
+                  <a:pt x="4119503" y="2418155"/>
+                  <a:pt x="4125016" y="2426977"/>
+                  <a:pt x="4128650" y="2435913"/>
+                </a:cubicBezTo>
+                <a:lnTo>
+                  <a:pt x="4134481" y="2463018"/>
+                </a:lnTo>
+                <a:lnTo>
+                  <a:pt x="4132419" y="2490551"/>
+                </a:lnTo>
+                <a:cubicBezTo>
+                  <a:pt x="4130791" y="2499773"/>
+                  <a:pt x="4128410" y="2509024"/>
+                  <a:pt x="4125838" y="2518264"/>
+                </a:cubicBezTo>
+                <a:cubicBezTo>
+                  <a:pt x="4123171" y="2527790"/>
+                  <a:pt x="4122027" y="2536457"/>
+                  <a:pt x="4122194" y="2545006"/>
+                </a:cubicBezTo>
+                <a:lnTo>
+                  <a:pt x="4122194" y="2545007"/>
+                </a:lnTo>
+                <a:lnTo>
+                  <a:pt x="4122194" y="2545007"/>
+                </a:lnTo>
+                <a:cubicBezTo>
+                  <a:pt x="4122360" y="2553556"/>
+                  <a:pt x="4123837" y="2561986"/>
+                  <a:pt x="4126408" y="2571035"/>
+                </a:cubicBezTo>
+                <a:cubicBezTo>
+                  <a:pt x="4138410" y="2612946"/>
+                  <a:pt x="4170987" y="2640951"/>
+                  <a:pt x="4199562" y="2668002"/>
+                </a:cubicBezTo>
+                <a:cubicBezTo>
+                  <a:pt x="4223947" y="2691055"/>
+                  <a:pt x="4237663" y="2716964"/>
+                  <a:pt x="4247952" y="2745349"/>
+                </a:cubicBezTo>
+                <a:lnTo>
+                  <a:pt x="4247953" y="2745352"/>
+                </a:lnTo>
+                <a:lnTo>
+                  <a:pt x="4253873" y="2778006"/>
+                </a:lnTo>
+                <a:lnTo>
+                  <a:pt x="4253453" y="2785440"/>
+                </a:lnTo>
+                <a:lnTo>
+                  <a:pt x="4243374" y="2811780"/>
+                </a:lnTo>
+                <a:lnTo>
+                  <a:pt x="4243370" y="2811787"/>
+                </a:lnTo>
+                <a:lnTo>
+                  <a:pt x="4243371" y="2811787"/>
+                </a:lnTo>
+                <a:lnTo>
+                  <a:pt x="4243374" y="2811780"/>
+                </a:lnTo>
+                <a:lnTo>
+                  <a:pt x="4253024" y="2793023"/>
+                </a:lnTo>
+                <a:lnTo>
+                  <a:pt x="4253453" y="2785440"/>
+                </a:lnTo>
+                <a:lnTo>
+                  <a:pt x="4254653" y="2782305"/>
+                </a:lnTo>
+                <a:lnTo>
+                  <a:pt x="4253873" y="2778006"/>
+                </a:lnTo>
+                <a:lnTo>
+                  <a:pt x="4254283" y="2770758"/>
+                </a:lnTo>
+                <a:lnTo>
+                  <a:pt x="4247953" y="2745352"/>
+                </a:lnTo>
+                <a:lnTo>
+                  <a:pt x="4247952" y="2745348"/>
+                </a:lnTo>
+                <a:cubicBezTo>
+                  <a:pt x="4237663" y="2716963"/>
+                  <a:pt x="4223947" y="2691054"/>
+                  <a:pt x="4199562" y="2668001"/>
+                </a:cubicBezTo>
+                <a:cubicBezTo>
+                  <a:pt x="4170987" y="2640950"/>
+                  <a:pt x="4138410" y="2612945"/>
+                  <a:pt x="4126408" y="2571034"/>
+                </a:cubicBezTo>
+                <a:lnTo>
+                  <a:pt x="4122194" y="2545007"/>
+                </a:lnTo>
+                <a:lnTo>
+                  <a:pt x="4125838" y="2518265"/>
+                </a:lnTo>
+                <a:cubicBezTo>
+                  <a:pt x="4130981" y="2499786"/>
+                  <a:pt x="4135363" y="2481259"/>
+                  <a:pt x="4134481" y="2463018"/>
+                </a:cubicBezTo>
+                <a:lnTo>
+                  <a:pt x="4134481" y="2463018"/>
+                </a:lnTo>
+                <a:lnTo>
+                  <a:pt x="4134481" y="2463017"/>
+                </a:lnTo>
+                <a:cubicBezTo>
+                  <a:pt x="4133600" y="2444777"/>
+                  <a:pt x="4127457" y="2426822"/>
+                  <a:pt x="4111549" y="2409485"/>
+                </a:cubicBezTo>
+                <a:cubicBezTo>
+                  <a:pt x="4094022" y="2390434"/>
+                  <a:pt x="4082782" y="2364715"/>
+                  <a:pt x="4087164" y="2334044"/>
+                </a:cubicBezTo>
+                <a:cubicBezTo>
+                  <a:pt x="4092688" y="2295753"/>
+                  <a:pt x="4078782" y="2260890"/>
+                  <a:pt x="4058207" y="2228314"/>
+                </a:cubicBezTo>
+                <a:cubicBezTo>
+                  <a:pt x="4050777" y="2216692"/>
+                  <a:pt x="4046587" y="2202404"/>
+                  <a:pt x="4042967" y="2188879"/>
+                </a:cubicBezTo>
+                <a:cubicBezTo>
+                  <a:pt x="4034584" y="2157636"/>
+                  <a:pt x="4027154" y="2126201"/>
+                  <a:pt x="4020296" y="2094578"/>
+                </a:cubicBezTo>
+                <a:cubicBezTo>
+                  <a:pt x="4014582" y="2068669"/>
+                  <a:pt x="4010390" y="2042570"/>
+                  <a:pt x="4005437" y="2016469"/>
+                </a:cubicBezTo>
+                <a:cubicBezTo>
+                  <a:pt x="4000103" y="1987894"/>
+                  <a:pt x="3987719" y="1965224"/>
+                  <a:pt x="3958954" y="1953413"/>
+                </a:cubicBezTo>
+                <a:cubicBezTo>
+                  <a:pt x="3949810" y="1949603"/>
+                  <a:pt x="3942569" y="1940459"/>
+                  <a:pt x="3934949" y="1933219"/>
+                </a:cubicBezTo>
+                <a:cubicBezTo>
+                  <a:pt x="3929425" y="1928076"/>
+                  <a:pt x="3925233" y="1921216"/>
+                  <a:pt x="3919519" y="1916454"/>
+                </a:cubicBezTo>
+                <a:cubicBezTo>
+                  <a:pt x="3889418" y="1891497"/>
+                  <a:pt x="3859129" y="1866922"/>
+                  <a:pt x="3829028" y="1842158"/>
+                </a:cubicBezTo>
+                <a:cubicBezTo>
+                  <a:pt x="3826170" y="1839679"/>
+                  <a:pt x="3822741" y="1837013"/>
+                  <a:pt x="3821407" y="1833775"/>
+                </a:cubicBezTo>
+                <a:cubicBezTo>
+                  <a:pt x="3807501" y="1800246"/>
+                  <a:pt x="3794358" y="1766335"/>
+                  <a:pt x="3779686" y="1733188"/>
+                </a:cubicBezTo>
+                <a:cubicBezTo>
+                  <a:pt x="3773972" y="1720423"/>
+                  <a:pt x="3766924" y="1707279"/>
+                  <a:pt x="3757018" y="1697753"/>
+                </a:cubicBezTo>
+                <a:cubicBezTo>
+                  <a:pt x="3734538" y="1676036"/>
+                  <a:pt x="3710152" y="1656223"/>
+                  <a:pt x="3700436" y="1624980"/>
+                </a:cubicBezTo>
+                <a:cubicBezTo>
+                  <a:pt x="3697580" y="1615836"/>
+                  <a:pt x="3696055" y="1604978"/>
+                  <a:pt x="3698532" y="1596213"/>
+                </a:cubicBezTo>
+                <a:close/>
+                <a:moveTo>
+                  <a:pt x="3751027" y="1453958"/>
+                </a:moveTo>
+                <a:lnTo>
+                  <a:pt x="3745230" y="1459073"/>
+                </a:lnTo>
+                <a:lnTo>
+                  <a:pt x="3745230" y="1459073"/>
+                </a:lnTo>
+                <a:lnTo>
+                  <a:pt x="3745229" y="1459074"/>
+                </a:lnTo>
+                <a:lnTo>
+                  <a:pt x="3736012" y="1481572"/>
+                </a:lnTo>
+                <a:lnTo>
+                  <a:pt x="3745230" y="1459073"/>
+                </a:lnTo>
+                <a:close/>
+                <a:moveTo>
+                  <a:pt x="3764423" y="1268758"/>
+                </a:moveTo>
+                <a:cubicBezTo>
+                  <a:pt x="3764875" y="1275402"/>
+                  <a:pt x="3766447" y="1281689"/>
+                  <a:pt x="3769590" y="1286070"/>
+                </a:cubicBezTo>
+                <a:cubicBezTo>
+                  <a:pt x="3784163" y="1306930"/>
+                  <a:pt x="3790403" y="1328553"/>
+                  <a:pt x="3791927" y="1350628"/>
+                </a:cubicBezTo>
+                <a:lnTo>
+                  <a:pt x="3786333" y="1413840"/>
+                </a:lnTo>
+                <a:lnTo>
+                  <a:pt x="3791928" y="1350627"/>
+                </a:lnTo>
+                <a:cubicBezTo>
+                  <a:pt x="3790403" y="1328552"/>
+                  <a:pt x="3784164" y="1306930"/>
+                  <a:pt x="3769590" y="1286069"/>
+                </a:cubicBezTo>
+                <a:close/>
+                <a:moveTo>
+                  <a:pt x="3706152" y="773035"/>
+                </a:moveTo>
+                <a:lnTo>
+                  <a:pt x="3706152" y="773036"/>
+                </a:lnTo>
+                <a:cubicBezTo>
+                  <a:pt x="3708438" y="800277"/>
+                  <a:pt x="3711676" y="827330"/>
+                  <a:pt x="3714152" y="854380"/>
+                </a:cubicBezTo>
+                <a:cubicBezTo>
+                  <a:pt x="3716438" y="878957"/>
+                  <a:pt x="3717200" y="903723"/>
+                  <a:pt x="3745205" y="915344"/>
+                </a:cubicBezTo>
+                <a:cubicBezTo>
+                  <a:pt x="3749587" y="917060"/>
+                  <a:pt x="3752825" y="922774"/>
+                  <a:pt x="3755683" y="927156"/>
+                </a:cubicBezTo>
+                <a:cubicBezTo>
+                  <a:pt x="3799691" y="994786"/>
+                  <a:pt x="3798547" y="1030981"/>
+                  <a:pt x="3752063" y="1097088"/>
+                </a:cubicBezTo>
+                <a:cubicBezTo>
+                  <a:pt x="3747301" y="1103946"/>
+                  <a:pt x="3743871" y="1118614"/>
+                  <a:pt x="3747681" y="1123186"/>
+                </a:cubicBezTo>
+                <a:cubicBezTo>
+                  <a:pt x="3763493" y="1142618"/>
+                  <a:pt x="3770542" y="1162954"/>
+                  <a:pt x="3772400" y="1184029"/>
+                </a:cubicBezTo>
+                <a:cubicBezTo>
+                  <a:pt x="3770542" y="1162954"/>
+                  <a:pt x="3763494" y="1142617"/>
+                  <a:pt x="3747682" y="1123185"/>
+                </a:cubicBezTo>
+                <a:cubicBezTo>
+                  <a:pt x="3743872" y="1118613"/>
+                  <a:pt x="3747302" y="1103945"/>
+                  <a:pt x="3752064" y="1097087"/>
+                </a:cubicBezTo>
+                <a:cubicBezTo>
+                  <a:pt x="3798548" y="1030980"/>
+                  <a:pt x="3799692" y="994785"/>
+                  <a:pt x="3755684" y="927155"/>
+                </a:cubicBezTo>
+                <a:cubicBezTo>
+                  <a:pt x="3752826" y="922773"/>
+                  <a:pt x="3749588" y="917059"/>
+                  <a:pt x="3745206" y="915343"/>
+                </a:cubicBezTo>
+                <a:cubicBezTo>
+                  <a:pt x="3717200" y="903722"/>
+                  <a:pt x="3716438" y="878956"/>
+                  <a:pt x="3714152" y="854379"/>
+                </a:cubicBezTo>
+                <a:close/>
+                <a:moveTo>
+                  <a:pt x="3761553" y="517851"/>
+                </a:moveTo>
+                <a:lnTo>
+                  <a:pt x="3752635" y="556048"/>
+                </a:lnTo>
+                <a:cubicBezTo>
+                  <a:pt x="3750539" y="564049"/>
+                  <a:pt x="3745015" y="572623"/>
+                  <a:pt x="3746157" y="580051"/>
+                </a:cubicBezTo>
+                <a:cubicBezTo>
+                  <a:pt x="3749491" y="601579"/>
+                  <a:pt x="3747062" y="622201"/>
+                  <a:pt x="3742776" y="642538"/>
+                </a:cubicBezTo>
+                <a:lnTo>
+                  <a:pt x="3730253" y="694928"/>
+                </a:lnTo>
+                <a:lnTo>
+                  <a:pt x="3742777" y="642537"/>
+                </a:lnTo>
+                <a:cubicBezTo>
+                  <a:pt x="3747063" y="622201"/>
+                  <a:pt x="3749492" y="601578"/>
+                  <a:pt x="3746158" y="580050"/>
+                </a:cubicBezTo>
+                <a:cubicBezTo>
+                  <a:pt x="3745016" y="572622"/>
+                  <a:pt x="3750540" y="564048"/>
+                  <a:pt x="3752636" y="556047"/>
+                </a:cubicBezTo>
+                <a:close/>
+                <a:moveTo>
+                  <a:pt x="3774848" y="298169"/>
+                </a:moveTo>
+                <a:lnTo>
+                  <a:pt x="3760065" y="313534"/>
+                </a:lnTo>
+                <a:cubicBezTo>
+                  <a:pt x="3755873" y="316390"/>
+                  <a:pt x="3758159" y="330299"/>
+                  <a:pt x="3759493" y="338871"/>
+                </a:cubicBezTo>
+                <a:cubicBezTo>
+                  <a:pt x="3760922" y="348396"/>
+                  <a:pt x="3763447" y="357874"/>
+                  <a:pt x="3765590" y="367328"/>
+                </a:cubicBezTo>
+                <a:lnTo>
+                  <a:pt x="3769400" y="395640"/>
+                </a:lnTo>
+                <a:cubicBezTo>
+                  <a:pt x="3769590" y="376781"/>
+                  <a:pt x="3762352" y="357921"/>
+                  <a:pt x="3759494" y="338870"/>
+                </a:cubicBezTo>
+                <a:cubicBezTo>
+                  <a:pt x="3758160" y="330298"/>
+                  <a:pt x="3755874" y="316389"/>
+                  <a:pt x="3760066" y="313533"/>
+                </a:cubicBezTo>
+                <a:close/>
+                <a:moveTo>
+                  <a:pt x="3782393" y="281568"/>
+                </a:moveTo>
+                <a:lnTo>
+                  <a:pt x="3777498" y="295415"/>
+                </a:lnTo>
+                <a:lnTo>
+                  <a:pt x="3777499" y="295415"/>
+                </a:lnTo>
+                <a:close/>
+                <a:moveTo>
+                  <a:pt x="3769073" y="24486"/>
+                </a:moveTo>
+                <a:lnTo>
+                  <a:pt x="3766810" y="74129"/>
+                </a:lnTo>
+                <a:cubicBezTo>
+                  <a:pt x="3767733" y="91492"/>
+                  <a:pt x="3770043" y="108703"/>
+                  <a:pt x="3772734" y="125861"/>
+                </a:cubicBezTo>
+                <a:lnTo>
+                  <a:pt x="3777129" y="153387"/>
+                </a:lnTo>
+                <a:lnTo>
+                  <a:pt x="3785402" y="228944"/>
+                </a:lnTo>
+                <a:lnTo>
+                  <a:pt x="3785402" y="228949"/>
+                </a:lnTo>
+                <a:lnTo>
+                  <a:pt x="3785402" y="228948"/>
+                </a:lnTo>
+                <a:lnTo>
+                  <a:pt x="3785402" y="228944"/>
+                </a:lnTo>
+                <a:lnTo>
+                  <a:pt x="3780943" y="177271"/>
+                </a:lnTo>
+                <a:lnTo>
+                  <a:pt x="3777129" y="153387"/>
+                </a:lnTo>
+                <a:lnTo>
+                  <a:pt x="3776930" y="151569"/>
+                </a:lnTo>
+                <a:cubicBezTo>
+                  <a:pt x="3772700" y="125876"/>
+                  <a:pt x="3768195" y="100174"/>
+                  <a:pt x="3766811" y="74129"/>
+                </a:cubicBezTo>
+                <a:close/>
+                <a:moveTo>
+                  <a:pt x="3766492" y="0"/>
+                </a:moveTo>
+                <a:lnTo>
+                  <a:pt x="4230600" y="0"/>
+                </a:lnTo>
+                <a:lnTo>
+                  <a:pt x="4229473" y="2817"/>
+                </a:lnTo>
+                <a:cubicBezTo>
+                  <a:pt x="4221091" y="21486"/>
+                  <a:pt x="4218423" y="43012"/>
+                  <a:pt x="4215374" y="63587"/>
+                </a:cubicBezTo>
+                <a:cubicBezTo>
+                  <a:pt x="4209850" y="101308"/>
+                  <a:pt x="4206420" y="139219"/>
+                  <a:pt x="4201468" y="176939"/>
+                </a:cubicBezTo>
+                <a:cubicBezTo>
+                  <a:pt x="4200324" y="184941"/>
+                  <a:pt x="4198230" y="194085"/>
+                  <a:pt x="4193466" y="200182"/>
+                </a:cubicBezTo>
+                <a:cubicBezTo>
+                  <a:pt x="4161461" y="241901"/>
+                  <a:pt x="4152508" y="292579"/>
+                  <a:pt x="4155554" y="340774"/>
+                </a:cubicBezTo>
+                <a:cubicBezTo>
+                  <a:pt x="4157843" y="378686"/>
+                  <a:pt x="4159557" y="415835"/>
+                  <a:pt x="4156319" y="453364"/>
+                </a:cubicBezTo>
+                <a:cubicBezTo>
+                  <a:pt x="4156127" y="456222"/>
+                  <a:pt x="4156509" y="460032"/>
+                  <a:pt x="4158033" y="462126"/>
+                </a:cubicBezTo>
+                <a:cubicBezTo>
+                  <a:pt x="4168129" y="475081"/>
+                  <a:pt x="4168891" y="488607"/>
+                  <a:pt x="4170605" y="505182"/>
+                </a:cubicBezTo>
+                <a:cubicBezTo>
+                  <a:pt x="4173083" y="528615"/>
+                  <a:pt x="4171367" y="550141"/>
+                  <a:pt x="4167177" y="571860"/>
+                </a:cubicBezTo>
+                <a:cubicBezTo>
+                  <a:pt x="4164129" y="587672"/>
+                  <a:pt x="4157843" y="603673"/>
+                  <a:pt x="4149840" y="617772"/>
+                </a:cubicBezTo>
+                <a:cubicBezTo>
+                  <a:pt x="4138600" y="637392"/>
+                  <a:pt x="4134220" y="656255"/>
+                  <a:pt x="4149078" y="674923"/>
+                </a:cubicBezTo>
+                <a:cubicBezTo>
+                  <a:pt x="4164891" y="695116"/>
+                  <a:pt x="4159367" y="717977"/>
+                  <a:pt x="4159937" y="740268"/>
+                </a:cubicBezTo>
+                <a:cubicBezTo>
+                  <a:pt x="4160129" y="749982"/>
+                  <a:pt x="4159747" y="760270"/>
+                  <a:pt x="4162223" y="769605"/>
+                </a:cubicBezTo>
+                <a:cubicBezTo>
+                  <a:pt x="4169273" y="796655"/>
+                  <a:pt x="4179941" y="822756"/>
+                  <a:pt x="4184703" y="850189"/>
+                </a:cubicBezTo>
+                <a:cubicBezTo>
+                  <a:pt x="4187370" y="865430"/>
+                  <a:pt x="4182607" y="882384"/>
+                  <a:pt x="4179179" y="898198"/>
+                </a:cubicBezTo>
+                <a:cubicBezTo>
+                  <a:pt x="4175559" y="914200"/>
+                  <a:pt x="4170035" y="930011"/>
+                  <a:pt x="4164319" y="945444"/>
+                </a:cubicBezTo>
+                <a:cubicBezTo>
+                  <a:pt x="4160509" y="955920"/>
+                  <a:pt x="4156889" y="967350"/>
+                  <a:pt x="4150030" y="975733"/>
+                </a:cubicBezTo>
+                <a:cubicBezTo>
+                  <a:pt x="4134410" y="994785"/>
+                  <a:pt x="4131742" y="1014406"/>
+                  <a:pt x="4139934" y="1036887"/>
+                </a:cubicBezTo>
+                <a:cubicBezTo>
+                  <a:pt x="4141268" y="1040315"/>
+                  <a:pt x="4141268" y="1044315"/>
+                  <a:pt x="4141458" y="1048125"/>
+                </a:cubicBezTo>
+                <a:cubicBezTo>
+                  <a:pt x="4145458" y="1109091"/>
+                  <a:pt x="4147936" y="1170051"/>
+                  <a:pt x="4154032" y="1230633"/>
+                </a:cubicBezTo>
+                <a:cubicBezTo>
+                  <a:pt x="4156509" y="1255206"/>
+                  <a:pt x="4167367" y="1278829"/>
+                  <a:pt x="4174225" y="1303024"/>
+                </a:cubicBezTo>
+                <a:cubicBezTo>
+                  <a:pt x="4175559" y="1307978"/>
+                  <a:pt x="4177655" y="1313504"/>
+                  <a:pt x="4176701" y="1318456"/>
+                </a:cubicBezTo>
+                <a:cubicBezTo>
+                  <a:pt x="4167177" y="1372368"/>
+                  <a:pt x="4181083" y="1422854"/>
+                  <a:pt x="4199372" y="1472575"/>
+                </a:cubicBezTo>
+                <a:cubicBezTo>
+                  <a:pt x="4201278" y="1477717"/>
+                  <a:pt x="4200706" y="1484004"/>
+                  <a:pt x="4200324" y="1489720"/>
+                </a:cubicBezTo>
+                <a:cubicBezTo>
+                  <a:pt x="4198992" y="1505724"/>
+                  <a:pt x="4192324" y="1523059"/>
+                  <a:pt x="4196324" y="1537537"/>
+                </a:cubicBezTo>
+                <a:cubicBezTo>
+                  <a:pt x="4207374" y="1576019"/>
+                  <a:pt x="4220709" y="1614120"/>
+                  <a:pt x="4237473" y="1650317"/>
+                </a:cubicBezTo>
+                <a:cubicBezTo>
+                  <a:pt x="4254428" y="1687086"/>
+                  <a:pt x="4268716" y="1721185"/>
+                  <a:pt x="4251572" y="1763287"/>
+                </a:cubicBezTo>
+                <a:cubicBezTo>
+                  <a:pt x="4244331" y="1781194"/>
+                  <a:pt x="4249476" y="1804816"/>
+                  <a:pt x="4251380" y="1825393"/>
+                </a:cubicBezTo>
+                <a:cubicBezTo>
+                  <a:pt x="4252904" y="1840441"/>
+                  <a:pt x="4261478" y="1854920"/>
+                  <a:pt x="4261478" y="1869780"/>
+                </a:cubicBezTo>
+                <a:cubicBezTo>
+                  <a:pt x="4261478" y="1909408"/>
+                  <a:pt x="4271574" y="1944649"/>
+                  <a:pt x="4292149" y="1978940"/>
+                </a:cubicBezTo>
+                <a:cubicBezTo>
+                  <a:pt x="4300149" y="1992279"/>
+                  <a:pt x="4294815" y="2013043"/>
+                  <a:pt x="4296911" y="2030378"/>
+                </a:cubicBezTo>
+                <a:cubicBezTo>
+                  <a:pt x="4299387" y="2048668"/>
+                  <a:pt x="4301673" y="2067525"/>
+                  <a:pt x="4307200" y="2085054"/>
+                </a:cubicBezTo>
+                <a:cubicBezTo>
+                  <a:pt x="4321678" y="2130393"/>
+                  <a:pt x="4338061" y="2175163"/>
+                  <a:pt x="4353301" y="2220312"/>
+                </a:cubicBezTo>
+                <a:cubicBezTo>
+                  <a:pt x="4365876" y="2257459"/>
+                  <a:pt x="4355969" y="2294039"/>
+                  <a:pt x="4350635" y="2330806"/>
+                </a:cubicBezTo>
+                <a:cubicBezTo>
+                  <a:pt x="4347205" y="2353859"/>
+                  <a:pt x="4339013" y="2375383"/>
+                  <a:pt x="4351205" y="2401292"/>
+                </a:cubicBezTo>
+                <a:cubicBezTo>
+                  <a:pt x="4362827" y="2426059"/>
+                  <a:pt x="4360159" y="2457492"/>
+                  <a:pt x="4366446" y="2485307"/>
+                </a:cubicBezTo>
+                <a:cubicBezTo>
+                  <a:pt x="4371780" y="2508742"/>
+                  <a:pt x="4380354" y="2531409"/>
+                  <a:pt x="4388736" y="2554079"/>
+                </a:cubicBezTo>
+                <a:cubicBezTo>
+                  <a:pt x="4400167" y="2584942"/>
+                  <a:pt x="4412167" y="2615421"/>
+                  <a:pt x="4406453" y="2649143"/>
+                </a:cubicBezTo>
+                <a:cubicBezTo>
+                  <a:pt x="4399975" y="2687436"/>
+                  <a:pt x="4424359" y="2713723"/>
+                  <a:pt x="4440554" y="2743826"/>
+                </a:cubicBezTo>
+                <a:cubicBezTo>
+                  <a:pt x="4451602" y="2764590"/>
+                  <a:pt x="4459795" y="2787259"/>
+                  <a:pt x="4466653" y="2809930"/>
+                </a:cubicBezTo>
+                <a:cubicBezTo>
+                  <a:pt x="4475607" y="2840219"/>
+                  <a:pt x="4480941" y="2871462"/>
+                  <a:pt x="4489704" y="2901943"/>
+                </a:cubicBezTo>
+                <a:cubicBezTo>
+                  <a:pt x="4502848" y="2948047"/>
+                  <a:pt x="4513136" y="2994722"/>
+                  <a:pt x="4505896" y="3042728"/>
+                </a:cubicBezTo>
+                <a:cubicBezTo>
+                  <a:pt x="4502658" y="3064827"/>
+                  <a:pt x="4502848" y="3085403"/>
+                  <a:pt x="4507612" y="3107500"/>
+                </a:cubicBezTo>
+                <a:cubicBezTo>
+                  <a:pt x="4515422" y="3143695"/>
+                  <a:pt x="4516375" y="3180844"/>
+                  <a:pt x="4545521" y="3209993"/>
+                </a:cubicBezTo>
+                <a:cubicBezTo>
+                  <a:pt x="4555810" y="3220280"/>
+                  <a:pt x="4558476" y="3238758"/>
+                  <a:pt x="4563810" y="3253809"/>
+                </a:cubicBezTo>
+                <a:cubicBezTo>
+                  <a:pt x="4570098" y="3271145"/>
+                  <a:pt x="4566858" y="3283908"/>
+                  <a:pt x="4548570" y="3293244"/>
+                </a:cubicBezTo>
+                <a:cubicBezTo>
+                  <a:pt x="4540379" y="3297434"/>
+                  <a:pt x="4532377" y="3309437"/>
+                  <a:pt x="4531043" y="3318771"/>
+                </a:cubicBezTo>
+                <a:cubicBezTo>
+                  <a:pt x="4527043" y="3346776"/>
+                  <a:pt x="4532949" y="3372495"/>
+                  <a:pt x="4545904" y="3399546"/>
+                </a:cubicBezTo>
+                <a:cubicBezTo>
+                  <a:pt x="4558096" y="3424883"/>
+                  <a:pt x="4556762" y="3456508"/>
+                  <a:pt x="4561524" y="3485275"/>
+                </a:cubicBezTo>
+                <a:cubicBezTo>
+                  <a:pt x="4564954" y="3505657"/>
+                  <a:pt x="4572002" y="3526042"/>
+                  <a:pt x="4572002" y="3546617"/>
+                </a:cubicBezTo>
+                <a:cubicBezTo>
+                  <a:pt x="4572002" y="3572146"/>
+                  <a:pt x="4565906" y="3597482"/>
+                  <a:pt x="4563620" y="3623201"/>
+                </a:cubicBezTo>
+                <a:cubicBezTo>
+                  <a:pt x="4561716" y="3643204"/>
+                  <a:pt x="4562478" y="3663589"/>
+                  <a:pt x="4560192" y="3683591"/>
+                </a:cubicBezTo>
+                <a:cubicBezTo>
+                  <a:pt x="4558476" y="3699976"/>
+                  <a:pt x="4554096" y="3716168"/>
+                  <a:pt x="4550476" y="3732361"/>
+                </a:cubicBezTo>
+                <a:cubicBezTo>
+                  <a:pt x="4549142" y="3738267"/>
+                  <a:pt x="4543997" y="3744173"/>
+                  <a:pt x="4544759" y="3749506"/>
+                </a:cubicBezTo>
+                <a:cubicBezTo>
+                  <a:pt x="4552952" y="3802467"/>
+                  <a:pt x="4516375" y="3840569"/>
+                  <a:pt x="4500182" y="3885338"/>
+                </a:cubicBezTo>
+                <a:cubicBezTo>
+                  <a:pt x="4483035" y="3932394"/>
+                  <a:pt x="4456747" y="3977925"/>
+                  <a:pt x="4464557" y="4030503"/>
+                </a:cubicBezTo>
+                <a:cubicBezTo>
+                  <a:pt x="4469319" y="4062318"/>
+                  <a:pt x="4480369" y="4092989"/>
+                  <a:pt x="4487038" y="4124614"/>
+                </a:cubicBezTo>
+                <a:cubicBezTo>
+                  <a:pt x="4489324" y="4135854"/>
+                  <a:pt x="4488942" y="4148427"/>
+                  <a:pt x="4486656" y="4159667"/>
+                </a:cubicBezTo>
+                <a:cubicBezTo>
+                  <a:pt x="4476177" y="4213961"/>
+                  <a:pt x="4474653" y="4267493"/>
+                  <a:pt x="4491800" y="4320837"/>
+                </a:cubicBezTo>
+                <a:cubicBezTo>
+                  <a:pt x="4494658" y="4329979"/>
+                  <a:pt x="4497324" y="4339695"/>
+                  <a:pt x="4497324" y="4349222"/>
+                </a:cubicBezTo>
+                <a:cubicBezTo>
+                  <a:pt x="4497324" y="4401419"/>
+                  <a:pt x="4493324" y="4452665"/>
+                  <a:pt x="4474653" y="4502579"/>
+                </a:cubicBezTo>
+                <a:cubicBezTo>
+                  <a:pt x="4468367" y="4519343"/>
+                  <a:pt x="4472367" y="4539728"/>
+                  <a:pt x="4470843" y="4558207"/>
+                </a:cubicBezTo>
+                <a:cubicBezTo>
+                  <a:pt x="4469511" y="4575351"/>
+                  <a:pt x="4468939" y="4592878"/>
+                  <a:pt x="4464557" y="4609452"/>
+                </a:cubicBezTo>
+                <a:cubicBezTo>
+                  <a:pt x="4458081" y="4633647"/>
+                  <a:pt x="4457319" y="4656126"/>
+                  <a:pt x="4463033" y="4681083"/>
+                </a:cubicBezTo>
+                <a:cubicBezTo>
+                  <a:pt x="4468367" y="4704895"/>
+                  <a:pt x="4465701" y="4730614"/>
+                  <a:pt x="4465891" y="4755381"/>
+                </a:cubicBezTo>
+                <a:cubicBezTo>
+                  <a:pt x="4466081" y="4783004"/>
+                  <a:pt x="4466271" y="4810627"/>
+                  <a:pt x="4465319" y="4838250"/>
+                </a:cubicBezTo>
+                <a:cubicBezTo>
+                  <a:pt x="4464939" y="4849300"/>
+                  <a:pt x="4457319" y="4861873"/>
+                  <a:pt x="4460367" y="4871019"/>
+                </a:cubicBezTo>
+                <a:cubicBezTo>
+                  <a:pt x="4470653" y="4900546"/>
+                  <a:pt x="4458271" y="4930075"/>
+                  <a:pt x="4463795" y="4959602"/>
+                </a:cubicBezTo>
+                <a:cubicBezTo>
+                  <a:pt x="4466653" y="4974082"/>
+                  <a:pt x="4458843" y="4990465"/>
+                  <a:pt x="4458081" y="5006086"/>
+                </a:cubicBezTo>
+                <a:cubicBezTo>
+                  <a:pt x="4456747" y="5031614"/>
+                  <a:pt x="4457319" y="5057141"/>
+                  <a:pt x="4456937" y="5082670"/>
+                </a:cubicBezTo>
+                <a:cubicBezTo>
+                  <a:pt x="4456747" y="5091052"/>
+                  <a:pt x="4455985" y="5099245"/>
+                  <a:pt x="4455602" y="5107627"/>
+                </a:cubicBezTo>
+                <a:cubicBezTo>
+                  <a:pt x="4455222" y="5115057"/>
+                  <a:pt x="4453508" y="5122867"/>
+                  <a:pt x="4454840" y="5129916"/>
+                </a:cubicBezTo>
+                <a:cubicBezTo>
+                  <a:pt x="4459605" y="5155445"/>
+                  <a:pt x="4467415" y="5180591"/>
+                  <a:pt x="4470463" y="5206308"/>
+                </a:cubicBezTo>
+                <a:cubicBezTo>
+                  <a:pt x="4473129" y="5228597"/>
+                  <a:pt x="4469511" y="5251650"/>
+                  <a:pt x="4471415" y="5274129"/>
+                </a:cubicBezTo>
+                <a:cubicBezTo>
+                  <a:pt x="4474653" y="5313754"/>
+                  <a:pt x="4480369" y="5353379"/>
+                  <a:pt x="4483989" y="5393005"/>
+                </a:cubicBezTo>
+                <a:cubicBezTo>
+                  <a:pt x="4484751" y="5401579"/>
+                  <a:pt x="4479987" y="5410531"/>
+                  <a:pt x="4479607" y="5419295"/>
+                </a:cubicBezTo>
+                <a:cubicBezTo>
+                  <a:pt x="4478655" y="5446728"/>
+                  <a:pt x="4478463" y="5474161"/>
+                  <a:pt x="4477893" y="5501594"/>
+                </a:cubicBezTo>
+                <a:cubicBezTo>
+                  <a:pt x="4477701" y="5517215"/>
+                  <a:pt x="4478273" y="5533027"/>
+                  <a:pt x="4476559" y="5548460"/>
+                </a:cubicBezTo>
+                <a:cubicBezTo>
+                  <a:pt x="4474273" y="5568842"/>
+                  <a:pt x="4470843" y="5587321"/>
+                  <a:pt x="4485703" y="5606372"/>
+                </a:cubicBezTo>
+                <a:cubicBezTo>
+                  <a:pt x="4508754" y="5635711"/>
+                  <a:pt x="4499800" y="5673050"/>
+                  <a:pt x="4505134" y="5706959"/>
+                </a:cubicBezTo>
+                <a:cubicBezTo>
+                  <a:pt x="4506468" y="5715723"/>
+                  <a:pt x="4506658" y="5724678"/>
+                  <a:pt x="4508182" y="5733440"/>
+                </a:cubicBezTo>
+                <a:cubicBezTo>
+                  <a:pt x="4511040" y="5749634"/>
+                  <a:pt x="4514278" y="5765635"/>
+                  <a:pt x="4517519" y="5781830"/>
+                </a:cubicBezTo>
+                <a:cubicBezTo>
+                  <a:pt x="4518089" y="5784686"/>
+                  <a:pt x="4518281" y="5787924"/>
+                  <a:pt x="4519233" y="5790592"/>
+                </a:cubicBezTo>
+                <a:cubicBezTo>
+                  <a:pt x="4527233" y="5815169"/>
+                  <a:pt x="4536377" y="5839361"/>
+                  <a:pt x="4542855" y="5864318"/>
+                </a:cubicBezTo>
+                <a:cubicBezTo>
+                  <a:pt x="4546094" y="5876511"/>
+                  <a:pt x="4546476" y="5890037"/>
+                  <a:pt x="4544759" y="5902610"/>
+                </a:cubicBezTo>
+                <a:cubicBezTo>
+                  <a:pt x="4539807" y="5939377"/>
+                  <a:pt x="4537711" y="5975764"/>
+                  <a:pt x="4544951" y="6012723"/>
+                </a:cubicBezTo>
+                <a:cubicBezTo>
+                  <a:pt x="4547808" y="6027392"/>
+                  <a:pt x="4543045" y="6043776"/>
+                  <a:pt x="4541331" y="6059397"/>
+                </a:cubicBezTo>
+                <a:cubicBezTo>
+                  <a:pt x="4536759" y="6096736"/>
+                  <a:pt x="4531805" y="6134075"/>
+                  <a:pt x="4527425" y="6171605"/>
+                </a:cubicBezTo>
+                <a:cubicBezTo>
+                  <a:pt x="4524757" y="6195037"/>
+                  <a:pt x="4523233" y="6218660"/>
+                  <a:pt x="4520567" y="6242093"/>
+                </a:cubicBezTo>
+                <a:cubicBezTo>
+                  <a:pt x="4517327" y="6269144"/>
+                  <a:pt x="4512374" y="6296005"/>
+                  <a:pt x="4509706" y="6323058"/>
+                </a:cubicBezTo>
+                <a:cubicBezTo>
+                  <a:pt x="4506658" y="6353919"/>
+                  <a:pt x="4506088" y="6384972"/>
+                  <a:pt x="4502848" y="6415833"/>
+                </a:cubicBezTo>
+                <a:cubicBezTo>
+                  <a:pt x="4496562" y="6472225"/>
+                  <a:pt x="4489132" y="6528424"/>
+                  <a:pt x="4482083" y="6584812"/>
+                </a:cubicBezTo>
+                <a:cubicBezTo>
+                  <a:pt x="4475225" y="6639488"/>
+                  <a:pt x="4469129" y="6694164"/>
+                  <a:pt x="4460557" y="6748458"/>
+                </a:cubicBezTo>
+                <a:cubicBezTo>
+                  <a:pt x="4456937" y="6771319"/>
+                  <a:pt x="4447030" y="6793035"/>
+                  <a:pt x="4441506" y="6815516"/>
+                </a:cubicBezTo>
+                <a:lnTo>
+                  <a:pt x="4431806" y="6858001"/>
+                </a:lnTo>
+                <a:lnTo>
+                  <a:pt x="4259553" y="6858001"/>
+                </a:lnTo>
+                <a:lnTo>
+                  <a:pt x="4265716" y="6812064"/>
+                </a:lnTo>
+                <a:lnTo>
+                  <a:pt x="4265716" y="6812064"/>
+                </a:lnTo>
+                <a:lnTo>
+                  <a:pt x="4265716" y="6812063"/>
+                </a:lnTo>
+                <a:cubicBezTo>
+                  <a:pt x="4265240" y="6788417"/>
+                  <a:pt x="4259954" y="6764841"/>
+                  <a:pt x="4246238" y="6742552"/>
+                </a:cubicBezTo>
+                <a:lnTo>
+                  <a:pt x="4232402" y="6702976"/>
+                </a:lnTo>
+                <a:lnTo>
+                  <a:pt x="4235549" y="6683027"/>
+                </a:lnTo>
+                <a:cubicBezTo>
+                  <a:pt x="4237915" y="6676306"/>
+                  <a:pt x="4241666" y="6669496"/>
+                  <a:pt x="4247000" y="6662542"/>
+                </a:cubicBezTo>
+                <a:cubicBezTo>
+                  <a:pt x="4254334" y="6653111"/>
+                  <a:pt x="4256191" y="6639108"/>
+                  <a:pt x="4254095" y="6625225"/>
+                </a:cubicBezTo>
+                <a:lnTo>
+                  <a:pt x="4254095" y="6625225"/>
+                </a:lnTo>
+                <a:lnTo>
+                  <a:pt x="4254095" y="6625224"/>
+                </a:lnTo>
+                <a:cubicBezTo>
+                  <a:pt x="4251999" y="6611341"/>
+                  <a:pt x="4245951" y="6597578"/>
+                  <a:pt x="4237473" y="6588625"/>
+                </a:cubicBezTo>
+                <a:lnTo>
+                  <a:pt x="4214994" y="6564620"/>
+                </a:lnTo>
+                <a:lnTo>
+                  <a:pt x="4214994" y="6564621"/>
+                </a:lnTo>
+                <a:cubicBezTo>
+                  <a:pt x="4225281" y="6575479"/>
+                  <a:pt x="4231377" y="6582147"/>
+                  <a:pt x="4237473" y="6588626"/>
+                </a:cubicBezTo>
+                <a:lnTo>
+                  <a:pt x="4254095" y="6625225"/>
+                </a:lnTo>
+                <a:lnTo>
+                  <a:pt x="4254084" y="6645552"/>
+                </a:lnTo>
+                <a:cubicBezTo>
+                  <a:pt x="4252965" y="6651967"/>
+                  <a:pt x="4250667" y="6657826"/>
+                  <a:pt x="4247000" y="6662541"/>
+                </a:cubicBezTo>
+                <a:cubicBezTo>
+                  <a:pt x="4236332" y="6676448"/>
+                  <a:pt x="4231997" y="6689783"/>
+                  <a:pt x="4232402" y="6702976"/>
+                </a:cubicBezTo>
+                <a:lnTo>
+                  <a:pt x="4232402" y="6702976"/>
+                </a:lnTo>
+                <a:lnTo>
+                  <a:pt x="4232402" y="6702977"/>
+                </a:lnTo>
+                <a:cubicBezTo>
+                  <a:pt x="4232807" y="6716169"/>
+                  <a:pt x="4237951" y="6729219"/>
+                  <a:pt x="4246238" y="6742553"/>
+                </a:cubicBezTo>
+                <a:cubicBezTo>
+                  <a:pt x="4253096" y="6753698"/>
+                  <a:pt x="4257847" y="6765164"/>
+                  <a:pt x="4260942" y="6776800"/>
+                </a:cubicBezTo>
+                <a:lnTo>
+                  <a:pt x="4265716" y="6812064"/>
+                </a:lnTo>
+                <a:lnTo>
+                  <a:pt x="4259553" y="6858001"/>
+                </a:lnTo>
+                <a:lnTo>
+                  <a:pt x="4259553" y="6858001"/>
+                </a:lnTo>
+                <a:lnTo>
+                  <a:pt x="4259553" y="6858002"/>
+                </a:lnTo>
+                <a:lnTo>
+                  <a:pt x="0" y="6858002"/>
+                </a:lnTo>
+                <a:lnTo>
+                  <a:pt x="0" y="2"/>
+                </a:lnTo>
+                <a:lnTo>
+                  <a:pt x="3766492" y="1"/>
+                </a:lnTo>
+                <a:lnTo>
+                  <a:pt x="3769210" y="21486"/>
+                </a:lnTo>
+                <a:close/>
+              </a:path>
+            </a:pathLst>
+          </a:custGeom>
+        </p:spPr>
+      </p:pic>
+      <p:grpSp>
+        <p:nvGrpSpPr>
+          <p:cNvPr id="11" name="Group 10">
+            <a:extLst>
+              <a:ext uri="{FF2B5EF4-FFF2-40B4-BE49-F238E27FC236}">
+                <a16:creationId xmlns:a16="http://schemas.microsoft.com/office/drawing/2014/main" id="{A7900967-84CA-47B4-9F1C-E787BAC1496A}"/>
+              </a:ext>
+              <a:ext uri="{C183D7F6-B498-43B3-948B-1728B52AA6E4}">
+                <adec:decorative xmlns:adec="http://schemas.microsoft.com/office/drawing/2017/decorative" val="1"/>
+              </a:ext>
+            </a:extLst>
+          </p:cNvPr>
+          <p:cNvGrpSpPr>
+            <a:grpSpLocks noGrp="1" noUngrp="1" noRot="1" noChangeAspect="1" noMove="1" noResize="1"/>
+          </p:cNvGrpSpPr>
+          <p:nvPr>
+            <p:extLst>
+              <p:ext uri="{386F3935-93C4-4BCD-93E2-E3B085C9AB24}">
+                <p16:designElem xmlns:p16="http://schemas.microsoft.com/office/powerpoint/2015/main" val="1"/>
+              </p:ext>
+            </p:extLst>
+          </p:nvPr>
+        </p:nvGrpSpPr>
+        <p:grpSpPr>
+          <a:xfrm>
+            <a:off x="3697284" y="-1"/>
+            <a:ext cx="884241" cy="6858001"/>
+            <a:chOff x="3697284" y="-1"/>
+            <a:chExt cx="884241" cy="6858001"/>
+          </a:xfrm>
+          <a:effectLst>
+            <a:outerShdw blurRad="381000" dist="152400" algn="l" rotWithShape="0">
+              <a:prstClr val="black">
+                <a:alpha val="10000"/>
+              </a:prstClr>
+            </a:outerShdw>
+          </a:effectLst>
+        </p:grpSpPr>
+        <p:sp>
+          <p:nvSpPr>
+            <p:cNvPr id="12" name="Freeform: Shape 11">
+              <a:extLst>
+                <a:ext uri="{FF2B5EF4-FFF2-40B4-BE49-F238E27FC236}">
+                  <a16:creationId xmlns:a16="http://schemas.microsoft.com/office/drawing/2014/main" id="{CAB3C749-6482-440B-9386-94091006D677}"/>
+                </a:ext>
+                <a:ext uri="{C183D7F6-B498-43B3-948B-1728B52AA6E4}">
+                  <adec:decorative xmlns:adec="http://schemas.microsoft.com/office/drawing/2017/decorative" val="1"/>
+                </a:ext>
+              </a:extLst>
+            </p:cNvPr>
+            <p:cNvSpPr/>
+            <p:nvPr>
+              <p:extLst>
+                <p:ext uri="{386F3935-93C4-4BCD-93E2-E3B085C9AB24}">
+                  <p16:designElem xmlns:p16="http://schemas.microsoft.com/office/powerpoint/2015/main" val="1"/>
+                </p:ext>
+              </p:extLst>
+            </p:nvPr>
+          </p:nvSpPr>
+          <p:spPr>
+            <a:xfrm rot="16200000" flipH="1">
+              <a:off x="705641" y="2991642"/>
+              <a:ext cx="6858001" cy="874716"/>
+            </a:xfrm>
+            <a:custGeom>
+              <a:avLst/>
+              <a:gdLst>
+                <a:gd name="connsiteX0" fmla="*/ 0 w 6858001"/>
+                <a:gd name="connsiteY0" fmla="*/ 533314 h 874716"/>
+                <a:gd name="connsiteX1" fmla="*/ 0 w 6858001"/>
+                <a:gd name="connsiteY1" fmla="*/ 69206 h 874716"/>
+                <a:gd name="connsiteX2" fmla="*/ 21486 w 6858001"/>
+                <a:gd name="connsiteY2" fmla="*/ 71924 h 874716"/>
+                <a:gd name="connsiteX3" fmla="*/ 228948 w 6858001"/>
+                <a:gd name="connsiteY3" fmla="*/ 88116 h 874716"/>
+                <a:gd name="connsiteX4" fmla="*/ 313533 w 6858001"/>
+                <a:gd name="connsiteY4" fmla="*/ 62779 h 874716"/>
+                <a:gd name="connsiteX5" fmla="*/ 338870 w 6858001"/>
+                <a:gd name="connsiteY5" fmla="*/ 62207 h 874716"/>
+                <a:gd name="connsiteX6" fmla="*/ 395640 w 6858001"/>
+                <a:gd name="connsiteY6" fmla="*/ 72114 h 874716"/>
+                <a:gd name="connsiteX7" fmla="*/ 512802 w 6858001"/>
+                <a:gd name="connsiteY7" fmla="*/ 65446 h 874716"/>
+                <a:gd name="connsiteX8" fmla="*/ 556047 w 6858001"/>
+                <a:gd name="connsiteY8" fmla="*/ 55349 h 874716"/>
+                <a:gd name="connsiteX9" fmla="*/ 580050 w 6858001"/>
+                <a:gd name="connsiteY9" fmla="*/ 48871 h 874716"/>
+                <a:gd name="connsiteX10" fmla="*/ 703308 w 6858001"/>
+                <a:gd name="connsiteY10" fmla="*/ 30964 h 874716"/>
+                <a:gd name="connsiteX11" fmla="*/ 758174 w 6858001"/>
+                <a:gd name="connsiteY11" fmla="*/ 11724 h 874716"/>
+                <a:gd name="connsiteX12" fmla="*/ 773035 w 6858001"/>
+                <a:gd name="connsiteY12" fmla="*/ 8866 h 874716"/>
+                <a:gd name="connsiteX13" fmla="*/ 854379 w 6858001"/>
+                <a:gd name="connsiteY13" fmla="*/ 16866 h 874716"/>
+                <a:gd name="connsiteX14" fmla="*/ 915343 w 6858001"/>
+                <a:gd name="connsiteY14" fmla="*/ 47919 h 874716"/>
+                <a:gd name="connsiteX15" fmla="*/ 927155 w 6858001"/>
+                <a:gd name="connsiteY15" fmla="*/ 58397 h 874716"/>
+                <a:gd name="connsiteX16" fmla="*/ 1097087 w 6858001"/>
+                <a:gd name="connsiteY16" fmla="*/ 54777 h 874716"/>
+                <a:gd name="connsiteX17" fmla="*/ 1123185 w 6858001"/>
+                <a:gd name="connsiteY17" fmla="*/ 50395 h 874716"/>
+                <a:gd name="connsiteX18" fmla="*/ 1249302 w 6858001"/>
+                <a:gd name="connsiteY18" fmla="*/ 68684 h 874716"/>
+                <a:gd name="connsiteX19" fmla="*/ 1286069 w 6858001"/>
+                <a:gd name="connsiteY19" fmla="*/ 72304 h 874716"/>
+                <a:gd name="connsiteX20" fmla="*/ 1417899 w 6858001"/>
+                <a:gd name="connsiteY20" fmla="*/ 88688 h 874716"/>
+                <a:gd name="connsiteX21" fmla="*/ 1436568 w 6858001"/>
+                <a:gd name="connsiteY21" fmla="*/ 73448 h 874716"/>
+                <a:gd name="connsiteX22" fmla="*/ 1490292 w 6858001"/>
+                <a:gd name="connsiteY22" fmla="*/ 35154 h 874716"/>
+                <a:gd name="connsiteX23" fmla="*/ 1596213 w 6858001"/>
+                <a:gd name="connsiteY23" fmla="*/ 1245 h 874716"/>
+                <a:gd name="connsiteX24" fmla="*/ 1624980 w 6858001"/>
+                <a:gd name="connsiteY24" fmla="*/ 3150 h 874716"/>
+                <a:gd name="connsiteX25" fmla="*/ 1697753 w 6858001"/>
+                <a:gd name="connsiteY25" fmla="*/ 59731 h 874716"/>
+                <a:gd name="connsiteX26" fmla="*/ 1733188 w 6858001"/>
+                <a:gd name="connsiteY26" fmla="*/ 82400 h 874716"/>
+                <a:gd name="connsiteX27" fmla="*/ 1833775 w 6858001"/>
+                <a:gd name="connsiteY27" fmla="*/ 124121 h 874716"/>
+                <a:gd name="connsiteX28" fmla="*/ 1842158 w 6858001"/>
+                <a:gd name="connsiteY28" fmla="*/ 131742 h 874716"/>
+                <a:gd name="connsiteX29" fmla="*/ 1916454 w 6858001"/>
+                <a:gd name="connsiteY29" fmla="*/ 222233 h 874716"/>
+                <a:gd name="connsiteX30" fmla="*/ 1933219 w 6858001"/>
+                <a:gd name="connsiteY30" fmla="*/ 237663 h 874716"/>
+                <a:gd name="connsiteX31" fmla="*/ 1953413 w 6858001"/>
+                <a:gd name="connsiteY31" fmla="*/ 261668 h 874716"/>
+                <a:gd name="connsiteX32" fmla="*/ 2016469 w 6858001"/>
+                <a:gd name="connsiteY32" fmla="*/ 308151 h 874716"/>
+                <a:gd name="connsiteX33" fmla="*/ 2094578 w 6858001"/>
+                <a:gd name="connsiteY33" fmla="*/ 323010 h 874716"/>
+                <a:gd name="connsiteX34" fmla="*/ 2188879 w 6858001"/>
+                <a:gd name="connsiteY34" fmla="*/ 345681 h 874716"/>
+                <a:gd name="connsiteX35" fmla="*/ 2228314 w 6858001"/>
+                <a:gd name="connsiteY35" fmla="*/ 360921 h 874716"/>
+                <a:gd name="connsiteX36" fmla="*/ 2334044 w 6858001"/>
+                <a:gd name="connsiteY36" fmla="*/ 389878 h 874716"/>
+                <a:gd name="connsiteX37" fmla="*/ 2409485 w 6858001"/>
+                <a:gd name="connsiteY37" fmla="*/ 414263 h 874716"/>
+                <a:gd name="connsiteX38" fmla="*/ 2518264 w 6858001"/>
+                <a:gd name="connsiteY38" fmla="*/ 428552 h 874716"/>
+                <a:gd name="connsiteX39" fmla="*/ 2571034 w 6858001"/>
+                <a:gd name="connsiteY39" fmla="*/ 429122 h 874716"/>
+                <a:gd name="connsiteX40" fmla="*/ 2668001 w 6858001"/>
+                <a:gd name="connsiteY40" fmla="*/ 502276 h 874716"/>
+                <a:gd name="connsiteX41" fmla="*/ 2745348 w 6858001"/>
+                <a:gd name="connsiteY41" fmla="*/ 550666 h 874716"/>
+                <a:gd name="connsiteX42" fmla="*/ 2826694 w 6858001"/>
+                <a:gd name="connsiteY42" fmla="*/ 527233 h 874716"/>
+                <a:gd name="connsiteX43" fmla="*/ 2848793 w 6858001"/>
+                <a:gd name="connsiteY43" fmla="*/ 505134 h 874716"/>
+                <a:gd name="connsiteX44" fmla="*/ 2982148 w 6858001"/>
+                <a:gd name="connsiteY44" fmla="*/ 484179 h 874716"/>
+                <a:gd name="connsiteX45" fmla="*/ 3172654 w 6858001"/>
+                <a:gd name="connsiteY45" fmla="*/ 483417 h 874716"/>
+                <a:gd name="connsiteX46" fmla="*/ 3489467 w 6858001"/>
+                <a:gd name="connsiteY46" fmla="*/ 435790 h 874716"/>
+                <a:gd name="connsiteX47" fmla="*/ 3544713 w 6858001"/>
+                <a:gd name="connsiteY47" fmla="*/ 413691 h 874716"/>
+                <a:gd name="connsiteX48" fmla="*/ 3606817 w 6858001"/>
+                <a:gd name="connsiteY48" fmla="*/ 408167 h 874716"/>
+                <a:gd name="connsiteX49" fmla="*/ 3630632 w 6858001"/>
+                <a:gd name="connsiteY49" fmla="*/ 421693 h 874716"/>
+                <a:gd name="connsiteX50" fmla="*/ 3734837 w 6858001"/>
+                <a:gd name="connsiteY50" fmla="*/ 441886 h 874716"/>
+                <a:gd name="connsiteX51" fmla="*/ 3754652 w 6858001"/>
+                <a:gd name="connsiteY51" fmla="*/ 442268 h 874716"/>
+                <a:gd name="connsiteX52" fmla="*/ 3822472 w 6858001"/>
+                <a:gd name="connsiteY52" fmla="*/ 433694 h 874716"/>
+                <a:gd name="connsiteX53" fmla="*/ 3885338 w 6858001"/>
+                <a:gd name="connsiteY53" fmla="*/ 428742 h 874716"/>
+                <a:gd name="connsiteX54" fmla="*/ 4043839 w 6858001"/>
+                <a:gd name="connsiteY54" fmla="*/ 444934 h 874716"/>
+                <a:gd name="connsiteX55" fmla="*/ 4165383 w 6858001"/>
+                <a:gd name="connsiteY55" fmla="*/ 441124 h 874716"/>
+                <a:gd name="connsiteX56" fmla="*/ 4221391 w 6858001"/>
+                <a:gd name="connsiteY56" fmla="*/ 444934 h 874716"/>
+                <a:gd name="connsiteX57" fmla="*/ 4253014 w 6858001"/>
+                <a:gd name="connsiteY57" fmla="*/ 450650 h 874716"/>
+                <a:gd name="connsiteX58" fmla="*/ 4324645 w 6858001"/>
+                <a:gd name="connsiteY58" fmla="*/ 490466 h 874716"/>
+                <a:gd name="connsiteX59" fmla="*/ 4363890 w 6858001"/>
+                <a:gd name="connsiteY59" fmla="*/ 499420 h 874716"/>
+                <a:gd name="connsiteX60" fmla="*/ 4482004 w 6858001"/>
+                <a:gd name="connsiteY60" fmla="*/ 498658 h 874716"/>
+                <a:gd name="connsiteX61" fmla="*/ 4659174 w 6858001"/>
+                <a:gd name="connsiteY61" fmla="*/ 438648 h 874716"/>
+                <a:gd name="connsiteX62" fmla="*/ 4677655 w 6858001"/>
+                <a:gd name="connsiteY62" fmla="*/ 430646 h 874716"/>
+                <a:gd name="connsiteX63" fmla="*/ 4767764 w 6858001"/>
+                <a:gd name="connsiteY63" fmla="*/ 420739 h 874716"/>
+                <a:gd name="connsiteX64" fmla="*/ 4828916 w 6858001"/>
+                <a:gd name="connsiteY64" fmla="*/ 434266 h 874716"/>
+                <a:gd name="connsiteX65" fmla="*/ 4912168 w 6858001"/>
+                <a:gd name="connsiteY65" fmla="*/ 462271 h 874716"/>
+                <a:gd name="connsiteX66" fmla="*/ 4987037 w 6858001"/>
+                <a:gd name="connsiteY66" fmla="*/ 485703 h 874716"/>
+                <a:gd name="connsiteX67" fmla="*/ 5041521 w 6858001"/>
+                <a:gd name="connsiteY67" fmla="*/ 512182 h 874716"/>
+                <a:gd name="connsiteX68" fmla="*/ 5166113 w 6858001"/>
+                <a:gd name="connsiteY68" fmla="*/ 531615 h 874716"/>
+                <a:gd name="connsiteX69" fmla="*/ 5179067 w 6858001"/>
+                <a:gd name="connsiteY69" fmla="*/ 534853 h 874716"/>
+                <a:gd name="connsiteX70" fmla="*/ 5272796 w 6858001"/>
+                <a:gd name="connsiteY70" fmla="*/ 511230 h 874716"/>
+                <a:gd name="connsiteX71" fmla="*/ 5385384 w 6858001"/>
+                <a:gd name="connsiteY71" fmla="*/ 487227 h 874716"/>
+                <a:gd name="connsiteX72" fmla="*/ 5425582 w 6858001"/>
+                <a:gd name="connsiteY72" fmla="*/ 495418 h 874716"/>
+                <a:gd name="connsiteX73" fmla="*/ 5480637 w 6858001"/>
+                <a:gd name="connsiteY73" fmla="*/ 507040 h 874716"/>
+                <a:gd name="connsiteX74" fmla="*/ 5531693 w 6858001"/>
+                <a:gd name="connsiteY74" fmla="*/ 500944 h 874716"/>
+                <a:gd name="connsiteX75" fmla="*/ 5562746 w 6858001"/>
+                <a:gd name="connsiteY75" fmla="*/ 500372 h 874716"/>
+                <a:gd name="connsiteX76" fmla="*/ 5704483 w 6858001"/>
+                <a:gd name="connsiteY76" fmla="*/ 571620 h 874716"/>
+                <a:gd name="connsiteX77" fmla="*/ 5740488 w 6858001"/>
+                <a:gd name="connsiteY77" fmla="*/ 577526 h 874716"/>
+                <a:gd name="connsiteX78" fmla="*/ 5760873 w 6858001"/>
+                <a:gd name="connsiteY78" fmla="*/ 586291 h 874716"/>
+                <a:gd name="connsiteX79" fmla="*/ 5883751 w 6858001"/>
+                <a:gd name="connsiteY79" fmla="*/ 674686 h 874716"/>
+                <a:gd name="connsiteX80" fmla="*/ 5935949 w 6858001"/>
+                <a:gd name="connsiteY80" fmla="*/ 692592 h 874716"/>
+                <a:gd name="connsiteX81" fmla="*/ 5993291 w 6858001"/>
+                <a:gd name="connsiteY81" fmla="*/ 688972 h 874716"/>
+                <a:gd name="connsiteX82" fmla="*/ 6026440 w 6858001"/>
+                <a:gd name="connsiteY82" fmla="*/ 682496 h 874716"/>
+                <a:gd name="connsiteX83" fmla="*/ 6108738 w 6858001"/>
+                <a:gd name="connsiteY83" fmla="*/ 626296 h 874716"/>
+                <a:gd name="connsiteX84" fmla="*/ 6155602 w 6858001"/>
+                <a:gd name="connsiteY84" fmla="*/ 628202 h 874716"/>
+                <a:gd name="connsiteX85" fmla="*/ 6228756 w 6858001"/>
+                <a:gd name="connsiteY85" fmla="*/ 666873 h 874716"/>
+                <a:gd name="connsiteX86" fmla="*/ 6361539 w 6858001"/>
+                <a:gd name="connsiteY86" fmla="*/ 684210 h 874716"/>
+                <a:gd name="connsiteX87" fmla="*/ 6428979 w 6858001"/>
+                <a:gd name="connsiteY87" fmla="*/ 630106 h 874716"/>
+                <a:gd name="connsiteX88" fmla="*/ 6463840 w 6858001"/>
+                <a:gd name="connsiteY88" fmla="*/ 578098 h 874716"/>
+                <a:gd name="connsiteX89" fmla="*/ 6564620 w 6858001"/>
+                <a:gd name="connsiteY89" fmla="*/ 517708 h 874716"/>
+                <a:gd name="connsiteX90" fmla="*/ 6588625 w 6858001"/>
+                <a:gd name="connsiteY90" fmla="*/ 540187 h 874716"/>
+                <a:gd name="connsiteX91" fmla="*/ 6662541 w 6858001"/>
+                <a:gd name="connsiteY91" fmla="*/ 549714 h 874716"/>
+                <a:gd name="connsiteX92" fmla="*/ 6742552 w 6858001"/>
+                <a:gd name="connsiteY92" fmla="*/ 548952 h 874716"/>
+                <a:gd name="connsiteX93" fmla="*/ 6812063 w 6858001"/>
+                <a:gd name="connsiteY93" fmla="*/ 568430 h 874716"/>
+                <a:gd name="connsiteX94" fmla="*/ 6858001 w 6858001"/>
+                <a:gd name="connsiteY94" fmla="*/ 562267 h 874716"/>
+                <a:gd name="connsiteX95" fmla="*/ 6858001 w 6858001"/>
+                <a:gd name="connsiteY95" fmla="*/ 734520 h 874716"/>
+                <a:gd name="connsiteX96" fmla="*/ 6815516 w 6858001"/>
+                <a:gd name="connsiteY96" fmla="*/ 744220 h 874716"/>
+                <a:gd name="connsiteX97" fmla="*/ 6748458 w 6858001"/>
+                <a:gd name="connsiteY97" fmla="*/ 763271 h 874716"/>
+                <a:gd name="connsiteX98" fmla="*/ 6584812 w 6858001"/>
+                <a:gd name="connsiteY98" fmla="*/ 784797 h 874716"/>
+                <a:gd name="connsiteX99" fmla="*/ 6415833 w 6858001"/>
+                <a:gd name="connsiteY99" fmla="*/ 805562 h 874716"/>
+                <a:gd name="connsiteX100" fmla="*/ 6323058 w 6858001"/>
+                <a:gd name="connsiteY100" fmla="*/ 812420 h 874716"/>
+                <a:gd name="connsiteX101" fmla="*/ 6242093 w 6858001"/>
+                <a:gd name="connsiteY101" fmla="*/ 823281 h 874716"/>
+                <a:gd name="connsiteX102" fmla="*/ 6171605 w 6858001"/>
+                <a:gd name="connsiteY102" fmla="*/ 830139 h 874716"/>
+                <a:gd name="connsiteX103" fmla="*/ 6059397 w 6858001"/>
+                <a:gd name="connsiteY103" fmla="*/ 844045 h 874716"/>
+                <a:gd name="connsiteX104" fmla="*/ 6012723 w 6858001"/>
+                <a:gd name="connsiteY104" fmla="*/ 847665 h 874716"/>
+                <a:gd name="connsiteX105" fmla="*/ 5902610 w 6858001"/>
+                <a:gd name="connsiteY105" fmla="*/ 847473 h 874716"/>
+                <a:gd name="connsiteX106" fmla="*/ 5864318 w 6858001"/>
+                <a:gd name="connsiteY106" fmla="*/ 845569 h 874716"/>
+                <a:gd name="connsiteX107" fmla="*/ 5790592 w 6858001"/>
+                <a:gd name="connsiteY107" fmla="*/ 821947 h 874716"/>
+                <a:gd name="connsiteX108" fmla="*/ 5781830 w 6858001"/>
+                <a:gd name="connsiteY108" fmla="*/ 820233 h 874716"/>
+                <a:gd name="connsiteX109" fmla="*/ 5733440 w 6858001"/>
+                <a:gd name="connsiteY109" fmla="*/ 810896 h 874716"/>
+                <a:gd name="connsiteX110" fmla="*/ 5706959 w 6858001"/>
+                <a:gd name="connsiteY110" fmla="*/ 807848 h 874716"/>
+                <a:gd name="connsiteX111" fmla="*/ 5606372 w 6858001"/>
+                <a:gd name="connsiteY111" fmla="*/ 788417 h 874716"/>
+                <a:gd name="connsiteX112" fmla="*/ 5548460 w 6858001"/>
+                <a:gd name="connsiteY112" fmla="*/ 779273 h 874716"/>
+                <a:gd name="connsiteX113" fmla="*/ 5501594 w 6858001"/>
+                <a:gd name="connsiteY113" fmla="*/ 780607 h 874716"/>
+                <a:gd name="connsiteX114" fmla="*/ 5419295 w 6858001"/>
+                <a:gd name="connsiteY114" fmla="*/ 782321 h 874716"/>
+                <a:gd name="connsiteX115" fmla="*/ 5393005 w 6858001"/>
+                <a:gd name="connsiteY115" fmla="*/ 786703 h 874716"/>
+                <a:gd name="connsiteX116" fmla="*/ 5274129 w 6858001"/>
+                <a:gd name="connsiteY116" fmla="*/ 774129 h 874716"/>
+                <a:gd name="connsiteX117" fmla="*/ 5206308 w 6858001"/>
+                <a:gd name="connsiteY117" fmla="*/ 773177 h 874716"/>
+                <a:gd name="connsiteX118" fmla="*/ 5129916 w 6858001"/>
+                <a:gd name="connsiteY118" fmla="*/ 757554 h 874716"/>
+                <a:gd name="connsiteX119" fmla="*/ 5107627 w 6858001"/>
+                <a:gd name="connsiteY119" fmla="*/ 758316 h 874716"/>
+                <a:gd name="connsiteX120" fmla="*/ 5082670 w 6858001"/>
+                <a:gd name="connsiteY120" fmla="*/ 759651 h 874716"/>
+                <a:gd name="connsiteX121" fmla="*/ 5006086 w 6858001"/>
+                <a:gd name="connsiteY121" fmla="*/ 760795 h 874716"/>
+                <a:gd name="connsiteX122" fmla="*/ 4959602 w 6858001"/>
+                <a:gd name="connsiteY122" fmla="*/ 766509 h 874716"/>
+                <a:gd name="connsiteX123" fmla="*/ 4871019 w 6858001"/>
+                <a:gd name="connsiteY123" fmla="*/ 763081 h 874716"/>
+                <a:gd name="connsiteX124" fmla="*/ 4838250 w 6858001"/>
+                <a:gd name="connsiteY124" fmla="*/ 768033 h 874716"/>
+                <a:gd name="connsiteX125" fmla="*/ 4755381 w 6858001"/>
+                <a:gd name="connsiteY125" fmla="*/ 768605 h 874716"/>
+                <a:gd name="connsiteX126" fmla="*/ 4681083 w 6858001"/>
+                <a:gd name="connsiteY126" fmla="*/ 765747 h 874716"/>
+                <a:gd name="connsiteX127" fmla="*/ 4609452 w 6858001"/>
+                <a:gd name="connsiteY127" fmla="*/ 767271 h 874716"/>
+                <a:gd name="connsiteX128" fmla="*/ 4558207 w 6858001"/>
+                <a:gd name="connsiteY128" fmla="*/ 773557 h 874716"/>
+                <a:gd name="connsiteX129" fmla="*/ 4502579 w 6858001"/>
+                <a:gd name="connsiteY129" fmla="*/ 777367 h 874716"/>
+                <a:gd name="connsiteX130" fmla="*/ 4349222 w 6858001"/>
+                <a:gd name="connsiteY130" fmla="*/ 800038 h 874716"/>
+                <a:gd name="connsiteX131" fmla="*/ 4320837 w 6858001"/>
+                <a:gd name="connsiteY131" fmla="*/ 794514 h 874716"/>
+                <a:gd name="connsiteX132" fmla="*/ 4159667 w 6858001"/>
+                <a:gd name="connsiteY132" fmla="*/ 789370 h 874716"/>
+                <a:gd name="connsiteX133" fmla="*/ 4124614 w 6858001"/>
+                <a:gd name="connsiteY133" fmla="*/ 789752 h 874716"/>
+                <a:gd name="connsiteX134" fmla="*/ 4030503 w 6858001"/>
+                <a:gd name="connsiteY134" fmla="*/ 767271 h 874716"/>
+                <a:gd name="connsiteX135" fmla="*/ 3885338 w 6858001"/>
+                <a:gd name="connsiteY135" fmla="*/ 802896 h 874716"/>
+                <a:gd name="connsiteX136" fmla="*/ 3749506 w 6858001"/>
+                <a:gd name="connsiteY136" fmla="*/ 847473 h 874716"/>
+                <a:gd name="connsiteX137" fmla="*/ 3732361 w 6858001"/>
+                <a:gd name="connsiteY137" fmla="*/ 853190 h 874716"/>
+                <a:gd name="connsiteX138" fmla="*/ 3683591 w 6858001"/>
+                <a:gd name="connsiteY138" fmla="*/ 862906 h 874716"/>
+                <a:gd name="connsiteX139" fmla="*/ 3623201 w 6858001"/>
+                <a:gd name="connsiteY139" fmla="*/ 866334 h 874716"/>
+                <a:gd name="connsiteX140" fmla="*/ 3546617 w 6858001"/>
+                <a:gd name="connsiteY140" fmla="*/ 874716 h 874716"/>
+                <a:gd name="connsiteX141" fmla="*/ 3485275 w 6858001"/>
+                <a:gd name="connsiteY141" fmla="*/ 864238 h 874716"/>
+                <a:gd name="connsiteX142" fmla="*/ 3399546 w 6858001"/>
+                <a:gd name="connsiteY142" fmla="*/ 848618 h 874716"/>
+                <a:gd name="connsiteX143" fmla="*/ 3318771 w 6858001"/>
+                <a:gd name="connsiteY143" fmla="*/ 833757 h 874716"/>
+                <a:gd name="connsiteX144" fmla="*/ 3293244 w 6858001"/>
+                <a:gd name="connsiteY144" fmla="*/ 851284 h 874716"/>
+                <a:gd name="connsiteX145" fmla="*/ 3253809 w 6858001"/>
+                <a:gd name="connsiteY145" fmla="*/ 866524 h 874716"/>
+                <a:gd name="connsiteX146" fmla="*/ 3209993 w 6858001"/>
+                <a:gd name="connsiteY146" fmla="*/ 848235 h 874716"/>
+                <a:gd name="connsiteX147" fmla="*/ 3107500 w 6858001"/>
+                <a:gd name="connsiteY147" fmla="*/ 810326 h 874716"/>
+                <a:gd name="connsiteX148" fmla="*/ 3042728 w 6858001"/>
+                <a:gd name="connsiteY148" fmla="*/ 808610 h 874716"/>
+                <a:gd name="connsiteX149" fmla="*/ 2901943 w 6858001"/>
+                <a:gd name="connsiteY149" fmla="*/ 792418 h 874716"/>
+                <a:gd name="connsiteX150" fmla="*/ 2809930 w 6858001"/>
+                <a:gd name="connsiteY150" fmla="*/ 769367 h 874716"/>
+                <a:gd name="connsiteX151" fmla="*/ 2743826 w 6858001"/>
+                <a:gd name="connsiteY151" fmla="*/ 743268 h 874716"/>
+                <a:gd name="connsiteX152" fmla="*/ 2649143 w 6858001"/>
+                <a:gd name="connsiteY152" fmla="*/ 709167 h 874716"/>
+                <a:gd name="connsiteX153" fmla="*/ 2554079 w 6858001"/>
+                <a:gd name="connsiteY153" fmla="*/ 691450 h 874716"/>
+                <a:gd name="connsiteX154" fmla="*/ 2485307 w 6858001"/>
+                <a:gd name="connsiteY154" fmla="*/ 669160 h 874716"/>
+                <a:gd name="connsiteX155" fmla="*/ 2401292 w 6858001"/>
+                <a:gd name="connsiteY155" fmla="*/ 653919 h 874716"/>
+                <a:gd name="connsiteX156" fmla="*/ 2330806 w 6858001"/>
+                <a:gd name="connsiteY156" fmla="*/ 653349 h 874716"/>
+                <a:gd name="connsiteX157" fmla="*/ 2220312 w 6858001"/>
+                <a:gd name="connsiteY157" fmla="*/ 656015 h 874716"/>
+                <a:gd name="connsiteX158" fmla="*/ 2085054 w 6858001"/>
+                <a:gd name="connsiteY158" fmla="*/ 609914 h 874716"/>
+                <a:gd name="connsiteX159" fmla="*/ 2030378 w 6858001"/>
+                <a:gd name="connsiteY159" fmla="*/ 599625 h 874716"/>
+                <a:gd name="connsiteX160" fmla="*/ 1978940 w 6858001"/>
+                <a:gd name="connsiteY160" fmla="*/ 594863 h 874716"/>
+                <a:gd name="connsiteX161" fmla="*/ 1869780 w 6858001"/>
+                <a:gd name="connsiteY161" fmla="*/ 564192 h 874716"/>
+                <a:gd name="connsiteX162" fmla="*/ 1825393 w 6858001"/>
+                <a:gd name="connsiteY162" fmla="*/ 554094 h 874716"/>
+                <a:gd name="connsiteX163" fmla="*/ 1763287 w 6858001"/>
+                <a:gd name="connsiteY163" fmla="*/ 554286 h 874716"/>
+                <a:gd name="connsiteX164" fmla="*/ 1650317 w 6858001"/>
+                <a:gd name="connsiteY164" fmla="*/ 540187 h 874716"/>
+                <a:gd name="connsiteX165" fmla="*/ 1537537 w 6858001"/>
+                <a:gd name="connsiteY165" fmla="*/ 499038 h 874716"/>
+                <a:gd name="connsiteX166" fmla="*/ 1489720 w 6858001"/>
+                <a:gd name="connsiteY166" fmla="*/ 503038 h 874716"/>
+                <a:gd name="connsiteX167" fmla="*/ 1472575 w 6858001"/>
+                <a:gd name="connsiteY167" fmla="*/ 502086 h 874716"/>
+                <a:gd name="connsiteX168" fmla="*/ 1318456 w 6858001"/>
+                <a:gd name="connsiteY168" fmla="*/ 479415 h 874716"/>
+                <a:gd name="connsiteX169" fmla="*/ 1303024 w 6858001"/>
+                <a:gd name="connsiteY169" fmla="*/ 476939 h 874716"/>
+                <a:gd name="connsiteX170" fmla="*/ 1230633 w 6858001"/>
+                <a:gd name="connsiteY170" fmla="*/ 456746 h 874716"/>
+                <a:gd name="connsiteX171" fmla="*/ 1048125 w 6858001"/>
+                <a:gd name="connsiteY171" fmla="*/ 444172 h 874716"/>
+                <a:gd name="connsiteX172" fmla="*/ 1036887 w 6858001"/>
+                <a:gd name="connsiteY172" fmla="*/ 442648 h 874716"/>
+                <a:gd name="connsiteX173" fmla="*/ 975733 w 6858001"/>
+                <a:gd name="connsiteY173" fmla="*/ 452744 h 874716"/>
+                <a:gd name="connsiteX174" fmla="*/ 945444 w 6858001"/>
+                <a:gd name="connsiteY174" fmla="*/ 467033 h 874716"/>
+                <a:gd name="connsiteX175" fmla="*/ 898198 w 6858001"/>
+                <a:gd name="connsiteY175" fmla="*/ 481893 h 874716"/>
+                <a:gd name="connsiteX176" fmla="*/ 850189 w 6858001"/>
+                <a:gd name="connsiteY176" fmla="*/ 487417 h 874716"/>
+                <a:gd name="connsiteX177" fmla="*/ 769605 w 6858001"/>
+                <a:gd name="connsiteY177" fmla="*/ 464937 h 874716"/>
+                <a:gd name="connsiteX178" fmla="*/ 740268 w 6858001"/>
+                <a:gd name="connsiteY178" fmla="*/ 462651 h 874716"/>
+                <a:gd name="connsiteX179" fmla="*/ 674923 w 6858001"/>
+                <a:gd name="connsiteY179" fmla="*/ 451792 h 874716"/>
+                <a:gd name="connsiteX180" fmla="*/ 617772 w 6858001"/>
+                <a:gd name="connsiteY180" fmla="*/ 452554 h 874716"/>
+                <a:gd name="connsiteX181" fmla="*/ 571860 w 6858001"/>
+                <a:gd name="connsiteY181" fmla="*/ 469891 h 874716"/>
+                <a:gd name="connsiteX182" fmla="*/ 505182 w 6858001"/>
+                <a:gd name="connsiteY182" fmla="*/ 473319 h 874716"/>
+                <a:gd name="connsiteX183" fmla="*/ 462126 w 6858001"/>
+                <a:gd name="connsiteY183" fmla="*/ 460747 h 874716"/>
+                <a:gd name="connsiteX184" fmla="*/ 453364 w 6858001"/>
+                <a:gd name="connsiteY184" fmla="*/ 459033 h 874716"/>
+                <a:gd name="connsiteX185" fmla="*/ 340774 w 6858001"/>
+                <a:gd name="connsiteY185" fmla="*/ 458268 h 874716"/>
+                <a:gd name="connsiteX186" fmla="*/ 200182 w 6858001"/>
+                <a:gd name="connsiteY186" fmla="*/ 496180 h 874716"/>
+                <a:gd name="connsiteX187" fmla="*/ 176939 w 6858001"/>
+                <a:gd name="connsiteY187" fmla="*/ 504182 h 874716"/>
+                <a:gd name="connsiteX188" fmla="*/ 63587 w 6858001"/>
+                <a:gd name="connsiteY188" fmla="*/ 518088 h 874716"/>
+                <a:gd name="connsiteX189" fmla="*/ 2817 w 6858001"/>
+                <a:gd name="connsiteY189" fmla="*/ 532187 h 874716"/>
+                <a:gd name="connsiteX190" fmla="*/ 0 w 6858001"/>
+                <a:gd name="connsiteY190" fmla="*/ 533314 h 874716"/>
+              </a:gdLst>
+              <a:ahLst/>
+              <a:cxnLst>
+                <a:cxn ang="0">
+                  <a:pos x="connsiteX0" y="connsiteY0"/>
+                </a:cxn>
+                <a:cxn ang="0">
+                  <a:pos x="connsiteX1" y="connsiteY1"/>
+                </a:cxn>
+                <a:cxn ang="0">
+                  <a:pos x="connsiteX2" y="connsiteY2"/>
+                </a:cxn>
+                <a:cxn ang="0">
+                  <a:pos x="connsiteX3" y="connsiteY3"/>
+                </a:cxn>
+                <a:cxn ang="0">
+                  <a:pos x="connsiteX4" y="connsiteY4"/>
+                </a:cxn>
+                <a:cxn ang="0">
+                  <a:pos x="connsiteX5" y="connsiteY5"/>
+                </a:cxn>
+                <a:cxn ang="0">
+                  <a:pos x="connsiteX6" y="connsiteY6"/>
+                </a:cxn>
+                <a:cxn ang="0">
+                  <a:pos x="connsiteX7" y="connsiteY7"/>
+                </a:cxn>
+                <a:cxn ang="0">
+                  <a:pos x="connsiteX8" y="connsiteY8"/>
+                </a:cxn>
+                <a:cxn ang="0">
+                  <a:pos x="connsiteX9" y="connsiteY9"/>
+                </a:cxn>
+                <a:cxn ang="0">
+                  <a:pos x="connsiteX10" y="connsiteY10"/>
+                </a:cxn>
+                <a:cxn ang="0">
+                  <a:pos x="connsiteX11" y="connsiteY11"/>
+                </a:cxn>
+                <a:cxn ang="0">
+                  <a:pos x="connsiteX12" y="connsiteY12"/>
+                </a:cxn>
+                <a:cxn ang="0">
+                  <a:pos x="connsiteX13" y="connsiteY13"/>
+                </a:cxn>
+                <a:cxn ang="0">
+                  <a:pos x="connsiteX14" y="connsiteY14"/>
+                </a:cxn>
+                <a:cxn ang="0">
+                  <a:pos x="connsiteX15" y="connsiteY15"/>
+                </a:cxn>
+                <a:cxn ang="0">
+                  <a:pos x="connsiteX16" y="connsiteY16"/>
+                </a:cxn>
+                <a:cxn ang="0">
+                  <a:pos x="connsiteX17" y="connsiteY17"/>
+                </a:cxn>
+                <a:cxn ang="0">
+                  <a:pos x="connsiteX18" y="connsiteY18"/>
+                </a:cxn>
+                <a:cxn ang="0">
+                  <a:pos x="connsiteX19" y="connsiteY19"/>
+                </a:cxn>
+                <a:cxn ang="0">
+                  <a:pos x="connsiteX20" y="connsiteY20"/>
+                </a:cxn>
+                <a:cxn ang="0">
+                  <a:pos x="connsiteX21" y="connsiteY21"/>
+                </a:cxn>
+                <a:cxn ang="0">
+                  <a:pos x="connsiteX22" y="connsiteY22"/>
+                </a:cxn>
+                <a:cxn ang="0">
+                  <a:pos x="connsiteX23" y="connsiteY23"/>
+                </a:cxn>
+                <a:cxn ang="0">
+                  <a:pos x="connsiteX24" y="connsiteY24"/>
+                </a:cxn>
+                <a:cxn ang="0">
+                  <a:pos x="connsiteX25" y="connsiteY25"/>
+                </a:cxn>
+                <a:cxn ang="0">
+                  <a:pos x="connsiteX26" y="connsiteY26"/>
+                </a:cxn>
+                <a:cxn ang="0">
+                  <a:pos x="connsiteX27" y="connsiteY27"/>
+                </a:cxn>
+                <a:cxn ang="0">
+                  <a:pos x="connsiteX28" y="connsiteY28"/>
+                </a:cxn>
+                <a:cxn ang="0">
+                  <a:pos x="connsiteX29" y="connsiteY29"/>
+                </a:cxn>
+                <a:cxn ang="0">
+                  <a:pos x="connsiteX30" y="connsiteY30"/>
+                </a:cxn>
+                <a:cxn ang="0">
+                  <a:pos x="connsiteX31" y="connsiteY31"/>
+                </a:cxn>
+                <a:cxn ang="0">
+                  <a:pos x="connsiteX32" y="connsiteY32"/>
+                </a:cxn>
+                <a:cxn ang="0">
+                  <a:pos x="connsiteX33" y="connsiteY33"/>
+                </a:cxn>
+                <a:cxn ang="0">
+                  <a:pos x="connsiteX34" y="connsiteY34"/>
+                </a:cxn>
+                <a:cxn ang="0">
+                  <a:pos x="connsiteX35" y="connsiteY35"/>
+                </a:cxn>
+                <a:cxn ang="0">
+                  <a:pos x="connsiteX36" y="connsiteY36"/>
+                </a:cxn>
+                <a:cxn ang="0">
+                  <a:pos x="connsiteX37" y="connsiteY37"/>
+                </a:cxn>
+                <a:cxn ang="0">
+                  <a:pos x="connsiteX38" y="connsiteY38"/>
+                </a:cxn>
+                <a:cxn ang="0">
+                  <a:pos x="connsiteX39" y="connsiteY39"/>
+                </a:cxn>
+                <a:cxn ang="0">
+                  <a:pos x="connsiteX40" y="connsiteY40"/>
+                </a:cxn>
+                <a:cxn ang="0">
+                  <a:pos x="connsiteX41" y="connsiteY41"/>
+                </a:cxn>
+                <a:cxn ang="0">
+                  <a:pos x="connsiteX42" y="connsiteY42"/>
+                </a:cxn>
+                <a:cxn ang="0">
+                  <a:pos x="connsiteX43" y="connsiteY43"/>
+                </a:cxn>
+                <a:cxn ang="0">
+                  <a:pos x="connsiteX44" y="connsiteY44"/>
+                </a:cxn>
+                <a:cxn ang="0">
+                  <a:pos x="connsiteX45" y="connsiteY45"/>
+                </a:cxn>
+                <a:cxn ang="0">
+                  <a:pos x="connsiteX46" y="connsiteY46"/>
+                </a:cxn>
+                <a:cxn ang="0">
+                  <a:pos x="connsiteX47" y="connsiteY47"/>
+                </a:cxn>
+                <a:cxn ang="0">
+                  <a:pos x="connsiteX48" y="connsiteY48"/>
+                </a:cxn>
+                <a:cxn ang="0">
+                  <a:pos x="connsiteX49" y="connsiteY49"/>
+                </a:cxn>
+                <a:cxn ang="0">
+                  <a:pos x="connsiteX50" y="connsiteY50"/>
+                </a:cxn>
+                <a:cxn ang="0">
+                  <a:pos x="connsiteX51" y="connsiteY51"/>
+                </a:cxn>
+                <a:cxn ang="0">
+                  <a:pos x="connsiteX52" y="connsiteY52"/>
+                </a:cxn>
+                <a:cxn ang="0">
+                  <a:pos x="connsiteX53" y="connsiteY53"/>
+                </a:cxn>
+                <a:cxn ang="0">
+                  <a:pos x="connsiteX54" y="connsiteY54"/>
+                </a:cxn>
+                <a:cxn ang="0">
+                  <a:pos x="connsiteX55" y="connsiteY55"/>
+                </a:cxn>
+                <a:cxn ang="0">
+                  <a:pos x="connsiteX56" y="connsiteY56"/>
+                </a:cxn>
+                <a:cxn ang="0">
+                  <a:pos x="connsiteX57" y="connsiteY57"/>
+                </a:cxn>
+                <a:cxn ang="0">
+                  <a:pos x="connsiteX58" y="connsiteY58"/>
+                </a:cxn>
+                <a:cxn ang="0">
+                  <a:pos x="connsiteX59" y="connsiteY59"/>
+                </a:cxn>
+                <a:cxn ang="0">
+                  <a:pos x="connsiteX60" y="connsiteY60"/>
+                </a:cxn>
+                <a:cxn ang="0">
+                  <a:pos x="connsiteX61" y="connsiteY61"/>
+                </a:cxn>
+                <a:cxn ang="0">
+                  <a:pos x="connsiteX62" y="connsiteY62"/>
+                </a:cxn>
+                <a:cxn ang="0">
+                  <a:pos x="connsiteX63" y="connsiteY63"/>
+                </a:cxn>
+                <a:cxn ang="0">
+                  <a:pos x="connsiteX64" y="connsiteY64"/>
+                </a:cxn>
+                <a:cxn ang="0">
+                  <a:pos x="connsiteX65" y="connsiteY65"/>
+                </a:cxn>
+                <a:cxn ang="0">
+                  <a:pos x="connsiteX66" y="connsiteY66"/>
+                </a:cxn>
+                <a:cxn ang="0">
+                  <a:pos x="connsiteX67" y="connsiteY67"/>
+                </a:cxn>
+                <a:cxn ang="0">
+                  <a:pos x="connsiteX68" y="connsiteY68"/>
+                </a:cxn>
+                <a:cxn ang="0">
+                  <a:pos x="connsiteX69" y="connsiteY69"/>
+                </a:cxn>
+                <a:cxn ang="0">
+                  <a:pos x="connsiteX70" y="connsiteY70"/>
+                </a:cxn>
+                <a:cxn ang="0">
+                  <a:pos x="connsiteX71" y="connsiteY71"/>
+                </a:cxn>
+                <a:cxn ang="0">
+                  <a:pos x="connsiteX72" y="connsiteY72"/>
+                </a:cxn>
+                <a:cxn ang="0">
+                  <a:pos x="connsiteX73" y="connsiteY73"/>
+                </a:cxn>
+                <a:cxn ang="0">
+                  <a:pos x="connsiteX74" y="connsiteY74"/>
+                </a:cxn>
+                <a:cxn ang="0">
+                  <a:pos x="connsiteX75" y="connsiteY75"/>
+                </a:cxn>
+                <a:cxn ang="0">
+                  <a:pos x="connsiteX76" y="connsiteY76"/>
+                </a:cxn>
+                <a:cxn ang="0">
+                  <a:pos x="connsiteX77" y="connsiteY77"/>
+                </a:cxn>
+                <a:cxn ang="0">
+                  <a:pos x="connsiteX78" y="connsiteY78"/>
+                </a:cxn>
+                <a:cxn ang="0">
+                  <a:pos x="connsiteX79" y="connsiteY79"/>
+                </a:cxn>
+                <a:cxn ang="0">
+                  <a:pos x="connsiteX80" y="connsiteY80"/>
+                </a:cxn>
+                <a:cxn ang="0">
+                  <a:pos x="connsiteX81" y="connsiteY81"/>
+                </a:cxn>
+                <a:cxn ang="0">
+                  <a:pos x="connsiteX82" y="connsiteY82"/>
+                </a:cxn>
+                <a:cxn ang="0">
+                  <a:pos x="connsiteX83" y="connsiteY83"/>
+                </a:cxn>
+                <a:cxn ang="0">
+                  <a:pos x="connsiteX84" y="connsiteY84"/>
+                </a:cxn>
+                <a:cxn ang="0">
+                  <a:pos x="connsiteX85" y="connsiteY85"/>
+                </a:cxn>
+                <a:cxn ang="0">
+                  <a:pos x="connsiteX86" y="connsiteY86"/>
+                </a:cxn>
+                <a:cxn ang="0">
+                  <a:pos x="connsiteX87" y="connsiteY87"/>
+                </a:cxn>
+                <a:cxn ang="0">
+                  <a:pos x="connsiteX88" y="connsiteY88"/>
+                </a:cxn>
+                <a:cxn ang="0">
+                  <a:pos x="connsiteX89" y="connsiteY89"/>
+                </a:cxn>
+                <a:cxn ang="0">
+                  <a:pos x="connsiteX90" y="connsiteY90"/>
+                </a:cxn>
+                <a:cxn ang="0">
+                  <a:pos x="connsiteX91" y="connsiteY91"/>
+                </a:cxn>
+                <a:cxn ang="0">
+                  <a:pos x="connsiteX92" y="connsiteY92"/>
+                </a:cxn>
+                <a:cxn ang="0">
+                  <a:pos x="connsiteX93" y="connsiteY93"/>
+                </a:cxn>
+                <a:cxn ang="0">
+                  <a:pos x="connsiteX94" y="connsiteY94"/>
+                </a:cxn>
+                <a:cxn ang="0">
+                  <a:pos x="connsiteX95" y="connsiteY95"/>
+                </a:cxn>
+                <a:cxn ang="0">
+                  <a:pos x="connsiteX96" y="connsiteY96"/>
+                </a:cxn>
+                <a:cxn ang="0">
+                  <a:pos x="connsiteX97" y="connsiteY97"/>
+                </a:cxn>
+                <a:cxn ang="0">
+                  <a:pos x="connsiteX98" y="connsiteY98"/>
+                </a:cxn>
+                <a:cxn ang="0">
+                  <a:pos x="connsiteX99" y="connsiteY99"/>
+                </a:cxn>
+                <a:cxn ang="0">
+                  <a:pos x="connsiteX100" y="connsiteY100"/>
+                </a:cxn>
+                <a:cxn ang="0">
+                  <a:pos x="connsiteX101" y="connsiteY101"/>
+                </a:cxn>
+                <a:cxn ang="0">
+                  <a:pos x="connsiteX102" y="connsiteY102"/>
+                </a:cxn>
+                <a:cxn ang="0">
+                  <a:pos x="connsiteX103" y="connsiteY103"/>
+                </a:cxn>
+                <a:cxn ang="0">
+                  <a:pos x="connsiteX104" y="connsiteY104"/>
+                </a:cxn>
+                <a:cxn ang="0">
+                  <a:pos x="connsiteX105" y="connsiteY105"/>
+                </a:cxn>
+                <a:cxn ang="0">
+                  <a:pos x="connsiteX106" y="connsiteY106"/>
+                </a:cxn>
+                <a:cxn ang="0">
+                  <a:pos x="connsiteX107" y="connsiteY107"/>
+                </a:cxn>
+                <a:cxn ang="0">
+                  <a:pos x="connsiteX108" y="connsiteY108"/>
+                </a:cxn>
+                <a:cxn ang="0">
+                  <a:pos x="connsiteX109" y="connsiteY109"/>
+                </a:cxn>
+                <a:cxn ang="0">
+                  <a:pos x="connsiteX110" y="connsiteY110"/>
+                </a:cxn>
+                <a:cxn ang="0">
+                  <a:pos x="connsiteX111" y="connsiteY111"/>
+                </a:cxn>
+                <a:cxn ang="0">
+                  <a:pos x="connsiteX112" y="connsiteY112"/>
+                </a:cxn>
+                <a:cxn ang="0">
+                  <a:pos x="connsiteX113" y="connsiteY113"/>
+                </a:cxn>
+                <a:cxn ang="0">
+                  <a:pos x="connsiteX114" y="connsiteY114"/>
+                </a:cxn>
+                <a:cxn ang="0">
+                  <a:pos x="connsiteX115" y="connsiteY115"/>
+                </a:cxn>
+                <a:cxn ang="0">
+                  <a:pos x="connsiteX116" y="connsiteY116"/>
+                </a:cxn>
+                <a:cxn ang="0">
+                  <a:pos x="connsiteX117" y="connsiteY117"/>
+                </a:cxn>
+                <a:cxn ang="0">
+                  <a:pos x="connsiteX118" y="connsiteY118"/>
+                </a:cxn>
+                <a:cxn ang="0">
+                  <a:pos x="connsiteX119" y="connsiteY119"/>
+                </a:cxn>
+                <a:cxn ang="0">
+                  <a:pos x="connsiteX120" y="connsiteY120"/>
+                </a:cxn>
+                <a:cxn ang="0">
+                  <a:pos x="connsiteX121" y="connsiteY121"/>
+                </a:cxn>
+                <a:cxn ang="0">
+                  <a:pos x="connsiteX122" y="connsiteY122"/>
+                </a:cxn>
+                <a:cxn ang="0">
+                  <a:pos x="connsiteX123" y="connsiteY123"/>
+                </a:cxn>
+                <a:cxn ang="0">
+                  <a:pos x="connsiteX124" y="connsiteY124"/>
+                </a:cxn>
+                <a:cxn ang="0">
+                  <a:pos x="connsiteX125" y="connsiteY125"/>
+                </a:cxn>
+                <a:cxn ang="0">
+                  <a:pos x="connsiteX126" y="connsiteY126"/>
+                </a:cxn>
+                <a:cxn ang="0">
+                  <a:pos x="connsiteX127" y="connsiteY127"/>
+                </a:cxn>
+                <a:cxn ang="0">
+                  <a:pos x="connsiteX128" y="connsiteY128"/>
+                </a:cxn>
+                <a:cxn ang="0">
+                  <a:pos x="connsiteX129" y="connsiteY129"/>
+                </a:cxn>
+                <a:cxn ang="0">
+                  <a:pos x="connsiteX130" y="connsiteY130"/>
+                </a:cxn>
+                <a:cxn ang="0">
+                  <a:pos x="connsiteX131" y="connsiteY131"/>
+                </a:cxn>
+                <a:cxn ang="0">
+                  <a:pos x="connsiteX132" y="connsiteY132"/>
+                </a:cxn>
+                <a:cxn ang="0">
+                  <a:pos x="connsiteX133" y="connsiteY133"/>
+                </a:cxn>
+                <a:cxn ang="0">
+                  <a:pos x="connsiteX134" y="connsiteY134"/>
+                </a:cxn>
+                <a:cxn ang="0">
+                  <a:pos x="connsiteX135" y="connsiteY135"/>
+                </a:cxn>
+                <a:cxn ang="0">
+                  <a:pos x="connsiteX136" y="connsiteY136"/>
+                </a:cxn>
+                <a:cxn ang="0">
+                  <a:pos x="connsiteX137" y="connsiteY137"/>
+                </a:cxn>
+                <a:cxn ang="0">
+                  <a:pos x="connsiteX138" y="connsiteY138"/>
+                </a:cxn>
+                <a:cxn ang="0">
+                  <a:pos x="connsiteX139" y="connsiteY139"/>
+                </a:cxn>
+                <a:cxn ang="0">
+                  <a:pos x="connsiteX140" y="connsiteY140"/>
+                </a:cxn>
+                <a:cxn ang="0">
+                  <a:pos x="connsiteX141" y="connsiteY141"/>
+                </a:cxn>
+                <a:cxn ang="0">
+                  <a:pos x="connsiteX142" y="connsiteY142"/>
+                </a:cxn>
+                <a:cxn ang="0">
+                  <a:pos x="connsiteX143" y="connsiteY143"/>
+                </a:cxn>
+                <a:cxn ang="0">
+                  <a:pos x="connsiteX144" y="connsiteY144"/>
+                </a:cxn>
+                <a:cxn ang="0">
+                  <a:pos x="connsiteX145" y="connsiteY145"/>
+                </a:cxn>
+                <a:cxn ang="0">
+                  <a:pos x="connsiteX146" y="connsiteY146"/>
+                </a:cxn>
+                <a:cxn ang="0">
+                  <a:pos x="connsiteX147" y="connsiteY147"/>
+                </a:cxn>
+                <a:cxn ang="0">
+                  <a:pos x="connsiteX148" y="connsiteY148"/>
+                </a:cxn>
+                <a:cxn ang="0">
+                  <a:pos x="connsiteX149" y="connsiteY149"/>
+                </a:cxn>
+                <a:cxn ang="0">
+                  <a:pos x="connsiteX150" y="connsiteY150"/>
+                </a:cxn>
+                <a:cxn ang="0">
+                  <a:pos x="connsiteX151" y="connsiteY151"/>
+                </a:cxn>
+                <a:cxn ang="0">
+                  <a:pos x="connsiteX152" y="connsiteY152"/>
+                </a:cxn>
+                <a:cxn ang="0">
+                  <a:pos x="connsiteX153" y="connsiteY153"/>
+                </a:cxn>
+                <a:cxn ang="0">
+                  <a:pos x="connsiteX154" y="connsiteY154"/>
+                </a:cxn>
+                <a:cxn ang="0">
+                  <a:pos x="connsiteX155" y="connsiteY155"/>
+                </a:cxn>
+                <a:cxn ang="0">
+                  <a:pos x="connsiteX156" y="connsiteY156"/>
+                </a:cxn>
+                <a:cxn ang="0">
+                  <a:pos x="connsiteX157" y="connsiteY157"/>
+                </a:cxn>
+                <a:cxn ang="0">
+                  <a:pos x="connsiteX158" y="connsiteY158"/>
+                </a:cxn>
+                <a:cxn ang="0">
+                  <a:pos x="connsiteX159" y="connsiteY159"/>
+                </a:cxn>
+                <a:cxn ang="0">
+                  <a:pos x="connsiteX160" y="connsiteY160"/>
+                </a:cxn>
+                <a:cxn ang="0">
+                  <a:pos x="connsiteX161" y="connsiteY161"/>
+                </a:cxn>
+                <a:cxn ang="0">
+                  <a:pos x="connsiteX162" y="connsiteY162"/>
+                </a:cxn>
+                <a:cxn ang="0">
+                  <a:pos x="connsiteX163" y="connsiteY163"/>
+                </a:cxn>
+                <a:cxn ang="0">
+                  <a:pos x="connsiteX164" y="connsiteY164"/>
+                </a:cxn>
+                <a:cxn ang="0">
+                  <a:pos x="connsiteX165" y="connsiteY165"/>
+                </a:cxn>
+                <a:cxn ang="0">
+                  <a:pos x="connsiteX166" y="connsiteY166"/>
+                </a:cxn>
+                <a:cxn ang="0">
+                  <a:pos x="connsiteX167" y="connsiteY167"/>
+                </a:cxn>
+                <a:cxn ang="0">
+                  <a:pos x="connsiteX168" y="connsiteY168"/>
+                </a:cxn>
+                <a:cxn ang="0">
+                  <a:pos x="connsiteX169" y="connsiteY169"/>
+                </a:cxn>
+                <a:cxn ang="0">
+                  <a:pos x="connsiteX170" y="connsiteY170"/>
+                </a:cxn>
+                <a:cxn ang="0">
+                  <a:pos x="connsiteX171" y="connsiteY171"/>
+                </a:cxn>
+                <a:cxn ang="0">
+                  <a:pos x="connsiteX172" y="connsiteY172"/>
+                </a:cxn>
+                <a:cxn ang="0">
+                  <a:pos x="connsiteX173" y="connsiteY173"/>
+                </a:cxn>
+                <a:cxn ang="0">
+                  <a:pos x="connsiteX174" y="connsiteY174"/>
+                </a:cxn>
+                <a:cxn ang="0">
+                  <a:pos x="connsiteX175" y="connsiteY175"/>
+                </a:cxn>
+                <a:cxn ang="0">
+                  <a:pos x="connsiteX176" y="connsiteY176"/>
+                </a:cxn>
+                <a:cxn ang="0">
+                  <a:pos x="connsiteX177" y="connsiteY177"/>
+                </a:cxn>
+                <a:cxn ang="0">
+                  <a:pos x="connsiteX178" y="connsiteY178"/>
+                </a:cxn>
+                <a:cxn ang="0">
+                  <a:pos x="connsiteX179" y="connsiteY179"/>
+                </a:cxn>
+                <a:cxn ang="0">
+                  <a:pos x="connsiteX180" y="connsiteY180"/>
+                </a:cxn>
+                <a:cxn ang="0">
+                  <a:pos x="connsiteX181" y="connsiteY181"/>
+                </a:cxn>
+                <a:cxn ang="0">
+                  <a:pos x="connsiteX182" y="connsiteY182"/>
+                </a:cxn>
+                <a:cxn ang="0">
+                  <a:pos x="connsiteX183" y="connsiteY183"/>
+                </a:cxn>
+                <a:cxn ang="0">
+                  <a:pos x="connsiteX184" y="connsiteY184"/>
+                </a:cxn>
+                <a:cxn ang="0">
+                  <a:pos x="connsiteX185" y="connsiteY185"/>
+                </a:cxn>
+                <a:cxn ang="0">
+                  <a:pos x="connsiteX186" y="connsiteY186"/>
+                </a:cxn>
+                <a:cxn ang="0">
+                  <a:pos x="connsiteX187" y="connsiteY187"/>
+                </a:cxn>
+                <a:cxn ang="0">
+                  <a:pos x="connsiteX188" y="connsiteY188"/>
+                </a:cxn>
+                <a:cxn ang="0">
+                  <a:pos x="connsiteX189" y="connsiteY189"/>
+                </a:cxn>
+                <a:cxn ang="0">
+                  <a:pos x="connsiteX190" y="connsiteY190"/>
+                </a:cxn>
+              </a:cxnLst>
+              <a:rect l="l" t="t" r="r" b="b"/>
+              <a:pathLst>
+                <a:path w="6858001" h="874716">
+                  <a:moveTo>
+                    <a:pt x="0" y="533314"/>
+                  </a:moveTo>
+                  <a:lnTo>
+                    <a:pt x="0" y="69206"/>
+                  </a:lnTo>
+                  <a:lnTo>
+                    <a:pt x="21486" y="71924"/>
+                  </a:lnTo>
+                  <a:cubicBezTo>
+                    <a:pt x="92546" y="60493"/>
+                    <a:pt x="159604" y="87354"/>
+                    <a:pt x="228948" y="88116"/>
+                  </a:cubicBezTo>
+                  <a:cubicBezTo>
+                    <a:pt x="260382" y="88496"/>
+                    <a:pt x="291435" y="94592"/>
+                    <a:pt x="313533" y="62779"/>
+                  </a:cubicBezTo>
+                  <a:cubicBezTo>
+                    <a:pt x="316389" y="58587"/>
+                    <a:pt x="330298" y="60873"/>
+                    <a:pt x="338870" y="62207"/>
+                  </a:cubicBezTo>
+                  <a:cubicBezTo>
+                    <a:pt x="357921" y="65066"/>
+                    <a:pt x="376781" y="72304"/>
+                    <a:pt x="395640" y="72114"/>
+                  </a:cubicBezTo>
+                  <a:cubicBezTo>
+                    <a:pt x="434695" y="71924"/>
+                    <a:pt x="473939" y="68876"/>
+                    <a:pt x="512802" y="65446"/>
+                  </a:cubicBezTo>
+                  <a:cubicBezTo>
+                    <a:pt x="527470" y="64112"/>
+                    <a:pt x="541569" y="58969"/>
+                    <a:pt x="556047" y="55349"/>
+                  </a:cubicBezTo>
+                  <a:cubicBezTo>
+                    <a:pt x="564048" y="53253"/>
+                    <a:pt x="572622" y="47729"/>
+                    <a:pt x="580050" y="48871"/>
+                  </a:cubicBezTo>
+                  <a:cubicBezTo>
+                    <a:pt x="623106" y="55539"/>
+                    <a:pt x="662541" y="39157"/>
+                    <a:pt x="703308" y="30964"/>
+                  </a:cubicBezTo>
+                  <a:cubicBezTo>
+                    <a:pt x="722169" y="27154"/>
+                    <a:pt x="739886" y="18010"/>
+                    <a:pt x="758174" y="11724"/>
+                  </a:cubicBezTo>
+                  <a:cubicBezTo>
+                    <a:pt x="762936" y="10008"/>
+                    <a:pt x="768271" y="8484"/>
+                    <a:pt x="773035" y="8866"/>
+                  </a:cubicBezTo>
+                  <a:cubicBezTo>
+                    <a:pt x="800276" y="11152"/>
+                    <a:pt x="827329" y="14390"/>
+                    <a:pt x="854379" y="16866"/>
+                  </a:cubicBezTo>
+                  <a:cubicBezTo>
+                    <a:pt x="878956" y="19152"/>
+                    <a:pt x="903722" y="19914"/>
+                    <a:pt x="915343" y="47919"/>
+                  </a:cubicBezTo>
+                  <a:cubicBezTo>
+                    <a:pt x="917059" y="52301"/>
+                    <a:pt x="922773" y="55539"/>
+                    <a:pt x="927155" y="58397"/>
+                  </a:cubicBezTo>
+                  <a:cubicBezTo>
+                    <a:pt x="994785" y="102405"/>
+                    <a:pt x="1030980" y="101261"/>
+                    <a:pt x="1097087" y="54777"/>
+                  </a:cubicBezTo>
+                  <a:cubicBezTo>
+                    <a:pt x="1103945" y="50015"/>
+                    <a:pt x="1118613" y="46585"/>
+                    <a:pt x="1123185" y="50395"/>
+                  </a:cubicBezTo>
+                  <a:cubicBezTo>
+                    <a:pt x="1162049" y="82020"/>
+                    <a:pt x="1204532" y="78590"/>
+                    <a:pt x="1249302" y="68684"/>
+                  </a:cubicBezTo>
+                  <a:cubicBezTo>
+                    <a:pt x="1260922" y="66018"/>
+                    <a:pt x="1277307" y="66018"/>
+                    <a:pt x="1286069" y="72304"/>
+                  </a:cubicBezTo>
+                  <a:cubicBezTo>
+                    <a:pt x="1327790" y="101451"/>
+                    <a:pt x="1372560" y="97261"/>
+                    <a:pt x="1417899" y="88688"/>
+                  </a:cubicBezTo>
+                  <a:cubicBezTo>
+                    <a:pt x="1424948" y="87354"/>
+                    <a:pt x="1433522" y="80114"/>
+                    <a:pt x="1436568" y="73448"/>
+                  </a:cubicBezTo>
+                  <a:cubicBezTo>
+                    <a:pt x="1447428" y="49825"/>
+                    <a:pt x="1467813" y="41823"/>
+                    <a:pt x="1490292" y="35154"/>
+                  </a:cubicBezTo>
+                  <a:cubicBezTo>
+                    <a:pt x="1525727" y="24296"/>
+                    <a:pt x="1560588" y="11532"/>
+                    <a:pt x="1596213" y="1245"/>
+                  </a:cubicBezTo>
+                  <a:cubicBezTo>
+                    <a:pt x="1604978" y="-1231"/>
+                    <a:pt x="1615836" y="293"/>
+                    <a:pt x="1624980" y="3150"/>
+                  </a:cubicBezTo>
+                  <a:cubicBezTo>
+                    <a:pt x="1656223" y="12866"/>
+                    <a:pt x="1676036" y="37251"/>
+                    <a:pt x="1697753" y="59731"/>
+                  </a:cubicBezTo>
+                  <a:cubicBezTo>
+                    <a:pt x="1707279" y="69638"/>
+                    <a:pt x="1720423" y="76686"/>
+                    <a:pt x="1733188" y="82400"/>
+                  </a:cubicBezTo>
+                  <a:cubicBezTo>
+                    <a:pt x="1766335" y="97071"/>
+                    <a:pt x="1800246" y="110215"/>
+                    <a:pt x="1833775" y="124121"/>
+                  </a:cubicBezTo>
+                  <a:cubicBezTo>
+                    <a:pt x="1837013" y="125455"/>
+                    <a:pt x="1839679" y="128884"/>
+                    <a:pt x="1842158" y="131742"/>
+                  </a:cubicBezTo>
+                  <a:cubicBezTo>
+                    <a:pt x="1866922" y="161843"/>
+                    <a:pt x="1891497" y="192132"/>
+                    <a:pt x="1916454" y="222233"/>
+                  </a:cubicBezTo>
+                  <a:cubicBezTo>
+                    <a:pt x="1921216" y="227947"/>
+                    <a:pt x="1928076" y="232139"/>
+                    <a:pt x="1933219" y="237663"/>
+                  </a:cubicBezTo>
+                  <a:cubicBezTo>
+                    <a:pt x="1940459" y="245283"/>
+                    <a:pt x="1949603" y="252524"/>
+                    <a:pt x="1953413" y="261668"/>
+                  </a:cubicBezTo>
+                  <a:cubicBezTo>
+                    <a:pt x="1965224" y="290433"/>
+                    <a:pt x="1987894" y="302817"/>
+                    <a:pt x="2016469" y="308151"/>
+                  </a:cubicBezTo>
+                  <a:cubicBezTo>
+                    <a:pt x="2042570" y="313104"/>
+                    <a:pt x="2068669" y="317296"/>
+                    <a:pt x="2094578" y="323010"/>
+                  </a:cubicBezTo>
+                  <a:cubicBezTo>
+                    <a:pt x="2126201" y="329868"/>
+                    <a:pt x="2157636" y="337298"/>
+                    <a:pt x="2188879" y="345681"/>
+                  </a:cubicBezTo>
+                  <a:cubicBezTo>
+                    <a:pt x="2202404" y="349301"/>
+                    <a:pt x="2216692" y="353491"/>
+                    <a:pt x="2228314" y="360921"/>
+                  </a:cubicBezTo>
+                  <a:cubicBezTo>
+                    <a:pt x="2260890" y="381496"/>
+                    <a:pt x="2295753" y="395402"/>
+                    <a:pt x="2334044" y="389878"/>
+                  </a:cubicBezTo>
+                  <a:cubicBezTo>
+                    <a:pt x="2364715" y="385496"/>
+                    <a:pt x="2390434" y="396736"/>
+                    <a:pt x="2409485" y="414263"/>
+                  </a:cubicBezTo>
+                  <a:cubicBezTo>
+                    <a:pt x="2444158" y="446078"/>
+                    <a:pt x="2481305" y="438838"/>
+                    <a:pt x="2518264" y="428552"/>
+                  </a:cubicBezTo>
+                  <a:cubicBezTo>
+                    <a:pt x="2537315" y="423217"/>
+                    <a:pt x="2552935" y="423979"/>
+                    <a:pt x="2571034" y="429122"/>
+                  </a:cubicBezTo>
+                  <a:cubicBezTo>
+                    <a:pt x="2612945" y="441124"/>
+                    <a:pt x="2640950" y="473701"/>
+                    <a:pt x="2668001" y="502276"/>
+                  </a:cubicBezTo>
+                  <a:cubicBezTo>
+                    <a:pt x="2691054" y="526661"/>
+                    <a:pt x="2716963" y="540377"/>
+                    <a:pt x="2745348" y="550666"/>
+                  </a:cubicBezTo>
+                  <a:cubicBezTo>
+                    <a:pt x="2781163" y="563810"/>
+                    <a:pt x="2809548" y="558858"/>
+                    <a:pt x="2826694" y="527233"/>
+                  </a:cubicBezTo>
+                  <a:cubicBezTo>
+                    <a:pt x="2831457" y="518278"/>
+                    <a:pt x="2839839" y="507800"/>
+                    <a:pt x="2848793" y="505134"/>
+                  </a:cubicBezTo>
+                  <a:cubicBezTo>
+                    <a:pt x="2892037" y="491800"/>
+                    <a:pt x="2935854" y="472367"/>
+                    <a:pt x="2982148" y="484179"/>
+                  </a:cubicBezTo>
+                  <a:cubicBezTo>
+                    <a:pt x="3046158" y="500372"/>
+                    <a:pt x="3108644" y="499420"/>
+                    <a:pt x="3172654" y="483417"/>
+                  </a:cubicBezTo>
+                  <a:cubicBezTo>
+                    <a:pt x="3276480" y="457508"/>
+                    <a:pt x="3380305" y="430076"/>
+                    <a:pt x="3489467" y="435790"/>
+                  </a:cubicBezTo>
+                  <a:cubicBezTo>
+                    <a:pt x="3507563" y="436742"/>
+                    <a:pt x="3529090" y="425121"/>
+                    <a:pt x="3544713" y="413691"/>
+                  </a:cubicBezTo>
+                  <a:cubicBezTo>
+                    <a:pt x="3574622" y="391974"/>
+                    <a:pt x="3573288" y="390258"/>
+                    <a:pt x="3606817" y="408167"/>
+                  </a:cubicBezTo>
+                  <a:cubicBezTo>
+                    <a:pt x="3614819" y="412549"/>
+                    <a:pt x="3624725" y="415215"/>
+                    <a:pt x="3630632" y="421693"/>
+                  </a:cubicBezTo>
+                  <a:cubicBezTo>
+                    <a:pt x="3660731" y="454650"/>
+                    <a:pt x="3697880" y="446648"/>
+                    <a:pt x="3734837" y="441886"/>
+                  </a:cubicBezTo>
+                  <a:cubicBezTo>
+                    <a:pt x="3741315" y="440934"/>
+                    <a:pt x="3749125" y="439600"/>
+                    <a:pt x="3754652" y="442268"/>
+                  </a:cubicBezTo>
+                  <a:cubicBezTo>
+                    <a:pt x="3779607" y="454268"/>
+                    <a:pt x="3800753" y="450078"/>
+                    <a:pt x="3822472" y="433694"/>
+                  </a:cubicBezTo>
+                  <a:cubicBezTo>
+                    <a:pt x="3841331" y="419597"/>
+                    <a:pt x="3863049" y="411215"/>
+                    <a:pt x="3885338" y="428742"/>
+                  </a:cubicBezTo>
+                  <a:cubicBezTo>
+                    <a:pt x="3934870" y="467605"/>
+                    <a:pt x="3987829" y="469509"/>
+                    <a:pt x="4043839" y="444934"/>
+                  </a:cubicBezTo>
+                  <a:cubicBezTo>
+                    <a:pt x="4083845" y="427407"/>
+                    <a:pt x="4123280" y="423407"/>
+                    <a:pt x="4165383" y="441124"/>
+                  </a:cubicBezTo>
+                  <a:cubicBezTo>
+                    <a:pt x="4181576" y="447982"/>
+                    <a:pt x="4202531" y="443410"/>
+                    <a:pt x="4221391" y="444934"/>
+                  </a:cubicBezTo>
+                  <a:cubicBezTo>
+                    <a:pt x="4232060" y="445696"/>
+                    <a:pt x="4243872" y="445886"/>
+                    <a:pt x="4253014" y="450650"/>
+                  </a:cubicBezTo>
+                  <a:cubicBezTo>
+                    <a:pt x="4277401" y="462843"/>
+                    <a:pt x="4300070" y="478463"/>
+                    <a:pt x="4324645" y="490466"/>
+                  </a:cubicBezTo>
+                  <a:cubicBezTo>
+                    <a:pt x="4336457" y="496180"/>
+                    <a:pt x="4350554" y="499228"/>
+                    <a:pt x="4363890" y="499420"/>
+                  </a:cubicBezTo>
+                  <a:cubicBezTo>
+                    <a:pt x="4403325" y="500372"/>
+                    <a:pt x="4442761" y="500372"/>
+                    <a:pt x="4482004" y="498658"/>
+                  </a:cubicBezTo>
+                  <a:cubicBezTo>
+                    <a:pt x="4546776" y="495990"/>
+                    <a:pt x="4612500" y="495418"/>
+                    <a:pt x="4659174" y="438648"/>
+                  </a:cubicBezTo>
+                  <a:cubicBezTo>
+                    <a:pt x="4662986" y="434076"/>
+                    <a:pt x="4671176" y="431408"/>
+                    <a:pt x="4677655" y="430646"/>
+                  </a:cubicBezTo>
+                  <a:cubicBezTo>
+                    <a:pt x="4707564" y="427027"/>
+                    <a:pt x="4738235" y="426645"/>
+                    <a:pt x="4767764" y="420739"/>
+                  </a:cubicBezTo>
+                  <a:cubicBezTo>
+                    <a:pt x="4791386" y="415977"/>
+                    <a:pt x="4811009" y="417501"/>
+                    <a:pt x="4828916" y="434266"/>
+                  </a:cubicBezTo>
+                  <a:cubicBezTo>
+                    <a:pt x="4852348" y="456364"/>
+                    <a:pt x="4880925" y="469319"/>
+                    <a:pt x="4912168" y="462271"/>
+                  </a:cubicBezTo>
+                  <a:cubicBezTo>
+                    <a:pt x="4943409" y="455412"/>
+                    <a:pt x="4963984" y="470271"/>
+                    <a:pt x="4987037" y="485703"/>
+                  </a:cubicBezTo>
+                  <a:cubicBezTo>
+                    <a:pt x="5003801" y="496942"/>
+                    <a:pt x="5022852" y="511040"/>
+                    <a:pt x="5041521" y="512182"/>
+                  </a:cubicBezTo>
+                  <a:cubicBezTo>
+                    <a:pt x="5083814" y="514658"/>
+                    <a:pt x="5120201" y="553904"/>
+                    <a:pt x="5166113" y="531615"/>
+                  </a:cubicBezTo>
+                  <a:cubicBezTo>
+                    <a:pt x="5169161" y="530091"/>
+                    <a:pt x="5174685" y="533901"/>
+                    <a:pt x="5179067" y="534853"/>
+                  </a:cubicBezTo>
+                  <a:cubicBezTo>
+                    <a:pt x="5214121" y="542093"/>
+                    <a:pt x="5247078" y="535043"/>
+                    <a:pt x="5272796" y="511230"/>
+                  </a:cubicBezTo>
+                  <a:cubicBezTo>
+                    <a:pt x="5306516" y="480177"/>
+                    <a:pt x="5343855" y="477129"/>
+                    <a:pt x="5385384" y="487227"/>
+                  </a:cubicBezTo>
+                  <a:cubicBezTo>
+                    <a:pt x="5398721" y="490466"/>
+                    <a:pt x="5412057" y="492752"/>
+                    <a:pt x="5425582" y="495418"/>
+                  </a:cubicBezTo>
+                  <a:cubicBezTo>
+                    <a:pt x="5443870" y="499228"/>
+                    <a:pt x="5462351" y="503230"/>
+                    <a:pt x="5480637" y="507040"/>
+                  </a:cubicBezTo>
+                  <a:cubicBezTo>
+                    <a:pt x="5498356" y="510850"/>
+                    <a:pt x="5517979" y="517326"/>
+                    <a:pt x="5531693" y="500944"/>
+                  </a:cubicBezTo>
+                  <a:cubicBezTo>
+                    <a:pt x="5543506" y="486845"/>
+                    <a:pt x="5551888" y="488179"/>
+                    <a:pt x="5562746" y="500372"/>
+                  </a:cubicBezTo>
+                  <a:cubicBezTo>
+                    <a:pt x="5600467" y="543045"/>
+                    <a:pt x="5646189" y="569716"/>
+                    <a:pt x="5704483" y="571620"/>
+                  </a:cubicBezTo>
+                  <a:cubicBezTo>
+                    <a:pt x="5716485" y="572002"/>
+                    <a:pt x="5728678" y="574668"/>
+                    <a:pt x="5740488" y="577526"/>
+                  </a:cubicBezTo>
+                  <a:cubicBezTo>
+                    <a:pt x="5747728" y="579241"/>
+                    <a:pt x="5756493" y="581147"/>
+                    <a:pt x="5760873" y="586291"/>
+                  </a:cubicBezTo>
+                  <a:cubicBezTo>
+                    <a:pt x="5794974" y="625534"/>
+                    <a:pt x="5837457" y="652777"/>
+                    <a:pt x="5883751" y="674686"/>
+                  </a:cubicBezTo>
+                  <a:cubicBezTo>
+                    <a:pt x="5900323" y="682496"/>
+                    <a:pt x="5918042" y="690306"/>
+                    <a:pt x="5935949" y="692592"/>
+                  </a:cubicBezTo>
+                  <a:cubicBezTo>
+                    <a:pt x="5954617" y="694878"/>
+                    <a:pt x="5974240" y="691068"/>
+                    <a:pt x="5993291" y="688972"/>
+                  </a:cubicBezTo>
+                  <a:cubicBezTo>
+                    <a:pt x="6004531" y="687830"/>
+                    <a:pt x="6017485" y="688020"/>
+                    <a:pt x="6026440" y="682496"/>
+                  </a:cubicBezTo>
+                  <a:cubicBezTo>
+                    <a:pt x="6054825" y="665159"/>
+                    <a:pt x="6082258" y="646491"/>
+                    <a:pt x="6108738" y="626296"/>
+                  </a:cubicBezTo>
+                  <a:cubicBezTo>
+                    <a:pt x="6131409" y="608960"/>
+                    <a:pt x="6135981" y="606483"/>
+                    <a:pt x="6155602" y="628202"/>
+                  </a:cubicBezTo>
+                  <a:cubicBezTo>
+                    <a:pt x="6175797" y="650491"/>
+                    <a:pt x="6200944" y="662111"/>
+                    <a:pt x="6228756" y="666873"/>
+                  </a:cubicBezTo>
+                  <a:cubicBezTo>
+                    <a:pt x="6272764" y="674304"/>
+                    <a:pt x="6317151" y="680590"/>
+                    <a:pt x="6361539" y="684210"/>
+                  </a:cubicBezTo>
+                  <a:cubicBezTo>
+                    <a:pt x="6401736" y="687448"/>
+                    <a:pt x="6420977" y="669922"/>
+                    <a:pt x="6428979" y="630106"/>
+                  </a:cubicBezTo>
+                  <a:cubicBezTo>
+                    <a:pt x="6433551" y="608007"/>
+                    <a:pt x="6439458" y="584003"/>
+                    <a:pt x="6463840" y="578098"/>
+                  </a:cubicBezTo>
+                  <a:cubicBezTo>
+                    <a:pt x="6503658" y="568572"/>
+                    <a:pt x="6544997" y="564382"/>
+                    <a:pt x="6564620" y="517708"/>
+                  </a:cubicBezTo>
+                  <a:cubicBezTo>
+                    <a:pt x="6575478" y="527995"/>
+                    <a:pt x="6582146" y="534091"/>
+                    <a:pt x="6588625" y="540187"/>
+                  </a:cubicBezTo>
+                  <a:cubicBezTo>
+                    <a:pt x="6606531" y="557142"/>
+                    <a:pt x="6643678" y="564382"/>
+                    <a:pt x="6662541" y="549714"/>
+                  </a:cubicBezTo>
+                  <a:cubicBezTo>
+                    <a:pt x="6690354" y="528377"/>
+                    <a:pt x="6715883" y="532377"/>
+                    <a:pt x="6742552" y="548952"/>
+                  </a:cubicBezTo>
+                  <a:cubicBezTo>
+                    <a:pt x="6764841" y="562668"/>
+                    <a:pt x="6788417" y="567954"/>
+                    <a:pt x="6812063" y="568430"/>
+                  </a:cubicBezTo>
+                  <a:lnTo>
+                    <a:pt x="6858001" y="562267"/>
+                  </a:lnTo>
+                  <a:lnTo>
+                    <a:pt x="6858001" y="734520"/>
+                  </a:lnTo>
+                  <a:lnTo>
+                    <a:pt x="6815516" y="744220"/>
+                  </a:lnTo>
+                  <a:cubicBezTo>
+                    <a:pt x="6793035" y="749744"/>
+                    <a:pt x="6771319" y="759651"/>
+                    <a:pt x="6748458" y="763271"/>
+                  </a:cubicBezTo>
+                  <a:cubicBezTo>
+                    <a:pt x="6694164" y="771843"/>
+                    <a:pt x="6639488" y="777939"/>
+                    <a:pt x="6584812" y="784797"/>
+                  </a:cubicBezTo>
+                  <a:cubicBezTo>
+                    <a:pt x="6528424" y="791846"/>
+                    <a:pt x="6472225" y="799276"/>
+                    <a:pt x="6415833" y="805562"/>
+                  </a:cubicBezTo>
+                  <a:cubicBezTo>
+                    <a:pt x="6384972" y="808802"/>
+                    <a:pt x="6353919" y="809372"/>
+                    <a:pt x="6323058" y="812420"/>
+                  </a:cubicBezTo>
+                  <a:cubicBezTo>
+                    <a:pt x="6296005" y="815088"/>
+                    <a:pt x="6269144" y="820041"/>
+                    <a:pt x="6242093" y="823281"/>
+                  </a:cubicBezTo>
+                  <a:cubicBezTo>
+                    <a:pt x="6218660" y="825947"/>
+                    <a:pt x="6195037" y="827471"/>
+                    <a:pt x="6171605" y="830139"/>
+                  </a:cubicBezTo>
+                  <a:cubicBezTo>
+                    <a:pt x="6134075" y="834519"/>
+                    <a:pt x="6096736" y="839473"/>
+                    <a:pt x="6059397" y="844045"/>
+                  </a:cubicBezTo>
+                  <a:cubicBezTo>
+                    <a:pt x="6043776" y="845759"/>
+                    <a:pt x="6027392" y="850522"/>
+                    <a:pt x="6012723" y="847665"/>
+                  </a:cubicBezTo>
+                  <a:cubicBezTo>
+                    <a:pt x="5975764" y="840425"/>
+                    <a:pt x="5939377" y="842521"/>
+                    <a:pt x="5902610" y="847473"/>
+                  </a:cubicBezTo>
+                  <a:cubicBezTo>
+                    <a:pt x="5890037" y="849190"/>
+                    <a:pt x="5876511" y="848808"/>
+                    <a:pt x="5864318" y="845569"/>
+                  </a:cubicBezTo>
+                  <a:cubicBezTo>
+                    <a:pt x="5839361" y="839091"/>
+                    <a:pt x="5815169" y="829947"/>
+                    <a:pt x="5790592" y="821947"/>
+                  </a:cubicBezTo>
+                  <a:cubicBezTo>
+                    <a:pt x="5787924" y="820995"/>
+                    <a:pt x="5784686" y="820803"/>
+                    <a:pt x="5781830" y="820233"/>
+                  </a:cubicBezTo>
+                  <a:cubicBezTo>
+                    <a:pt x="5765635" y="816992"/>
+                    <a:pt x="5749634" y="813754"/>
+                    <a:pt x="5733440" y="810896"/>
+                  </a:cubicBezTo>
+                  <a:cubicBezTo>
+                    <a:pt x="5724678" y="809372"/>
+                    <a:pt x="5715723" y="809182"/>
+                    <a:pt x="5706959" y="807848"/>
+                  </a:cubicBezTo>
+                  <a:cubicBezTo>
+                    <a:pt x="5673050" y="802514"/>
+                    <a:pt x="5635711" y="811468"/>
+                    <a:pt x="5606372" y="788417"/>
+                  </a:cubicBezTo>
+                  <a:cubicBezTo>
+                    <a:pt x="5587321" y="773557"/>
+                    <a:pt x="5568842" y="776987"/>
+                    <a:pt x="5548460" y="779273"/>
+                  </a:cubicBezTo>
+                  <a:cubicBezTo>
+                    <a:pt x="5533027" y="780987"/>
+                    <a:pt x="5517215" y="780415"/>
+                    <a:pt x="5501594" y="780607"/>
+                  </a:cubicBezTo>
+                  <a:cubicBezTo>
+                    <a:pt x="5474161" y="781177"/>
+                    <a:pt x="5446728" y="781369"/>
+                    <a:pt x="5419295" y="782321"/>
+                  </a:cubicBezTo>
+                  <a:cubicBezTo>
+                    <a:pt x="5410531" y="782701"/>
+                    <a:pt x="5401579" y="787465"/>
+                    <a:pt x="5393005" y="786703"/>
+                  </a:cubicBezTo>
+                  <a:cubicBezTo>
+                    <a:pt x="5353379" y="783083"/>
+                    <a:pt x="5313754" y="777367"/>
+                    <a:pt x="5274129" y="774129"/>
+                  </a:cubicBezTo>
+                  <a:cubicBezTo>
+                    <a:pt x="5251650" y="772225"/>
+                    <a:pt x="5228597" y="775843"/>
+                    <a:pt x="5206308" y="773177"/>
+                  </a:cubicBezTo>
+                  <a:cubicBezTo>
+                    <a:pt x="5180591" y="770129"/>
+                    <a:pt x="5155445" y="762319"/>
+                    <a:pt x="5129916" y="757554"/>
+                  </a:cubicBezTo>
+                  <a:cubicBezTo>
+                    <a:pt x="5122867" y="756222"/>
+                    <a:pt x="5115057" y="757936"/>
+                    <a:pt x="5107627" y="758316"/>
+                  </a:cubicBezTo>
+                  <a:cubicBezTo>
+                    <a:pt x="5099245" y="758699"/>
+                    <a:pt x="5091052" y="759461"/>
+                    <a:pt x="5082670" y="759651"/>
+                  </a:cubicBezTo>
+                  <a:cubicBezTo>
+                    <a:pt x="5057141" y="760033"/>
+                    <a:pt x="5031614" y="759461"/>
+                    <a:pt x="5006086" y="760795"/>
+                  </a:cubicBezTo>
+                  <a:cubicBezTo>
+                    <a:pt x="4990465" y="761557"/>
+                    <a:pt x="4974082" y="769367"/>
+                    <a:pt x="4959602" y="766509"/>
+                  </a:cubicBezTo>
+                  <a:cubicBezTo>
+                    <a:pt x="4930075" y="760985"/>
+                    <a:pt x="4900546" y="773367"/>
+                    <a:pt x="4871019" y="763081"/>
+                  </a:cubicBezTo>
+                  <a:cubicBezTo>
+                    <a:pt x="4861873" y="760033"/>
+                    <a:pt x="4849300" y="767653"/>
+                    <a:pt x="4838250" y="768033"/>
+                  </a:cubicBezTo>
+                  <a:cubicBezTo>
+                    <a:pt x="4810627" y="768985"/>
+                    <a:pt x="4783004" y="768795"/>
+                    <a:pt x="4755381" y="768605"/>
+                  </a:cubicBezTo>
+                  <a:cubicBezTo>
+                    <a:pt x="4730614" y="768415"/>
+                    <a:pt x="4704895" y="771081"/>
+                    <a:pt x="4681083" y="765747"/>
+                  </a:cubicBezTo>
+                  <a:cubicBezTo>
+                    <a:pt x="4656126" y="760033"/>
+                    <a:pt x="4633647" y="760795"/>
+                    <a:pt x="4609452" y="767271"/>
+                  </a:cubicBezTo>
+                  <a:cubicBezTo>
+                    <a:pt x="4592878" y="771653"/>
+                    <a:pt x="4575351" y="772225"/>
+                    <a:pt x="4558207" y="773557"/>
+                  </a:cubicBezTo>
+                  <a:cubicBezTo>
+                    <a:pt x="4539728" y="775081"/>
+                    <a:pt x="4519343" y="771081"/>
+                    <a:pt x="4502579" y="777367"/>
+                  </a:cubicBezTo>
+                  <a:cubicBezTo>
+                    <a:pt x="4452665" y="796038"/>
+                    <a:pt x="4401419" y="800038"/>
+                    <a:pt x="4349222" y="800038"/>
+                  </a:cubicBezTo>
+                  <a:cubicBezTo>
+                    <a:pt x="4339695" y="800038"/>
+                    <a:pt x="4329979" y="797372"/>
+                    <a:pt x="4320837" y="794514"/>
+                  </a:cubicBezTo>
+                  <a:cubicBezTo>
+                    <a:pt x="4267493" y="777367"/>
+                    <a:pt x="4213961" y="778891"/>
+                    <a:pt x="4159667" y="789370"/>
+                  </a:cubicBezTo>
+                  <a:cubicBezTo>
+                    <a:pt x="4148427" y="791656"/>
+                    <a:pt x="4135854" y="792038"/>
+                    <a:pt x="4124614" y="789752"/>
+                  </a:cubicBezTo>
+                  <a:cubicBezTo>
+                    <a:pt x="4092989" y="783083"/>
+                    <a:pt x="4062318" y="772033"/>
+                    <a:pt x="4030503" y="767271"/>
+                  </a:cubicBezTo>
+                  <a:cubicBezTo>
+                    <a:pt x="3977925" y="759461"/>
+                    <a:pt x="3932394" y="785749"/>
+                    <a:pt x="3885338" y="802896"/>
+                  </a:cubicBezTo>
+                  <a:cubicBezTo>
+                    <a:pt x="3840569" y="819089"/>
+                    <a:pt x="3802467" y="855666"/>
+                    <a:pt x="3749506" y="847473"/>
+                  </a:cubicBezTo>
+                  <a:cubicBezTo>
+                    <a:pt x="3744173" y="846711"/>
+                    <a:pt x="3738267" y="851856"/>
+                    <a:pt x="3732361" y="853190"/>
+                  </a:cubicBezTo>
+                  <a:cubicBezTo>
+                    <a:pt x="3716168" y="856810"/>
+                    <a:pt x="3699976" y="861190"/>
+                    <a:pt x="3683591" y="862906"/>
+                  </a:cubicBezTo>
+                  <a:cubicBezTo>
+                    <a:pt x="3663589" y="865192"/>
+                    <a:pt x="3643204" y="864430"/>
+                    <a:pt x="3623201" y="866334"/>
+                  </a:cubicBezTo>
+                  <a:cubicBezTo>
+                    <a:pt x="3597482" y="868620"/>
+                    <a:pt x="3572146" y="874716"/>
+                    <a:pt x="3546617" y="874716"/>
+                  </a:cubicBezTo>
+                  <a:cubicBezTo>
+                    <a:pt x="3526042" y="874716"/>
+                    <a:pt x="3505657" y="867668"/>
+                    <a:pt x="3485275" y="864238"/>
+                  </a:cubicBezTo>
+                  <a:cubicBezTo>
+                    <a:pt x="3456508" y="859476"/>
+                    <a:pt x="3424883" y="860810"/>
+                    <a:pt x="3399546" y="848618"/>
+                  </a:cubicBezTo>
+                  <a:cubicBezTo>
+                    <a:pt x="3372495" y="835663"/>
+                    <a:pt x="3346776" y="829757"/>
+                    <a:pt x="3318771" y="833757"/>
+                  </a:cubicBezTo>
+                  <a:cubicBezTo>
+                    <a:pt x="3309437" y="835091"/>
+                    <a:pt x="3297434" y="843093"/>
+                    <a:pt x="3293244" y="851284"/>
+                  </a:cubicBezTo>
+                  <a:cubicBezTo>
+                    <a:pt x="3283908" y="869572"/>
+                    <a:pt x="3271145" y="872812"/>
+                    <a:pt x="3253809" y="866524"/>
+                  </a:cubicBezTo>
+                  <a:cubicBezTo>
+                    <a:pt x="3238758" y="861190"/>
+                    <a:pt x="3220280" y="858524"/>
+                    <a:pt x="3209993" y="848235"/>
+                  </a:cubicBezTo>
+                  <a:cubicBezTo>
+                    <a:pt x="3180844" y="819089"/>
+                    <a:pt x="3143695" y="818136"/>
+                    <a:pt x="3107500" y="810326"/>
+                  </a:cubicBezTo>
+                  <a:cubicBezTo>
+                    <a:pt x="3085403" y="805562"/>
+                    <a:pt x="3064827" y="805372"/>
+                    <a:pt x="3042728" y="808610"/>
+                  </a:cubicBezTo>
+                  <a:cubicBezTo>
+                    <a:pt x="2994722" y="815850"/>
+                    <a:pt x="2948047" y="805562"/>
+                    <a:pt x="2901943" y="792418"/>
+                  </a:cubicBezTo>
+                  <a:cubicBezTo>
+                    <a:pt x="2871462" y="783655"/>
+                    <a:pt x="2840219" y="778321"/>
+                    <a:pt x="2809930" y="769367"/>
+                  </a:cubicBezTo>
+                  <a:cubicBezTo>
+                    <a:pt x="2787259" y="762509"/>
+                    <a:pt x="2764590" y="754316"/>
+                    <a:pt x="2743826" y="743268"/>
+                  </a:cubicBezTo>
+                  <a:cubicBezTo>
+                    <a:pt x="2713723" y="727073"/>
+                    <a:pt x="2687436" y="702689"/>
+                    <a:pt x="2649143" y="709167"/>
+                  </a:cubicBezTo>
+                  <a:cubicBezTo>
+                    <a:pt x="2615421" y="714881"/>
+                    <a:pt x="2584942" y="702881"/>
+                    <a:pt x="2554079" y="691450"/>
+                  </a:cubicBezTo>
+                  <a:cubicBezTo>
+                    <a:pt x="2531409" y="683068"/>
+                    <a:pt x="2508742" y="674494"/>
+                    <a:pt x="2485307" y="669160"/>
+                  </a:cubicBezTo>
+                  <a:cubicBezTo>
+                    <a:pt x="2457492" y="662873"/>
+                    <a:pt x="2426059" y="665541"/>
+                    <a:pt x="2401292" y="653919"/>
+                  </a:cubicBezTo>
+                  <a:cubicBezTo>
+                    <a:pt x="2375383" y="641727"/>
+                    <a:pt x="2353859" y="649919"/>
+                    <a:pt x="2330806" y="653349"/>
+                  </a:cubicBezTo>
+                  <a:cubicBezTo>
+                    <a:pt x="2294039" y="658683"/>
+                    <a:pt x="2257459" y="668590"/>
+                    <a:pt x="2220312" y="656015"/>
+                  </a:cubicBezTo>
+                  <a:cubicBezTo>
+                    <a:pt x="2175163" y="640775"/>
+                    <a:pt x="2130393" y="624392"/>
+                    <a:pt x="2085054" y="609914"/>
+                  </a:cubicBezTo>
+                  <a:cubicBezTo>
+                    <a:pt x="2067525" y="604387"/>
+                    <a:pt x="2048668" y="602101"/>
+                    <a:pt x="2030378" y="599625"/>
+                  </a:cubicBezTo>
+                  <a:cubicBezTo>
+                    <a:pt x="2013043" y="597529"/>
+                    <a:pt x="1992279" y="602863"/>
+                    <a:pt x="1978940" y="594863"/>
+                  </a:cubicBezTo>
+                  <a:cubicBezTo>
+                    <a:pt x="1944649" y="574288"/>
+                    <a:pt x="1909408" y="564192"/>
+                    <a:pt x="1869780" y="564192"/>
+                  </a:cubicBezTo>
+                  <a:cubicBezTo>
+                    <a:pt x="1854920" y="564192"/>
+                    <a:pt x="1840441" y="555618"/>
+                    <a:pt x="1825393" y="554094"/>
+                  </a:cubicBezTo>
+                  <a:cubicBezTo>
+                    <a:pt x="1804816" y="552190"/>
+                    <a:pt x="1781194" y="547045"/>
+                    <a:pt x="1763287" y="554286"/>
+                  </a:cubicBezTo>
+                  <a:cubicBezTo>
+                    <a:pt x="1721185" y="571430"/>
+                    <a:pt x="1687086" y="557142"/>
+                    <a:pt x="1650317" y="540187"/>
+                  </a:cubicBezTo>
+                  <a:cubicBezTo>
+                    <a:pt x="1614120" y="523423"/>
+                    <a:pt x="1576019" y="510088"/>
+                    <a:pt x="1537537" y="499038"/>
+                  </a:cubicBezTo>
+                  <a:cubicBezTo>
+                    <a:pt x="1523059" y="495038"/>
+                    <a:pt x="1505724" y="501706"/>
+                    <a:pt x="1489720" y="503038"/>
+                  </a:cubicBezTo>
+                  <a:cubicBezTo>
+                    <a:pt x="1484004" y="503420"/>
+                    <a:pt x="1477717" y="503992"/>
+                    <a:pt x="1472575" y="502086"/>
+                  </a:cubicBezTo>
+                  <a:cubicBezTo>
+                    <a:pt x="1422854" y="483797"/>
+                    <a:pt x="1372368" y="469891"/>
+                    <a:pt x="1318456" y="479415"/>
+                  </a:cubicBezTo>
+                  <a:cubicBezTo>
+                    <a:pt x="1313504" y="480369"/>
+                    <a:pt x="1307978" y="478273"/>
+                    <a:pt x="1303024" y="476939"/>
+                  </a:cubicBezTo>
+                  <a:cubicBezTo>
+                    <a:pt x="1278829" y="470081"/>
+                    <a:pt x="1255206" y="459223"/>
+                    <a:pt x="1230633" y="456746"/>
+                  </a:cubicBezTo>
+                  <a:cubicBezTo>
+                    <a:pt x="1170051" y="450650"/>
+                    <a:pt x="1109091" y="448172"/>
+                    <a:pt x="1048125" y="444172"/>
+                  </a:cubicBezTo>
+                  <a:cubicBezTo>
+                    <a:pt x="1044315" y="443982"/>
+                    <a:pt x="1040315" y="443982"/>
+                    <a:pt x="1036887" y="442648"/>
+                  </a:cubicBezTo>
+                  <a:cubicBezTo>
+                    <a:pt x="1014406" y="434456"/>
+                    <a:pt x="994785" y="437124"/>
+                    <a:pt x="975733" y="452744"/>
+                  </a:cubicBezTo>
+                  <a:cubicBezTo>
+                    <a:pt x="967350" y="459603"/>
+                    <a:pt x="955920" y="463223"/>
+                    <a:pt x="945444" y="467033"/>
+                  </a:cubicBezTo>
+                  <a:cubicBezTo>
+                    <a:pt x="930011" y="472749"/>
+                    <a:pt x="914200" y="478273"/>
+                    <a:pt x="898198" y="481893"/>
+                  </a:cubicBezTo>
+                  <a:cubicBezTo>
+                    <a:pt x="882384" y="485321"/>
+                    <a:pt x="865430" y="490084"/>
+                    <a:pt x="850189" y="487417"/>
+                  </a:cubicBezTo>
+                  <a:cubicBezTo>
+                    <a:pt x="822756" y="482655"/>
+                    <a:pt x="796655" y="471987"/>
+                    <a:pt x="769605" y="464937"/>
+                  </a:cubicBezTo>
+                  <a:cubicBezTo>
+                    <a:pt x="760270" y="462461"/>
+                    <a:pt x="749982" y="462843"/>
+                    <a:pt x="740268" y="462651"/>
+                  </a:cubicBezTo>
+                  <a:cubicBezTo>
+                    <a:pt x="717977" y="462081"/>
+                    <a:pt x="695116" y="467605"/>
+                    <a:pt x="674923" y="451792"/>
+                  </a:cubicBezTo>
+                  <a:cubicBezTo>
+                    <a:pt x="656255" y="436934"/>
+                    <a:pt x="637392" y="441314"/>
+                    <a:pt x="617772" y="452554"/>
+                  </a:cubicBezTo>
+                  <a:cubicBezTo>
+                    <a:pt x="603673" y="460557"/>
+                    <a:pt x="587672" y="466843"/>
+                    <a:pt x="571860" y="469891"/>
+                  </a:cubicBezTo>
+                  <a:cubicBezTo>
+                    <a:pt x="550141" y="474081"/>
+                    <a:pt x="528615" y="475797"/>
+                    <a:pt x="505182" y="473319"/>
+                  </a:cubicBezTo>
+                  <a:cubicBezTo>
+                    <a:pt x="488607" y="471605"/>
+                    <a:pt x="475081" y="470843"/>
+                    <a:pt x="462126" y="460747"/>
+                  </a:cubicBezTo>
+                  <a:cubicBezTo>
+                    <a:pt x="460032" y="459223"/>
+                    <a:pt x="456222" y="458841"/>
+                    <a:pt x="453364" y="459033"/>
+                  </a:cubicBezTo>
+                  <a:cubicBezTo>
+                    <a:pt x="415835" y="462271"/>
+                    <a:pt x="378686" y="460557"/>
+                    <a:pt x="340774" y="458268"/>
+                  </a:cubicBezTo>
+                  <a:cubicBezTo>
+                    <a:pt x="292579" y="455222"/>
+                    <a:pt x="241901" y="464175"/>
+                    <a:pt x="200182" y="496180"/>
+                  </a:cubicBezTo>
+                  <a:cubicBezTo>
+                    <a:pt x="194085" y="500944"/>
+                    <a:pt x="184941" y="503038"/>
+                    <a:pt x="176939" y="504182"/>
+                  </a:cubicBezTo>
+                  <a:cubicBezTo>
+                    <a:pt x="139219" y="509134"/>
+                    <a:pt x="101308" y="512564"/>
+                    <a:pt x="63587" y="518088"/>
+                  </a:cubicBezTo>
+                  <a:cubicBezTo>
+                    <a:pt x="43012" y="521137"/>
+                    <a:pt x="21486" y="523805"/>
+                    <a:pt x="2817" y="532187"/>
+                  </a:cubicBezTo>
+                  <a:lnTo>
+                    <a:pt x="0" y="533314"/>
+                  </a:lnTo>
+                  <a:close/>
+                </a:path>
+              </a:pathLst>
+            </a:custGeom>
+            <a:solidFill>
+              <a:srgbClr val="FFFFFF"/>
+            </a:solidFill>
+            <a:ln>
+              <a:noFill/>
+            </a:ln>
+            <a:effectLst/>
+          </p:spPr>
+          <p:style>
+            <a:lnRef idx="2">
+              <a:schemeClr val="accent1">
+                <a:shade val="50000"/>
+              </a:schemeClr>
+            </a:lnRef>
+            <a:fillRef idx="1">
+              <a:schemeClr val="accent1"/>
+            </a:fillRef>
+            <a:effectRef idx="0">
+              <a:schemeClr val="accent1"/>
+            </a:effectRef>
+            <a:fontRef idx="minor">
+              <a:schemeClr val="lt1"/>
+            </a:fontRef>
+          </p:style>
+          <p:txBody>
+            <a:bodyPr wrap="square" rtlCol="0" anchor="ctr">
+              <a:noAutofit/>
+            </a:bodyPr>
+            <a:lstStyle/>
+            <a:p>
+              <a:pPr algn="ctr"/>
+              <a:endParaRPr lang="en-US"/>
+            </a:p>
+          </p:txBody>
+        </p:sp>
+        <p:sp>
+          <p:nvSpPr>
+            <p:cNvPr id="13" name="Freeform: Shape 12">
+              <a:extLst>
+                <a:ext uri="{FF2B5EF4-FFF2-40B4-BE49-F238E27FC236}">
+                  <a16:creationId xmlns:a16="http://schemas.microsoft.com/office/drawing/2014/main" id="{3C5C6B36-2238-4BBF-87F8-B1B3F5DD5600}"/>
+                </a:ext>
+                <a:ext uri="{C183D7F6-B498-43B3-948B-1728B52AA6E4}">
+                  <adec:decorative xmlns:adec="http://schemas.microsoft.com/office/drawing/2017/decorative" val="1"/>
+                </a:ext>
+              </a:extLst>
+            </p:cNvPr>
+            <p:cNvSpPr/>
+            <p:nvPr>
+              <p:extLst>
+                <p:ext uri="{386F3935-93C4-4BCD-93E2-E3B085C9AB24}">
+                  <p16:designElem xmlns:p16="http://schemas.microsoft.com/office/powerpoint/2015/main" val="1"/>
+                </p:ext>
+              </p:extLst>
+            </p:nvPr>
+          </p:nvSpPr>
+          <p:spPr>
+            <a:xfrm rot="16200000" flipH="1">
+              <a:off x="715166" y="2991642"/>
+              <a:ext cx="6858001" cy="874716"/>
+            </a:xfrm>
+            <a:custGeom>
+              <a:avLst/>
+              <a:gdLst>
+                <a:gd name="connsiteX0" fmla="*/ 0 w 6858001"/>
+                <a:gd name="connsiteY0" fmla="*/ 533314 h 874716"/>
+                <a:gd name="connsiteX1" fmla="*/ 0 w 6858001"/>
+                <a:gd name="connsiteY1" fmla="*/ 69206 h 874716"/>
+                <a:gd name="connsiteX2" fmla="*/ 21486 w 6858001"/>
+                <a:gd name="connsiteY2" fmla="*/ 71924 h 874716"/>
+                <a:gd name="connsiteX3" fmla="*/ 228948 w 6858001"/>
+                <a:gd name="connsiteY3" fmla="*/ 88116 h 874716"/>
+                <a:gd name="connsiteX4" fmla="*/ 313533 w 6858001"/>
+                <a:gd name="connsiteY4" fmla="*/ 62779 h 874716"/>
+                <a:gd name="connsiteX5" fmla="*/ 338870 w 6858001"/>
+                <a:gd name="connsiteY5" fmla="*/ 62207 h 874716"/>
+                <a:gd name="connsiteX6" fmla="*/ 395640 w 6858001"/>
+                <a:gd name="connsiteY6" fmla="*/ 72114 h 874716"/>
+                <a:gd name="connsiteX7" fmla="*/ 512802 w 6858001"/>
+                <a:gd name="connsiteY7" fmla="*/ 65446 h 874716"/>
+                <a:gd name="connsiteX8" fmla="*/ 556047 w 6858001"/>
+                <a:gd name="connsiteY8" fmla="*/ 55349 h 874716"/>
+                <a:gd name="connsiteX9" fmla="*/ 580050 w 6858001"/>
+                <a:gd name="connsiteY9" fmla="*/ 48871 h 874716"/>
+                <a:gd name="connsiteX10" fmla="*/ 703308 w 6858001"/>
+                <a:gd name="connsiteY10" fmla="*/ 30964 h 874716"/>
+                <a:gd name="connsiteX11" fmla="*/ 758174 w 6858001"/>
+                <a:gd name="connsiteY11" fmla="*/ 11724 h 874716"/>
+                <a:gd name="connsiteX12" fmla="*/ 773035 w 6858001"/>
+                <a:gd name="connsiteY12" fmla="*/ 8866 h 874716"/>
+                <a:gd name="connsiteX13" fmla="*/ 854379 w 6858001"/>
+                <a:gd name="connsiteY13" fmla="*/ 16866 h 874716"/>
+                <a:gd name="connsiteX14" fmla="*/ 915343 w 6858001"/>
+                <a:gd name="connsiteY14" fmla="*/ 47919 h 874716"/>
+                <a:gd name="connsiteX15" fmla="*/ 927155 w 6858001"/>
+                <a:gd name="connsiteY15" fmla="*/ 58397 h 874716"/>
+                <a:gd name="connsiteX16" fmla="*/ 1097087 w 6858001"/>
+                <a:gd name="connsiteY16" fmla="*/ 54777 h 874716"/>
+                <a:gd name="connsiteX17" fmla="*/ 1123185 w 6858001"/>
+                <a:gd name="connsiteY17" fmla="*/ 50395 h 874716"/>
+                <a:gd name="connsiteX18" fmla="*/ 1249302 w 6858001"/>
+                <a:gd name="connsiteY18" fmla="*/ 68684 h 874716"/>
+                <a:gd name="connsiteX19" fmla="*/ 1286069 w 6858001"/>
+                <a:gd name="connsiteY19" fmla="*/ 72304 h 874716"/>
+                <a:gd name="connsiteX20" fmla="*/ 1417899 w 6858001"/>
+                <a:gd name="connsiteY20" fmla="*/ 88688 h 874716"/>
+                <a:gd name="connsiteX21" fmla="*/ 1436568 w 6858001"/>
+                <a:gd name="connsiteY21" fmla="*/ 73448 h 874716"/>
+                <a:gd name="connsiteX22" fmla="*/ 1490292 w 6858001"/>
+                <a:gd name="connsiteY22" fmla="*/ 35154 h 874716"/>
+                <a:gd name="connsiteX23" fmla="*/ 1596213 w 6858001"/>
+                <a:gd name="connsiteY23" fmla="*/ 1245 h 874716"/>
+                <a:gd name="connsiteX24" fmla="*/ 1624980 w 6858001"/>
+                <a:gd name="connsiteY24" fmla="*/ 3150 h 874716"/>
+                <a:gd name="connsiteX25" fmla="*/ 1697753 w 6858001"/>
+                <a:gd name="connsiteY25" fmla="*/ 59731 h 874716"/>
+                <a:gd name="connsiteX26" fmla="*/ 1733188 w 6858001"/>
+                <a:gd name="connsiteY26" fmla="*/ 82400 h 874716"/>
+                <a:gd name="connsiteX27" fmla="*/ 1833775 w 6858001"/>
+                <a:gd name="connsiteY27" fmla="*/ 124121 h 874716"/>
+                <a:gd name="connsiteX28" fmla="*/ 1842158 w 6858001"/>
+                <a:gd name="connsiteY28" fmla="*/ 131742 h 874716"/>
+                <a:gd name="connsiteX29" fmla="*/ 1916454 w 6858001"/>
+                <a:gd name="connsiteY29" fmla="*/ 222233 h 874716"/>
+                <a:gd name="connsiteX30" fmla="*/ 1933219 w 6858001"/>
+                <a:gd name="connsiteY30" fmla="*/ 237663 h 874716"/>
+                <a:gd name="connsiteX31" fmla="*/ 1953413 w 6858001"/>
+                <a:gd name="connsiteY31" fmla="*/ 261668 h 874716"/>
+                <a:gd name="connsiteX32" fmla="*/ 2016469 w 6858001"/>
+                <a:gd name="connsiteY32" fmla="*/ 308151 h 874716"/>
+                <a:gd name="connsiteX33" fmla="*/ 2094578 w 6858001"/>
+                <a:gd name="connsiteY33" fmla="*/ 323010 h 874716"/>
+                <a:gd name="connsiteX34" fmla="*/ 2188879 w 6858001"/>
+                <a:gd name="connsiteY34" fmla="*/ 345681 h 874716"/>
+                <a:gd name="connsiteX35" fmla="*/ 2228314 w 6858001"/>
+                <a:gd name="connsiteY35" fmla="*/ 360921 h 874716"/>
+                <a:gd name="connsiteX36" fmla="*/ 2334044 w 6858001"/>
+                <a:gd name="connsiteY36" fmla="*/ 389878 h 874716"/>
+                <a:gd name="connsiteX37" fmla="*/ 2409485 w 6858001"/>
+                <a:gd name="connsiteY37" fmla="*/ 414263 h 874716"/>
+                <a:gd name="connsiteX38" fmla="*/ 2518264 w 6858001"/>
+                <a:gd name="connsiteY38" fmla="*/ 428552 h 874716"/>
+                <a:gd name="connsiteX39" fmla="*/ 2571034 w 6858001"/>
+                <a:gd name="connsiteY39" fmla="*/ 429122 h 874716"/>
+                <a:gd name="connsiteX40" fmla="*/ 2668001 w 6858001"/>
+                <a:gd name="connsiteY40" fmla="*/ 502276 h 874716"/>
+                <a:gd name="connsiteX41" fmla="*/ 2745348 w 6858001"/>
+                <a:gd name="connsiteY41" fmla="*/ 550666 h 874716"/>
+                <a:gd name="connsiteX42" fmla="*/ 2826694 w 6858001"/>
+                <a:gd name="connsiteY42" fmla="*/ 527233 h 874716"/>
+                <a:gd name="connsiteX43" fmla="*/ 2848793 w 6858001"/>
+                <a:gd name="connsiteY43" fmla="*/ 505134 h 874716"/>
+                <a:gd name="connsiteX44" fmla="*/ 2982148 w 6858001"/>
+                <a:gd name="connsiteY44" fmla="*/ 484179 h 874716"/>
+                <a:gd name="connsiteX45" fmla="*/ 3172654 w 6858001"/>
+                <a:gd name="connsiteY45" fmla="*/ 483417 h 874716"/>
+                <a:gd name="connsiteX46" fmla="*/ 3489467 w 6858001"/>
+                <a:gd name="connsiteY46" fmla="*/ 435790 h 874716"/>
+                <a:gd name="connsiteX47" fmla="*/ 3544713 w 6858001"/>
+                <a:gd name="connsiteY47" fmla="*/ 413691 h 874716"/>
+                <a:gd name="connsiteX48" fmla="*/ 3606817 w 6858001"/>
+                <a:gd name="connsiteY48" fmla="*/ 408167 h 874716"/>
+                <a:gd name="connsiteX49" fmla="*/ 3630632 w 6858001"/>
+                <a:gd name="connsiteY49" fmla="*/ 421693 h 874716"/>
+                <a:gd name="connsiteX50" fmla="*/ 3734837 w 6858001"/>
+                <a:gd name="connsiteY50" fmla="*/ 441886 h 874716"/>
+                <a:gd name="connsiteX51" fmla="*/ 3754652 w 6858001"/>
+                <a:gd name="connsiteY51" fmla="*/ 442268 h 874716"/>
+                <a:gd name="connsiteX52" fmla="*/ 3822472 w 6858001"/>
+                <a:gd name="connsiteY52" fmla="*/ 433694 h 874716"/>
+                <a:gd name="connsiteX53" fmla="*/ 3885338 w 6858001"/>
+                <a:gd name="connsiteY53" fmla="*/ 428742 h 874716"/>
+                <a:gd name="connsiteX54" fmla="*/ 4043839 w 6858001"/>
+                <a:gd name="connsiteY54" fmla="*/ 444934 h 874716"/>
+                <a:gd name="connsiteX55" fmla="*/ 4165383 w 6858001"/>
+                <a:gd name="connsiteY55" fmla="*/ 441124 h 874716"/>
+                <a:gd name="connsiteX56" fmla="*/ 4221391 w 6858001"/>
+                <a:gd name="connsiteY56" fmla="*/ 444934 h 874716"/>
+                <a:gd name="connsiteX57" fmla="*/ 4253014 w 6858001"/>
+                <a:gd name="connsiteY57" fmla="*/ 450650 h 874716"/>
+                <a:gd name="connsiteX58" fmla="*/ 4324645 w 6858001"/>
+                <a:gd name="connsiteY58" fmla="*/ 490466 h 874716"/>
+                <a:gd name="connsiteX59" fmla="*/ 4363890 w 6858001"/>
+                <a:gd name="connsiteY59" fmla="*/ 499420 h 874716"/>
+                <a:gd name="connsiteX60" fmla="*/ 4482004 w 6858001"/>
+                <a:gd name="connsiteY60" fmla="*/ 498658 h 874716"/>
+                <a:gd name="connsiteX61" fmla="*/ 4659174 w 6858001"/>
+                <a:gd name="connsiteY61" fmla="*/ 438648 h 874716"/>
+                <a:gd name="connsiteX62" fmla="*/ 4677655 w 6858001"/>
+                <a:gd name="connsiteY62" fmla="*/ 430646 h 874716"/>
+                <a:gd name="connsiteX63" fmla="*/ 4767764 w 6858001"/>
+                <a:gd name="connsiteY63" fmla="*/ 420739 h 874716"/>
+                <a:gd name="connsiteX64" fmla="*/ 4828916 w 6858001"/>
+                <a:gd name="connsiteY64" fmla="*/ 434266 h 874716"/>
+                <a:gd name="connsiteX65" fmla="*/ 4912168 w 6858001"/>
+                <a:gd name="connsiteY65" fmla="*/ 462271 h 874716"/>
+                <a:gd name="connsiteX66" fmla="*/ 4987037 w 6858001"/>
+                <a:gd name="connsiteY66" fmla="*/ 485703 h 874716"/>
+                <a:gd name="connsiteX67" fmla="*/ 5041521 w 6858001"/>
+                <a:gd name="connsiteY67" fmla="*/ 512182 h 874716"/>
+                <a:gd name="connsiteX68" fmla="*/ 5166113 w 6858001"/>
+                <a:gd name="connsiteY68" fmla="*/ 531615 h 874716"/>
+                <a:gd name="connsiteX69" fmla="*/ 5179067 w 6858001"/>
+                <a:gd name="connsiteY69" fmla="*/ 534853 h 874716"/>
+                <a:gd name="connsiteX70" fmla="*/ 5272796 w 6858001"/>
+                <a:gd name="connsiteY70" fmla="*/ 511230 h 874716"/>
+                <a:gd name="connsiteX71" fmla="*/ 5385384 w 6858001"/>
+                <a:gd name="connsiteY71" fmla="*/ 487227 h 874716"/>
+                <a:gd name="connsiteX72" fmla="*/ 5425582 w 6858001"/>
+                <a:gd name="connsiteY72" fmla="*/ 495418 h 874716"/>
+                <a:gd name="connsiteX73" fmla="*/ 5480637 w 6858001"/>
+                <a:gd name="connsiteY73" fmla="*/ 507040 h 874716"/>
+                <a:gd name="connsiteX74" fmla="*/ 5531693 w 6858001"/>
+                <a:gd name="connsiteY74" fmla="*/ 500944 h 874716"/>
+                <a:gd name="connsiteX75" fmla="*/ 5562746 w 6858001"/>
+                <a:gd name="connsiteY75" fmla="*/ 500372 h 874716"/>
+                <a:gd name="connsiteX76" fmla="*/ 5704483 w 6858001"/>
+                <a:gd name="connsiteY76" fmla="*/ 571620 h 874716"/>
+                <a:gd name="connsiteX77" fmla="*/ 5740488 w 6858001"/>
+                <a:gd name="connsiteY77" fmla="*/ 577526 h 874716"/>
+                <a:gd name="connsiteX78" fmla="*/ 5760873 w 6858001"/>
+                <a:gd name="connsiteY78" fmla="*/ 586291 h 874716"/>
+                <a:gd name="connsiteX79" fmla="*/ 5883751 w 6858001"/>
+                <a:gd name="connsiteY79" fmla="*/ 674686 h 874716"/>
+                <a:gd name="connsiteX80" fmla="*/ 5935949 w 6858001"/>
+                <a:gd name="connsiteY80" fmla="*/ 692592 h 874716"/>
+                <a:gd name="connsiteX81" fmla="*/ 5993291 w 6858001"/>
+                <a:gd name="connsiteY81" fmla="*/ 688972 h 874716"/>
+                <a:gd name="connsiteX82" fmla="*/ 6026440 w 6858001"/>
+                <a:gd name="connsiteY82" fmla="*/ 682496 h 874716"/>
+                <a:gd name="connsiteX83" fmla="*/ 6108738 w 6858001"/>
+                <a:gd name="connsiteY83" fmla="*/ 626296 h 874716"/>
+                <a:gd name="connsiteX84" fmla="*/ 6155602 w 6858001"/>
+                <a:gd name="connsiteY84" fmla="*/ 628202 h 874716"/>
+                <a:gd name="connsiteX85" fmla="*/ 6228756 w 6858001"/>
+                <a:gd name="connsiteY85" fmla="*/ 666873 h 874716"/>
+                <a:gd name="connsiteX86" fmla="*/ 6361539 w 6858001"/>
+                <a:gd name="connsiteY86" fmla="*/ 684210 h 874716"/>
+                <a:gd name="connsiteX87" fmla="*/ 6428979 w 6858001"/>
+                <a:gd name="connsiteY87" fmla="*/ 630106 h 874716"/>
+                <a:gd name="connsiteX88" fmla="*/ 6463840 w 6858001"/>
+                <a:gd name="connsiteY88" fmla="*/ 578098 h 874716"/>
+                <a:gd name="connsiteX89" fmla="*/ 6564620 w 6858001"/>
+                <a:gd name="connsiteY89" fmla="*/ 517708 h 874716"/>
+                <a:gd name="connsiteX90" fmla="*/ 6588625 w 6858001"/>
+                <a:gd name="connsiteY90" fmla="*/ 540187 h 874716"/>
+                <a:gd name="connsiteX91" fmla="*/ 6662541 w 6858001"/>
+                <a:gd name="connsiteY91" fmla="*/ 549714 h 874716"/>
+                <a:gd name="connsiteX92" fmla="*/ 6742552 w 6858001"/>
+                <a:gd name="connsiteY92" fmla="*/ 548952 h 874716"/>
+                <a:gd name="connsiteX93" fmla="*/ 6812063 w 6858001"/>
+                <a:gd name="connsiteY93" fmla="*/ 568430 h 874716"/>
+                <a:gd name="connsiteX94" fmla="*/ 6858001 w 6858001"/>
+                <a:gd name="connsiteY94" fmla="*/ 562267 h 874716"/>
+                <a:gd name="connsiteX95" fmla="*/ 6858001 w 6858001"/>
+                <a:gd name="connsiteY95" fmla="*/ 734520 h 874716"/>
+                <a:gd name="connsiteX96" fmla="*/ 6815516 w 6858001"/>
+                <a:gd name="connsiteY96" fmla="*/ 744220 h 874716"/>
+                <a:gd name="connsiteX97" fmla="*/ 6748458 w 6858001"/>
+                <a:gd name="connsiteY97" fmla="*/ 763271 h 874716"/>
+                <a:gd name="connsiteX98" fmla="*/ 6584812 w 6858001"/>
+                <a:gd name="connsiteY98" fmla="*/ 784797 h 874716"/>
+                <a:gd name="connsiteX99" fmla="*/ 6415833 w 6858001"/>
+                <a:gd name="connsiteY99" fmla="*/ 805562 h 874716"/>
+                <a:gd name="connsiteX100" fmla="*/ 6323058 w 6858001"/>
+                <a:gd name="connsiteY100" fmla="*/ 812420 h 874716"/>
+                <a:gd name="connsiteX101" fmla="*/ 6242093 w 6858001"/>
+                <a:gd name="connsiteY101" fmla="*/ 823281 h 874716"/>
+                <a:gd name="connsiteX102" fmla="*/ 6171605 w 6858001"/>
+                <a:gd name="connsiteY102" fmla="*/ 830139 h 874716"/>
+                <a:gd name="connsiteX103" fmla="*/ 6059397 w 6858001"/>
+                <a:gd name="connsiteY103" fmla="*/ 844045 h 874716"/>
+                <a:gd name="connsiteX104" fmla="*/ 6012723 w 6858001"/>
+                <a:gd name="connsiteY104" fmla="*/ 847665 h 874716"/>
+                <a:gd name="connsiteX105" fmla="*/ 5902610 w 6858001"/>
+                <a:gd name="connsiteY105" fmla="*/ 847473 h 874716"/>
+                <a:gd name="connsiteX106" fmla="*/ 5864318 w 6858001"/>
+                <a:gd name="connsiteY106" fmla="*/ 845569 h 874716"/>
+                <a:gd name="connsiteX107" fmla="*/ 5790592 w 6858001"/>
+                <a:gd name="connsiteY107" fmla="*/ 821947 h 874716"/>
+                <a:gd name="connsiteX108" fmla="*/ 5781830 w 6858001"/>
+                <a:gd name="connsiteY108" fmla="*/ 820233 h 874716"/>
+                <a:gd name="connsiteX109" fmla="*/ 5733440 w 6858001"/>
+                <a:gd name="connsiteY109" fmla="*/ 810896 h 874716"/>
+                <a:gd name="connsiteX110" fmla="*/ 5706959 w 6858001"/>
+                <a:gd name="connsiteY110" fmla="*/ 807848 h 874716"/>
+                <a:gd name="connsiteX111" fmla="*/ 5606372 w 6858001"/>
+                <a:gd name="connsiteY111" fmla="*/ 788417 h 874716"/>
+                <a:gd name="connsiteX112" fmla="*/ 5548460 w 6858001"/>
+                <a:gd name="connsiteY112" fmla="*/ 779273 h 874716"/>
+                <a:gd name="connsiteX113" fmla="*/ 5501594 w 6858001"/>
+                <a:gd name="connsiteY113" fmla="*/ 780607 h 874716"/>
+                <a:gd name="connsiteX114" fmla="*/ 5419295 w 6858001"/>
+                <a:gd name="connsiteY114" fmla="*/ 782321 h 874716"/>
+                <a:gd name="connsiteX115" fmla="*/ 5393005 w 6858001"/>
+                <a:gd name="connsiteY115" fmla="*/ 786703 h 874716"/>
+                <a:gd name="connsiteX116" fmla="*/ 5274129 w 6858001"/>
+                <a:gd name="connsiteY116" fmla="*/ 774129 h 874716"/>
+                <a:gd name="connsiteX117" fmla="*/ 5206308 w 6858001"/>
+                <a:gd name="connsiteY117" fmla="*/ 773177 h 874716"/>
+                <a:gd name="connsiteX118" fmla="*/ 5129916 w 6858001"/>
+                <a:gd name="connsiteY118" fmla="*/ 757554 h 874716"/>
+                <a:gd name="connsiteX119" fmla="*/ 5107627 w 6858001"/>
+                <a:gd name="connsiteY119" fmla="*/ 758316 h 874716"/>
+                <a:gd name="connsiteX120" fmla="*/ 5082670 w 6858001"/>
+                <a:gd name="connsiteY120" fmla="*/ 759651 h 874716"/>
+                <a:gd name="connsiteX121" fmla="*/ 5006086 w 6858001"/>
+                <a:gd name="connsiteY121" fmla="*/ 760795 h 874716"/>
+                <a:gd name="connsiteX122" fmla="*/ 4959602 w 6858001"/>
+                <a:gd name="connsiteY122" fmla="*/ 766509 h 874716"/>
+                <a:gd name="connsiteX123" fmla="*/ 4871019 w 6858001"/>
+                <a:gd name="connsiteY123" fmla="*/ 763081 h 874716"/>
+                <a:gd name="connsiteX124" fmla="*/ 4838250 w 6858001"/>
+                <a:gd name="connsiteY124" fmla="*/ 768033 h 874716"/>
+                <a:gd name="connsiteX125" fmla="*/ 4755381 w 6858001"/>
+                <a:gd name="connsiteY125" fmla="*/ 768605 h 874716"/>
+                <a:gd name="connsiteX126" fmla="*/ 4681083 w 6858001"/>
+                <a:gd name="connsiteY126" fmla="*/ 765747 h 874716"/>
+                <a:gd name="connsiteX127" fmla="*/ 4609452 w 6858001"/>
+                <a:gd name="connsiteY127" fmla="*/ 767271 h 874716"/>
+                <a:gd name="connsiteX128" fmla="*/ 4558207 w 6858001"/>
+                <a:gd name="connsiteY128" fmla="*/ 773557 h 874716"/>
+                <a:gd name="connsiteX129" fmla="*/ 4502579 w 6858001"/>
+                <a:gd name="connsiteY129" fmla="*/ 777367 h 874716"/>
+                <a:gd name="connsiteX130" fmla="*/ 4349222 w 6858001"/>
+                <a:gd name="connsiteY130" fmla="*/ 800038 h 874716"/>
+                <a:gd name="connsiteX131" fmla="*/ 4320837 w 6858001"/>
+                <a:gd name="connsiteY131" fmla="*/ 794514 h 874716"/>
+                <a:gd name="connsiteX132" fmla="*/ 4159667 w 6858001"/>
+                <a:gd name="connsiteY132" fmla="*/ 789370 h 874716"/>
+                <a:gd name="connsiteX133" fmla="*/ 4124614 w 6858001"/>
+                <a:gd name="connsiteY133" fmla="*/ 789752 h 874716"/>
+                <a:gd name="connsiteX134" fmla="*/ 4030503 w 6858001"/>
+                <a:gd name="connsiteY134" fmla="*/ 767271 h 874716"/>
+                <a:gd name="connsiteX135" fmla="*/ 3885338 w 6858001"/>
+                <a:gd name="connsiteY135" fmla="*/ 802896 h 874716"/>
+                <a:gd name="connsiteX136" fmla="*/ 3749506 w 6858001"/>
+                <a:gd name="connsiteY136" fmla="*/ 847473 h 874716"/>
+                <a:gd name="connsiteX137" fmla="*/ 3732361 w 6858001"/>
+                <a:gd name="connsiteY137" fmla="*/ 853190 h 874716"/>
+                <a:gd name="connsiteX138" fmla="*/ 3683591 w 6858001"/>
+                <a:gd name="connsiteY138" fmla="*/ 862906 h 874716"/>
+                <a:gd name="connsiteX139" fmla="*/ 3623201 w 6858001"/>
+                <a:gd name="connsiteY139" fmla="*/ 866334 h 874716"/>
+                <a:gd name="connsiteX140" fmla="*/ 3546617 w 6858001"/>
+                <a:gd name="connsiteY140" fmla="*/ 874716 h 874716"/>
+                <a:gd name="connsiteX141" fmla="*/ 3485275 w 6858001"/>
+                <a:gd name="connsiteY141" fmla="*/ 864238 h 874716"/>
+                <a:gd name="connsiteX142" fmla="*/ 3399546 w 6858001"/>
+                <a:gd name="connsiteY142" fmla="*/ 848618 h 874716"/>
+                <a:gd name="connsiteX143" fmla="*/ 3318771 w 6858001"/>
+                <a:gd name="connsiteY143" fmla="*/ 833757 h 874716"/>
+                <a:gd name="connsiteX144" fmla="*/ 3293244 w 6858001"/>
+                <a:gd name="connsiteY144" fmla="*/ 851284 h 874716"/>
+                <a:gd name="connsiteX145" fmla="*/ 3253809 w 6858001"/>
+                <a:gd name="connsiteY145" fmla="*/ 866524 h 874716"/>
+                <a:gd name="connsiteX146" fmla="*/ 3209993 w 6858001"/>
+                <a:gd name="connsiteY146" fmla="*/ 848235 h 874716"/>
+                <a:gd name="connsiteX147" fmla="*/ 3107500 w 6858001"/>
+                <a:gd name="connsiteY147" fmla="*/ 810326 h 874716"/>
+                <a:gd name="connsiteX148" fmla="*/ 3042728 w 6858001"/>
+                <a:gd name="connsiteY148" fmla="*/ 808610 h 874716"/>
+                <a:gd name="connsiteX149" fmla="*/ 2901943 w 6858001"/>
+                <a:gd name="connsiteY149" fmla="*/ 792418 h 874716"/>
+                <a:gd name="connsiteX150" fmla="*/ 2809930 w 6858001"/>
+                <a:gd name="connsiteY150" fmla="*/ 769367 h 874716"/>
+                <a:gd name="connsiteX151" fmla="*/ 2743826 w 6858001"/>
+                <a:gd name="connsiteY151" fmla="*/ 743268 h 874716"/>
+                <a:gd name="connsiteX152" fmla="*/ 2649143 w 6858001"/>
+                <a:gd name="connsiteY152" fmla="*/ 709167 h 874716"/>
+                <a:gd name="connsiteX153" fmla="*/ 2554079 w 6858001"/>
+                <a:gd name="connsiteY153" fmla="*/ 691450 h 874716"/>
+                <a:gd name="connsiteX154" fmla="*/ 2485307 w 6858001"/>
+                <a:gd name="connsiteY154" fmla="*/ 669160 h 874716"/>
+                <a:gd name="connsiteX155" fmla="*/ 2401292 w 6858001"/>
+                <a:gd name="connsiteY155" fmla="*/ 653919 h 874716"/>
+                <a:gd name="connsiteX156" fmla="*/ 2330806 w 6858001"/>
+                <a:gd name="connsiteY156" fmla="*/ 653349 h 874716"/>
+                <a:gd name="connsiteX157" fmla="*/ 2220312 w 6858001"/>
+                <a:gd name="connsiteY157" fmla="*/ 656015 h 874716"/>
+                <a:gd name="connsiteX158" fmla="*/ 2085054 w 6858001"/>
+                <a:gd name="connsiteY158" fmla="*/ 609914 h 874716"/>
+                <a:gd name="connsiteX159" fmla="*/ 2030378 w 6858001"/>
+                <a:gd name="connsiteY159" fmla="*/ 599625 h 874716"/>
+                <a:gd name="connsiteX160" fmla="*/ 1978940 w 6858001"/>
+                <a:gd name="connsiteY160" fmla="*/ 594863 h 874716"/>
+                <a:gd name="connsiteX161" fmla="*/ 1869780 w 6858001"/>
+                <a:gd name="connsiteY161" fmla="*/ 564192 h 874716"/>
+                <a:gd name="connsiteX162" fmla="*/ 1825393 w 6858001"/>
+                <a:gd name="connsiteY162" fmla="*/ 554094 h 874716"/>
+                <a:gd name="connsiteX163" fmla="*/ 1763287 w 6858001"/>
+                <a:gd name="connsiteY163" fmla="*/ 554286 h 874716"/>
+                <a:gd name="connsiteX164" fmla="*/ 1650317 w 6858001"/>
+                <a:gd name="connsiteY164" fmla="*/ 540187 h 874716"/>
+                <a:gd name="connsiteX165" fmla="*/ 1537537 w 6858001"/>
+                <a:gd name="connsiteY165" fmla="*/ 499038 h 874716"/>
+                <a:gd name="connsiteX166" fmla="*/ 1489720 w 6858001"/>
+                <a:gd name="connsiteY166" fmla="*/ 503038 h 874716"/>
+                <a:gd name="connsiteX167" fmla="*/ 1472575 w 6858001"/>
+                <a:gd name="connsiteY167" fmla="*/ 502086 h 874716"/>
+                <a:gd name="connsiteX168" fmla="*/ 1318456 w 6858001"/>
+                <a:gd name="connsiteY168" fmla="*/ 479415 h 874716"/>
+                <a:gd name="connsiteX169" fmla="*/ 1303024 w 6858001"/>
+                <a:gd name="connsiteY169" fmla="*/ 476939 h 874716"/>
+                <a:gd name="connsiteX170" fmla="*/ 1230633 w 6858001"/>
+                <a:gd name="connsiteY170" fmla="*/ 456746 h 874716"/>
+                <a:gd name="connsiteX171" fmla="*/ 1048125 w 6858001"/>
+                <a:gd name="connsiteY171" fmla="*/ 444172 h 874716"/>
+                <a:gd name="connsiteX172" fmla="*/ 1036887 w 6858001"/>
+                <a:gd name="connsiteY172" fmla="*/ 442648 h 874716"/>
+                <a:gd name="connsiteX173" fmla="*/ 975733 w 6858001"/>
+                <a:gd name="connsiteY173" fmla="*/ 452744 h 874716"/>
+                <a:gd name="connsiteX174" fmla="*/ 945444 w 6858001"/>
+                <a:gd name="connsiteY174" fmla="*/ 467033 h 874716"/>
+                <a:gd name="connsiteX175" fmla="*/ 898198 w 6858001"/>
+                <a:gd name="connsiteY175" fmla="*/ 481893 h 874716"/>
+                <a:gd name="connsiteX176" fmla="*/ 850189 w 6858001"/>
+                <a:gd name="connsiteY176" fmla="*/ 487417 h 874716"/>
+                <a:gd name="connsiteX177" fmla="*/ 769605 w 6858001"/>
+                <a:gd name="connsiteY177" fmla="*/ 464937 h 874716"/>
+                <a:gd name="connsiteX178" fmla="*/ 740268 w 6858001"/>
+                <a:gd name="connsiteY178" fmla="*/ 462651 h 874716"/>
+                <a:gd name="connsiteX179" fmla="*/ 674923 w 6858001"/>
+                <a:gd name="connsiteY179" fmla="*/ 451792 h 874716"/>
+                <a:gd name="connsiteX180" fmla="*/ 617772 w 6858001"/>
+                <a:gd name="connsiteY180" fmla="*/ 452554 h 874716"/>
+                <a:gd name="connsiteX181" fmla="*/ 571860 w 6858001"/>
+                <a:gd name="connsiteY181" fmla="*/ 469891 h 874716"/>
+                <a:gd name="connsiteX182" fmla="*/ 505182 w 6858001"/>
+                <a:gd name="connsiteY182" fmla="*/ 473319 h 874716"/>
+                <a:gd name="connsiteX183" fmla="*/ 462126 w 6858001"/>
+                <a:gd name="connsiteY183" fmla="*/ 460747 h 874716"/>
+                <a:gd name="connsiteX184" fmla="*/ 453364 w 6858001"/>
+                <a:gd name="connsiteY184" fmla="*/ 459033 h 874716"/>
+                <a:gd name="connsiteX185" fmla="*/ 340774 w 6858001"/>
+                <a:gd name="connsiteY185" fmla="*/ 458268 h 874716"/>
+                <a:gd name="connsiteX186" fmla="*/ 200182 w 6858001"/>
+                <a:gd name="connsiteY186" fmla="*/ 496180 h 874716"/>
+                <a:gd name="connsiteX187" fmla="*/ 176939 w 6858001"/>
+                <a:gd name="connsiteY187" fmla="*/ 504182 h 874716"/>
+                <a:gd name="connsiteX188" fmla="*/ 63587 w 6858001"/>
+                <a:gd name="connsiteY188" fmla="*/ 518088 h 874716"/>
+                <a:gd name="connsiteX189" fmla="*/ 2817 w 6858001"/>
+                <a:gd name="connsiteY189" fmla="*/ 532187 h 874716"/>
+                <a:gd name="connsiteX190" fmla="*/ 0 w 6858001"/>
+                <a:gd name="connsiteY190" fmla="*/ 533314 h 874716"/>
+              </a:gdLst>
+              <a:ahLst/>
+              <a:cxnLst>
+                <a:cxn ang="0">
+                  <a:pos x="connsiteX0" y="connsiteY0"/>
+                </a:cxn>
+                <a:cxn ang="0">
+                  <a:pos x="connsiteX1" y="connsiteY1"/>
+                </a:cxn>
+                <a:cxn ang="0">
+                  <a:pos x="connsiteX2" y="connsiteY2"/>
+                </a:cxn>
+                <a:cxn ang="0">
+                  <a:pos x="connsiteX3" y="connsiteY3"/>
+                </a:cxn>
+                <a:cxn ang="0">
+                  <a:pos x="connsiteX4" y="connsiteY4"/>
+                </a:cxn>
+                <a:cxn ang="0">
+                  <a:pos x="connsiteX5" y="connsiteY5"/>
+                </a:cxn>
+                <a:cxn ang="0">
+                  <a:pos x="connsiteX6" y="connsiteY6"/>
+                </a:cxn>
+                <a:cxn ang="0">
+                  <a:pos x="connsiteX7" y="connsiteY7"/>
+                </a:cxn>
+                <a:cxn ang="0">
+                  <a:pos x="connsiteX8" y="connsiteY8"/>
+                </a:cxn>
+                <a:cxn ang="0">
+                  <a:pos x="connsiteX9" y="connsiteY9"/>
+                </a:cxn>
+                <a:cxn ang="0">
+                  <a:pos x="connsiteX10" y="connsiteY10"/>
+                </a:cxn>
+                <a:cxn ang="0">
+                  <a:pos x="connsiteX11" y="connsiteY11"/>
+                </a:cxn>
+                <a:cxn ang="0">
+                  <a:pos x="connsiteX12" y="connsiteY12"/>
+                </a:cxn>
+                <a:cxn ang="0">
+                  <a:pos x="connsiteX13" y="connsiteY13"/>
+                </a:cxn>
+                <a:cxn ang="0">
+                  <a:pos x="connsiteX14" y="connsiteY14"/>
+                </a:cxn>
+                <a:cxn ang="0">
+                  <a:pos x="connsiteX15" y="connsiteY15"/>
+                </a:cxn>
+                <a:cxn ang="0">
+                  <a:pos x="connsiteX16" y="connsiteY16"/>
+                </a:cxn>
+                <a:cxn ang="0">
+                  <a:pos x="connsiteX17" y="connsiteY17"/>
+                </a:cxn>
+                <a:cxn ang="0">
+                  <a:pos x="connsiteX18" y="connsiteY18"/>
+                </a:cxn>
+                <a:cxn ang="0">
+                  <a:pos x="connsiteX19" y="connsiteY19"/>
+                </a:cxn>
+                <a:cxn ang="0">
+                  <a:pos x="connsiteX20" y="connsiteY20"/>
+                </a:cxn>
+                <a:cxn ang="0">
+                  <a:pos x="connsiteX21" y="connsiteY21"/>
+                </a:cxn>
+                <a:cxn ang="0">
+                  <a:pos x="connsiteX22" y="connsiteY22"/>
+                </a:cxn>
+                <a:cxn ang="0">
+                  <a:pos x="connsiteX23" y="connsiteY23"/>
+                </a:cxn>
+                <a:cxn ang="0">
+                  <a:pos x="connsiteX24" y="connsiteY24"/>
+                </a:cxn>
+                <a:cxn ang="0">
+                  <a:pos x="connsiteX25" y="connsiteY25"/>
+                </a:cxn>
+                <a:cxn ang="0">
+                  <a:pos x="connsiteX26" y="connsiteY26"/>
+                </a:cxn>
+                <a:cxn ang="0">
+                  <a:pos x="connsiteX27" y="connsiteY27"/>
+                </a:cxn>
+                <a:cxn ang="0">
+                  <a:pos x="connsiteX28" y="connsiteY28"/>
+                </a:cxn>
+                <a:cxn ang="0">
+                  <a:pos x="connsiteX29" y="connsiteY29"/>
+                </a:cxn>
+                <a:cxn ang="0">
+                  <a:pos x="connsiteX30" y="connsiteY30"/>
+                </a:cxn>
+                <a:cxn ang="0">
+                  <a:pos x="connsiteX31" y="connsiteY31"/>
+                </a:cxn>
+                <a:cxn ang="0">
+                  <a:pos x="connsiteX32" y="connsiteY32"/>
+                </a:cxn>
+                <a:cxn ang="0">
+                  <a:pos x="connsiteX33" y="connsiteY33"/>
+                </a:cxn>
+                <a:cxn ang="0">
+                  <a:pos x="connsiteX34" y="connsiteY34"/>
+                </a:cxn>
+                <a:cxn ang="0">
+                  <a:pos x="connsiteX35" y="connsiteY35"/>
+                </a:cxn>
+                <a:cxn ang="0">
+                  <a:pos x="connsiteX36" y="connsiteY36"/>
+                </a:cxn>
+                <a:cxn ang="0">
+                  <a:pos x="connsiteX37" y="connsiteY37"/>
+                </a:cxn>
+                <a:cxn ang="0">
+                  <a:pos x="connsiteX38" y="connsiteY38"/>
+                </a:cxn>
+                <a:cxn ang="0">
+                  <a:pos x="connsiteX39" y="connsiteY39"/>
+                </a:cxn>
+                <a:cxn ang="0">
+                  <a:pos x="connsiteX40" y="connsiteY40"/>
+                </a:cxn>
+                <a:cxn ang="0">
+                  <a:pos x="connsiteX41" y="connsiteY41"/>
+                </a:cxn>
+                <a:cxn ang="0">
+                  <a:pos x="connsiteX42" y="connsiteY42"/>
+                </a:cxn>
+                <a:cxn ang="0">
+                  <a:pos x="connsiteX43" y="connsiteY43"/>
+                </a:cxn>
+                <a:cxn ang="0">
+                  <a:pos x="connsiteX44" y="connsiteY44"/>
+                </a:cxn>
+                <a:cxn ang="0">
+                  <a:pos x="connsiteX45" y="connsiteY45"/>
+                </a:cxn>
+                <a:cxn ang="0">
+                  <a:pos x="connsiteX46" y="connsiteY46"/>
+                </a:cxn>
+                <a:cxn ang="0">
+                  <a:pos x="connsiteX47" y="connsiteY47"/>
+                </a:cxn>
+                <a:cxn ang="0">
+                  <a:pos x="connsiteX48" y="connsiteY48"/>
+                </a:cxn>
+                <a:cxn ang="0">
+                  <a:pos x="connsiteX49" y="connsiteY49"/>
+                </a:cxn>
+                <a:cxn ang="0">
+                  <a:pos x="connsiteX50" y="connsiteY50"/>
+                </a:cxn>
+                <a:cxn ang="0">
+                  <a:pos x="connsiteX51" y="connsiteY51"/>
+                </a:cxn>
+                <a:cxn ang="0">
+                  <a:pos x="connsiteX52" y="connsiteY52"/>
+                </a:cxn>
+                <a:cxn ang="0">
+                  <a:pos x="connsiteX53" y="connsiteY53"/>
+                </a:cxn>
+                <a:cxn ang="0">
+                  <a:pos x="connsiteX54" y="connsiteY54"/>
+                </a:cxn>
+                <a:cxn ang="0">
+                  <a:pos x="connsiteX55" y="connsiteY55"/>
+                </a:cxn>
+                <a:cxn ang="0">
+                  <a:pos x="connsiteX56" y="connsiteY56"/>
+                </a:cxn>
+                <a:cxn ang="0">
+                  <a:pos x="connsiteX57" y="connsiteY57"/>
+                </a:cxn>
+                <a:cxn ang="0">
+                  <a:pos x="connsiteX58" y="connsiteY58"/>
+                </a:cxn>
+                <a:cxn ang="0">
+                  <a:pos x="connsiteX59" y="connsiteY59"/>
+                </a:cxn>
+                <a:cxn ang="0">
+                  <a:pos x="connsiteX60" y="connsiteY60"/>
+                </a:cxn>
+                <a:cxn ang="0">
+                  <a:pos x="connsiteX61" y="connsiteY61"/>
+                </a:cxn>
+                <a:cxn ang="0">
+                  <a:pos x="connsiteX62" y="connsiteY62"/>
+                </a:cxn>
+                <a:cxn ang="0">
+                  <a:pos x="connsiteX63" y="connsiteY63"/>
+                </a:cxn>
+                <a:cxn ang="0">
+                  <a:pos x="connsiteX64" y="connsiteY64"/>
+                </a:cxn>
+                <a:cxn ang="0">
+                  <a:pos x="connsiteX65" y="connsiteY65"/>
+                </a:cxn>
+                <a:cxn ang="0">
+                  <a:pos x="connsiteX66" y="connsiteY66"/>
+                </a:cxn>
+                <a:cxn ang="0">
+                  <a:pos x="connsiteX67" y="connsiteY67"/>
+                </a:cxn>
+                <a:cxn ang="0">
+                  <a:pos x="connsiteX68" y="connsiteY68"/>
+                </a:cxn>
+                <a:cxn ang="0">
+                  <a:pos x="connsiteX69" y="connsiteY69"/>
+                </a:cxn>
+                <a:cxn ang="0">
+                  <a:pos x="connsiteX70" y="connsiteY70"/>
+                </a:cxn>
+                <a:cxn ang="0">
+                  <a:pos x="connsiteX71" y="connsiteY71"/>
+                </a:cxn>
+                <a:cxn ang="0">
+                  <a:pos x="connsiteX72" y="connsiteY72"/>
+                </a:cxn>
+                <a:cxn ang="0">
+                  <a:pos x="connsiteX73" y="connsiteY73"/>
+                </a:cxn>
+                <a:cxn ang="0">
+                  <a:pos x="connsiteX74" y="connsiteY74"/>
+                </a:cxn>
+                <a:cxn ang="0">
+                  <a:pos x="connsiteX75" y="connsiteY75"/>
+                </a:cxn>
+                <a:cxn ang="0">
+                  <a:pos x="connsiteX76" y="connsiteY76"/>
+                </a:cxn>
+                <a:cxn ang="0">
+                  <a:pos x="connsiteX77" y="connsiteY77"/>
+                </a:cxn>
+                <a:cxn ang="0">
+                  <a:pos x="connsiteX78" y="connsiteY78"/>
+                </a:cxn>
+                <a:cxn ang="0">
+                  <a:pos x="connsiteX79" y="connsiteY79"/>
+                </a:cxn>
+                <a:cxn ang="0">
+                  <a:pos x="connsiteX80" y="connsiteY80"/>
+                </a:cxn>
+                <a:cxn ang="0">
+                  <a:pos x="connsiteX81" y="connsiteY81"/>
+                </a:cxn>
+                <a:cxn ang="0">
+                  <a:pos x="connsiteX82" y="connsiteY82"/>
+                </a:cxn>
+                <a:cxn ang="0">
+                  <a:pos x="connsiteX83" y="connsiteY83"/>
+                </a:cxn>
+                <a:cxn ang="0">
+                  <a:pos x="connsiteX84" y="connsiteY84"/>
+                </a:cxn>
+                <a:cxn ang="0">
+                  <a:pos x="connsiteX85" y="connsiteY85"/>
+                </a:cxn>
+                <a:cxn ang="0">
+                  <a:pos x="connsiteX86" y="connsiteY86"/>
+                </a:cxn>
+                <a:cxn ang="0">
+                  <a:pos x="connsiteX87" y="connsiteY87"/>
+                </a:cxn>
+                <a:cxn ang="0">
+                  <a:pos x="connsiteX88" y="connsiteY88"/>
+                </a:cxn>
+                <a:cxn ang="0">
+                  <a:pos x="connsiteX89" y="connsiteY89"/>
+                </a:cxn>
+                <a:cxn ang="0">
+                  <a:pos x="connsiteX90" y="connsiteY90"/>
+                </a:cxn>
+                <a:cxn ang="0">
+                  <a:pos x="connsiteX91" y="connsiteY91"/>
+                </a:cxn>
+                <a:cxn ang="0">
+                  <a:pos x="connsiteX92" y="connsiteY92"/>
+                </a:cxn>
+                <a:cxn ang="0">
+                  <a:pos x="connsiteX93" y="connsiteY93"/>
+                </a:cxn>
+                <a:cxn ang="0">
+                  <a:pos x="connsiteX94" y="connsiteY94"/>
+                </a:cxn>
+                <a:cxn ang="0">
+                  <a:pos x="connsiteX95" y="connsiteY95"/>
+                </a:cxn>
+                <a:cxn ang="0">
+                  <a:pos x="connsiteX96" y="connsiteY96"/>
+                </a:cxn>
+                <a:cxn ang="0">
+                  <a:pos x="connsiteX97" y="connsiteY97"/>
+                </a:cxn>
+                <a:cxn ang="0">
+                  <a:pos x="connsiteX98" y="connsiteY98"/>
+                </a:cxn>
+                <a:cxn ang="0">
+                  <a:pos x="connsiteX99" y="connsiteY99"/>
+                </a:cxn>
+                <a:cxn ang="0">
+                  <a:pos x="connsiteX100" y="connsiteY100"/>
+                </a:cxn>
+                <a:cxn ang="0">
+                  <a:pos x="connsiteX101" y="connsiteY101"/>
+                </a:cxn>
+                <a:cxn ang="0">
+                  <a:pos x="connsiteX102" y="connsiteY102"/>
+                </a:cxn>
+                <a:cxn ang="0">
+                  <a:pos x="connsiteX103" y="connsiteY103"/>
+                </a:cxn>
+                <a:cxn ang="0">
+                  <a:pos x="connsiteX104" y="connsiteY104"/>
+                </a:cxn>
+                <a:cxn ang="0">
+                  <a:pos x="connsiteX105" y="connsiteY105"/>
+                </a:cxn>
+                <a:cxn ang="0">
+                  <a:pos x="connsiteX106" y="connsiteY106"/>
+                </a:cxn>
+                <a:cxn ang="0">
+                  <a:pos x="connsiteX107" y="connsiteY107"/>
+                </a:cxn>
+                <a:cxn ang="0">
+                  <a:pos x="connsiteX108" y="connsiteY108"/>
+                </a:cxn>
+                <a:cxn ang="0">
+                  <a:pos x="connsiteX109" y="connsiteY109"/>
+                </a:cxn>
+                <a:cxn ang="0">
+                  <a:pos x="connsiteX110" y="connsiteY110"/>
+                </a:cxn>
+                <a:cxn ang="0">
+                  <a:pos x="connsiteX111" y="connsiteY111"/>
+                </a:cxn>
+                <a:cxn ang="0">
+                  <a:pos x="connsiteX112" y="connsiteY112"/>
+                </a:cxn>
+                <a:cxn ang="0">
+                  <a:pos x="connsiteX113" y="connsiteY113"/>
+                </a:cxn>
+                <a:cxn ang="0">
+                  <a:pos x="connsiteX114" y="connsiteY114"/>
+                </a:cxn>
+                <a:cxn ang="0">
+                  <a:pos x="connsiteX115" y="connsiteY115"/>
+                </a:cxn>
+                <a:cxn ang="0">
+                  <a:pos x="connsiteX116" y="connsiteY116"/>
+                </a:cxn>
+                <a:cxn ang="0">
+                  <a:pos x="connsiteX117" y="connsiteY117"/>
+                </a:cxn>
+                <a:cxn ang="0">
+                  <a:pos x="connsiteX118" y="connsiteY118"/>
+                </a:cxn>
+                <a:cxn ang="0">
+                  <a:pos x="connsiteX119" y="connsiteY119"/>
+                </a:cxn>
+                <a:cxn ang="0">
+                  <a:pos x="connsiteX120" y="connsiteY120"/>
+                </a:cxn>
+                <a:cxn ang="0">
+                  <a:pos x="connsiteX121" y="connsiteY121"/>
+                </a:cxn>
+                <a:cxn ang="0">
+                  <a:pos x="connsiteX122" y="connsiteY122"/>
+                </a:cxn>
+                <a:cxn ang="0">
+                  <a:pos x="connsiteX123" y="connsiteY123"/>
+                </a:cxn>
+                <a:cxn ang="0">
+                  <a:pos x="connsiteX124" y="connsiteY124"/>
+                </a:cxn>
+                <a:cxn ang="0">
+                  <a:pos x="connsiteX125" y="connsiteY125"/>
+                </a:cxn>
+                <a:cxn ang="0">
+                  <a:pos x="connsiteX126" y="connsiteY126"/>
+                </a:cxn>
+                <a:cxn ang="0">
+                  <a:pos x="connsiteX127" y="connsiteY127"/>
+                </a:cxn>
+                <a:cxn ang="0">
+                  <a:pos x="connsiteX128" y="connsiteY128"/>
+                </a:cxn>
+                <a:cxn ang="0">
+                  <a:pos x="connsiteX129" y="connsiteY129"/>
+                </a:cxn>
+                <a:cxn ang="0">
+                  <a:pos x="connsiteX130" y="connsiteY130"/>
+                </a:cxn>
+                <a:cxn ang="0">
+                  <a:pos x="connsiteX131" y="connsiteY131"/>
+                </a:cxn>
+                <a:cxn ang="0">
+                  <a:pos x="connsiteX132" y="connsiteY132"/>
+                </a:cxn>
+                <a:cxn ang="0">
+                  <a:pos x="connsiteX133" y="connsiteY133"/>
+                </a:cxn>
+                <a:cxn ang="0">
+                  <a:pos x="connsiteX134" y="connsiteY134"/>
+                </a:cxn>
+                <a:cxn ang="0">
+                  <a:pos x="connsiteX135" y="connsiteY135"/>
+                </a:cxn>
+                <a:cxn ang="0">
+                  <a:pos x="connsiteX136" y="connsiteY136"/>
+                </a:cxn>
+                <a:cxn ang="0">
+                  <a:pos x="connsiteX137" y="connsiteY137"/>
+                </a:cxn>
+                <a:cxn ang="0">
+                  <a:pos x="connsiteX138" y="connsiteY138"/>
+                </a:cxn>
+                <a:cxn ang="0">
+                  <a:pos x="connsiteX139" y="connsiteY139"/>
+                </a:cxn>
+                <a:cxn ang="0">
+                  <a:pos x="connsiteX140" y="connsiteY140"/>
+                </a:cxn>
+                <a:cxn ang="0">
+                  <a:pos x="connsiteX141" y="connsiteY141"/>
+                </a:cxn>
+                <a:cxn ang="0">
+                  <a:pos x="connsiteX142" y="connsiteY142"/>
+                </a:cxn>
+                <a:cxn ang="0">
+                  <a:pos x="connsiteX143" y="connsiteY143"/>
+                </a:cxn>
+                <a:cxn ang="0">
+                  <a:pos x="connsiteX144" y="connsiteY144"/>
+                </a:cxn>
+                <a:cxn ang="0">
+                  <a:pos x="connsiteX145" y="connsiteY145"/>
+                </a:cxn>
+                <a:cxn ang="0">
+                  <a:pos x="connsiteX146" y="connsiteY146"/>
+                </a:cxn>
+                <a:cxn ang="0">
+                  <a:pos x="connsiteX147" y="connsiteY147"/>
+                </a:cxn>
+                <a:cxn ang="0">
+                  <a:pos x="connsiteX148" y="connsiteY148"/>
+                </a:cxn>
+                <a:cxn ang="0">
+                  <a:pos x="connsiteX149" y="connsiteY149"/>
+                </a:cxn>
+                <a:cxn ang="0">
+                  <a:pos x="connsiteX150" y="connsiteY150"/>
+                </a:cxn>
+                <a:cxn ang="0">
+                  <a:pos x="connsiteX151" y="connsiteY151"/>
+                </a:cxn>
+                <a:cxn ang="0">
+                  <a:pos x="connsiteX152" y="connsiteY152"/>
+                </a:cxn>
+                <a:cxn ang="0">
+                  <a:pos x="connsiteX153" y="connsiteY153"/>
+                </a:cxn>
+                <a:cxn ang="0">
+                  <a:pos x="connsiteX154" y="connsiteY154"/>
+                </a:cxn>
+                <a:cxn ang="0">
+                  <a:pos x="connsiteX155" y="connsiteY155"/>
+                </a:cxn>
+                <a:cxn ang="0">
+                  <a:pos x="connsiteX156" y="connsiteY156"/>
+                </a:cxn>
+                <a:cxn ang="0">
+                  <a:pos x="connsiteX157" y="connsiteY157"/>
+                </a:cxn>
+                <a:cxn ang="0">
+                  <a:pos x="connsiteX158" y="connsiteY158"/>
+                </a:cxn>
+                <a:cxn ang="0">
+                  <a:pos x="connsiteX159" y="connsiteY159"/>
+                </a:cxn>
+                <a:cxn ang="0">
+                  <a:pos x="connsiteX160" y="connsiteY160"/>
+                </a:cxn>
+                <a:cxn ang="0">
+                  <a:pos x="connsiteX161" y="connsiteY161"/>
+                </a:cxn>
+                <a:cxn ang="0">
+                  <a:pos x="connsiteX162" y="connsiteY162"/>
+                </a:cxn>
+                <a:cxn ang="0">
+                  <a:pos x="connsiteX163" y="connsiteY163"/>
+                </a:cxn>
+                <a:cxn ang="0">
+                  <a:pos x="connsiteX164" y="connsiteY164"/>
+                </a:cxn>
+                <a:cxn ang="0">
+                  <a:pos x="connsiteX165" y="connsiteY165"/>
+                </a:cxn>
+                <a:cxn ang="0">
+                  <a:pos x="connsiteX166" y="connsiteY166"/>
+                </a:cxn>
+                <a:cxn ang="0">
+                  <a:pos x="connsiteX167" y="connsiteY167"/>
+                </a:cxn>
+                <a:cxn ang="0">
+                  <a:pos x="connsiteX168" y="connsiteY168"/>
+                </a:cxn>
+                <a:cxn ang="0">
+                  <a:pos x="connsiteX169" y="connsiteY169"/>
+                </a:cxn>
+                <a:cxn ang="0">
+                  <a:pos x="connsiteX170" y="connsiteY170"/>
+                </a:cxn>
+                <a:cxn ang="0">
+                  <a:pos x="connsiteX171" y="connsiteY171"/>
+                </a:cxn>
+                <a:cxn ang="0">
+                  <a:pos x="connsiteX172" y="connsiteY172"/>
+                </a:cxn>
+                <a:cxn ang="0">
+                  <a:pos x="connsiteX173" y="connsiteY173"/>
+                </a:cxn>
+                <a:cxn ang="0">
+                  <a:pos x="connsiteX174" y="connsiteY174"/>
+                </a:cxn>
+                <a:cxn ang="0">
+                  <a:pos x="connsiteX175" y="connsiteY175"/>
+                </a:cxn>
+                <a:cxn ang="0">
+                  <a:pos x="connsiteX176" y="connsiteY176"/>
+                </a:cxn>
+                <a:cxn ang="0">
+                  <a:pos x="connsiteX177" y="connsiteY177"/>
+                </a:cxn>
+                <a:cxn ang="0">
+                  <a:pos x="connsiteX178" y="connsiteY178"/>
+                </a:cxn>
+                <a:cxn ang="0">
+                  <a:pos x="connsiteX179" y="connsiteY179"/>
+                </a:cxn>
+                <a:cxn ang="0">
+                  <a:pos x="connsiteX180" y="connsiteY180"/>
+                </a:cxn>
+                <a:cxn ang="0">
+                  <a:pos x="connsiteX181" y="connsiteY181"/>
+                </a:cxn>
+                <a:cxn ang="0">
+                  <a:pos x="connsiteX182" y="connsiteY182"/>
+                </a:cxn>
+                <a:cxn ang="0">
+                  <a:pos x="connsiteX183" y="connsiteY183"/>
+                </a:cxn>
+                <a:cxn ang="0">
+                  <a:pos x="connsiteX184" y="connsiteY184"/>
+                </a:cxn>
+                <a:cxn ang="0">
+                  <a:pos x="connsiteX185" y="connsiteY185"/>
+                </a:cxn>
+                <a:cxn ang="0">
+                  <a:pos x="connsiteX186" y="connsiteY186"/>
+                </a:cxn>
+                <a:cxn ang="0">
+                  <a:pos x="connsiteX187" y="connsiteY187"/>
+                </a:cxn>
+                <a:cxn ang="0">
+                  <a:pos x="connsiteX188" y="connsiteY188"/>
+                </a:cxn>
+                <a:cxn ang="0">
+                  <a:pos x="connsiteX189" y="connsiteY189"/>
+                </a:cxn>
+                <a:cxn ang="0">
+                  <a:pos x="connsiteX190" y="connsiteY190"/>
+                </a:cxn>
+              </a:cxnLst>
+              <a:rect l="l" t="t" r="r" b="b"/>
+              <a:pathLst>
+                <a:path w="6858001" h="874716">
+                  <a:moveTo>
+                    <a:pt x="0" y="533314"/>
+                  </a:moveTo>
+                  <a:lnTo>
+                    <a:pt x="0" y="69206"/>
+                  </a:lnTo>
+                  <a:lnTo>
+                    <a:pt x="21486" y="71924"/>
+                  </a:lnTo>
+                  <a:cubicBezTo>
+                    <a:pt x="92546" y="60493"/>
+                    <a:pt x="159604" y="87354"/>
+                    <a:pt x="228948" y="88116"/>
+                  </a:cubicBezTo>
+                  <a:cubicBezTo>
+                    <a:pt x="260382" y="88496"/>
+                    <a:pt x="291435" y="94592"/>
+                    <a:pt x="313533" y="62779"/>
+                  </a:cubicBezTo>
+                  <a:cubicBezTo>
+                    <a:pt x="316389" y="58587"/>
+                    <a:pt x="330298" y="60873"/>
+                    <a:pt x="338870" y="62207"/>
+                  </a:cubicBezTo>
+                  <a:cubicBezTo>
+                    <a:pt x="357921" y="65066"/>
+                    <a:pt x="376781" y="72304"/>
+                    <a:pt x="395640" y="72114"/>
+                  </a:cubicBezTo>
+                  <a:cubicBezTo>
+                    <a:pt x="434695" y="71924"/>
+                    <a:pt x="473939" y="68876"/>
+                    <a:pt x="512802" y="65446"/>
+                  </a:cubicBezTo>
+                  <a:cubicBezTo>
+                    <a:pt x="527470" y="64112"/>
+                    <a:pt x="541569" y="58969"/>
+                    <a:pt x="556047" y="55349"/>
+                  </a:cubicBezTo>
+                  <a:cubicBezTo>
+                    <a:pt x="564048" y="53253"/>
+                    <a:pt x="572622" y="47729"/>
+                    <a:pt x="580050" y="48871"/>
+                  </a:cubicBezTo>
+                  <a:cubicBezTo>
+                    <a:pt x="623106" y="55539"/>
+                    <a:pt x="662541" y="39157"/>
+                    <a:pt x="703308" y="30964"/>
+                  </a:cubicBezTo>
+                  <a:cubicBezTo>
+                    <a:pt x="722169" y="27154"/>
+                    <a:pt x="739886" y="18010"/>
+                    <a:pt x="758174" y="11724"/>
+                  </a:cubicBezTo>
+                  <a:cubicBezTo>
+                    <a:pt x="762936" y="10008"/>
+                    <a:pt x="768271" y="8484"/>
+                    <a:pt x="773035" y="8866"/>
+                  </a:cubicBezTo>
+                  <a:cubicBezTo>
+                    <a:pt x="800276" y="11152"/>
+                    <a:pt x="827329" y="14390"/>
+                    <a:pt x="854379" y="16866"/>
+                  </a:cubicBezTo>
+                  <a:cubicBezTo>
+                    <a:pt x="878956" y="19152"/>
+                    <a:pt x="903722" y="19914"/>
+                    <a:pt x="915343" y="47919"/>
+                  </a:cubicBezTo>
+                  <a:cubicBezTo>
+                    <a:pt x="917059" y="52301"/>
+                    <a:pt x="922773" y="55539"/>
+                    <a:pt x="927155" y="58397"/>
+                  </a:cubicBezTo>
+                  <a:cubicBezTo>
+                    <a:pt x="994785" y="102405"/>
+                    <a:pt x="1030980" y="101261"/>
+                    <a:pt x="1097087" y="54777"/>
+                  </a:cubicBezTo>
+                  <a:cubicBezTo>
+                    <a:pt x="1103945" y="50015"/>
+                    <a:pt x="1118613" y="46585"/>
+                    <a:pt x="1123185" y="50395"/>
+                  </a:cubicBezTo>
+                  <a:cubicBezTo>
+                    <a:pt x="1162049" y="82020"/>
+                    <a:pt x="1204532" y="78590"/>
+                    <a:pt x="1249302" y="68684"/>
+                  </a:cubicBezTo>
+                  <a:cubicBezTo>
+                    <a:pt x="1260922" y="66018"/>
+                    <a:pt x="1277307" y="66018"/>
+                    <a:pt x="1286069" y="72304"/>
+                  </a:cubicBezTo>
+                  <a:cubicBezTo>
+                    <a:pt x="1327790" y="101451"/>
+                    <a:pt x="1372560" y="97261"/>
+                    <a:pt x="1417899" y="88688"/>
+                  </a:cubicBezTo>
+                  <a:cubicBezTo>
+                    <a:pt x="1424948" y="87354"/>
+                    <a:pt x="1433522" y="80114"/>
+                    <a:pt x="1436568" y="73448"/>
+                  </a:cubicBezTo>
+                  <a:cubicBezTo>
+                    <a:pt x="1447428" y="49825"/>
+                    <a:pt x="1467813" y="41823"/>
+                    <a:pt x="1490292" y="35154"/>
+                  </a:cubicBezTo>
+                  <a:cubicBezTo>
+                    <a:pt x="1525727" y="24296"/>
+                    <a:pt x="1560588" y="11532"/>
+                    <a:pt x="1596213" y="1245"/>
+                  </a:cubicBezTo>
+                  <a:cubicBezTo>
+                    <a:pt x="1604978" y="-1231"/>
+                    <a:pt x="1615836" y="293"/>
+                    <a:pt x="1624980" y="3150"/>
+                  </a:cubicBezTo>
+                  <a:cubicBezTo>
+                    <a:pt x="1656223" y="12866"/>
+                    <a:pt x="1676036" y="37251"/>
+                    <a:pt x="1697753" y="59731"/>
+                  </a:cubicBezTo>
+                  <a:cubicBezTo>
+                    <a:pt x="1707279" y="69638"/>
+                    <a:pt x="1720423" y="76686"/>
+                    <a:pt x="1733188" y="82400"/>
+                  </a:cubicBezTo>
+                  <a:cubicBezTo>
+                    <a:pt x="1766335" y="97071"/>
+                    <a:pt x="1800246" y="110215"/>
+                    <a:pt x="1833775" y="124121"/>
+                  </a:cubicBezTo>
+                  <a:cubicBezTo>
+                    <a:pt x="1837013" y="125455"/>
+                    <a:pt x="1839679" y="128884"/>
+                    <a:pt x="1842158" y="131742"/>
+                  </a:cubicBezTo>
+                  <a:cubicBezTo>
+                    <a:pt x="1866922" y="161843"/>
+                    <a:pt x="1891497" y="192132"/>
+                    <a:pt x="1916454" y="222233"/>
+                  </a:cubicBezTo>
+                  <a:cubicBezTo>
+                    <a:pt x="1921216" y="227947"/>
+                    <a:pt x="1928076" y="232139"/>
+                    <a:pt x="1933219" y="237663"/>
+                  </a:cubicBezTo>
+                  <a:cubicBezTo>
+                    <a:pt x="1940459" y="245283"/>
+                    <a:pt x="1949603" y="252524"/>
+                    <a:pt x="1953413" y="261668"/>
+                  </a:cubicBezTo>
+                  <a:cubicBezTo>
+                    <a:pt x="1965224" y="290433"/>
+                    <a:pt x="1987894" y="302817"/>
+                    <a:pt x="2016469" y="308151"/>
+                  </a:cubicBezTo>
+                  <a:cubicBezTo>
+                    <a:pt x="2042570" y="313104"/>
+                    <a:pt x="2068669" y="317296"/>
+                    <a:pt x="2094578" y="323010"/>
+                  </a:cubicBezTo>
+                  <a:cubicBezTo>
+                    <a:pt x="2126201" y="329868"/>
+                    <a:pt x="2157636" y="337298"/>
+                    <a:pt x="2188879" y="345681"/>
+                  </a:cubicBezTo>
+                  <a:cubicBezTo>
+                    <a:pt x="2202404" y="349301"/>
+                    <a:pt x="2216692" y="353491"/>
+                    <a:pt x="2228314" y="360921"/>
+                  </a:cubicBezTo>
+                  <a:cubicBezTo>
+                    <a:pt x="2260890" y="381496"/>
+                    <a:pt x="2295753" y="395402"/>
+                    <a:pt x="2334044" y="389878"/>
+                  </a:cubicBezTo>
+                  <a:cubicBezTo>
+                    <a:pt x="2364715" y="385496"/>
+                    <a:pt x="2390434" y="396736"/>
+                    <a:pt x="2409485" y="414263"/>
+                  </a:cubicBezTo>
+                  <a:cubicBezTo>
+                    <a:pt x="2444158" y="446078"/>
+                    <a:pt x="2481305" y="438838"/>
+                    <a:pt x="2518264" y="428552"/>
+                  </a:cubicBezTo>
+                  <a:cubicBezTo>
+                    <a:pt x="2537315" y="423217"/>
+                    <a:pt x="2552935" y="423979"/>
+                    <a:pt x="2571034" y="429122"/>
+                  </a:cubicBezTo>
+                  <a:cubicBezTo>
+                    <a:pt x="2612945" y="441124"/>
+                    <a:pt x="2640950" y="473701"/>
+                    <a:pt x="2668001" y="502276"/>
+                  </a:cubicBezTo>
+                  <a:cubicBezTo>
+                    <a:pt x="2691054" y="526661"/>
+                    <a:pt x="2716963" y="540377"/>
+                    <a:pt x="2745348" y="550666"/>
+                  </a:cubicBezTo>
+                  <a:cubicBezTo>
+                    <a:pt x="2781163" y="563810"/>
+                    <a:pt x="2809548" y="558858"/>
+                    <a:pt x="2826694" y="527233"/>
+                  </a:cubicBezTo>
+                  <a:cubicBezTo>
+                    <a:pt x="2831457" y="518278"/>
+                    <a:pt x="2839839" y="507800"/>
+                    <a:pt x="2848793" y="505134"/>
+                  </a:cubicBezTo>
+                  <a:cubicBezTo>
+                    <a:pt x="2892037" y="491800"/>
+                    <a:pt x="2935854" y="472367"/>
+                    <a:pt x="2982148" y="484179"/>
+                  </a:cubicBezTo>
+                  <a:cubicBezTo>
+                    <a:pt x="3046158" y="500372"/>
+                    <a:pt x="3108644" y="499420"/>
+                    <a:pt x="3172654" y="483417"/>
+                  </a:cubicBezTo>
+                  <a:cubicBezTo>
+                    <a:pt x="3276480" y="457508"/>
+                    <a:pt x="3380305" y="430076"/>
+                    <a:pt x="3489467" y="435790"/>
+                  </a:cubicBezTo>
+                  <a:cubicBezTo>
+                    <a:pt x="3507563" y="436742"/>
+                    <a:pt x="3529090" y="425121"/>
+                    <a:pt x="3544713" y="413691"/>
+                  </a:cubicBezTo>
+                  <a:cubicBezTo>
+                    <a:pt x="3574622" y="391974"/>
+                    <a:pt x="3573288" y="390258"/>
+                    <a:pt x="3606817" y="408167"/>
+                  </a:cubicBezTo>
+                  <a:cubicBezTo>
+                    <a:pt x="3614819" y="412549"/>
+                    <a:pt x="3624725" y="415215"/>
+                    <a:pt x="3630632" y="421693"/>
+                  </a:cubicBezTo>
+                  <a:cubicBezTo>
+                    <a:pt x="3660731" y="454650"/>
+                    <a:pt x="3697880" y="446648"/>
+                    <a:pt x="3734837" y="441886"/>
+                  </a:cubicBezTo>
+                  <a:cubicBezTo>
+                    <a:pt x="3741315" y="440934"/>
+                    <a:pt x="3749125" y="439600"/>
+                    <a:pt x="3754652" y="442268"/>
+                  </a:cubicBezTo>
+                  <a:cubicBezTo>
+                    <a:pt x="3779607" y="454268"/>
+                    <a:pt x="3800753" y="450078"/>
+                    <a:pt x="3822472" y="433694"/>
+                  </a:cubicBezTo>
+                  <a:cubicBezTo>
+                    <a:pt x="3841331" y="419597"/>
+                    <a:pt x="3863049" y="411215"/>
+                    <a:pt x="3885338" y="428742"/>
+                  </a:cubicBezTo>
+                  <a:cubicBezTo>
+                    <a:pt x="3934870" y="467605"/>
+                    <a:pt x="3987829" y="469509"/>
+                    <a:pt x="4043839" y="444934"/>
+                  </a:cubicBezTo>
+                  <a:cubicBezTo>
+                    <a:pt x="4083845" y="427407"/>
+                    <a:pt x="4123280" y="423407"/>
+                    <a:pt x="4165383" y="441124"/>
+                  </a:cubicBezTo>
+                  <a:cubicBezTo>
+                    <a:pt x="4181576" y="447982"/>
+                    <a:pt x="4202531" y="443410"/>
+                    <a:pt x="4221391" y="444934"/>
+                  </a:cubicBezTo>
+                  <a:cubicBezTo>
+                    <a:pt x="4232060" y="445696"/>
+                    <a:pt x="4243872" y="445886"/>
+                    <a:pt x="4253014" y="450650"/>
+                  </a:cubicBezTo>
+                  <a:cubicBezTo>
+                    <a:pt x="4277401" y="462843"/>
+                    <a:pt x="4300070" y="478463"/>
+                    <a:pt x="4324645" y="490466"/>
+                  </a:cubicBezTo>
+                  <a:cubicBezTo>
+                    <a:pt x="4336457" y="496180"/>
+                    <a:pt x="4350554" y="499228"/>
+                    <a:pt x="4363890" y="499420"/>
+                  </a:cubicBezTo>
+                  <a:cubicBezTo>
+                    <a:pt x="4403325" y="500372"/>
+                    <a:pt x="4442761" y="500372"/>
+                    <a:pt x="4482004" y="498658"/>
+                  </a:cubicBezTo>
+                  <a:cubicBezTo>
+                    <a:pt x="4546776" y="495990"/>
+                    <a:pt x="4612500" y="495418"/>
+                    <a:pt x="4659174" y="438648"/>
+                  </a:cubicBezTo>
+                  <a:cubicBezTo>
+                    <a:pt x="4662986" y="434076"/>
+                    <a:pt x="4671176" y="431408"/>
+                    <a:pt x="4677655" y="430646"/>
+                  </a:cubicBezTo>
+                  <a:cubicBezTo>
+                    <a:pt x="4707564" y="427027"/>
+                    <a:pt x="4738235" y="426645"/>
+                    <a:pt x="4767764" y="420739"/>
+                  </a:cubicBezTo>
+                  <a:cubicBezTo>
+                    <a:pt x="4791386" y="415977"/>
+                    <a:pt x="4811009" y="417501"/>
+                    <a:pt x="4828916" y="434266"/>
+                  </a:cubicBezTo>
+                  <a:cubicBezTo>
+                    <a:pt x="4852348" y="456364"/>
+                    <a:pt x="4880925" y="469319"/>
+                    <a:pt x="4912168" y="462271"/>
+                  </a:cubicBezTo>
+                  <a:cubicBezTo>
+                    <a:pt x="4943409" y="455412"/>
+                    <a:pt x="4963984" y="470271"/>
+                    <a:pt x="4987037" y="485703"/>
+                  </a:cubicBezTo>
+                  <a:cubicBezTo>
+                    <a:pt x="5003801" y="496942"/>
+                    <a:pt x="5022852" y="511040"/>
+                    <a:pt x="5041521" y="512182"/>
+                  </a:cubicBezTo>
+                  <a:cubicBezTo>
+                    <a:pt x="5083814" y="514658"/>
+                    <a:pt x="5120201" y="553904"/>
+                    <a:pt x="5166113" y="531615"/>
+                  </a:cubicBezTo>
+                  <a:cubicBezTo>
+                    <a:pt x="5169161" y="530091"/>
+                    <a:pt x="5174685" y="533901"/>
+                    <a:pt x="5179067" y="534853"/>
+                  </a:cubicBezTo>
+                  <a:cubicBezTo>
+                    <a:pt x="5214121" y="542093"/>
+                    <a:pt x="5247078" y="535043"/>
+                    <a:pt x="5272796" y="511230"/>
+                  </a:cubicBezTo>
+                  <a:cubicBezTo>
+                    <a:pt x="5306516" y="480177"/>
+                    <a:pt x="5343855" y="477129"/>
+                    <a:pt x="5385384" y="487227"/>
+                  </a:cubicBezTo>
+                  <a:cubicBezTo>
+                    <a:pt x="5398721" y="490466"/>
+                    <a:pt x="5412057" y="492752"/>
+                    <a:pt x="5425582" y="495418"/>
+                  </a:cubicBezTo>
+                  <a:cubicBezTo>
+                    <a:pt x="5443870" y="499228"/>
+                    <a:pt x="5462351" y="503230"/>
+                    <a:pt x="5480637" y="507040"/>
+                  </a:cubicBezTo>
+                  <a:cubicBezTo>
+                    <a:pt x="5498356" y="510850"/>
+                    <a:pt x="5517979" y="517326"/>
+                    <a:pt x="5531693" y="500944"/>
+                  </a:cubicBezTo>
+                  <a:cubicBezTo>
+                    <a:pt x="5543506" y="486845"/>
+                    <a:pt x="5551888" y="488179"/>
+                    <a:pt x="5562746" y="500372"/>
+                  </a:cubicBezTo>
+                  <a:cubicBezTo>
+                    <a:pt x="5600467" y="543045"/>
+                    <a:pt x="5646189" y="569716"/>
+                    <a:pt x="5704483" y="571620"/>
+                  </a:cubicBezTo>
+                  <a:cubicBezTo>
+                    <a:pt x="5716485" y="572002"/>
+                    <a:pt x="5728678" y="574668"/>
+                    <a:pt x="5740488" y="577526"/>
+                  </a:cubicBezTo>
+                  <a:cubicBezTo>
+                    <a:pt x="5747728" y="579241"/>
+                    <a:pt x="5756493" y="581147"/>
+                    <a:pt x="5760873" y="586291"/>
+                  </a:cubicBezTo>
+                  <a:cubicBezTo>
+                    <a:pt x="5794974" y="625534"/>
+                    <a:pt x="5837457" y="652777"/>
+                    <a:pt x="5883751" y="674686"/>
+                  </a:cubicBezTo>
+                  <a:cubicBezTo>
+                    <a:pt x="5900323" y="682496"/>
+                    <a:pt x="5918042" y="690306"/>
+                    <a:pt x="5935949" y="692592"/>
+                  </a:cubicBezTo>
+                  <a:cubicBezTo>
+                    <a:pt x="5954617" y="694878"/>
+                    <a:pt x="5974240" y="691068"/>
+                    <a:pt x="5993291" y="688972"/>
+                  </a:cubicBezTo>
+                  <a:cubicBezTo>
+                    <a:pt x="6004531" y="687830"/>
+                    <a:pt x="6017485" y="688020"/>
+                    <a:pt x="6026440" y="682496"/>
+                  </a:cubicBezTo>
+                  <a:cubicBezTo>
+                    <a:pt x="6054825" y="665159"/>
+                    <a:pt x="6082258" y="646491"/>
+                    <a:pt x="6108738" y="626296"/>
+                  </a:cubicBezTo>
+                  <a:cubicBezTo>
+                    <a:pt x="6131409" y="608960"/>
+                    <a:pt x="6135981" y="606483"/>
+                    <a:pt x="6155602" y="628202"/>
+                  </a:cubicBezTo>
+                  <a:cubicBezTo>
+                    <a:pt x="6175797" y="650491"/>
+                    <a:pt x="6200944" y="662111"/>
+                    <a:pt x="6228756" y="666873"/>
+                  </a:cubicBezTo>
+                  <a:cubicBezTo>
+                    <a:pt x="6272764" y="674304"/>
+                    <a:pt x="6317151" y="680590"/>
+                    <a:pt x="6361539" y="684210"/>
+                  </a:cubicBezTo>
+                  <a:cubicBezTo>
+                    <a:pt x="6401736" y="687448"/>
+                    <a:pt x="6420977" y="669922"/>
+                    <a:pt x="6428979" y="630106"/>
+                  </a:cubicBezTo>
+                  <a:cubicBezTo>
+                    <a:pt x="6433551" y="608007"/>
+                    <a:pt x="6439458" y="584003"/>
+                    <a:pt x="6463840" y="578098"/>
+                  </a:cubicBezTo>
+                  <a:cubicBezTo>
+                    <a:pt x="6503658" y="568572"/>
+                    <a:pt x="6544997" y="564382"/>
+                    <a:pt x="6564620" y="517708"/>
+                  </a:cubicBezTo>
+                  <a:cubicBezTo>
+                    <a:pt x="6575478" y="527995"/>
+                    <a:pt x="6582146" y="534091"/>
+                    <a:pt x="6588625" y="540187"/>
+                  </a:cubicBezTo>
+                  <a:cubicBezTo>
+                    <a:pt x="6606531" y="557142"/>
+                    <a:pt x="6643678" y="564382"/>
+                    <a:pt x="6662541" y="549714"/>
+                  </a:cubicBezTo>
+                  <a:cubicBezTo>
+                    <a:pt x="6690354" y="528377"/>
+                    <a:pt x="6715883" y="532377"/>
+                    <a:pt x="6742552" y="548952"/>
+                  </a:cubicBezTo>
+                  <a:cubicBezTo>
+                    <a:pt x="6764841" y="562668"/>
+                    <a:pt x="6788417" y="567954"/>
+                    <a:pt x="6812063" y="568430"/>
+                  </a:cubicBezTo>
+                  <a:lnTo>
+                    <a:pt x="6858001" y="562267"/>
+                  </a:lnTo>
+                  <a:lnTo>
+                    <a:pt x="6858001" y="734520"/>
+                  </a:lnTo>
+                  <a:lnTo>
+                    <a:pt x="6815516" y="744220"/>
+                  </a:lnTo>
+                  <a:cubicBezTo>
+                    <a:pt x="6793035" y="749744"/>
+                    <a:pt x="6771319" y="759651"/>
+                    <a:pt x="6748458" y="763271"/>
+                  </a:cubicBezTo>
+                  <a:cubicBezTo>
+                    <a:pt x="6694164" y="771843"/>
+                    <a:pt x="6639488" y="777939"/>
+                    <a:pt x="6584812" y="784797"/>
+                  </a:cubicBezTo>
+                  <a:cubicBezTo>
+                    <a:pt x="6528424" y="791846"/>
+                    <a:pt x="6472225" y="799276"/>
+                    <a:pt x="6415833" y="805562"/>
+                  </a:cubicBezTo>
+                  <a:cubicBezTo>
+                    <a:pt x="6384972" y="808802"/>
+                    <a:pt x="6353919" y="809372"/>
+                    <a:pt x="6323058" y="812420"/>
+                  </a:cubicBezTo>
+                  <a:cubicBezTo>
+                    <a:pt x="6296005" y="815088"/>
+                    <a:pt x="6269144" y="820041"/>
+                    <a:pt x="6242093" y="823281"/>
+                  </a:cubicBezTo>
+                  <a:cubicBezTo>
+                    <a:pt x="6218660" y="825947"/>
+                    <a:pt x="6195037" y="827471"/>
+                    <a:pt x="6171605" y="830139"/>
+                  </a:cubicBezTo>
+                  <a:cubicBezTo>
+                    <a:pt x="6134075" y="834519"/>
+                    <a:pt x="6096736" y="839473"/>
+                    <a:pt x="6059397" y="844045"/>
+                  </a:cubicBezTo>
+                  <a:cubicBezTo>
+                    <a:pt x="6043776" y="845759"/>
+                    <a:pt x="6027392" y="850522"/>
+                    <a:pt x="6012723" y="847665"/>
+                  </a:cubicBezTo>
+                  <a:cubicBezTo>
+                    <a:pt x="5975764" y="840425"/>
+                    <a:pt x="5939377" y="842521"/>
+                    <a:pt x="5902610" y="847473"/>
+                  </a:cubicBezTo>
+                  <a:cubicBezTo>
+                    <a:pt x="5890037" y="849190"/>
+                    <a:pt x="5876511" y="848808"/>
+                    <a:pt x="5864318" y="845569"/>
+                  </a:cubicBezTo>
+                  <a:cubicBezTo>
+                    <a:pt x="5839361" y="839091"/>
+                    <a:pt x="5815169" y="829947"/>
+                    <a:pt x="5790592" y="821947"/>
+                  </a:cubicBezTo>
+                  <a:cubicBezTo>
+                    <a:pt x="5787924" y="820995"/>
+                    <a:pt x="5784686" y="820803"/>
+                    <a:pt x="5781830" y="820233"/>
+                  </a:cubicBezTo>
+                  <a:cubicBezTo>
+                    <a:pt x="5765635" y="816992"/>
+                    <a:pt x="5749634" y="813754"/>
+                    <a:pt x="5733440" y="810896"/>
+                  </a:cubicBezTo>
+                  <a:cubicBezTo>
+                    <a:pt x="5724678" y="809372"/>
+                    <a:pt x="5715723" y="809182"/>
+                    <a:pt x="5706959" y="807848"/>
+                  </a:cubicBezTo>
+                  <a:cubicBezTo>
+                    <a:pt x="5673050" y="802514"/>
+                    <a:pt x="5635711" y="811468"/>
+                    <a:pt x="5606372" y="788417"/>
+                  </a:cubicBezTo>
+                  <a:cubicBezTo>
+                    <a:pt x="5587321" y="773557"/>
+                    <a:pt x="5568842" y="776987"/>
+                    <a:pt x="5548460" y="779273"/>
+                  </a:cubicBezTo>
+                  <a:cubicBezTo>
+                    <a:pt x="5533027" y="780987"/>
+                    <a:pt x="5517215" y="780415"/>
+                    <a:pt x="5501594" y="780607"/>
+                  </a:cubicBezTo>
+                  <a:cubicBezTo>
+                    <a:pt x="5474161" y="781177"/>
+                    <a:pt x="5446728" y="781369"/>
+                    <a:pt x="5419295" y="782321"/>
+                  </a:cubicBezTo>
+                  <a:cubicBezTo>
+                    <a:pt x="5410531" y="782701"/>
+                    <a:pt x="5401579" y="787465"/>
+                    <a:pt x="5393005" y="786703"/>
+                  </a:cubicBezTo>
+                  <a:cubicBezTo>
+                    <a:pt x="5353379" y="783083"/>
+                    <a:pt x="5313754" y="777367"/>
+                    <a:pt x="5274129" y="774129"/>
+                  </a:cubicBezTo>
+                  <a:cubicBezTo>
+                    <a:pt x="5251650" y="772225"/>
+                    <a:pt x="5228597" y="775843"/>
+                    <a:pt x="5206308" y="773177"/>
+                  </a:cubicBezTo>
+                  <a:cubicBezTo>
+                    <a:pt x="5180591" y="770129"/>
+                    <a:pt x="5155445" y="762319"/>
+                    <a:pt x="5129916" y="757554"/>
+                  </a:cubicBezTo>
+                  <a:cubicBezTo>
+                    <a:pt x="5122867" y="756222"/>
+                    <a:pt x="5115057" y="757936"/>
+                    <a:pt x="5107627" y="758316"/>
+                  </a:cubicBezTo>
+                  <a:cubicBezTo>
+                    <a:pt x="5099245" y="758699"/>
+                    <a:pt x="5091052" y="759461"/>
+                    <a:pt x="5082670" y="759651"/>
+                  </a:cubicBezTo>
+                  <a:cubicBezTo>
+                    <a:pt x="5057141" y="760033"/>
+                    <a:pt x="5031614" y="759461"/>
+                    <a:pt x="5006086" y="760795"/>
+                  </a:cubicBezTo>
+                  <a:cubicBezTo>
+                    <a:pt x="4990465" y="761557"/>
+                    <a:pt x="4974082" y="769367"/>
+                    <a:pt x="4959602" y="766509"/>
+                  </a:cubicBezTo>
+                  <a:cubicBezTo>
+                    <a:pt x="4930075" y="760985"/>
+                    <a:pt x="4900546" y="773367"/>
+                    <a:pt x="4871019" y="763081"/>
+                  </a:cubicBezTo>
+                  <a:cubicBezTo>
+                    <a:pt x="4861873" y="760033"/>
+                    <a:pt x="4849300" y="767653"/>
+                    <a:pt x="4838250" y="768033"/>
+                  </a:cubicBezTo>
+                  <a:cubicBezTo>
+                    <a:pt x="4810627" y="768985"/>
+                    <a:pt x="4783004" y="768795"/>
+                    <a:pt x="4755381" y="768605"/>
+                  </a:cubicBezTo>
+                  <a:cubicBezTo>
+                    <a:pt x="4730614" y="768415"/>
+                    <a:pt x="4704895" y="771081"/>
+                    <a:pt x="4681083" y="765747"/>
+                  </a:cubicBezTo>
+                  <a:cubicBezTo>
+                    <a:pt x="4656126" y="760033"/>
+                    <a:pt x="4633647" y="760795"/>
+                    <a:pt x="4609452" y="767271"/>
+                  </a:cubicBezTo>
+                  <a:cubicBezTo>
+                    <a:pt x="4592878" y="771653"/>
+                    <a:pt x="4575351" y="772225"/>
+                    <a:pt x="4558207" y="773557"/>
+                  </a:cubicBezTo>
+                  <a:cubicBezTo>
+                    <a:pt x="4539728" y="775081"/>
+                    <a:pt x="4519343" y="771081"/>
+                    <a:pt x="4502579" y="777367"/>
+                  </a:cubicBezTo>
+                  <a:cubicBezTo>
+                    <a:pt x="4452665" y="796038"/>
+                    <a:pt x="4401419" y="800038"/>
+                    <a:pt x="4349222" y="800038"/>
+                  </a:cubicBezTo>
+                  <a:cubicBezTo>
+                    <a:pt x="4339695" y="800038"/>
+                    <a:pt x="4329979" y="797372"/>
+                    <a:pt x="4320837" y="794514"/>
+                  </a:cubicBezTo>
+                  <a:cubicBezTo>
+                    <a:pt x="4267493" y="777367"/>
+                    <a:pt x="4213961" y="778891"/>
+                    <a:pt x="4159667" y="789370"/>
+                  </a:cubicBezTo>
+                  <a:cubicBezTo>
+                    <a:pt x="4148427" y="791656"/>
+                    <a:pt x="4135854" y="792038"/>
+                    <a:pt x="4124614" y="789752"/>
+                  </a:cubicBezTo>
+                  <a:cubicBezTo>
+                    <a:pt x="4092989" y="783083"/>
+                    <a:pt x="4062318" y="772033"/>
+                    <a:pt x="4030503" y="767271"/>
+                  </a:cubicBezTo>
+                  <a:cubicBezTo>
+                    <a:pt x="3977925" y="759461"/>
+                    <a:pt x="3932394" y="785749"/>
+                    <a:pt x="3885338" y="802896"/>
+                  </a:cubicBezTo>
+                  <a:cubicBezTo>
+                    <a:pt x="3840569" y="819089"/>
+                    <a:pt x="3802467" y="855666"/>
+                    <a:pt x="3749506" y="847473"/>
+                  </a:cubicBezTo>
+                  <a:cubicBezTo>
+                    <a:pt x="3744173" y="846711"/>
+                    <a:pt x="3738267" y="851856"/>
+                    <a:pt x="3732361" y="853190"/>
+                  </a:cubicBezTo>
+                  <a:cubicBezTo>
+                    <a:pt x="3716168" y="856810"/>
+                    <a:pt x="3699976" y="861190"/>
+                    <a:pt x="3683591" y="862906"/>
+                  </a:cubicBezTo>
+                  <a:cubicBezTo>
+                    <a:pt x="3663589" y="865192"/>
+                    <a:pt x="3643204" y="864430"/>
+                    <a:pt x="3623201" y="866334"/>
+                  </a:cubicBezTo>
+                  <a:cubicBezTo>
+                    <a:pt x="3597482" y="868620"/>
+                    <a:pt x="3572146" y="874716"/>
+                    <a:pt x="3546617" y="874716"/>
+                  </a:cubicBezTo>
+                  <a:cubicBezTo>
+                    <a:pt x="3526042" y="874716"/>
+                    <a:pt x="3505657" y="867668"/>
+                    <a:pt x="3485275" y="864238"/>
+                  </a:cubicBezTo>
+                  <a:cubicBezTo>
+                    <a:pt x="3456508" y="859476"/>
+                    <a:pt x="3424883" y="860810"/>
+                    <a:pt x="3399546" y="848618"/>
+                  </a:cubicBezTo>
+                  <a:cubicBezTo>
+                    <a:pt x="3372495" y="835663"/>
+                    <a:pt x="3346776" y="829757"/>
+                    <a:pt x="3318771" y="833757"/>
+                  </a:cubicBezTo>
+                  <a:cubicBezTo>
+                    <a:pt x="3309437" y="835091"/>
+                    <a:pt x="3297434" y="843093"/>
+                    <a:pt x="3293244" y="851284"/>
+                  </a:cubicBezTo>
+                  <a:cubicBezTo>
+                    <a:pt x="3283908" y="869572"/>
+                    <a:pt x="3271145" y="872812"/>
+                    <a:pt x="3253809" y="866524"/>
+                  </a:cubicBezTo>
+                  <a:cubicBezTo>
+                    <a:pt x="3238758" y="861190"/>
+                    <a:pt x="3220280" y="858524"/>
+                    <a:pt x="3209993" y="848235"/>
+                  </a:cubicBezTo>
+                  <a:cubicBezTo>
+                    <a:pt x="3180844" y="819089"/>
+                    <a:pt x="3143695" y="818136"/>
+                    <a:pt x="3107500" y="810326"/>
+                  </a:cubicBezTo>
+                  <a:cubicBezTo>
+                    <a:pt x="3085403" y="805562"/>
+                    <a:pt x="3064827" y="805372"/>
+                    <a:pt x="3042728" y="808610"/>
+                  </a:cubicBezTo>
+                  <a:cubicBezTo>
+                    <a:pt x="2994722" y="815850"/>
+                    <a:pt x="2948047" y="805562"/>
+                    <a:pt x="2901943" y="792418"/>
+                  </a:cubicBezTo>
+                  <a:cubicBezTo>
+                    <a:pt x="2871462" y="783655"/>
+                    <a:pt x="2840219" y="778321"/>
+                    <a:pt x="2809930" y="769367"/>
+                  </a:cubicBezTo>
+                  <a:cubicBezTo>
+                    <a:pt x="2787259" y="762509"/>
+                    <a:pt x="2764590" y="754316"/>
+                    <a:pt x="2743826" y="743268"/>
+                  </a:cubicBezTo>
+                  <a:cubicBezTo>
+                    <a:pt x="2713723" y="727073"/>
+                    <a:pt x="2687436" y="702689"/>
+                    <a:pt x="2649143" y="709167"/>
+                  </a:cubicBezTo>
+                  <a:cubicBezTo>
+                    <a:pt x="2615421" y="714881"/>
+                    <a:pt x="2584942" y="702881"/>
+                    <a:pt x="2554079" y="691450"/>
+                  </a:cubicBezTo>
+                  <a:cubicBezTo>
+                    <a:pt x="2531409" y="683068"/>
+                    <a:pt x="2508742" y="674494"/>
+                    <a:pt x="2485307" y="669160"/>
+                  </a:cubicBezTo>
+                  <a:cubicBezTo>
+                    <a:pt x="2457492" y="662873"/>
+                    <a:pt x="2426059" y="665541"/>
+                    <a:pt x="2401292" y="653919"/>
+                  </a:cubicBezTo>
+                  <a:cubicBezTo>
+                    <a:pt x="2375383" y="641727"/>
+                    <a:pt x="2353859" y="649919"/>
+                    <a:pt x="2330806" y="653349"/>
+                  </a:cubicBezTo>
+                  <a:cubicBezTo>
+                    <a:pt x="2294039" y="658683"/>
+                    <a:pt x="2257459" y="668590"/>
+                    <a:pt x="2220312" y="656015"/>
+                  </a:cubicBezTo>
+                  <a:cubicBezTo>
+                    <a:pt x="2175163" y="640775"/>
+                    <a:pt x="2130393" y="624392"/>
+                    <a:pt x="2085054" y="609914"/>
+                  </a:cubicBezTo>
+                  <a:cubicBezTo>
+                    <a:pt x="2067525" y="604387"/>
+                    <a:pt x="2048668" y="602101"/>
+                    <a:pt x="2030378" y="599625"/>
+                  </a:cubicBezTo>
+                  <a:cubicBezTo>
+                    <a:pt x="2013043" y="597529"/>
+                    <a:pt x="1992279" y="602863"/>
+                    <a:pt x="1978940" y="594863"/>
+                  </a:cubicBezTo>
+                  <a:cubicBezTo>
+                    <a:pt x="1944649" y="574288"/>
+                    <a:pt x="1909408" y="564192"/>
+                    <a:pt x="1869780" y="564192"/>
+                  </a:cubicBezTo>
+                  <a:cubicBezTo>
+                    <a:pt x="1854920" y="564192"/>
+                    <a:pt x="1840441" y="555618"/>
+                    <a:pt x="1825393" y="554094"/>
+                  </a:cubicBezTo>
+                  <a:cubicBezTo>
+                    <a:pt x="1804816" y="552190"/>
+                    <a:pt x="1781194" y="547045"/>
+                    <a:pt x="1763287" y="554286"/>
+                  </a:cubicBezTo>
+                  <a:cubicBezTo>
+                    <a:pt x="1721185" y="571430"/>
+                    <a:pt x="1687086" y="557142"/>
+                    <a:pt x="1650317" y="540187"/>
+                  </a:cubicBezTo>
+                  <a:cubicBezTo>
+                    <a:pt x="1614120" y="523423"/>
+                    <a:pt x="1576019" y="510088"/>
+                    <a:pt x="1537537" y="499038"/>
+                  </a:cubicBezTo>
+                  <a:cubicBezTo>
+                    <a:pt x="1523059" y="495038"/>
+                    <a:pt x="1505724" y="501706"/>
+                    <a:pt x="1489720" y="503038"/>
+                  </a:cubicBezTo>
+                  <a:cubicBezTo>
+                    <a:pt x="1484004" y="503420"/>
+                    <a:pt x="1477717" y="503992"/>
+                    <a:pt x="1472575" y="502086"/>
+                  </a:cubicBezTo>
+                  <a:cubicBezTo>
+                    <a:pt x="1422854" y="483797"/>
+                    <a:pt x="1372368" y="469891"/>
+                    <a:pt x="1318456" y="479415"/>
+                  </a:cubicBezTo>
+                  <a:cubicBezTo>
+                    <a:pt x="1313504" y="480369"/>
+                    <a:pt x="1307978" y="478273"/>
+                    <a:pt x="1303024" y="476939"/>
+                  </a:cubicBezTo>
+                  <a:cubicBezTo>
+                    <a:pt x="1278829" y="470081"/>
+                    <a:pt x="1255206" y="459223"/>
+                    <a:pt x="1230633" y="456746"/>
+                  </a:cubicBezTo>
+                  <a:cubicBezTo>
+                    <a:pt x="1170051" y="450650"/>
+                    <a:pt x="1109091" y="448172"/>
+                    <a:pt x="1048125" y="444172"/>
+                  </a:cubicBezTo>
+                  <a:cubicBezTo>
+                    <a:pt x="1044315" y="443982"/>
+                    <a:pt x="1040315" y="443982"/>
+                    <a:pt x="1036887" y="442648"/>
+                  </a:cubicBezTo>
+                  <a:cubicBezTo>
+                    <a:pt x="1014406" y="434456"/>
+                    <a:pt x="994785" y="437124"/>
+                    <a:pt x="975733" y="452744"/>
+                  </a:cubicBezTo>
+                  <a:cubicBezTo>
+                    <a:pt x="967350" y="459603"/>
+                    <a:pt x="955920" y="463223"/>
+                    <a:pt x="945444" y="467033"/>
+                  </a:cubicBezTo>
+                  <a:cubicBezTo>
+                    <a:pt x="930011" y="472749"/>
+                    <a:pt x="914200" y="478273"/>
+                    <a:pt x="898198" y="481893"/>
+                  </a:cubicBezTo>
+                  <a:cubicBezTo>
+                    <a:pt x="882384" y="485321"/>
+                    <a:pt x="865430" y="490084"/>
+                    <a:pt x="850189" y="487417"/>
+                  </a:cubicBezTo>
+                  <a:cubicBezTo>
+                    <a:pt x="822756" y="482655"/>
+                    <a:pt x="796655" y="471987"/>
+                    <a:pt x="769605" y="464937"/>
+                  </a:cubicBezTo>
+                  <a:cubicBezTo>
+                    <a:pt x="760270" y="462461"/>
+                    <a:pt x="749982" y="462843"/>
+                    <a:pt x="740268" y="462651"/>
+                  </a:cubicBezTo>
+                  <a:cubicBezTo>
+                    <a:pt x="717977" y="462081"/>
+                    <a:pt x="695116" y="467605"/>
+                    <a:pt x="674923" y="451792"/>
+                  </a:cubicBezTo>
+                  <a:cubicBezTo>
+                    <a:pt x="656255" y="436934"/>
+                    <a:pt x="637392" y="441314"/>
+                    <a:pt x="617772" y="452554"/>
+                  </a:cubicBezTo>
+                  <a:cubicBezTo>
+                    <a:pt x="603673" y="460557"/>
+                    <a:pt x="587672" y="466843"/>
+                    <a:pt x="571860" y="469891"/>
+                  </a:cubicBezTo>
+                  <a:cubicBezTo>
+                    <a:pt x="550141" y="474081"/>
+                    <a:pt x="528615" y="475797"/>
+                    <a:pt x="505182" y="473319"/>
+                  </a:cubicBezTo>
+                  <a:cubicBezTo>
+                    <a:pt x="488607" y="471605"/>
+                    <a:pt x="475081" y="470843"/>
+                    <a:pt x="462126" y="460747"/>
+                  </a:cubicBezTo>
+                  <a:cubicBezTo>
+                    <a:pt x="460032" y="459223"/>
+                    <a:pt x="456222" y="458841"/>
+                    <a:pt x="453364" y="459033"/>
+                  </a:cubicBezTo>
+                  <a:cubicBezTo>
+                    <a:pt x="415835" y="462271"/>
+                    <a:pt x="378686" y="460557"/>
+                    <a:pt x="340774" y="458268"/>
+                  </a:cubicBezTo>
+                  <a:cubicBezTo>
+                    <a:pt x="292579" y="455222"/>
+                    <a:pt x="241901" y="464175"/>
+                    <a:pt x="200182" y="496180"/>
+                  </a:cubicBezTo>
+                  <a:cubicBezTo>
+                    <a:pt x="194085" y="500944"/>
+                    <a:pt x="184941" y="503038"/>
+                    <a:pt x="176939" y="504182"/>
+                  </a:cubicBezTo>
+                  <a:cubicBezTo>
+                    <a:pt x="139219" y="509134"/>
+                    <a:pt x="101308" y="512564"/>
+                    <a:pt x="63587" y="518088"/>
+                  </a:cubicBezTo>
+                  <a:cubicBezTo>
+                    <a:pt x="43012" y="521137"/>
+                    <a:pt x="21486" y="523805"/>
+                    <a:pt x="2817" y="532187"/>
+                  </a:cubicBezTo>
+                  <a:lnTo>
+                    <a:pt x="0" y="533314"/>
+                  </a:lnTo>
+                  <a:close/>
+                </a:path>
+              </a:pathLst>
+            </a:custGeom>
+            <a:blipFill dpi="0" rotWithShape="1">
+              <a:blip r:embed="rId3">
+                <a:alphaModFix amt="57000"/>
+              </a:blip>
+              <a:srcRect/>
+              <a:tile tx="0" ty="0" sx="100000" sy="100000" flip="none" algn="tl"/>
+            </a:blipFill>
+            <a:ln>
+              <a:noFill/>
+            </a:ln>
+            <a:effectLst/>
+          </p:spPr>
+          <p:style>
+            <a:lnRef idx="2">
+              <a:schemeClr val="accent1">
+                <a:shade val="50000"/>
+              </a:schemeClr>
+            </a:lnRef>
+            <a:fillRef idx="1">
+              <a:schemeClr val="accent1"/>
+            </a:fillRef>
+            <a:effectRef idx="0">
+              <a:schemeClr val="accent1"/>
+            </a:effectRef>
+            <a:fontRef idx="minor">
+              <a:schemeClr val="lt1"/>
+            </a:fontRef>
+          </p:style>
+          <p:txBody>
+            <a:bodyPr wrap="square" rtlCol="0" anchor="ctr">
+              <a:noAutofit/>
+            </a:bodyPr>
+            <a:lstStyle/>
+            <a:p>
+              <a:pPr algn="ctr"/>
+              <a:endParaRPr lang="en-US"/>
+            </a:p>
+          </p:txBody>
+        </p:sp>
+      </p:grpSp>
+    </p:spTree>
+    <p:extLst>
+      <p:ext uri="{BB962C8B-B14F-4D97-AF65-F5344CB8AC3E}">
+        <p14:creationId xmlns:p14="http://schemas.microsoft.com/office/powerpoint/2010/main" val="585110094"/>
+      </p:ext>
+    </p:extLst>
+  </p:cSld>
+  <p:clrMapOvr>
+    <a:masterClrMapping/>
+  </p:clrMapOvr>
+</p:sld>
+</file>
+
+<file path=ppt/slides/slide2.xml><?xml version="1.0" encoding="utf-8"?>
+<p:sld xmlns:a="http://schemas.openxmlformats.org/drawingml/2006/main" xmlns:r="http://schemas.openxmlformats.org/officeDocument/2006/relationships" xmlns:p="http://schemas.openxmlformats.org/presentationml/2006/main">
+  <p:cSld>
+    <p:bg>
+      <p:bgPr>
+        <a:solidFill>
+          <a:schemeClr val="bg1"/>
+        </a:solidFill>
+        <a:effectLst/>
+      </p:bgPr>
+    </p:bg>
+    <p:spTree>
+      <p:nvGrpSpPr>
+        <p:cNvPr id="1" name=""/>
+        <p:cNvGrpSpPr/>
+        <p:nvPr/>
+      </p:nvGrpSpPr>
+      <p:grpSpPr>
+        <a:xfrm>
+          <a:off x="0" y="0"/>
+          <a:ext cx="0" cy="0"/>
+          <a:chOff x="0" y="0"/>
+          <a:chExt cx="0" cy="0"/>
+        </a:xfrm>
+      </p:grpSpPr>
+      <p:sp useBgFill="1">
+        <p:nvSpPr>
+          <p:cNvPr id="11" name="Rectangle 10">
+            <a:extLst>
+              <a:ext uri="{FF2B5EF4-FFF2-40B4-BE49-F238E27FC236}">
+                <a16:creationId xmlns:a16="http://schemas.microsoft.com/office/drawing/2014/main" id="{B95B9BA8-1D69-4796-85F5-B6D0BD52354B}"/>
+              </a:ext>
+              <a:ext uri="{C183D7F6-B498-43B3-948B-1728B52AA6E4}">
+                <adec:decorative xmlns:adec="http://schemas.microsoft.com/office/drawing/2017/decorative" val="1"/>
+              </a:ext>
+            </a:extLst>
+          </p:cNvPr>
+          <p:cNvSpPr>
+            <a:spLocks noGrp="1" noRot="1" noChangeAspect="1" noMove="1" noResize="1" noEditPoints="1" noAdjustHandles="1" noChangeArrowheads="1" noChangeShapeType="1" noTextEdit="1"/>
+          </p:cNvSpPr>
+          <p:nvPr>
+            <p:extLst>
+              <p:ext uri="{386F3935-93C4-4BCD-93E2-E3B085C9AB24}">
+                <p16:designElem xmlns:p16="http://schemas.microsoft.com/office/powerpoint/2015/main" val="1"/>
+              </p:ext>
+            </p:extLst>
+          </p:nvPr>
+        </p:nvSpPr>
+        <p:spPr>
+          <a:xfrm>
+            <a:off x="0" y="0"/>
+            <a:ext cx="12192000" cy="6858000"/>
+          </a:xfrm>
+          <a:prstGeom prst="rect">
+            <a:avLst/>
+          </a:prstGeom>
+          <a:ln w="12700" cap="flat" cmpd="sng" algn="ctr">
+            <a:noFill/>
+            <a:prstDash val="solid"/>
+            <a:miter lim="800000"/>
+          </a:ln>
+          <a:effectLst/>
+          <a:extLst>
+            <a:ext uri="{91240B29-F687-4F45-9708-019B960494DF}">
+              <a14:hiddenLine xmlns:a14="http://schemas.microsoft.com/office/drawing/2010/main" w="12700" cap="flat" cmpd="sng" algn="ctr">
+                <a:solidFill>
+                  <a:schemeClr val="accent1">
+                    <a:shade val="50000"/>
+                  </a:schemeClr>
+                </a:solidFill>
+                <a:prstDash val="solid"/>
+                <a:miter lim="800000"/>
+              </a14:hiddenLine>
+            </a:ext>
+          </a:extLst>
+        </p:spPr>
+        <p:style>
+          <a:lnRef idx="2">
+            <a:schemeClr val="accent1">
+              <a:shade val="50000"/>
+            </a:schemeClr>
+          </a:lnRef>
+          <a:fillRef idx="1">
+            <a:schemeClr val="accent1"/>
+          </a:fillRef>
+          <a:effectRef idx="0">
+            <a:schemeClr val="accent1"/>
+          </a:effectRef>
+          <a:fontRef idx="minor">
+            <a:schemeClr val="lt1"/>
+          </a:fontRef>
+        </p:style>
+        <p:txBody>
+          <a:bodyPr rtlCol="0" anchor="ctr"/>
+          <a:lstStyle/>
+          <a:p>
+            <a:pPr algn="ctr"/>
+            <a:endParaRPr lang="en-US"/>
+          </a:p>
+        </p:txBody>
+      </p:sp>
+      <p:sp>
+        <p:nvSpPr>
+          <p:cNvPr id="2" name="Título 1">
+            <a:extLst>
+              <a:ext uri="{FF2B5EF4-FFF2-40B4-BE49-F238E27FC236}">
+                <a16:creationId xmlns:a16="http://schemas.microsoft.com/office/drawing/2014/main" id="{EF52205B-7222-4706-AF89-C75B9D235ABB}"/>
+              </a:ext>
+            </a:extLst>
+          </p:cNvPr>
+          <p:cNvSpPr>
+            <a:spLocks noGrp="1"/>
+          </p:cNvSpPr>
+          <p:nvPr>
+            <p:ph type="title"/>
+          </p:nvPr>
+        </p:nvSpPr>
+        <p:spPr>
+          <a:xfrm>
+            <a:off x="854765" y="762000"/>
+            <a:ext cx="3810001" cy="1263649"/>
+          </a:xfrm>
+        </p:spPr>
+        <p:txBody>
+          <a:bodyPr vert="horz" lIns="91440" tIns="45720" rIns="91440" bIns="45720" rtlCol="0" anchor="t" anchorCtr="0">
+            <a:normAutofit/>
+          </a:bodyPr>
+          <a:lstStyle/>
+          <a:p>
+            <a:r>
+              <a:rPr lang="en-US" kern="1200" dirty="0" err="1">
+                <a:solidFill>
+                  <a:schemeClr val="tx1"/>
+                </a:solidFill>
+                <a:latin typeface="+mj-lt"/>
+                <a:ea typeface="+mj-ea"/>
+                <a:cs typeface="+mj-cs"/>
+              </a:rPr>
+              <a:t>Contexto</a:t>
+            </a:r>
+            <a:endParaRPr lang="en-US" kern="1200" dirty="0">
+              <a:solidFill>
+                <a:schemeClr val="tx1"/>
+              </a:solidFill>
+              <a:latin typeface="+mj-lt"/>
+              <a:ea typeface="+mj-ea"/>
+              <a:cs typeface="+mj-cs"/>
+            </a:endParaRPr>
+          </a:p>
+        </p:txBody>
+      </p:sp>
+      <p:pic>
+        <p:nvPicPr>
+          <p:cNvPr id="6" name="Marcador de contenido 5" descr="Diagrama&#10;&#10;Descripción generada automáticamente">
+            <a:extLst>
+              <a:ext uri="{FF2B5EF4-FFF2-40B4-BE49-F238E27FC236}">
+                <a16:creationId xmlns:a16="http://schemas.microsoft.com/office/drawing/2014/main" id="{F430DA99-8EA9-403B-A9C6-FB6042D1B8A0}"/>
+              </a:ext>
+            </a:extLst>
+          </p:cNvPr>
+          <p:cNvPicPr>
+            <a:picLocks noGrp="1" noChangeAspect="1"/>
+          </p:cNvPicPr>
+          <p:nvPr>
+            <p:ph sz="half" idx="1"/>
+          </p:nvPr>
+        </p:nvPicPr>
+        <p:blipFill>
+          <a:blip r:embed="rId2">
+            <a:extLst>
+              <a:ext uri="{28A0092B-C50C-407E-A947-70E740481C1C}">
+                <a14:useLocalDpi xmlns:a14="http://schemas.microsoft.com/office/drawing/2010/main" val="0"/>
+              </a:ext>
+            </a:extLst>
+          </a:blip>
+          <a:stretch>
+            <a:fillRect/>
+          </a:stretch>
+        </p:blipFill>
+        <p:spPr>
+          <a:xfrm>
+            <a:off x="5334000" y="1280159"/>
+            <a:ext cx="6096000" cy="4297680"/>
+          </a:xfrm>
+          <a:prstGeom prst="rect">
+            <a:avLst/>
+          </a:prstGeom>
+        </p:spPr>
+      </p:pic>
+      <p:sp>
+        <p:nvSpPr>
+          <p:cNvPr id="4" name="Marcador de contenido 3">
+            <a:extLst>
+              <a:ext uri="{FF2B5EF4-FFF2-40B4-BE49-F238E27FC236}">
+                <a16:creationId xmlns:a16="http://schemas.microsoft.com/office/drawing/2014/main" id="{8BDF2A8C-8375-4C9B-9D58-49E8A473A077}"/>
+              </a:ext>
+            </a:extLst>
+          </p:cNvPr>
+          <p:cNvSpPr>
+            <a:spLocks noGrp="1"/>
+          </p:cNvSpPr>
+          <p:nvPr>
+            <p:ph sz="half" idx="2"/>
+          </p:nvPr>
+        </p:nvSpPr>
+        <p:spPr>
+          <a:xfrm>
+            <a:off x="655984" y="2025649"/>
+            <a:ext cx="3810000" cy="3048001"/>
+          </a:xfrm>
+        </p:spPr>
+        <p:txBody>
+          <a:bodyPr vert="horz" lIns="91440" tIns="45720" rIns="91440" bIns="45720" rtlCol="0">
+            <a:normAutofit/>
+          </a:bodyPr>
+          <a:lstStyle/>
+          <a:p>
+            <a:r>
+              <a:rPr lang="en-US" dirty="0" err="1"/>
+              <a:t>Aprendizaje</a:t>
+            </a:r>
+            <a:r>
+              <a:rPr lang="en-US" dirty="0"/>
+              <a:t> </a:t>
+            </a:r>
+            <a:r>
+              <a:rPr lang="en-US" dirty="0" err="1"/>
+              <a:t>Automático</a:t>
+            </a:r>
+            <a:endParaRPr lang="en-US" dirty="0"/>
+          </a:p>
+          <a:p>
+            <a:endParaRPr lang="en-US" dirty="0"/>
+          </a:p>
+          <a:p>
+            <a:r>
+              <a:rPr lang="en-US" dirty="0" err="1"/>
+              <a:t>Datos</a:t>
+            </a:r>
+            <a:r>
+              <a:rPr lang="en-US" dirty="0"/>
+              <a:t> de entrada</a:t>
+            </a:r>
+          </a:p>
+          <a:p>
+            <a:endParaRPr lang="en-US" dirty="0"/>
+          </a:p>
+          <a:p>
+            <a:r>
+              <a:rPr lang="en-US" dirty="0" err="1"/>
+              <a:t>Sistemas</a:t>
+            </a:r>
+            <a:r>
+              <a:rPr lang="en-US" dirty="0"/>
+              <a:t> </a:t>
+            </a:r>
+            <a:r>
+              <a:rPr lang="en-US" dirty="0" err="1"/>
+              <a:t>clasificación</a:t>
+            </a:r>
+            <a:endParaRPr lang="en-US" dirty="0"/>
+          </a:p>
+          <a:p>
+            <a:endParaRPr lang="en-US" dirty="0"/>
+          </a:p>
+        </p:txBody>
+      </p:sp>
+    </p:spTree>
+    <p:extLst>
+      <p:ext uri="{BB962C8B-B14F-4D97-AF65-F5344CB8AC3E}">
+        <p14:creationId xmlns:p14="http://schemas.microsoft.com/office/powerpoint/2010/main" val="2113318173"/>
+      </p:ext>
+    </p:extLst>
+  </p:cSld>
+  <p:clrMapOvr>
+    <a:masterClrMapping/>
+  </p:clrMapOvr>
+</p:sld>
+</file>
+
+<file path=ppt/slides/slide3.xml><?xml version="1.0" encoding="utf-8"?>
+<p:sld xmlns:a="http://schemas.openxmlformats.org/drawingml/2006/main" xmlns:r="http://schemas.openxmlformats.org/officeDocument/2006/relationships" xmlns:p="http://schemas.openxmlformats.org/presentationml/2006/main">
+  <p:cSld>
     <p:spTree>
       <p:nvGrpSpPr>
         <p:cNvPr id="1" name=""/>
@@ -3326,7 +9754,7 @@
           <p:cNvPr id="2" name="Título 1">
             <a:extLst>
               <a:ext uri="{FF2B5EF4-FFF2-40B4-BE49-F238E27FC236}">
-                <a16:creationId xmlns:a16="http://schemas.microsoft.com/office/drawing/2014/main" id="{224F9496-54B9-481E-AD65-39E867C4935F}"/>
+                <a16:creationId xmlns:a16="http://schemas.microsoft.com/office/drawing/2014/main" id="{E1698ACD-092B-419F-BE3E-099D045F1799}"/>
               </a:ext>
             </a:extLst>
           </p:cNvPr>
@@ -3334,28 +9762,138 @@
             <a:spLocks noGrp="1"/>
           </p:cNvSpPr>
           <p:nvPr>
-            <p:ph type="ctrTitle"/>
+            <p:ph type="title"/>
           </p:nvPr>
         </p:nvSpPr>
-        <p:spPr/>
+        <p:spPr>
+          <a:xfrm>
+            <a:off x="1371600" y="291548"/>
+            <a:ext cx="9144000" cy="1263649"/>
+          </a:xfrm>
+        </p:spPr>
         <p:txBody>
           <a:bodyPr/>
           <a:lstStyle/>
           <a:p>
             <a:r>
-              <a:rPr lang="es-ES" dirty="0" err="1"/>
-              <a:t>pok</a:t>
+              <a:rPr lang="es-ES" dirty="0"/>
+              <a:t>Reglas Difusas</a:t>
             </a:r>
-            <a:endParaRPr lang="es-ES" dirty="0"/>
           </a:p>
         </p:txBody>
       </p:sp>
+      <p:pic>
+        <p:nvPicPr>
+          <p:cNvPr id="6" name="Marcador de contenido 5" descr="Diagrama&#10;&#10;Descripción generada automáticamente">
+            <a:extLst>
+              <a:ext uri="{FF2B5EF4-FFF2-40B4-BE49-F238E27FC236}">
+                <a16:creationId xmlns:a16="http://schemas.microsoft.com/office/drawing/2014/main" id="{BA92B0EE-9C13-4C45-8105-4E50F442BE3F}"/>
+              </a:ext>
+            </a:extLst>
+          </p:cNvPr>
+          <p:cNvPicPr>
+            <a:picLocks noGrp="1"/>
+          </p:cNvPicPr>
+          <p:nvPr>
+            <p:ph sz="half" idx="1"/>
+          </p:nvPr>
+        </p:nvPicPr>
+        <p:blipFill>
+          <a:blip r:embed="rId2">
+            <a:extLst>
+              <a:ext uri="{28A0092B-C50C-407E-A947-70E740481C1C}">
+                <a14:useLocalDpi xmlns:a14="http://schemas.microsoft.com/office/drawing/2010/main" val="0"/>
+              </a:ext>
+            </a:extLst>
+          </a:blip>
+          <a:stretch>
+            <a:fillRect/>
+          </a:stretch>
+        </p:blipFill>
+        <p:spPr>
+          <a:xfrm>
+            <a:off x="323198" y="1555197"/>
+            <a:ext cx="5881392" cy="4015409"/>
+          </a:xfrm>
+          <a:prstGeom prst="rect">
+            <a:avLst/>
+          </a:prstGeom>
+        </p:spPr>
+      </p:pic>
+      <p:pic>
+        <p:nvPicPr>
+          <p:cNvPr id="7" name="Marcador de contenido 6" descr="Diagrama&#10;&#10;Descripción generada automáticamente">
+            <a:extLst>
+              <a:ext uri="{FF2B5EF4-FFF2-40B4-BE49-F238E27FC236}">
+                <a16:creationId xmlns:a16="http://schemas.microsoft.com/office/drawing/2014/main" id="{4E0BD795-4101-436F-B613-B170E0300DDB}"/>
+              </a:ext>
+            </a:extLst>
+          </p:cNvPr>
+          <p:cNvPicPr>
+            <a:picLocks noGrp="1"/>
+          </p:cNvPicPr>
+          <p:nvPr>
+            <p:ph sz="half" idx="2"/>
+          </p:nvPr>
+        </p:nvPicPr>
+        <p:blipFill>
+          <a:blip r:embed="rId3">
+            <a:extLst>
+              <a:ext uri="{28A0092B-C50C-407E-A947-70E740481C1C}">
+                <a14:useLocalDpi xmlns:a14="http://schemas.microsoft.com/office/drawing/2010/main" val="0"/>
+              </a:ext>
+            </a:extLst>
+          </a:blip>
+          <a:stretch>
+            <a:fillRect/>
+          </a:stretch>
+        </p:blipFill>
+        <p:spPr>
+          <a:xfrm>
+            <a:off x="6455386" y="1704086"/>
+            <a:ext cx="5413416" cy="3717629"/>
+          </a:xfrm>
+          <a:prstGeom prst="rect">
+            <a:avLst/>
+          </a:prstGeom>
+        </p:spPr>
+      </p:pic>
+    </p:spTree>
+    <p:extLst>
+      <p:ext uri="{BB962C8B-B14F-4D97-AF65-F5344CB8AC3E}">
+        <p14:creationId xmlns:p14="http://schemas.microsoft.com/office/powerpoint/2010/main" val="3710440441"/>
+      </p:ext>
+    </p:extLst>
+  </p:cSld>
+  <p:clrMapOvr>
+    <a:masterClrMapping/>
+  </p:clrMapOvr>
+</p:sld>
+</file>
+
+<file path=ppt/slides/slide4.xml><?xml version="1.0" encoding="utf-8"?>
+<p:sld xmlns:a="http://schemas.openxmlformats.org/drawingml/2006/main" xmlns:r="http://schemas.openxmlformats.org/officeDocument/2006/relationships" xmlns:p="http://schemas.openxmlformats.org/presentationml/2006/main">
+  <p:cSld>
+    <p:spTree>
+      <p:nvGrpSpPr>
+        <p:cNvPr id="1" name=""/>
+        <p:cNvGrpSpPr/>
+        <p:nvPr/>
+      </p:nvGrpSpPr>
+      <p:grpSpPr>
+        <a:xfrm>
+          <a:off x="0" y="0"/>
+          <a:ext cx="0" cy="0"/>
+          <a:chOff x="0" y="0"/>
+          <a:chExt cx="0" cy="0"/>
+        </a:xfrm>
+      </p:grpSpPr>
       <p:sp>
         <p:nvSpPr>
-          <p:cNvPr id="3" name="Subtítulo 2">
+          <p:cNvPr id="2" name="Título 1">
             <a:extLst>
               <a:ext uri="{FF2B5EF4-FFF2-40B4-BE49-F238E27FC236}">
-                <a16:creationId xmlns:a16="http://schemas.microsoft.com/office/drawing/2014/main" id="{9AFC3A4B-F103-4C09-87C7-00137D1D96B0}"/>
+                <a16:creationId xmlns:a16="http://schemas.microsoft.com/office/drawing/2014/main" id="{6013A5B1-CBDE-4210-A681-3E4699F091E6}"/>
               </a:ext>
             </a:extLst>
           </p:cNvPr>
@@ -3363,7 +9901,75 @@
             <a:spLocks noGrp="1"/>
           </p:cNvSpPr>
           <p:nvPr>
-            <p:ph type="subTitle" idx="1"/>
+            <p:ph type="title"/>
+          </p:nvPr>
+        </p:nvSpPr>
+        <p:spPr>
+          <a:xfrm>
+            <a:off x="1524000" y="423365"/>
+            <a:ext cx="9144000" cy="1263649"/>
+          </a:xfrm>
+        </p:spPr>
+        <p:txBody>
+          <a:bodyPr/>
+          <a:lstStyle/>
+          <a:p>
+            <a:r>
+              <a:rPr lang="es-ES" dirty="0"/>
+              <a:t>FARC-HD</a:t>
+            </a:r>
+          </a:p>
+        </p:txBody>
+      </p:sp>
+      <p:pic>
+        <p:nvPicPr>
+          <p:cNvPr id="6" name="Marcador de contenido 5">
+            <a:extLst>
+              <a:ext uri="{FF2B5EF4-FFF2-40B4-BE49-F238E27FC236}">
+                <a16:creationId xmlns:a16="http://schemas.microsoft.com/office/drawing/2014/main" id="{158230C2-DEC5-4013-8E9C-F33C5FDE0798}"/>
+              </a:ext>
+            </a:extLst>
+          </p:cNvPr>
+          <p:cNvPicPr>
+            <a:picLocks noGrp="1" noChangeAspect="1"/>
+          </p:cNvPicPr>
+          <p:nvPr>
+            <p:ph sz="half" idx="1"/>
+          </p:nvPr>
+        </p:nvPicPr>
+        <p:blipFill>
+          <a:blip r:embed="rId2">
+            <a:extLst>
+              <a:ext uri="{28A0092B-C50C-407E-A947-70E740481C1C}">
+                <a14:useLocalDpi xmlns:a14="http://schemas.microsoft.com/office/drawing/2010/main" val="0"/>
+              </a:ext>
+            </a:extLst>
+          </a:blip>
+          <a:stretch>
+            <a:fillRect/>
+          </a:stretch>
+        </p:blipFill>
+        <p:spPr>
+          <a:xfrm>
+            <a:off x="1362078" y="1445162"/>
+            <a:ext cx="9467841" cy="2480794"/>
+          </a:xfrm>
+        </p:spPr>
+      </p:pic>
+      <p:sp>
+        <p:nvSpPr>
+          <p:cNvPr id="8" name="Marcador de contenido 7">
+            <a:extLst>
+              <a:ext uri="{FF2B5EF4-FFF2-40B4-BE49-F238E27FC236}">
+                <a16:creationId xmlns:a16="http://schemas.microsoft.com/office/drawing/2014/main" id="{554B16F4-A0F8-4D0C-8C7D-1F1A34539BAF}"/>
+              </a:ext>
+            </a:extLst>
+          </p:cNvPr>
+          <p:cNvSpPr>
+            <a:spLocks noGrp="1"/>
+          </p:cNvSpPr>
+          <p:nvPr>
+            <p:ph sz="half" idx="2"/>
           </p:nvPr>
         </p:nvSpPr>
         <p:spPr/>
@@ -3378,7 +9984,504 @@
     </p:spTree>
     <p:extLst>
       <p:ext uri="{BB962C8B-B14F-4D97-AF65-F5344CB8AC3E}">
-        <p14:creationId xmlns:p14="http://schemas.microsoft.com/office/powerpoint/2010/main" val="585110094"/>
+        <p14:creationId xmlns:p14="http://schemas.microsoft.com/office/powerpoint/2010/main" val="1072583852"/>
+      </p:ext>
+    </p:extLst>
+  </p:cSld>
+  <p:clrMapOvr>
+    <a:masterClrMapping/>
+  </p:clrMapOvr>
+</p:sld>
+</file>
+
+<file path=ppt/slides/slide5.xml><?xml version="1.0" encoding="utf-8"?>
+<p:sld xmlns:a="http://schemas.openxmlformats.org/drawingml/2006/main" xmlns:r="http://schemas.openxmlformats.org/officeDocument/2006/relationships" xmlns:p="http://schemas.openxmlformats.org/presentationml/2006/main">
+  <p:cSld>
+    <p:spTree>
+      <p:nvGrpSpPr>
+        <p:cNvPr id="1" name=""/>
+        <p:cNvGrpSpPr/>
+        <p:nvPr/>
+      </p:nvGrpSpPr>
+      <p:grpSpPr>
+        <a:xfrm>
+          <a:off x="0" y="0"/>
+          <a:ext cx="0" cy="0"/>
+          <a:chOff x="0" y="0"/>
+          <a:chExt cx="0" cy="0"/>
+        </a:xfrm>
+      </p:grpSpPr>
+      <p:sp>
+        <p:nvSpPr>
+          <p:cNvPr id="5" name="Título 4">
+            <a:extLst>
+              <a:ext uri="{FF2B5EF4-FFF2-40B4-BE49-F238E27FC236}">
+                <a16:creationId xmlns:a16="http://schemas.microsoft.com/office/drawing/2014/main" id="{41D23704-5B43-4284-A783-9E72315FBE8E}"/>
+              </a:ext>
+            </a:extLst>
+          </p:cNvPr>
+          <p:cNvSpPr>
+            <a:spLocks noGrp="1"/>
+          </p:cNvSpPr>
+          <p:nvPr>
+            <p:ph type="title"/>
+          </p:nvPr>
+        </p:nvSpPr>
+        <p:spPr>
+          <a:xfrm>
+            <a:off x="1914939" y="675862"/>
+            <a:ext cx="9144000" cy="1263649"/>
+          </a:xfrm>
+        </p:spPr>
+        <p:txBody>
+          <a:bodyPr/>
+          <a:lstStyle/>
+          <a:p>
+            <a:r>
+              <a:rPr lang="es-ES" dirty="0"/>
+              <a:t>FARC-HD + </a:t>
+            </a:r>
+            <a:r>
+              <a:rPr lang="es-ES" dirty="0" err="1"/>
+              <a:t>Tuning</a:t>
+            </a:r>
+            <a:r>
+              <a:rPr lang="es-ES" dirty="0"/>
+              <a:t> local</a:t>
+            </a:r>
+          </a:p>
+        </p:txBody>
+      </p:sp>
+      <p:sp>
+        <p:nvSpPr>
+          <p:cNvPr id="6" name="Marcador de contenido 5">
+            <a:extLst>
+              <a:ext uri="{FF2B5EF4-FFF2-40B4-BE49-F238E27FC236}">
+                <a16:creationId xmlns:a16="http://schemas.microsoft.com/office/drawing/2014/main" id="{7733188C-D153-484C-AF6D-1AE5233D415B}"/>
+              </a:ext>
+            </a:extLst>
+          </p:cNvPr>
+          <p:cNvSpPr>
+            <a:spLocks noGrp="1"/>
+          </p:cNvSpPr>
+          <p:nvPr>
+            <p:ph idx="1"/>
+          </p:nvPr>
+        </p:nvSpPr>
+        <p:spPr>
+          <a:xfrm>
+            <a:off x="815008" y="2322650"/>
+            <a:ext cx="5148470" cy="3127512"/>
+          </a:xfrm>
+        </p:spPr>
+        <p:txBody>
+          <a:bodyPr/>
+          <a:lstStyle/>
+          <a:p>
+            <a:r>
+              <a:rPr lang="es-ES" dirty="0" err="1"/>
+              <a:t>Nº</a:t>
+            </a:r>
+            <a:r>
+              <a:rPr lang="es-ES" dirty="0"/>
+              <a:t> iteraciones</a:t>
+            </a:r>
+          </a:p>
+          <a:p>
+            <a:endParaRPr lang="es-ES" dirty="0"/>
+          </a:p>
+          <a:p>
+            <a:r>
+              <a:rPr lang="es-ES" dirty="0"/>
+              <a:t>Prevención de incesto</a:t>
+            </a:r>
+          </a:p>
+        </p:txBody>
+      </p:sp>
+      <p:pic>
+        <p:nvPicPr>
+          <p:cNvPr id="7" name="Marcador de contenido 6" descr="Diagrama&#10;&#10;Descripción generada automáticamente">
+            <a:extLst>
+              <a:ext uri="{FF2B5EF4-FFF2-40B4-BE49-F238E27FC236}">
+                <a16:creationId xmlns:a16="http://schemas.microsoft.com/office/drawing/2014/main" id="{D816175A-BB91-4142-A1F3-CA982AAC591A}"/>
+              </a:ext>
+            </a:extLst>
+          </p:cNvPr>
+          <p:cNvPicPr>
+            <a:picLocks/>
+          </p:cNvPicPr>
+          <p:nvPr/>
+        </p:nvPicPr>
+        <p:blipFill>
+          <a:blip r:embed="rId2">
+            <a:extLst>
+              <a:ext uri="{28A0092B-C50C-407E-A947-70E740481C1C}">
+                <a14:useLocalDpi xmlns:a14="http://schemas.microsoft.com/office/drawing/2010/main" val="0"/>
+              </a:ext>
+            </a:extLst>
+          </a:blip>
+          <a:stretch>
+            <a:fillRect/>
+          </a:stretch>
+        </p:blipFill>
+        <p:spPr>
+          <a:xfrm>
+            <a:off x="6096000" y="2322650"/>
+            <a:ext cx="5461242" cy="2212699"/>
+          </a:xfrm>
+          <a:prstGeom prst="rect">
+            <a:avLst/>
+          </a:prstGeom>
+        </p:spPr>
+      </p:pic>
+    </p:spTree>
+    <p:extLst>
+      <p:ext uri="{BB962C8B-B14F-4D97-AF65-F5344CB8AC3E}">
+        <p14:creationId xmlns:p14="http://schemas.microsoft.com/office/powerpoint/2010/main" val="1236655253"/>
+      </p:ext>
+    </p:extLst>
+  </p:cSld>
+  <p:clrMapOvr>
+    <a:masterClrMapping/>
+  </p:clrMapOvr>
+</p:sld>
+</file>
+
+<file path=ppt/slides/slide6.xml><?xml version="1.0" encoding="utf-8"?>
+<p:sld xmlns:a="http://schemas.openxmlformats.org/drawingml/2006/main" xmlns:r="http://schemas.openxmlformats.org/officeDocument/2006/relationships" xmlns:p="http://schemas.openxmlformats.org/presentationml/2006/main">
+  <p:cSld>
+    <p:spTree>
+      <p:nvGrpSpPr>
+        <p:cNvPr id="1" name=""/>
+        <p:cNvGrpSpPr/>
+        <p:nvPr/>
+      </p:nvGrpSpPr>
+      <p:grpSpPr>
+        <a:xfrm>
+          <a:off x="0" y="0"/>
+          <a:ext cx="0" cy="0"/>
+          <a:chOff x="0" y="0"/>
+          <a:chExt cx="0" cy="0"/>
+        </a:xfrm>
+      </p:grpSpPr>
+      <p:sp>
+        <p:nvSpPr>
+          <p:cNvPr id="2" name="Título 1">
+            <a:extLst>
+              <a:ext uri="{FF2B5EF4-FFF2-40B4-BE49-F238E27FC236}">
+                <a16:creationId xmlns:a16="http://schemas.microsoft.com/office/drawing/2014/main" id="{E5573AB5-B290-4145-A809-F853B552ACA3}"/>
+              </a:ext>
+            </a:extLst>
+          </p:cNvPr>
+          <p:cNvSpPr>
+            <a:spLocks noGrp="1"/>
+          </p:cNvSpPr>
+          <p:nvPr>
+            <p:ph type="title"/>
+          </p:nvPr>
+        </p:nvSpPr>
+        <p:spPr/>
+        <p:txBody>
+          <a:bodyPr/>
+          <a:lstStyle/>
+          <a:p>
+            <a:r>
+              <a:rPr lang="es-ES" dirty="0"/>
+              <a:t>Modificaciones de modelo</a:t>
+            </a:r>
+          </a:p>
+        </p:txBody>
+      </p:sp>
+      <p:sp>
+        <p:nvSpPr>
+          <p:cNvPr id="3" name="Marcador de texto 2">
+            <a:extLst>
+              <a:ext uri="{FF2B5EF4-FFF2-40B4-BE49-F238E27FC236}">
+                <a16:creationId xmlns:a16="http://schemas.microsoft.com/office/drawing/2014/main" id="{3B00489A-CD1D-49F4-AA30-D602EE1F4D4B}"/>
+              </a:ext>
+            </a:extLst>
+          </p:cNvPr>
+          <p:cNvSpPr>
+            <a:spLocks noGrp="1"/>
+          </p:cNvSpPr>
+          <p:nvPr>
+            <p:ph type="body" idx="1"/>
+          </p:nvPr>
+        </p:nvSpPr>
+        <p:spPr/>
+        <p:txBody>
+          <a:bodyPr>
+            <a:normAutofit/>
+          </a:bodyPr>
+          <a:lstStyle/>
+          <a:p>
+            <a:r>
+              <a:rPr lang="es-ES" dirty="0"/>
+              <a:t>Modelo </a:t>
+            </a:r>
+            <a:r>
+              <a:rPr lang="es-ES" dirty="0" err="1"/>
+              <a:t>semi-interpretable</a:t>
+            </a:r>
+            <a:endParaRPr lang="es-ES" dirty="0"/>
+          </a:p>
+        </p:txBody>
+      </p:sp>
+      <p:sp>
+        <p:nvSpPr>
+          <p:cNvPr id="4" name="Marcador de contenido 3">
+            <a:extLst>
+              <a:ext uri="{FF2B5EF4-FFF2-40B4-BE49-F238E27FC236}">
+                <a16:creationId xmlns:a16="http://schemas.microsoft.com/office/drawing/2014/main" id="{D603EA5F-C146-4823-BF34-8EEC285B9ABB}"/>
+              </a:ext>
+            </a:extLst>
+          </p:cNvPr>
+          <p:cNvSpPr>
+            <a:spLocks noGrp="1"/>
+          </p:cNvSpPr>
+          <p:nvPr>
+            <p:ph sz="half" idx="2"/>
+          </p:nvPr>
+        </p:nvSpPr>
+        <p:spPr/>
+        <p:txBody>
+          <a:bodyPr/>
+          <a:lstStyle/>
+          <a:p>
+            <a:endParaRPr lang="es-ES" dirty="0"/>
+          </a:p>
+        </p:txBody>
+      </p:sp>
+      <p:sp>
+        <p:nvSpPr>
+          <p:cNvPr id="5" name="Marcador de texto 4">
+            <a:extLst>
+              <a:ext uri="{FF2B5EF4-FFF2-40B4-BE49-F238E27FC236}">
+                <a16:creationId xmlns:a16="http://schemas.microsoft.com/office/drawing/2014/main" id="{9F891F5F-D407-42FD-86D8-D20C0D219607}"/>
+              </a:ext>
+            </a:extLst>
+          </p:cNvPr>
+          <p:cNvSpPr>
+            <a:spLocks noGrp="1"/>
+          </p:cNvSpPr>
+          <p:nvPr>
+            <p:ph type="body" sz="quarter" idx="3"/>
+          </p:nvPr>
+        </p:nvSpPr>
+        <p:spPr/>
+        <p:txBody>
+          <a:bodyPr>
+            <a:normAutofit/>
+          </a:bodyPr>
+          <a:lstStyle/>
+          <a:p>
+            <a:r>
+              <a:rPr lang="es-ES" dirty="0"/>
+              <a:t>Ejemplos no </a:t>
+            </a:r>
+            <a:r>
+              <a:rPr lang="es-ES" dirty="0" err="1"/>
+              <a:t>cuviertos</a:t>
+            </a:r>
+            <a:endParaRPr lang="es-ES" dirty="0"/>
+          </a:p>
+        </p:txBody>
+      </p:sp>
+      <p:sp>
+        <p:nvSpPr>
+          <p:cNvPr id="6" name="Marcador de contenido 5">
+            <a:extLst>
+              <a:ext uri="{FF2B5EF4-FFF2-40B4-BE49-F238E27FC236}">
+                <a16:creationId xmlns:a16="http://schemas.microsoft.com/office/drawing/2014/main" id="{668A4E0E-2748-4FC0-B4D2-A1BECE9101BA}"/>
+              </a:ext>
+            </a:extLst>
+          </p:cNvPr>
+          <p:cNvSpPr>
+            <a:spLocks noGrp="1"/>
+          </p:cNvSpPr>
+          <p:nvPr>
+            <p:ph sz="quarter" idx="4"/>
+          </p:nvPr>
+        </p:nvSpPr>
+        <p:spPr/>
+        <p:txBody>
+          <a:bodyPr/>
+          <a:lstStyle/>
+          <a:p>
+            <a:endParaRPr lang="es-ES"/>
+          </a:p>
+        </p:txBody>
+      </p:sp>
+    </p:spTree>
+    <p:extLst>
+      <p:ext uri="{BB962C8B-B14F-4D97-AF65-F5344CB8AC3E}">
+        <p14:creationId xmlns:p14="http://schemas.microsoft.com/office/powerpoint/2010/main" val="3067353717"/>
+      </p:ext>
+    </p:extLst>
+  </p:cSld>
+  <p:clrMapOvr>
+    <a:masterClrMapping/>
+  </p:clrMapOvr>
+</p:sld>
+</file>
+
+<file path=ppt/slides/slide7.xml><?xml version="1.0" encoding="utf-8"?>
+<p:sld xmlns:a="http://schemas.openxmlformats.org/drawingml/2006/main" xmlns:r="http://schemas.openxmlformats.org/officeDocument/2006/relationships" xmlns:p="http://schemas.openxmlformats.org/presentationml/2006/main">
+  <p:cSld>
+    <p:spTree>
+      <p:nvGrpSpPr>
+        <p:cNvPr id="1" name=""/>
+        <p:cNvGrpSpPr/>
+        <p:nvPr/>
+      </p:nvGrpSpPr>
+      <p:grpSpPr>
+        <a:xfrm>
+          <a:off x="0" y="0"/>
+          <a:ext cx="0" cy="0"/>
+          <a:chOff x="0" y="0"/>
+          <a:chExt cx="0" cy="0"/>
+        </a:xfrm>
+      </p:grpSpPr>
+      <p:sp>
+        <p:nvSpPr>
+          <p:cNvPr id="2" name="Título 1">
+            <a:extLst>
+              <a:ext uri="{FF2B5EF4-FFF2-40B4-BE49-F238E27FC236}">
+                <a16:creationId xmlns:a16="http://schemas.microsoft.com/office/drawing/2014/main" id="{67C2F18C-D67A-435D-A544-BEFAE7FB43DD}"/>
+              </a:ext>
+            </a:extLst>
+          </p:cNvPr>
+          <p:cNvSpPr>
+            <a:spLocks noGrp="1"/>
+          </p:cNvSpPr>
+          <p:nvPr>
+            <p:ph type="title"/>
+          </p:nvPr>
+        </p:nvSpPr>
+        <p:spPr/>
+        <p:txBody>
+          <a:bodyPr/>
+          <a:lstStyle/>
+          <a:p>
+            <a:r>
+              <a:rPr lang="es-ES" dirty="0"/>
+              <a:t>Resultados</a:t>
+            </a:r>
+          </a:p>
+        </p:txBody>
+      </p:sp>
+      <p:sp>
+        <p:nvSpPr>
+          <p:cNvPr id="3" name="Marcador de contenido 2">
+            <a:extLst>
+              <a:ext uri="{FF2B5EF4-FFF2-40B4-BE49-F238E27FC236}">
+                <a16:creationId xmlns:a16="http://schemas.microsoft.com/office/drawing/2014/main" id="{9DD89C5E-9E4D-4CC6-9C27-BDD30A0DAA84}"/>
+              </a:ext>
+            </a:extLst>
+          </p:cNvPr>
+          <p:cNvSpPr>
+            <a:spLocks noGrp="1"/>
+          </p:cNvSpPr>
+          <p:nvPr>
+            <p:ph idx="1"/>
+          </p:nvPr>
+        </p:nvSpPr>
+        <p:spPr/>
+        <p:txBody>
+          <a:bodyPr/>
+          <a:lstStyle/>
+          <a:p>
+            <a:endParaRPr lang="es-ES"/>
+          </a:p>
+        </p:txBody>
+      </p:sp>
+    </p:spTree>
+    <p:extLst>
+      <p:ext uri="{BB962C8B-B14F-4D97-AF65-F5344CB8AC3E}">
+        <p14:creationId xmlns:p14="http://schemas.microsoft.com/office/powerpoint/2010/main" val="3404460190"/>
+      </p:ext>
+    </p:extLst>
+  </p:cSld>
+  <p:clrMapOvr>
+    <a:masterClrMapping/>
+  </p:clrMapOvr>
+</p:sld>
+</file>
+
+<file path=ppt/slides/slide8.xml><?xml version="1.0" encoding="utf-8"?>
+<p:sld xmlns:a="http://schemas.openxmlformats.org/drawingml/2006/main" xmlns:r="http://schemas.openxmlformats.org/officeDocument/2006/relationships" xmlns:p="http://schemas.openxmlformats.org/presentationml/2006/main">
+  <p:cSld>
+    <p:spTree>
+      <p:nvGrpSpPr>
+        <p:cNvPr id="1" name=""/>
+        <p:cNvGrpSpPr/>
+        <p:nvPr/>
+      </p:nvGrpSpPr>
+      <p:grpSpPr>
+        <a:xfrm>
+          <a:off x="0" y="0"/>
+          <a:ext cx="0" cy="0"/>
+          <a:chOff x="0" y="0"/>
+          <a:chExt cx="0" cy="0"/>
+        </a:xfrm>
+      </p:grpSpPr>
+      <p:sp>
+        <p:nvSpPr>
+          <p:cNvPr id="2" name="Título 1">
+            <a:extLst>
+              <a:ext uri="{FF2B5EF4-FFF2-40B4-BE49-F238E27FC236}">
+                <a16:creationId xmlns:a16="http://schemas.microsoft.com/office/drawing/2014/main" id="{2AC05703-0D77-4E57-B014-34C4AD766C3C}"/>
+              </a:ext>
+            </a:extLst>
+          </p:cNvPr>
+          <p:cNvSpPr>
+            <a:spLocks noGrp="1"/>
+          </p:cNvSpPr>
+          <p:nvPr>
+            <p:ph type="title"/>
+          </p:nvPr>
+        </p:nvSpPr>
+        <p:spPr/>
+        <p:txBody>
+          <a:bodyPr/>
+          <a:lstStyle/>
+          <a:p>
+            <a:r>
+              <a:rPr lang="es-ES" dirty="0"/>
+              <a:t>Conclusión</a:t>
+            </a:r>
+          </a:p>
+        </p:txBody>
+      </p:sp>
+      <p:sp>
+        <p:nvSpPr>
+          <p:cNvPr id="3" name="Marcador de contenido 2">
+            <a:extLst>
+              <a:ext uri="{FF2B5EF4-FFF2-40B4-BE49-F238E27FC236}">
+                <a16:creationId xmlns:a16="http://schemas.microsoft.com/office/drawing/2014/main" id="{82F0DDBD-1BF9-4A2A-94C1-5AD022DA422D}"/>
+              </a:ext>
+            </a:extLst>
+          </p:cNvPr>
+          <p:cNvSpPr>
+            <a:spLocks noGrp="1"/>
+          </p:cNvSpPr>
+          <p:nvPr>
+            <p:ph idx="1"/>
+          </p:nvPr>
+        </p:nvSpPr>
+        <p:spPr/>
+        <p:txBody>
+          <a:bodyPr/>
+          <a:lstStyle/>
+          <a:p>
+            <a:endParaRPr lang="es-ES" dirty="0"/>
+          </a:p>
+        </p:txBody>
+      </p:sp>
+    </p:spTree>
+    <p:extLst>
+      <p:ext uri="{BB962C8B-B14F-4D97-AF65-F5344CB8AC3E}">
+        <p14:creationId xmlns:p14="http://schemas.microsoft.com/office/powerpoint/2010/main" val="2594926664"/>
       </p:ext>
     </p:extLst>
   </p:cSld>
@@ -3389,150 +10492,56 @@
 </file>
 
 <file path=ppt/theme/theme1.xml><?xml version="1.0" encoding="utf-8"?>
-<a:theme xmlns:a="http://schemas.openxmlformats.org/drawingml/2006/main" name="Tema de Office">
+<a:theme xmlns:a="http://schemas.openxmlformats.org/drawingml/2006/main" name="TornVTI">
   <a:themeElements>
-    <a:clrScheme name="Office">
+    <a:clrScheme name="AnalogousFromDarkSeedLeftStep">
       <a:dk1>
-        <a:sysClr val="windowText" lastClr="000000"/>
+        <a:srgbClr val="000000"/>
       </a:dk1>
       <a:lt1>
-        <a:sysClr val="window" lastClr="FFFFFF"/>
+        <a:srgbClr val="FFFFFF"/>
       </a:lt1>
       <a:dk2>
-        <a:srgbClr val="44546A"/>
+        <a:srgbClr val="1B212F"/>
       </a:dk2>
       <a:lt2>
-        <a:srgbClr val="E7E6E6"/>
+        <a:srgbClr val="F2F3F0"/>
       </a:lt2>
       <a:accent1>
-        <a:srgbClr val="4472C4"/>
+        <a:srgbClr val="8E29E7"/>
       </a:accent1>
       <a:accent2>
-        <a:srgbClr val="ED7D31"/>
+        <a:srgbClr val="422FD9"/>
       </a:accent2>
       <a:accent3>
-        <a:srgbClr val="A5A5A5"/>
+        <a:srgbClr val="2963E7"/>
       </a:accent3>
       <a:accent4>
-        <a:srgbClr val="FFC000"/>
+        <a:srgbClr val="17A0D5"/>
       </a:accent4>
       <a:accent5>
-        <a:srgbClr val="5B9BD5"/>
+        <a:srgbClr val="22C1AB"/>
       </a:accent5>
       <a:accent6>
-        <a:srgbClr val="70AD47"/>
+        <a:srgbClr val="15C564"/>
       </a:accent6>
       <a:hlink>
-        <a:srgbClr val="0563C1"/>
+        <a:srgbClr val="34999D"/>
       </a:hlink>
       <a:folHlink>
-        <a:srgbClr val="954F72"/>
+        <a:srgbClr val="7F7F7F"/>
       </a:folHlink>
     </a:clrScheme>
-    <a:fontScheme name="Office">
+    <a:fontScheme name="Torn">
       <a:majorFont>
-        <a:latin typeface="Calibri Light" panose="020F0302020204030204"/>
+        <a:latin typeface="Impact"/>
         <a:ea typeface=""/>
         <a:cs typeface=""/>
-        <a:font script="Jpan" typeface="游ゴシック Light"/>
-        <a:font script="Hang" typeface="맑은 고딕"/>
-        <a:font script="Hans" typeface="等线 Light"/>
-        <a:font script="Hant" typeface="新細明體"/>
-        <a:font script="Arab" typeface="Times New Roman"/>
-        <a:font script="Hebr" typeface="Times New Roman"/>
-        <a:font script="Thai" typeface="Angsana New"/>
-        <a:font script="Ethi" typeface="Nyala"/>
-        <a:font script="Beng" typeface="Vrinda"/>
-        <a:font script="Gujr" typeface="Shruti"/>
-        <a:font script="Khmr" typeface="MoolBoran"/>
-        <a:font script="Knda" typeface="Tunga"/>
-        <a:font script="Guru" typeface="Raavi"/>
-        <a:font script="Cans" typeface="Euphemia"/>
-        <a:font script="Cher" typeface="Plantagenet Cherokee"/>
-        <a:font script="Yiii" typeface="Microsoft Yi Baiti"/>
-        <a:font script="Tibt" typeface="Microsoft Himalaya"/>
-        <a:font script="Thaa" typeface="MV Boli"/>
-        <a:font script="Deva" typeface="Mangal"/>
-        <a:font script="Telu" typeface="Gautami"/>
-        <a:font script="Taml" typeface="Latha"/>
-        <a:font script="Syrc" typeface="Estrangelo Edessa"/>
-        <a:font script="Orya" typeface="Kalinga"/>
-        <a:font script="Mlym" typeface="Kartika"/>
-        <a:font script="Laoo" typeface="DokChampa"/>
-        <a:font script="Sinh" typeface="Iskoola Pota"/>
-        <a:font script="Mong" typeface="Mongolian Baiti"/>
-        <a:font script="Viet" typeface="Times New Roman"/>
-        <a:font script="Uigh" typeface="Microsoft Uighur"/>
-        <a:font script="Geor" typeface="Sylfaen"/>
-        <a:font script="Armn" typeface="Arial"/>
-        <a:font script="Bugi" typeface="Leelawadee UI"/>
-        <a:font script="Bopo" typeface="Microsoft JhengHei"/>
-        <a:font script="Java" typeface="Javanese Text"/>
-        <a:font script="Lisu" typeface="Segoe UI"/>
-        <a:font script="Mymr" typeface="Myanmar Text"/>
-        <a:font script="Nkoo" typeface="Ebrima"/>
-        <a:font script="Olck" typeface="Nirmala UI"/>
-        <a:font script="Osma" typeface="Ebrima"/>
-        <a:font script="Phag" typeface="Phagspa"/>
-        <a:font script="Syrn" typeface="Estrangelo Edessa"/>
-        <a:font script="Syrj" typeface="Estrangelo Edessa"/>
-        <a:font script="Syre" typeface="Estrangelo Edessa"/>
-        <a:font script="Sora" typeface="Nirmala UI"/>
-        <a:font script="Tale" typeface="Microsoft Tai Le"/>
-        <a:font script="Talu" typeface="Microsoft New Tai Lue"/>
-        <a:font script="Tfng" typeface="Ebrima"/>
       </a:majorFont>
       <a:minorFont>
-        <a:latin typeface="Calibri" panose="020F0502020204030204"/>
+        <a:latin typeface="Arial Nova Cond"/>
         <a:ea typeface=""/>
         <a:cs typeface=""/>
-        <a:font script="Jpan" typeface="游ゴシック"/>
-        <a:font script="Hang" typeface="맑은 고딕"/>
-        <a:font script="Hans" typeface="等线"/>
-        <a:font script="Hant" typeface="新細明體"/>
-        <a:font script="Arab" typeface="Arial"/>
-        <a:font script="Hebr" typeface="Arial"/>
-        <a:font script="Thai" typeface="Cordia New"/>
-        <a:font script="Ethi" typeface="Nyala"/>
-        <a:font script="Beng" typeface="Vrinda"/>
-        <a:font script="Gujr" typeface="Shruti"/>
-        <a:font script="Khmr" typeface="DaunPenh"/>
-        <a:font script="Knda" typeface="Tunga"/>
-        <a:font script="Guru" typeface="Raavi"/>
-        <a:font script="Cans" typeface="Euphemia"/>
-        <a:font script="Cher" typeface="Plantagenet Cherokee"/>
-        <a:font script="Yiii" typeface="Microsoft Yi Baiti"/>
-        <a:font script="Tibt" typeface="Microsoft Himalaya"/>
-        <a:font script="Thaa" typeface="MV Boli"/>
-        <a:font script="Deva" typeface="Mangal"/>
-        <a:font script="Telu" typeface="Gautami"/>
-        <a:font script="Taml" typeface="Latha"/>
-        <a:font script="Syrc" typeface="Estrangelo Edessa"/>
-        <a:font script="Orya" typeface="Kalinga"/>
-        <a:font script="Mlym" typeface="Kartika"/>
-        <a:font script="Laoo" typeface="DokChampa"/>
-        <a:font script="Sinh" typeface="Iskoola Pota"/>
-        <a:font script="Mong" typeface="Mongolian Baiti"/>
-        <a:font script="Viet" typeface="Arial"/>
-        <a:font script="Uigh" typeface="Microsoft Uighur"/>
-        <a:font script="Geor" typeface="Sylfaen"/>
-        <a:font script="Armn" typeface="Arial"/>
-        <a:font script="Bugi" typeface="Leelawadee UI"/>
-        <a:font script="Bopo" typeface="Microsoft JhengHei"/>
-        <a:font script="Java" typeface="Javanese Text"/>
-        <a:font script="Lisu" typeface="Segoe UI"/>
-        <a:font script="Mymr" typeface="Myanmar Text"/>
-        <a:font script="Nkoo" typeface="Ebrima"/>
-        <a:font script="Olck" typeface="Nirmala UI"/>
-        <a:font script="Osma" typeface="Ebrima"/>
-        <a:font script="Phag" typeface="Phagspa"/>
-        <a:font script="Syrn" typeface="Estrangelo Edessa"/>
-        <a:font script="Syrj" typeface="Estrangelo Edessa"/>
-        <a:font script="Syre" typeface="Estrangelo Edessa"/>
-        <a:font script="Sora" typeface="Nirmala UI"/>
-        <a:font script="Tale" typeface="Microsoft Tai Le"/>
-        <a:font script="Talu" typeface="Microsoft New Tai Lue"/>
-        <a:font script="Tfng" typeface="Ebrima"/>
       </a:minorFont>
     </a:fontScheme>
     <a:fmtScheme name="Office">
@@ -3677,7 +10686,7 @@
   <a:extraClrSchemeLst/>
   <a:extLst>
     <a:ext uri="{05A4C25C-085E-4340-85A3-A5531E510DB2}">
-      <thm15:themeFamily xmlns:thm15="http://schemas.microsoft.com/office/thememl/2012/main" name="Office Theme" id="{62F939B6-93AF-4DB8-9C6B-D6C7DFDC589F}" vid="{4A3C46E8-61CC-4603-A589-7422A47A8E4A}"/>
+      <thm15:themeFamily xmlns:thm15="http://schemas.microsoft.com/office/thememl/2012/main" name="TornVTI" id="{D93270A2-BAD7-4DCC-9D1D-3427EACCFA88}" vid="{1B17486C-9B79-43FC-98F9-5BF7AA5600D2}"/>
     </a:ext>
   </a:extLst>
 </a:theme>

--- a/Docs/Presentacion.pptx
+++ b/Docs/Presentacion.pptx
@@ -3504,8 +3504,8 @@
         </p:nvSpPr>
         <p:spPr>
           <a:xfrm>
-            <a:off x="5338762" y="5334001"/>
-            <a:ext cx="6096000" cy="905910"/>
+            <a:off x="4591050" y="4732020"/>
+            <a:ext cx="6843712" cy="1507891"/>
           </a:xfrm>
         </p:spPr>
         <p:txBody>
@@ -3517,7 +3517,25 @@
             <a:pPr algn="r"/>
             <a:r>
               <a:rPr lang="es-ES" dirty="0"/>
-              <a:t>Oier Etxeberria Urrestarazu</a:t>
+              <a:t>Autor: Oier Etxeberria Urrestarazu</a:t>
+            </a:r>
+          </a:p>
+          <a:p>
+            <a:pPr algn="r"/>
+            <a:r>
+              <a:rPr lang="es-ES" dirty="0"/>
+              <a:t>Director: José Antonio Sanz</a:t>
+            </a:r>
+          </a:p>
+          <a:p>
+            <a:pPr algn="r"/>
+            <a:r>
+              <a:rPr lang="es-ES" dirty="0" err="1"/>
+              <a:t>Paplona</a:t>
+            </a:r>
+            <a:r>
+              <a:rPr lang="es-ES" dirty="0"/>
+              <a:t>, 26 de Octubre de 2020</a:t>
             </a:r>
           </a:p>
         </p:txBody>
@@ -9590,7 +9608,7 @@
                 <a:ea typeface="+mj-ea"/>
                 <a:cs typeface="+mj-cs"/>
               </a:rPr>
-              <a:t>Contexto</a:t>
+              <a:t>Introducción</a:t>
             </a:r>
             <a:endParaRPr lang="en-US" kern="1200" dirty="0">
               <a:solidFill>
@@ -9681,7 +9699,10 @@
               <a:rPr lang="en-US" dirty="0" err="1"/>
               <a:t>Automático</a:t>
             </a:r>
-            <a:endParaRPr lang="en-US" dirty="0"/>
+            <a:r>
+              <a:rPr lang="en-US" dirty="0"/>
+              <a:t>: </a:t>
+            </a:r>
           </a:p>
           <a:p>
             <a:endParaRPr lang="en-US" dirty="0"/>

--- a/Docs/Presentacion.pptx
+++ b/Docs/Presentacion.pptx
@@ -22,8 +22,9 @@
     <p:sldId id="270" r:id="rId16"/>
     <p:sldId id="273" r:id="rId17"/>
     <p:sldId id="274" r:id="rId18"/>
-    <p:sldId id="275" r:id="rId19"/>
-    <p:sldId id="262" r:id="rId20"/>
+    <p:sldId id="276" r:id="rId19"/>
+    <p:sldId id="275" r:id="rId20"/>
+    <p:sldId id="262" r:id="rId21"/>
   </p:sldIdLst>
   <p:sldSz cx="12192000" cy="6858000"/>
   <p:notesSz cx="6858000" cy="9144000"/>
@@ -8775,6 +8776,30 @@
 <file path=ppt/slides/slide18.xml><?xml version="1.0" encoding="utf-8"?>
 <p:sld xmlns:a="http://schemas.openxmlformats.org/drawingml/2006/main" xmlns:r="http://schemas.openxmlformats.org/officeDocument/2006/relationships" xmlns:p="http://schemas.openxmlformats.org/presentationml/2006/main">
   <p:cSld>
+    <p:bg>
+      <p:bgPr>
+        <a:gradFill rotWithShape="1">
+          <a:gsLst>
+            <a:gs pos="0">
+              <a:schemeClr val="bg2">
+                <a:tint val="94000"/>
+                <a:satMod val="80000"/>
+                <a:lumMod val="106000"/>
+              </a:schemeClr>
+            </a:gs>
+            <a:gs pos="100000">
+              <a:schemeClr val="bg2">
+                <a:shade val="80000"/>
+              </a:schemeClr>
+            </a:gs>
+          </a:gsLst>
+          <a:path path="circle">
+            <a:fillToRect l="43000" r="43000" b="100000"/>
+          </a:path>
+        </a:gradFill>
+        <a:effectLst/>
+      </p:bgPr>
+    </p:bg>
     <p:spTree>
       <p:nvGrpSpPr>
         <p:cNvPr id="1" name=""/>
@@ -8791,10 +8816,356 @@
       </p:grpSpPr>
       <p:sp>
         <p:nvSpPr>
+          <p:cNvPr id="12" name="Rectangle 11">
+            <a:extLst>
+              <a:ext uri="{FF2B5EF4-FFF2-40B4-BE49-F238E27FC236}">
+                <a16:creationId xmlns:a16="http://schemas.microsoft.com/office/drawing/2014/main" id="{0CABCAE3-64FC-4149-819F-2C1812824154}"/>
+              </a:ext>
+              <a:ext uri="{C183D7F6-B498-43B3-948B-1728B52AA6E4}">
+                <adec:decorative xmlns:adec="http://schemas.microsoft.com/office/drawing/2017/decorative" val="1"/>
+              </a:ext>
+            </a:extLst>
+          </p:cNvPr>
+          <p:cNvSpPr>
+            <a:spLocks noGrp="1" noRot="1" noChangeAspect="1" noMove="1" noResize="1" noEditPoints="1" noAdjustHandles="1" noChangeArrowheads="1" noChangeShapeType="1" noTextEdit="1"/>
+          </p:cNvSpPr>
+          <p:nvPr>
+            <p:extLst>
+              <p:ext uri="{386F3935-93C4-4BCD-93E2-E3B085C9AB24}">
+                <p16:designElem xmlns:p16="http://schemas.microsoft.com/office/powerpoint/2015/main" val="1"/>
+              </p:ext>
+            </p:extLst>
+          </p:nvPr>
+        </p:nvSpPr>
+        <p:spPr>
+          <a:xfrm>
+            <a:off x="0" y="2019476"/>
+            <a:ext cx="12192000" cy="4105941"/>
+          </a:xfrm>
+          <a:prstGeom prst="rect">
+            <a:avLst/>
+          </a:prstGeom>
+          <a:gradFill flip="none" rotWithShape="1">
+            <a:gsLst>
+              <a:gs pos="0">
+                <a:schemeClr val="bg2">
+                  <a:alpha val="0"/>
+                </a:schemeClr>
+              </a:gs>
+              <a:gs pos="100000">
+                <a:schemeClr val="bg2"/>
+              </a:gs>
+            </a:gsLst>
+            <a:lin ang="5400000" scaled="0"/>
+            <a:tileRect/>
+          </a:gradFill>
+          <a:ln>
+            <a:noFill/>
+          </a:ln>
+        </p:spPr>
+        <p:style>
+          <a:lnRef idx="2">
+            <a:schemeClr val="accent1">
+              <a:shade val="50000"/>
+            </a:schemeClr>
+          </a:lnRef>
+          <a:fillRef idx="1">
+            <a:schemeClr val="accent1"/>
+          </a:fillRef>
+          <a:effectRef idx="0">
+            <a:schemeClr val="accent1"/>
+          </a:effectRef>
+          <a:fontRef idx="minor">
+            <a:schemeClr val="lt1"/>
+          </a:fontRef>
+        </p:style>
+      </p:sp>
+      <p:pic>
+        <p:nvPicPr>
+          <p:cNvPr id="14" name="Picture 13">
+            <a:extLst>
+              <a:ext uri="{FF2B5EF4-FFF2-40B4-BE49-F238E27FC236}">
+                <a16:creationId xmlns:a16="http://schemas.microsoft.com/office/drawing/2014/main" id="{012FDCFE-9AD2-4D8A-8CBF-B3AA37EBF6DD}"/>
+              </a:ext>
+              <a:ext uri="{C183D7F6-B498-43B3-948B-1728B52AA6E4}">
+                <adec:decorative xmlns:adec="http://schemas.microsoft.com/office/drawing/2017/decorative" val="1"/>
+              </a:ext>
+            </a:extLst>
+          </p:cNvPr>
+          <p:cNvPicPr>
+            <a:picLocks noGrp="1" noRot="1" noChangeAspect="1" noMove="1" noResize="1" noEditPoints="1" noAdjustHandles="1" noChangeArrowheads="1" noChangeShapeType="1" noCrop="1"/>
+          </p:cNvPicPr>
+          <p:nvPr>
+            <p:extLst>
+              <p:ext uri="{386F3935-93C4-4BCD-93E2-E3B085C9AB24}">
+                <p16:designElem xmlns:p16="http://schemas.microsoft.com/office/powerpoint/2015/main" val="1"/>
+              </p:ext>
+            </p:extLst>
+          </p:nvPr>
+        </p:nvPicPr>
+        <p:blipFill rotWithShape="1">
+          <a:blip r:embed="rId2">
+            <a:extLst>
+              <a:ext uri="{28A0092B-C50C-407E-A947-70E740481C1C}">
+                <a14:useLocalDpi xmlns:a14="http://schemas.microsoft.com/office/drawing/2010/main" val="0"/>
+              </a:ext>
+            </a:extLst>
+          </a:blip>
+          <a:srcRect t="1538" b="-1538"/>
+          <a:stretch/>
+        </p:blipFill>
+        <p:spPr bwMode="black">
+          <a:xfrm>
+            <a:off x="0" y="6126480"/>
+            <a:ext cx="12192000" cy="742950"/>
+          </a:xfrm>
+          <a:prstGeom prst="rect">
+            <a:avLst/>
+          </a:prstGeom>
+        </p:spPr>
+      </p:pic>
+      <p:cxnSp>
+        <p:nvCxnSpPr>
+          <p:cNvPr id="16" name="Straight Connector 15">
+            <a:extLst>
+              <a:ext uri="{FF2B5EF4-FFF2-40B4-BE49-F238E27FC236}">
+                <a16:creationId xmlns:a16="http://schemas.microsoft.com/office/drawing/2014/main" id="{FBD463FC-4CA8-4FF4-85A3-AF9F4B98D210}"/>
+              </a:ext>
+              <a:ext uri="{C183D7F6-B498-43B3-948B-1728B52AA6E4}">
+                <adec:decorative xmlns:adec="http://schemas.microsoft.com/office/drawing/2017/decorative" val="1"/>
+              </a:ext>
+            </a:extLst>
+          </p:cNvPr>
+          <p:cNvCxnSpPr>
+            <a:cxnSpLocks noGrp="1" noRot="1" noChangeAspect="1" noMove="1" noResize="1" noEditPoints="1" noAdjustHandles="1" noChangeArrowheads="1" noChangeShapeType="1"/>
+          </p:cNvCxnSpPr>
+          <p:nvPr>
+            <p:extLst>
+              <p:ext uri="{386F3935-93C4-4BCD-93E2-E3B085C9AB24}">
+                <p16:designElem xmlns:p16="http://schemas.microsoft.com/office/powerpoint/2015/main" val="1"/>
+              </p:ext>
+            </p:extLst>
+          </p:nvPr>
+        </p:nvCxnSpPr>
+        <p:spPr>
+          <a:xfrm>
+            <a:off x="0" y="6128413"/>
+            <a:ext cx="12192000" cy="0"/>
+          </a:xfrm>
+          <a:prstGeom prst="line">
+            <a:avLst/>
+          </a:prstGeom>
+          <a:ln w="12700">
+            <a:solidFill>
+              <a:srgbClr val="000001">
+                <a:alpha val="20000"/>
+              </a:srgbClr>
+            </a:solidFill>
+          </a:ln>
+        </p:spPr>
+        <p:style>
+          <a:lnRef idx="1">
+            <a:schemeClr val="accent1"/>
+          </a:lnRef>
+          <a:fillRef idx="0">
+            <a:schemeClr val="accent1"/>
+          </a:fillRef>
+          <a:effectRef idx="0">
+            <a:schemeClr val="accent1"/>
+          </a:effectRef>
+          <a:fontRef idx="minor">
+            <a:schemeClr val="tx1"/>
+          </a:fontRef>
+        </p:style>
+      </p:cxnSp>
+      <p:cxnSp>
+        <p:nvCxnSpPr>
+          <p:cNvPr id="18" name="Straight Connector 17">
+            <a:extLst>
+              <a:ext uri="{FF2B5EF4-FFF2-40B4-BE49-F238E27FC236}">
+                <a16:creationId xmlns:a16="http://schemas.microsoft.com/office/drawing/2014/main" id="{BECF35C3-8B44-4F4B-BD25-4C01823DB22A}"/>
+              </a:ext>
+              <a:ext uri="{C183D7F6-B498-43B3-948B-1728B52AA6E4}">
+                <adec:decorative xmlns:adec="http://schemas.microsoft.com/office/drawing/2017/decorative" val="1"/>
+              </a:ext>
+            </a:extLst>
+          </p:cNvPr>
+          <p:cNvCxnSpPr>
+            <a:cxnSpLocks noGrp="1" noRot="1" noChangeAspect="1" noMove="1" noResize="1" noEditPoints="1" noAdjustHandles="1" noChangeArrowheads="1" noChangeShapeType="1"/>
+          </p:cNvCxnSpPr>
+          <p:nvPr>
+            <p:extLst>
+              <p:ext uri="{386F3935-93C4-4BCD-93E2-E3B085C9AB24}">
+                <p16:designElem xmlns:p16="http://schemas.microsoft.com/office/powerpoint/2015/main" val="1"/>
+              </p:ext>
+            </p:extLst>
+          </p:nvPr>
+        </p:nvCxnSpPr>
+        <p:spPr>
+          <a:xfrm>
+            <a:off x="2417780" y="3528542"/>
+            <a:ext cx="8637072" cy="0"/>
+          </a:xfrm>
+          <a:prstGeom prst="line">
+            <a:avLst/>
+          </a:prstGeom>
+          <a:ln w="31750"/>
+        </p:spPr>
+        <p:style>
+          <a:lnRef idx="3">
+            <a:schemeClr val="accent1"/>
+          </a:lnRef>
+          <a:fillRef idx="0">
+            <a:schemeClr val="accent1"/>
+          </a:fillRef>
+          <a:effectRef idx="2">
+            <a:schemeClr val="accent1"/>
+          </a:effectRef>
+          <a:fontRef idx="minor">
+            <a:schemeClr val="tx1"/>
+          </a:fontRef>
+        </p:style>
+      </p:cxnSp>
+      <p:sp useBgFill="1">
+        <p:nvSpPr>
+          <p:cNvPr id="20" name="Rectangle 19">
+            <a:extLst>
+              <a:ext uri="{FF2B5EF4-FFF2-40B4-BE49-F238E27FC236}">
+                <a16:creationId xmlns:a16="http://schemas.microsoft.com/office/drawing/2014/main" id="{D0712110-0BC1-4B31-B3BB-63B44222E87F}"/>
+              </a:ext>
+              <a:ext uri="{C183D7F6-B498-43B3-948B-1728B52AA6E4}">
+                <adec:decorative xmlns:adec="http://schemas.microsoft.com/office/drawing/2017/decorative" val="1"/>
+              </a:ext>
+            </a:extLst>
+          </p:cNvPr>
+          <p:cNvSpPr>
+            <a:spLocks noGrp="1" noRot="1" noChangeAspect="1" noMove="1" noResize="1" noEditPoints="1" noAdjustHandles="1" noChangeArrowheads="1" noChangeShapeType="1" noTextEdit="1"/>
+          </p:cNvSpPr>
+          <p:nvPr>
+            <p:extLst>
+              <p:ext uri="{386F3935-93C4-4BCD-93E2-E3B085C9AB24}">
+                <p16:designElem xmlns:p16="http://schemas.microsoft.com/office/powerpoint/2015/main" val="1"/>
+              </p:ext>
+            </p:extLst>
+          </p:nvPr>
+        </p:nvSpPr>
+        <p:spPr>
+          <a:xfrm>
+            <a:off x="2" y="0"/>
+            <a:ext cx="12191695" cy="6858000"/>
+          </a:xfrm>
+          <a:prstGeom prst="rect">
+            <a:avLst/>
+          </a:prstGeom>
+          <a:ln>
+            <a:noFill/>
+          </a:ln>
+        </p:spPr>
+        <p:style>
+          <a:lnRef idx="2">
+            <a:schemeClr val="accent1">
+              <a:shade val="50000"/>
+            </a:schemeClr>
+          </a:lnRef>
+          <a:fillRef idx="1">
+            <a:schemeClr val="accent1"/>
+          </a:fillRef>
+          <a:effectRef idx="0">
+            <a:schemeClr val="accent1"/>
+          </a:effectRef>
+          <a:fontRef idx="minor">
+            <a:schemeClr val="lt1"/>
+          </a:fontRef>
+        </p:style>
+        <p:txBody>
+          <a:bodyPr rtlCol="0" anchor="ctr"/>
+          <a:lstStyle/>
+          <a:p>
+            <a:pPr algn="ctr"/>
+            <a:endParaRPr lang="en-US"/>
+          </a:p>
+        </p:txBody>
+      </p:sp>
+      <p:sp>
+        <p:nvSpPr>
+          <p:cNvPr id="22" name="Rectangle 21">
+            <a:extLst>
+              <a:ext uri="{FF2B5EF4-FFF2-40B4-BE49-F238E27FC236}">
+                <a16:creationId xmlns:a16="http://schemas.microsoft.com/office/drawing/2014/main" id="{4466B5F3-C053-4580-B04A-1EF949888280}"/>
+              </a:ext>
+              <a:ext uri="{C183D7F6-B498-43B3-948B-1728B52AA6E4}">
+                <adec:decorative xmlns:adec="http://schemas.microsoft.com/office/drawing/2017/decorative" val="1"/>
+              </a:ext>
+            </a:extLst>
+          </p:cNvPr>
+          <p:cNvSpPr>
+            <a:spLocks noGrp="1" noRot="1" noChangeAspect="1" noMove="1" noResize="1" noEditPoints="1" noAdjustHandles="1" noChangeArrowheads="1" noChangeShapeType="1" noTextEdit="1"/>
+          </p:cNvSpPr>
+          <p:nvPr>
+            <p:extLst>
+              <p:ext uri="{386F3935-93C4-4BCD-93E2-E3B085C9AB24}">
+                <p16:designElem xmlns:p16="http://schemas.microsoft.com/office/powerpoint/2015/main" val="1"/>
+              </p:ext>
+            </p:extLst>
+          </p:nvPr>
+        </p:nvSpPr>
+        <p:spPr>
+          <a:xfrm>
+            <a:off x="0" y="2019476"/>
+            <a:ext cx="12192000" cy="4105941"/>
+          </a:xfrm>
+          <a:prstGeom prst="rect">
+            <a:avLst/>
+          </a:prstGeom>
+          <a:gradFill flip="none" rotWithShape="1">
+            <a:gsLst>
+              <a:gs pos="0">
+                <a:schemeClr val="bg2">
+                  <a:alpha val="0"/>
+                </a:schemeClr>
+              </a:gs>
+              <a:gs pos="100000">
+                <a:schemeClr val="bg2"/>
+              </a:gs>
+            </a:gsLst>
+            <a:lin ang="5400000" scaled="0"/>
+            <a:tileRect/>
+          </a:gradFill>
+          <a:ln>
+            <a:noFill/>
+          </a:ln>
+        </p:spPr>
+        <p:style>
+          <a:lnRef idx="2">
+            <a:schemeClr val="accent1">
+              <a:shade val="50000"/>
+            </a:schemeClr>
+          </a:lnRef>
+          <a:fillRef idx="1">
+            <a:schemeClr val="accent1"/>
+          </a:fillRef>
+          <a:effectRef idx="0">
+            <a:schemeClr val="accent1"/>
+          </a:effectRef>
+          <a:fontRef idx="minor">
+            <a:schemeClr val="lt1"/>
+          </a:fontRef>
+        </p:style>
+        <p:txBody>
+          <a:bodyPr rtlCol="0" anchor="ctr"/>
+          <a:lstStyle/>
+          <a:p>
+            <a:pPr lvl="0" algn="ctr"/>
+            <a:endParaRPr lang="en-US"/>
+          </a:p>
+        </p:txBody>
+      </p:sp>
+      <p:sp>
+        <p:nvSpPr>
           <p:cNvPr id="2" name="Título 1">
             <a:extLst>
               <a:ext uri="{FF2B5EF4-FFF2-40B4-BE49-F238E27FC236}">
-                <a16:creationId xmlns:a16="http://schemas.microsoft.com/office/drawing/2014/main" id="{C55509A1-DE05-4653-A18F-5804BA0709D4}"/>
+                <a16:creationId xmlns:a16="http://schemas.microsoft.com/office/drawing/2014/main" id="{8F020F28-EE1B-4B81-82D0-232C0FA6A39B}"/>
               </a:ext>
             </a:extLst>
           </p:cNvPr>
@@ -8805,80 +9176,525 @@
             <p:ph type="title"/>
           </p:nvPr>
         </p:nvSpPr>
-        <p:spPr/>
-        <p:txBody>
-          <a:bodyPr/>
+        <p:spPr>
+          <a:xfrm>
+            <a:off x="1452616" y="962902"/>
+            <a:ext cx="4176384" cy="2380828"/>
+          </a:xfrm>
+        </p:spPr>
+        <p:txBody>
+          <a:bodyPr vert="horz" lIns="91440" tIns="45720" rIns="91440" bIns="0" rtlCol="0" anchor="b">
+            <a:normAutofit/>
+          </a:bodyPr>
           <a:lstStyle/>
           <a:p>
             <a:r>
-              <a:rPr lang="es-ES" dirty="0"/>
-              <a:t>Modelo </a:t>
-            </a:r>
-            <a:r>
-              <a:rPr lang="es-ES" dirty="0" err="1"/>
-              <a:t>Semi-interpretable</a:t>
-            </a:r>
-            <a:endParaRPr lang="es-ES" dirty="0"/>
-          </a:p>
-        </p:txBody>
-      </p:sp>
-      <p:sp>
-        <p:nvSpPr>
-          <p:cNvPr id="3" name="Marcador de contenido 2">
-            <a:extLst>
-              <a:ext uri="{FF2B5EF4-FFF2-40B4-BE49-F238E27FC236}">
-                <a16:creationId xmlns:a16="http://schemas.microsoft.com/office/drawing/2014/main" id="{D1393678-4B87-40F7-87ED-25D7FD09CDFA}"/>
-              </a:ext>
-            </a:extLst>
-          </p:cNvPr>
-          <p:cNvSpPr>
-            <a:spLocks noGrp="1"/>
-          </p:cNvSpPr>
+              <a:rPr lang="en-US" sz="4800"/>
+              <a:t>Tiempos de ejecución</a:t>
+            </a:r>
+          </a:p>
+        </p:txBody>
+      </p:sp>
+      <p:cxnSp>
+        <p:nvCxnSpPr>
+          <p:cNvPr id="24" name="Straight Connector 23">
+            <a:extLst>
+              <a:ext uri="{FF2B5EF4-FFF2-40B4-BE49-F238E27FC236}">
+                <a16:creationId xmlns:a16="http://schemas.microsoft.com/office/drawing/2014/main" id="{FA6123F2-4B61-414F-A7E5-5B7828EACAE2}"/>
+              </a:ext>
+              <a:ext uri="{C183D7F6-B498-43B3-948B-1728B52AA6E4}">
+                <adec:decorative xmlns:adec="http://schemas.microsoft.com/office/drawing/2017/decorative" val="1"/>
+              </a:ext>
+            </a:extLst>
+          </p:cNvPr>
+          <p:cNvCxnSpPr>
+            <a:cxnSpLocks noGrp="1" noRot="1" noChangeAspect="1" noMove="1" noResize="1" noEditPoints="1" noAdjustHandles="1" noChangeArrowheads="1" noChangeShapeType="1"/>
+          </p:cNvCxnSpPr>
+          <p:nvPr>
+            <p:extLst>
+              <p:ext uri="{386F3935-93C4-4BCD-93E2-E3B085C9AB24}">
+                <p16:designElem xmlns:p16="http://schemas.microsoft.com/office/powerpoint/2015/main" val="1"/>
+              </p:ext>
+            </p:extLst>
+          </p:nvPr>
+        </p:nvCxnSpPr>
+        <p:spPr>
+          <a:xfrm>
+            <a:off x="1452617" y="3528543"/>
+            <a:ext cx="4171479" cy="0"/>
+          </a:xfrm>
+          <a:prstGeom prst="line">
+            <a:avLst/>
+          </a:prstGeom>
+          <a:ln w="31750"/>
+        </p:spPr>
+        <p:style>
+          <a:lnRef idx="3">
+            <a:schemeClr val="accent1"/>
+          </a:lnRef>
+          <a:fillRef idx="0">
+            <a:schemeClr val="accent1"/>
+          </a:fillRef>
+          <a:effectRef idx="2">
+            <a:schemeClr val="accent1"/>
+          </a:effectRef>
+          <a:fontRef idx="minor">
+            <a:schemeClr val="tx1"/>
+          </a:fontRef>
+        </p:style>
+      </p:cxnSp>
+      <p:pic>
+        <p:nvPicPr>
+          <p:cNvPr id="7" name="Marcador de contenido 6" descr="Tabla&#10;&#10;Descripción generada automáticamente">
+            <a:extLst>
+              <a:ext uri="{FF2B5EF4-FFF2-40B4-BE49-F238E27FC236}">
+                <a16:creationId xmlns:a16="http://schemas.microsoft.com/office/drawing/2014/main" id="{84F68A60-6499-4DA6-BAFB-4C2F11280A18}"/>
+              </a:ext>
+            </a:extLst>
+          </p:cNvPr>
+          <p:cNvPicPr>
+            <a:picLocks noGrp="1" noChangeAspect="1"/>
+          </p:cNvPicPr>
           <p:nvPr>
             <p:ph idx="1"/>
           </p:nvPr>
-        </p:nvSpPr>
-        <p:spPr/>
-        <p:txBody>
-          <a:bodyPr/>
+        </p:nvPicPr>
+        <p:blipFill>
+          <a:blip r:embed="rId3">
+            <a:extLst>
+              <a:ext uri="{28A0092B-C50C-407E-A947-70E740481C1C}">
+                <a14:useLocalDpi xmlns:a14="http://schemas.microsoft.com/office/drawing/2010/main" val="0"/>
+              </a:ext>
+            </a:extLst>
+          </a:blip>
+          <a:stretch>
+            <a:fillRect/>
+          </a:stretch>
+        </p:blipFill>
+        <p:spPr>
+          <a:xfrm>
+            <a:off x="6775245" y="217187"/>
+            <a:ext cx="4848029" cy="5834070"/>
+          </a:xfrm>
+          <a:prstGeom prst="rect">
+            <a:avLst/>
+          </a:prstGeom>
+        </p:spPr>
+      </p:pic>
+      <p:pic>
+        <p:nvPicPr>
+          <p:cNvPr id="26" name="Picture 25">
+            <a:extLst>
+              <a:ext uri="{FF2B5EF4-FFF2-40B4-BE49-F238E27FC236}">
+                <a16:creationId xmlns:a16="http://schemas.microsoft.com/office/drawing/2014/main" id="{25CED634-E2D0-4AB7-96DD-816C9B52C5CF}"/>
+              </a:ext>
+              <a:ext uri="{C183D7F6-B498-43B3-948B-1728B52AA6E4}">
+                <adec:decorative xmlns:adec="http://schemas.microsoft.com/office/drawing/2017/decorative" val="1"/>
+              </a:ext>
+            </a:extLst>
+          </p:cNvPr>
+          <p:cNvPicPr>
+            <a:picLocks noGrp="1" noRot="1" noChangeAspect="1" noMove="1" noResize="1" noEditPoints="1" noAdjustHandles="1" noChangeArrowheads="1" noChangeShapeType="1" noCrop="1"/>
+          </p:cNvPicPr>
+          <p:nvPr>
+            <p:extLst>
+              <p:ext uri="{386F3935-93C4-4BCD-93E2-E3B085C9AB24}">
+                <p16:designElem xmlns:p16="http://schemas.microsoft.com/office/powerpoint/2015/main" val="1"/>
+              </p:ext>
+            </p:extLst>
+          </p:nvPr>
+        </p:nvPicPr>
+        <p:blipFill rotWithShape="1">
+          <a:blip r:embed="rId2">
+            <a:extLst>
+              <a:ext uri="{28A0092B-C50C-407E-A947-70E740481C1C}">
+                <a14:useLocalDpi xmlns:a14="http://schemas.microsoft.com/office/drawing/2010/main" val="0"/>
+              </a:ext>
+            </a:extLst>
+          </a:blip>
+          <a:srcRect t="1538" b="-1538"/>
+          <a:stretch/>
+        </p:blipFill>
+        <p:spPr bwMode="black">
+          <a:xfrm>
+            <a:off x="0" y="6126480"/>
+            <a:ext cx="12192000" cy="742950"/>
+          </a:xfrm>
+          <a:prstGeom prst="rect">
+            <a:avLst/>
+          </a:prstGeom>
+        </p:spPr>
+      </p:pic>
+      <p:cxnSp>
+        <p:nvCxnSpPr>
+          <p:cNvPr id="28" name="Straight Connector 27">
+            <a:extLst>
+              <a:ext uri="{FF2B5EF4-FFF2-40B4-BE49-F238E27FC236}">
+                <a16:creationId xmlns:a16="http://schemas.microsoft.com/office/drawing/2014/main" id="{FCDDCDFB-696D-4FDF-9B58-24F71B7C37BC}"/>
+              </a:ext>
+              <a:ext uri="{C183D7F6-B498-43B3-948B-1728B52AA6E4}">
+                <adec:decorative xmlns:adec="http://schemas.microsoft.com/office/drawing/2017/decorative" val="1"/>
+              </a:ext>
+            </a:extLst>
+          </p:cNvPr>
+          <p:cNvCxnSpPr>
+            <a:cxnSpLocks noGrp="1" noRot="1" noChangeAspect="1" noMove="1" noResize="1" noEditPoints="1" noAdjustHandles="1" noChangeArrowheads="1" noChangeShapeType="1"/>
+          </p:cNvCxnSpPr>
+          <p:nvPr>
+            <p:extLst>
+              <p:ext uri="{386F3935-93C4-4BCD-93E2-E3B085C9AB24}">
+                <p16:designElem xmlns:p16="http://schemas.microsoft.com/office/powerpoint/2015/main" val="1"/>
+              </p:ext>
+            </p:extLst>
+          </p:nvPr>
+        </p:nvCxnSpPr>
+        <p:spPr>
+          <a:xfrm>
+            <a:off x="0" y="6128413"/>
+            <a:ext cx="12192000" cy="0"/>
+          </a:xfrm>
+          <a:prstGeom prst="line">
+            <a:avLst/>
+          </a:prstGeom>
+          <a:ln w="12700">
+            <a:solidFill>
+              <a:srgbClr val="000001">
+                <a:alpha val="20000"/>
+              </a:srgbClr>
+            </a:solidFill>
+          </a:ln>
+        </p:spPr>
+        <p:style>
+          <a:lnRef idx="1">
+            <a:schemeClr val="accent1"/>
+          </a:lnRef>
+          <a:fillRef idx="0">
+            <a:schemeClr val="accent1"/>
+          </a:fillRef>
+          <a:effectRef idx="0">
+            <a:schemeClr val="accent1"/>
+          </a:effectRef>
+          <a:fontRef idx="minor">
+            <a:schemeClr val="tx1"/>
+          </a:fontRef>
+        </p:style>
+      </p:cxnSp>
+      <p:sp>
+        <p:nvSpPr>
+          <p:cNvPr id="17" name="Elipse 16">
+            <a:extLst>
+              <a:ext uri="{FF2B5EF4-FFF2-40B4-BE49-F238E27FC236}">
+                <a16:creationId xmlns:a16="http://schemas.microsoft.com/office/drawing/2014/main" id="{1FBBF3EB-15AB-48A1-B296-FD990EEB98F7}"/>
+              </a:ext>
+            </a:extLst>
+          </p:cNvPr>
+          <p:cNvSpPr/>
+          <p:nvPr/>
+        </p:nvSpPr>
+        <p:spPr>
+          <a:xfrm>
+            <a:off x="7764228" y="5723762"/>
+            <a:ext cx="609600" cy="318200"/>
+          </a:xfrm>
+          <a:prstGeom prst="ellipse">
+            <a:avLst/>
+          </a:prstGeom>
+          <a:noFill/>
+          <a:ln>
+            <a:solidFill>
+              <a:schemeClr val="accent1"/>
+            </a:solidFill>
+          </a:ln>
+        </p:spPr>
+        <p:style>
+          <a:lnRef idx="2">
+            <a:schemeClr val="accent1">
+              <a:shade val="50000"/>
+            </a:schemeClr>
+          </a:lnRef>
+          <a:fillRef idx="1">
+            <a:schemeClr val="accent1"/>
+          </a:fillRef>
+          <a:effectRef idx="0">
+            <a:schemeClr val="accent1"/>
+          </a:effectRef>
+          <a:fontRef idx="minor">
+            <a:schemeClr val="lt1"/>
+          </a:fontRef>
+        </p:style>
+        <p:txBody>
+          <a:bodyPr rtlCol="0" anchor="ctr"/>
           <a:lstStyle/>
           <a:p>
-            <a:r>
-              <a:rPr lang="es-ES" dirty="0"/>
-              <a:t>Los resultados muestran que no conseguimos mejorar el rendimiento del FARC-HD original con el </a:t>
-            </a:r>
-            <a:r>
-              <a:rPr lang="es-ES" dirty="0" err="1"/>
-              <a:t>tuning</a:t>
-            </a:r>
-            <a:r>
-              <a:rPr lang="es-ES" dirty="0"/>
-              <a:t> global. </a:t>
-            </a:r>
-          </a:p>
-          <a:p>
-            <a:endParaRPr lang="es-ES" dirty="0"/>
-          </a:p>
-          <a:p>
-            <a:r>
-              <a:rPr lang="es-ES" dirty="0"/>
-              <a:t>Idea no desarrollada, ya que al convertirlo </a:t>
-            </a:r>
-            <a:r>
-              <a:rPr lang="es-ES" dirty="0" err="1"/>
-              <a:t>semi-interpretable</a:t>
-            </a:r>
-            <a:r>
-              <a:rPr lang="es-ES" dirty="0"/>
-              <a:t> perdemos información y por lo tanto rendirá peor.</a:t>
-            </a:r>
+            <a:pPr algn="ctr"/>
+            <a:endParaRPr lang="es-ES"/>
+          </a:p>
+        </p:txBody>
+      </p:sp>
+      <p:sp>
+        <p:nvSpPr>
+          <p:cNvPr id="19" name="Elipse 18">
+            <a:extLst>
+              <a:ext uri="{FF2B5EF4-FFF2-40B4-BE49-F238E27FC236}">
+                <a16:creationId xmlns:a16="http://schemas.microsoft.com/office/drawing/2014/main" id="{D7BBFD07-7363-4CC0-9B2C-3D7A50C3BB51}"/>
+              </a:ext>
+            </a:extLst>
+          </p:cNvPr>
+          <p:cNvSpPr/>
+          <p:nvPr/>
+        </p:nvSpPr>
+        <p:spPr>
+          <a:xfrm>
+            <a:off x="9693751" y="5733058"/>
+            <a:ext cx="609600" cy="318200"/>
+          </a:xfrm>
+          <a:prstGeom prst="ellipse">
+            <a:avLst/>
+          </a:prstGeom>
+          <a:noFill/>
+          <a:ln>
+            <a:solidFill>
+              <a:schemeClr val="accent1"/>
+            </a:solidFill>
+          </a:ln>
+        </p:spPr>
+        <p:style>
+          <a:lnRef idx="2">
+            <a:schemeClr val="accent1">
+              <a:shade val="50000"/>
+            </a:schemeClr>
+          </a:lnRef>
+          <a:fillRef idx="1">
+            <a:schemeClr val="accent1"/>
+          </a:fillRef>
+          <a:effectRef idx="0">
+            <a:schemeClr val="accent1"/>
+          </a:effectRef>
+          <a:fontRef idx="minor">
+            <a:schemeClr val="lt1"/>
+          </a:fontRef>
+        </p:style>
+        <p:txBody>
+          <a:bodyPr rtlCol="0" anchor="ctr"/>
+          <a:lstStyle/>
+          <a:p>
+            <a:pPr algn="ctr"/>
+            <a:endParaRPr lang="es-ES"/>
+          </a:p>
+        </p:txBody>
+      </p:sp>
+      <p:sp>
+        <p:nvSpPr>
+          <p:cNvPr id="21" name="Elipse 20">
+            <a:extLst>
+              <a:ext uri="{FF2B5EF4-FFF2-40B4-BE49-F238E27FC236}">
+                <a16:creationId xmlns:a16="http://schemas.microsoft.com/office/drawing/2014/main" id="{411E35C7-7050-415C-8765-9DDC88BB4572}"/>
+              </a:ext>
+            </a:extLst>
+          </p:cNvPr>
+          <p:cNvSpPr/>
+          <p:nvPr/>
+        </p:nvSpPr>
+        <p:spPr>
+          <a:xfrm>
+            <a:off x="8424189" y="5713745"/>
+            <a:ext cx="609600" cy="318200"/>
+          </a:xfrm>
+          <a:prstGeom prst="ellipse">
+            <a:avLst/>
+          </a:prstGeom>
+          <a:noFill/>
+          <a:ln>
+            <a:solidFill>
+              <a:schemeClr val="accent3"/>
+            </a:solidFill>
+          </a:ln>
+        </p:spPr>
+        <p:style>
+          <a:lnRef idx="2">
+            <a:schemeClr val="accent1">
+              <a:shade val="50000"/>
+            </a:schemeClr>
+          </a:lnRef>
+          <a:fillRef idx="1">
+            <a:schemeClr val="accent1"/>
+          </a:fillRef>
+          <a:effectRef idx="0">
+            <a:schemeClr val="accent1"/>
+          </a:effectRef>
+          <a:fontRef idx="minor">
+            <a:schemeClr val="lt1"/>
+          </a:fontRef>
+        </p:style>
+        <p:txBody>
+          <a:bodyPr rtlCol="0" anchor="ctr"/>
+          <a:lstStyle/>
+          <a:p>
+            <a:pPr algn="ctr"/>
+            <a:endParaRPr lang="es-ES"/>
+          </a:p>
+        </p:txBody>
+      </p:sp>
+      <p:sp>
+        <p:nvSpPr>
+          <p:cNvPr id="23" name="Elipse 22">
+            <a:extLst>
+              <a:ext uri="{FF2B5EF4-FFF2-40B4-BE49-F238E27FC236}">
+                <a16:creationId xmlns:a16="http://schemas.microsoft.com/office/drawing/2014/main" id="{B6054F18-992A-4A6E-928E-A971AB339807}"/>
+              </a:ext>
+            </a:extLst>
+          </p:cNvPr>
+          <p:cNvSpPr/>
+          <p:nvPr/>
+        </p:nvSpPr>
+        <p:spPr>
+          <a:xfrm>
+            <a:off x="10404074" y="5723762"/>
+            <a:ext cx="609600" cy="318200"/>
+          </a:xfrm>
+          <a:prstGeom prst="ellipse">
+            <a:avLst/>
+          </a:prstGeom>
+          <a:noFill/>
+          <a:ln>
+            <a:solidFill>
+              <a:schemeClr val="accent3"/>
+            </a:solidFill>
+          </a:ln>
+        </p:spPr>
+        <p:style>
+          <a:lnRef idx="2">
+            <a:schemeClr val="accent1">
+              <a:shade val="50000"/>
+            </a:schemeClr>
+          </a:lnRef>
+          <a:fillRef idx="1">
+            <a:schemeClr val="accent1"/>
+          </a:fillRef>
+          <a:effectRef idx="0">
+            <a:schemeClr val="accent1"/>
+          </a:effectRef>
+          <a:fontRef idx="minor">
+            <a:schemeClr val="lt1"/>
+          </a:fontRef>
+        </p:style>
+        <p:txBody>
+          <a:bodyPr rtlCol="0" anchor="ctr"/>
+          <a:lstStyle/>
+          <a:p>
+            <a:pPr algn="ctr"/>
+            <a:endParaRPr lang="es-ES"/>
+          </a:p>
+        </p:txBody>
+      </p:sp>
+      <p:sp>
+        <p:nvSpPr>
+          <p:cNvPr id="25" name="Elipse 24">
+            <a:extLst>
+              <a:ext uri="{FF2B5EF4-FFF2-40B4-BE49-F238E27FC236}">
+                <a16:creationId xmlns:a16="http://schemas.microsoft.com/office/drawing/2014/main" id="{FCF427B1-5C52-4313-8C43-5600B42990F4}"/>
+              </a:ext>
+            </a:extLst>
+          </p:cNvPr>
+          <p:cNvSpPr/>
+          <p:nvPr/>
+        </p:nvSpPr>
+        <p:spPr>
+          <a:xfrm>
+            <a:off x="9028970" y="5733058"/>
+            <a:ext cx="609600" cy="318200"/>
+          </a:xfrm>
+          <a:prstGeom prst="ellipse">
+            <a:avLst/>
+          </a:prstGeom>
+          <a:noFill/>
+          <a:ln>
+            <a:solidFill>
+              <a:srgbClr val="00B050"/>
+            </a:solidFill>
+          </a:ln>
+        </p:spPr>
+        <p:style>
+          <a:lnRef idx="2">
+            <a:schemeClr val="accent1">
+              <a:shade val="50000"/>
+            </a:schemeClr>
+          </a:lnRef>
+          <a:fillRef idx="1">
+            <a:schemeClr val="accent1"/>
+          </a:fillRef>
+          <a:effectRef idx="0">
+            <a:schemeClr val="accent1"/>
+          </a:effectRef>
+          <a:fontRef idx="minor">
+            <a:schemeClr val="lt1"/>
+          </a:fontRef>
+        </p:style>
+        <p:txBody>
+          <a:bodyPr rtlCol="0" anchor="ctr"/>
+          <a:lstStyle/>
+          <a:p>
+            <a:pPr algn="ctr"/>
+            <a:endParaRPr lang="es-ES"/>
+          </a:p>
+        </p:txBody>
+      </p:sp>
+      <p:sp>
+        <p:nvSpPr>
+          <p:cNvPr id="27" name="Elipse 26">
+            <a:extLst>
+              <a:ext uri="{FF2B5EF4-FFF2-40B4-BE49-F238E27FC236}">
+                <a16:creationId xmlns:a16="http://schemas.microsoft.com/office/drawing/2014/main" id="{35FB273F-A1B4-4EA3-A751-9A11F7451DD9}"/>
+              </a:ext>
+            </a:extLst>
+          </p:cNvPr>
+          <p:cNvSpPr/>
+          <p:nvPr/>
+        </p:nvSpPr>
+        <p:spPr>
+          <a:xfrm>
+            <a:off x="11054852" y="5737565"/>
+            <a:ext cx="609600" cy="318200"/>
+          </a:xfrm>
+          <a:prstGeom prst="ellipse">
+            <a:avLst/>
+          </a:prstGeom>
+          <a:noFill/>
+          <a:ln>
+            <a:solidFill>
+              <a:srgbClr val="00B050"/>
+            </a:solidFill>
+          </a:ln>
+        </p:spPr>
+        <p:style>
+          <a:lnRef idx="2">
+            <a:schemeClr val="accent1">
+              <a:shade val="50000"/>
+            </a:schemeClr>
+          </a:lnRef>
+          <a:fillRef idx="1">
+            <a:schemeClr val="accent1"/>
+          </a:fillRef>
+          <a:effectRef idx="0">
+            <a:schemeClr val="accent1"/>
+          </a:effectRef>
+          <a:fontRef idx="minor">
+            <a:schemeClr val="lt1"/>
+          </a:fontRef>
+        </p:style>
+        <p:txBody>
+          <a:bodyPr rtlCol="0" anchor="ctr"/>
+          <a:lstStyle/>
+          <a:p>
+            <a:pPr algn="ctr"/>
+            <a:endParaRPr lang="es-ES"/>
           </a:p>
         </p:txBody>
       </p:sp>
     </p:spTree>
     <p:extLst>
       <p:ext uri="{BB962C8B-B14F-4D97-AF65-F5344CB8AC3E}">
-        <p14:creationId xmlns:p14="http://schemas.microsoft.com/office/powerpoint/2010/main" val="1960093887"/>
+        <p14:creationId xmlns:p14="http://schemas.microsoft.com/office/powerpoint/2010/main" val="677562593"/>
       </p:ext>
     </p:extLst>
   </p:cSld>
@@ -8910,7 +9726,7 @@
           <p:cNvPr id="2" name="Título 1">
             <a:extLst>
               <a:ext uri="{FF2B5EF4-FFF2-40B4-BE49-F238E27FC236}">
-                <a16:creationId xmlns:a16="http://schemas.microsoft.com/office/drawing/2014/main" id="{2AC05703-0D77-4E57-B014-34C4AD766C3C}"/>
+                <a16:creationId xmlns:a16="http://schemas.microsoft.com/office/drawing/2014/main" id="{C55509A1-DE05-4653-A18F-5804BA0709D4}"/>
               </a:ext>
             </a:extLst>
           </p:cNvPr>
@@ -8928,8 +9744,13 @@
           <a:p>
             <a:r>
               <a:rPr lang="es-ES" dirty="0"/>
-              <a:t>Conclusiones y líneas futuras</a:t>
-            </a:r>
+              <a:t>Modelo </a:t>
+            </a:r>
+            <a:r>
+              <a:rPr lang="es-ES" dirty="0" err="1"/>
+              <a:t>Semi-interpretable</a:t>
+            </a:r>
+            <a:endParaRPr lang="es-ES" dirty="0"/>
           </a:p>
         </p:txBody>
       </p:sp>
@@ -8938,7 +9759,7 @@
           <p:cNvPr id="3" name="Marcador de contenido 2">
             <a:extLst>
               <a:ext uri="{FF2B5EF4-FFF2-40B4-BE49-F238E27FC236}">
-                <a16:creationId xmlns:a16="http://schemas.microsoft.com/office/drawing/2014/main" id="{82F0DDBD-1BF9-4A2A-94C1-5AD022DA422D}"/>
+                <a16:creationId xmlns:a16="http://schemas.microsoft.com/office/drawing/2014/main" id="{D1393678-4B87-40F7-87ED-25D7FD09CDFA}"/>
               </a:ext>
             </a:extLst>
           </p:cNvPr>
@@ -8956,67 +9777,40 @@
           <a:p>
             <a:r>
               <a:rPr lang="es-ES" dirty="0"/>
-              <a:t>Conseguimos rendimientos muy parejos</a:t>
-            </a:r>
-          </a:p>
-          <a:p>
+              <a:t>Los resultados muestran que no conseguimos mejorar el rendimiento del FARC-HD original con el </a:t>
+            </a:r>
             <a:r>
               <a:rPr lang="es-ES" dirty="0" err="1"/>
-              <a:t>Tuning</a:t>
+              <a:t>tuning</a:t>
             </a:r>
             <a:r>
               <a:rPr lang="es-ES" dirty="0"/>
-              <a:t> local implica mayor coste temporal</a:t>
-            </a:r>
+              <a:t> global. </a:t>
+            </a:r>
+          </a:p>
+          <a:p>
+            <a:endParaRPr lang="es-ES" dirty="0"/>
           </a:p>
           <a:p>
             <a:r>
               <a:rPr lang="es-ES" dirty="0"/>
-              <a:t>No merece la pena desarrollar modelo </a:t>
+              <a:t>Idea no desarrollada, ya que al convertirlo </a:t>
             </a:r>
             <a:r>
               <a:rPr lang="es-ES" dirty="0" err="1"/>
               <a:t>semi-interpretable</a:t>
             </a:r>
-            <a:endParaRPr lang="es-ES" dirty="0"/>
-          </a:p>
-          <a:p>
             <a:r>
               <a:rPr lang="es-ES" dirty="0"/>
-              <a:t>No merece la pena añadir algoritmo de k vecinos para ejemplos no </a:t>
-            </a:r>
-            <a:r>
-              <a:rPr lang="es-ES" dirty="0" err="1"/>
-              <a:t>cuviertos</a:t>
-            </a:r>
-            <a:endParaRPr lang="es-ES" dirty="0"/>
-          </a:p>
-          <a:p>
-            <a:endParaRPr lang="es-ES" dirty="0"/>
-          </a:p>
-          <a:p>
-            <a:r>
-              <a:rPr lang="es-ES" dirty="0"/>
-              <a:t>Añadir </a:t>
-            </a:r>
-            <a:r>
-              <a:rPr lang="es-ES" dirty="0" err="1"/>
-              <a:t>tuning</a:t>
-            </a:r>
-            <a:r>
-              <a:rPr lang="es-ES" dirty="0"/>
-              <a:t> de amplitud.  Al ampliar el espacio de búsqueda puede que el local rinda mejor. </a:t>
-            </a:r>
-          </a:p>
-          <a:p>
-            <a:endParaRPr lang="es-ES" dirty="0"/>
+              <a:t> perdemos información y por lo tanto rendirá peor.</a:t>
+            </a:r>
           </a:p>
         </p:txBody>
       </p:sp>
     </p:spTree>
     <p:extLst>
       <p:ext uri="{BB962C8B-B14F-4D97-AF65-F5344CB8AC3E}">
-        <p14:creationId xmlns:p14="http://schemas.microsoft.com/office/powerpoint/2010/main" val="2594926664"/>
+        <p14:creationId xmlns:p14="http://schemas.microsoft.com/office/powerpoint/2010/main" val="1960093887"/>
       </p:ext>
     </p:extLst>
   </p:cSld>
@@ -9518,6 +10312,144 @@
     <p:extLst>
       <p:ext uri="{BB962C8B-B14F-4D97-AF65-F5344CB8AC3E}">
         <p14:creationId xmlns:p14="http://schemas.microsoft.com/office/powerpoint/2010/main" val="2113318173"/>
+      </p:ext>
+    </p:extLst>
+  </p:cSld>
+  <p:clrMapOvr>
+    <a:masterClrMapping/>
+  </p:clrMapOvr>
+</p:sld>
+</file>
+
+<file path=ppt/slides/slide20.xml><?xml version="1.0" encoding="utf-8"?>
+<p:sld xmlns:a="http://schemas.openxmlformats.org/drawingml/2006/main" xmlns:r="http://schemas.openxmlformats.org/officeDocument/2006/relationships" xmlns:p="http://schemas.openxmlformats.org/presentationml/2006/main">
+  <p:cSld>
+    <p:spTree>
+      <p:nvGrpSpPr>
+        <p:cNvPr id="1" name=""/>
+        <p:cNvGrpSpPr/>
+        <p:nvPr/>
+      </p:nvGrpSpPr>
+      <p:grpSpPr>
+        <a:xfrm>
+          <a:off x="0" y="0"/>
+          <a:ext cx="0" cy="0"/>
+          <a:chOff x="0" y="0"/>
+          <a:chExt cx="0" cy="0"/>
+        </a:xfrm>
+      </p:grpSpPr>
+      <p:sp>
+        <p:nvSpPr>
+          <p:cNvPr id="2" name="Título 1">
+            <a:extLst>
+              <a:ext uri="{FF2B5EF4-FFF2-40B4-BE49-F238E27FC236}">
+                <a16:creationId xmlns:a16="http://schemas.microsoft.com/office/drawing/2014/main" id="{2AC05703-0D77-4E57-B014-34C4AD766C3C}"/>
+              </a:ext>
+            </a:extLst>
+          </p:cNvPr>
+          <p:cNvSpPr>
+            <a:spLocks noGrp="1"/>
+          </p:cNvSpPr>
+          <p:nvPr>
+            <p:ph type="title"/>
+          </p:nvPr>
+        </p:nvSpPr>
+        <p:spPr/>
+        <p:txBody>
+          <a:bodyPr/>
+          <a:lstStyle/>
+          <a:p>
+            <a:r>
+              <a:rPr lang="es-ES" dirty="0"/>
+              <a:t>Conclusiones y líneas futuras</a:t>
+            </a:r>
+          </a:p>
+        </p:txBody>
+      </p:sp>
+      <p:sp>
+        <p:nvSpPr>
+          <p:cNvPr id="3" name="Marcador de contenido 2">
+            <a:extLst>
+              <a:ext uri="{FF2B5EF4-FFF2-40B4-BE49-F238E27FC236}">
+                <a16:creationId xmlns:a16="http://schemas.microsoft.com/office/drawing/2014/main" id="{82F0DDBD-1BF9-4A2A-94C1-5AD022DA422D}"/>
+              </a:ext>
+            </a:extLst>
+          </p:cNvPr>
+          <p:cNvSpPr>
+            <a:spLocks noGrp="1"/>
+          </p:cNvSpPr>
+          <p:nvPr>
+            <p:ph idx="1"/>
+          </p:nvPr>
+        </p:nvSpPr>
+        <p:spPr/>
+        <p:txBody>
+          <a:bodyPr/>
+          <a:lstStyle/>
+          <a:p>
+            <a:r>
+              <a:rPr lang="es-ES" dirty="0"/>
+              <a:t>Conseguimos rendimientos muy parejos</a:t>
+            </a:r>
+          </a:p>
+          <a:p>
+            <a:r>
+              <a:rPr lang="es-ES" dirty="0" err="1"/>
+              <a:t>Tuning</a:t>
+            </a:r>
+            <a:r>
+              <a:rPr lang="es-ES" dirty="0"/>
+              <a:t> local implica mayor coste temporal</a:t>
+            </a:r>
+          </a:p>
+          <a:p>
+            <a:r>
+              <a:rPr lang="es-ES" dirty="0"/>
+              <a:t>No merece la pena desarrollar modelo </a:t>
+            </a:r>
+            <a:r>
+              <a:rPr lang="es-ES" dirty="0" err="1"/>
+              <a:t>semi-interpretable</a:t>
+            </a:r>
+            <a:endParaRPr lang="es-ES" dirty="0"/>
+          </a:p>
+          <a:p>
+            <a:r>
+              <a:rPr lang="es-ES" dirty="0"/>
+              <a:t>No merece la pena añadir algoritmo de k vecinos para ejemplos no </a:t>
+            </a:r>
+            <a:r>
+              <a:rPr lang="es-ES" dirty="0" err="1"/>
+              <a:t>cuviertos</a:t>
+            </a:r>
+            <a:endParaRPr lang="es-ES" dirty="0"/>
+          </a:p>
+          <a:p>
+            <a:endParaRPr lang="es-ES" dirty="0"/>
+          </a:p>
+          <a:p>
+            <a:r>
+              <a:rPr lang="es-ES" dirty="0"/>
+              <a:t>Añadir </a:t>
+            </a:r>
+            <a:r>
+              <a:rPr lang="es-ES" dirty="0" err="1"/>
+              <a:t>tuning</a:t>
+            </a:r>
+            <a:r>
+              <a:rPr lang="es-ES" dirty="0"/>
+              <a:t> de amplitud.  Al ampliar el espacio de búsqueda puede que el local rinda mejor. </a:t>
+            </a:r>
+          </a:p>
+          <a:p>
+            <a:endParaRPr lang="es-ES" dirty="0"/>
+          </a:p>
+        </p:txBody>
+      </p:sp>
+    </p:spTree>
+    <p:extLst>
+      <p:ext uri="{BB962C8B-B14F-4D97-AF65-F5344CB8AC3E}">
+        <p14:creationId xmlns:p14="http://schemas.microsoft.com/office/powerpoint/2010/main" val="2594926664"/>
       </p:ext>
     </p:extLst>
   </p:cSld>
